--- a/AWS - Media Hosting.pptx
+++ b/AWS - Media Hosting.pptx
@@ -4,11 +4,17 @@
   <p:sldMasterIdLst>
     <p:sldMasterId id="2147483660" r:id="rId1"/>
   </p:sldMasterIdLst>
+  <p:notesMasterIdLst>
+    <p:notesMasterId r:id="rId9"/>
+  </p:notesMasterIdLst>
   <p:sldIdLst>
     <p:sldId id="256" r:id="rId2"/>
     <p:sldId id="258" r:id="rId3"/>
     <p:sldId id="259" r:id="rId4"/>
-    <p:sldId id="257" r:id="rId5"/>
+    <p:sldId id="261" r:id="rId5"/>
+    <p:sldId id="263" r:id="rId6"/>
+    <p:sldId id="264" r:id="rId7"/>
+    <p:sldId id="260" r:id="rId8"/>
   </p:sldIdLst>
   <p:sldSz cx="9144000" cy="6858000" type="screen4x3"/>
   <p:notesSz cx="6858000" cy="9144000"/>
@@ -115,13 +121,1259 @@
             <p14:sldId id="256"/>
             <p14:sldId id="258"/>
             <p14:sldId id="259"/>
-            <p14:sldId id="257"/>
+            <p14:sldId id="261"/>
+            <p14:sldId id="263"/>
+            <p14:sldId id="264"/>
+            <p14:sldId id="260"/>
           </p14:sldIdLst>
         </p14:section>
       </p14:sectionLst>
     </p:ext>
   </p:extLst>
 </p:presentation>
+</file>
+
+<file path=ppt/notesMasters/notesMaster1.xml><?xml version="1.0" encoding="utf-8"?>
+<p:notesMaster xmlns:a="http://schemas.openxmlformats.org/drawingml/2006/main" xmlns:r="http://schemas.openxmlformats.org/officeDocument/2006/relationships" xmlns:p="http://schemas.openxmlformats.org/presentationml/2006/main">
+  <p:cSld>
+    <p:bg>
+      <p:bgRef idx="1001">
+        <a:schemeClr val="bg1"/>
+      </p:bgRef>
+    </p:bg>
+    <p:spTree>
+      <p:nvGrpSpPr>
+        <p:cNvPr id="1" name=""/>
+        <p:cNvGrpSpPr/>
+        <p:nvPr/>
+      </p:nvGrpSpPr>
+      <p:grpSpPr>
+        <a:xfrm>
+          <a:off x="0" y="0"/>
+          <a:ext cx="0" cy="0"/>
+          <a:chOff x="0" y="0"/>
+          <a:chExt cx="0" cy="0"/>
+        </a:xfrm>
+      </p:grpSpPr>
+      <p:sp>
+        <p:nvSpPr>
+          <p:cNvPr id="2" name="Espace réservé de l'en-tête 1"/>
+          <p:cNvSpPr>
+            <a:spLocks noGrp="1"/>
+          </p:cNvSpPr>
+          <p:nvPr>
+            <p:ph type="hdr" sz="quarter"/>
+          </p:nvPr>
+        </p:nvSpPr>
+        <p:spPr>
+          <a:xfrm>
+            <a:off x="0" y="0"/>
+            <a:ext cx="2971800" cy="457200"/>
+          </a:xfrm>
+          <a:prstGeom prst="rect">
+            <a:avLst/>
+          </a:prstGeom>
+        </p:spPr>
+        <p:txBody>
+          <a:bodyPr vert="horz" lIns="91440" tIns="45720" rIns="91440" bIns="45720" rtlCol="0"/>
+          <a:lstStyle>
+            <a:lvl1pPr algn="l">
+              <a:defRPr sz="1200"/>
+            </a:lvl1pPr>
+          </a:lstStyle>
+          <a:p>
+            <a:endParaRPr lang="fr-FR"/>
+          </a:p>
+        </p:txBody>
+      </p:sp>
+      <p:sp>
+        <p:nvSpPr>
+          <p:cNvPr id="3" name="Espace réservé de la date 2"/>
+          <p:cNvSpPr>
+            <a:spLocks noGrp="1"/>
+          </p:cNvSpPr>
+          <p:nvPr>
+            <p:ph type="dt" idx="1"/>
+          </p:nvPr>
+        </p:nvSpPr>
+        <p:spPr>
+          <a:xfrm>
+            <a:off x="3884613" y="0"/>
+            <a:ext cx="2971800" cy="457200"/>
+          </a:xfrm>
+          <a:prstGeom prst="rect">
+            <a:avLst/>
+          </a:prstGeom>
+        </p:spPr>
+        <p:txBody>
+          <a:bodyPr vert="horz" lIns="91440" tIns="45720" rIns="91440" bIns="45720" rtlCol="0"/>
+          <a:lstStyle>
+            <a:lvl1pPr algn="r">
+              <a:defRPr sz="1200"/>
+            </a:lvl1pPr>
+          </a:lstStyle>
+          <a:p>
+            <a:fld id="{D60807A1-E260-2247-B456-7CBF621FA886}" type="datetimeFigureOut">
+              <a:rPr lang="fr-FR" smtClean="0"/>
+              <a:t>04/12/12</a:t>
+            </a:fld>
+            <a:endParaRPr lang="fr-FR"/>
+          </a:p>
+        </p:txBody>
+      </p:sp>
+      <p:sp>
+        <p:nvSpPr>
+          <p:cNvPr id="4" name="Espace réservé de l'image des diapositives 3"/>
+          <p:cNvSpPr>
+            <a:spLocks noGrp="1" noRot="1" noChangeAspect="1"/>
+          </p:cNvSpPr>
+          <p:nvPr>
+            <p:ph type="sldImg" idx="2"/>
+          </p:nvPr>
+        </p:nvSpPr>
+        <p:spPr>
+          <a:xfrm>
+            <a:off x="1143000" y="685800"/>
+            <a:ext cx="4572000" cy="3429000"/>
+          </a:xfrm>
+          <a:prstGeom prst="rect">
+            <a:avLst/>
+          </a:prstGeom>
+          <a:noFill/>
+          <a:ln w="12700">
+            <a:solidFill>
+              <a:prstClr val="black"/>
+            </a:solidFill>
+          </a:ln>
+        </p:spPr>
+        <p:txBody>
+          <a:bodyPr vert="horz" lIns="91440" tIns="45720" rIns="91440" bIns="45720" rtlCol="0" anchor="ctr"/>
+          <a:lstStyle/>
+          <a:p>
+            <a:endParaRPr lang="fr-FR"/>
+          </a:p>
+        </p:txBody>
+      </p:sp>
+      <p:sp>
+        <p:nvSpPr>
+          <p:cNvPr id="5" name="Espace réservé des commentaires 4"/>
+          <p:cNvSpPr>
+            <a:spLocks noGrp="1"/>
+          </p:cNvSpPr>
+          <p:nvPr>
+            <p:ph type="body" sz="quarter" idx="3"/>
+          </p:nvPr>
+        </p:nvSpPr>
+        <p:spPr>
+          <a:xfrm>
+            <a:off x="685800" y="4343400"/>
+            <a:ext cx="5486400" cy="4114800"/>
+          </a:xfrm>
+          <a:prstGeom prst="rect">
+            <a:avLst/>
+          </a:prstGeom>
+        </p:spPr>
+        <p:txBody>
+          <a:bodyPr vert="horz" lIns="91440" tIns="45720" rIns="91440" bIns="45720" rtlCol="0"/>
+          <a:lstStyle/>
+          <a:p>
+            <a:pPr lvl="0"/>
+            <a:r>
+              <a:rPr lang="en-US" smtClean="0"/>
+              <a:t>Cliquez pour modifier les styles du texte du masque</a:t>
+            </a:r>
+          </a:p>
+          <a:p>
+            <a:pPr lvl="1"/>
+            <a:r>
+              <a:rPr lang="en-US" smtClean="0"/>
+              <a:t>Deuxième niveau</a:t>
+            </a:r>
+          </a:p>
+          <a:p>
+            <a:pPr lvl="2"/>
+            <a:r>
+              <a:rPr lang="en-US" smtClean="0"/>
+              <a:t>Troisième niveau</a:t>
+            </a:r>
+          </a:p>
+          <a:p>
+            <a:pPr lvl="3"/>
+            <a:r>
+              <a:rPr lang="en-US" smtClean="0"/>
+              <a:t>Quatrième niveau</a:t>
+            </a:r>
+          </a:p>
+          <a:p>
+            <a:pPr lvl="4"/>
+            <a:r>
+              <a:rPr lang="en-US" smtClean="0"/>
+              <a:t>Cinquième niveau</a:t>
+            </a:r>
+            <a:endParaRPr lang="fr-FR"/>
+          </a:p>
+        </p:txBody>
+      </p:sp>
+      <p:sp>
+        <p:nvSpPr>
+          <p:cNvPr id="6" name="Espace réservé du pied de page 5"/>
+          <p:cNvSpPr>
+            <a:spLocks noGrp="1"/>
+          </p:cNvSpPr>
+          <p:nvPr>
+            <p:ph type="ftr" sz="quarter" idx="4"/>
+          </p:nvPr>
+        </p:nvSpPr>
+        <p:spPr>
+          <a:xfrm>
+            <a:off x="0" y="8685213"/>
+            <a:ext cx="2971800" cy="457200"/>
+          </a:xfrm>
+          <a:prstGeom prst="rect">
+            <a:avLst/>
+          </a:prstGeom>
+        </p:spPr>
+        <p:txBody>
+          <a:bodyPr vert="horz" lIns="91440" tIns="45720" rIns="91440" bIns="45720" rtlCol="0" anchor="b"/>
+          <a:lstStyle>
+            <a:lvl1pPr algn="l">
+              <a:defRPr sz="1200"/>
+            </a:lvl1pPr>
+          </a:lstStyle>
+          <a:p>
+            <a:endParaRPr lang="fr-FR"/>
+          </a:p>
+        </p:txBody>
+      </p:sp>
+      <p:sp>
+        <p:nvSpPr>
+          <p:cNvPr id="7" name="Espace réservé du numéro de diapositive 6"/>
+          <p:cNvSpPr>
+            <a:spLocks noGrp="1"/>
+          </p:cNvSpPr>
+          <p:nvPr>
+            <p:ph type="sldNum" sz="quarter" idx="5"/>
+          </p:nvPr>
+        </p:nvSpPr>
+        <p:spPr>
+          <a:xfrm>
+            <a:off x="3884613" y="8685213"/>
+            <a:ext cx="2971800" cy="457200"/>
+          </a:xfrm>
+          <a:prstGeom prst="rect">
+            <a:avLst/>
+          </a:prstGeom>
+        </p:spPr>
+        <p:txBody>
+          <a:bodyPr vert="horz" lIns="91440" tIns="45720" rIns="91440" bIns="45720" rtlCol="0" anchor="b"/>
+          <a:lstStyle>
+            <a:lvl1pPr algn="r">
+              <a:defRPr sz="1200"/>
+            </a:lvl1pPr>
+          </a:lstStyle>
+          <a:p>
+            <a:fld id="{7CFB7986-A455-FF4B-8986-0F422CDEA853}" type="slidenum">
+              <a:rPr lang="fr-FR" smtClean="0"/>
+              <a:t>‹#›</a:t>
+            </a:fld>
+            <a:endParaRPr lang="fr-FR"/>
+          </a:p>
+        </p:txBody>
+      </p:sp>
+    </p:spTree>
+    <p:extLst>
+      <p:ext uri="{BB962C8B-B14F-4D97-AF65-F5344CB8AC3E}">
+        <p14:creationId xmlns:p14="http://schemas.microsoft.com/office/powerpoint/2010/main" val="1398287192"/>
+      </p:ext>
+    </p:extLst>
+  </p:cSld>
+  <p:clrMap bg1="lt1" tx1="dk1" bg2="lt2" tx2="dk2" accent1="accent1" accent2="accent2" accent3="accent3" accent4="accent4" accent5="accent5" accent6="accent6" hlink="hlink" folHlink="folHlink"/>
+  <p:notesStyle>
+    <a:lvl1pPr marL="0" algn="l" defTabSz="457200" rtl="0" eaLnBrk="1" latinLnBrk="0" hangingPunct="1">
+      <a:defRPr sz="1200" kern="1200">
+        <a:solidFill>
+          <a:schemeClr val="tx1"/>
+        </a:solidFill>
+        <a:latin typeface="+mn-lt"/>
+        <a:ea typeface="+mn-ea"/>
+        <a:cs typeface="+mn-cs"/>
+      </a:defRPr>
+    </a:lvl1pPr>
+    <a:lvl2pPr marL="457200" algn="l" defTabSz="457200" rtl="0" eaLnBrk="1" latinLnBrk="0" hangingPunct="1">
+      <a:defRPr sz="1200" kern="1200">
+        <a:solidFill>
+          <a:schemeClr val="tx1"/>
+        </a:solidFill>
+        <a:latin typeface="+mn-lt"/>
+        <a:ea typeface="+mn-ea"/>
+        <a:cs typeface="+mn-cs"/>
+      </a:defRPr>
+    </a:lvl2pPr>
+    <a:lvl3pPr marL="914400" algn="l" defTabSz="457200" rtl="0" eaLnBrk="1" latinLnBrk="0" hangingPunct="1">
+      <a:defRPr sz="1200" kern="1200">
+        <a:solidFill>
+          <a:schemeClr val="tx1"/>
+        </a:solidFill>
+        <a:latin typeface="+mn-lt"/>
+        <a:ea typeface="+mn-ea"/>
+        <a:cs typeface="+mn-cs"/>
+      </a:defRPr>
+    </a:lvl3pPr>
+    <a:lvl4pPr marL="1371600" algn="l" defTabSz="457200" rtl="0" eaLnBrk="1" latinLnBrk="0" hangingPunct="1">
+      <a:defRPr sz="1200" kern="1200">
+        <a:solidFill>
+          <a:schemeClr val="tx1"/>
+        </a:solidFill>
+        <a:latin typeface="+mn-lt"/>
+        <a:ea typeface="+mn-ea"/>
+        <a:cs typeface="+mn-cs"/>
+      </a:defRPr>
+    </a:lvl4pPr>
+    <a:lvl5pPr marL="1828800" algn="l" defTabSz="457200" rtl="0" eaLnBrk="1" latinLnBrk="0" hangingPunct="1">
+      <a:defRPr sz="1200" kern="1200">
+        <a:solidFill>
+          <a:schemeClr val="tx1"/>
+        </a:solidFill>
+        <a:latin typeface="+mn-lt"/>
+        <a:ea typeface="+mn-ea"/>
+        <a:cs typeface="+mn-cs"/>
+      </a:defRPr>
+    </a:lvl5pPr>
+    <a:lvl6pPr marL="2286000" algn="l" defTabSz="457200" rtl="0" eaLnBrk="1" latinLnBrk="0" hangingPunct="1">
+      <a:defRPr sz="1200" kern="1200">
+        <a:solidFill>
+          <a:schemeClr val="tx1"/>
+        </a:solidFill>
+        <a:latin typeface="+mn-lt"/>
+        <a:ea typeface="+mn-ea"/>
+        <a:cs typeface="+mn-cs"/>
+      </a:defRPr>
+    </a:lvl6pPr>
+    <a:lvl7pPr marL="2743200" algn="l" defTabSz="457200" rtl="0" eaLnBrk="1" latinLnBrk="0" hangingPunct="1">
+      <a:defRPr sz="1200" kern="1200">
+        <a:solidFill>
+          <a:schemeClr val="tx1"/>
+        </a:solidFill>
+        <a:latin typeface="+mn-lt"/>
+        <a:ea typeface="+mn-ea"/>
+        <a:cs typeface="+mn-cs"/>
+      </a:defRPr>
+    </a:lvl7pPr>
+    <a:lvl8pPr marL="3200400" algn="l" defTabSz="457200" rtl="0" eaLnBrk="1" latinLnBrk="0" hangingPunct="1">
+      <a:defRPr sz="1200" kern="1200">
+        <a:solidFill>
+          <a:schemeClr val="tx1"/>
+        </a:solidFill>
+        <a:latin typeface="+mn-lt"/>
+        <a:ea typeface="+mn-ea"/>
+        <a:cs typeface="+mn-cs"/>
+      </a:defRPr>
+    </a:lvl8pPr>
+    <a:lvl9pPr marL="3657600" algn="l" defTabSz="457200" rtl="0" eaLnBrk="1" latinLnBrk="0" hangingPunct="1">
+      <a:defRPr sz="1200" kern="1200">
+        <a:solidFill>
+          <a:schemeClr val="tx1"/>
+        </a:solidFill>
+        <a:latin typeface="+mn-lt"/>
+        <a:ea typeface="+mn-ea"/>
+        <a:cs typeface="+mn-cs"/>
+      </a:defRPr>
+    </a:lvl9pPr>
+  </p:notesStyle>
+</p:notesMaster>
+</file>
+
+<file path=ppt/notesSlides/notesSlide1.xml><?xml version="1.0" encoding="utf-8"?>
+<p:notes xmlns:a="http://schemas.openxmlformats.org/drawingml/2006/main" xmlns:r="http://schemas.openxmlformats.org/officeDocument/2006/relationships" xmlns:p="http://schemas.openxmlformats.org/presentationml/2006/main">
+  <p:cSld>
+    <p:spTree>
+      <p:nvGrpSpPr>
+        <p:cNvPr id="1" name=""/>
+        <p:cNvGrpSpPr/>
+        <p:nvPr/>
+      </p:nvGrpSpPr>
+      <p:grpSpPr>
+        <a:xfrm>
+          <a:off x="0" y="0"/>
+          <a:ext cx="0" cy="0"/>
+          <a:chOff x="0" y="0"/>
+          <a:chExt cx="0" cy="0"/>
+        </a:xfrm>
+      </p:grpSpPr>
+      <p:sp>
+        <p:nvSpPr>
+          <p:cNvPr id="2" name="Espace réservé de l'image des diapositives 1"/>
+          <p:cNvSpPr>
+            <a:spLocks noGrp="1" noRot="1" noChangeAspect="1"/>
+          </p:cNvSpPr>
+          <p:nvPr>
+            <p:ph type="sldImg"/>
+          </p:nvPr>
+        </p:nvSpPr>
+        <p:spPr/>
+      </p:sp>
+      <p:sp>
+        <p:nvSpPr>
+          <p:cNvPr id="3" name="Espace réservé des commentaires 2"/>
+          <p:cNvSpPr>
+            <a:spLocks noGrp="1"/>
+          </p:cNvSpPr>
+          <p:nvPr>
+            <p:ph type="body" idx="1"/>
+          </p:nvPr>
+        </p:nvSpPr>
+        <p:spPr/>
+        <p:txBody>
+          <a:bodyPr/>
+          <a:lstStyle/>
+          <a:p>
+            <a:pPr marL="0" marR="0" indent="0" algn="l" defTabSz="457200" rtl="0" eaLnBrk="1" fontAlgn="auto" latinLnBrk="0" hangingPunct="1">
+              <a:lnSpc>
+                <a:spcPct val="100000"/>
+              </a:lnSpc>
+              <a:spcBef>
+                <a:spcPts val="0"/>
+              </a:spcBef>
+              <a:spcAft>
+                <a:spcPts val="0"/>
+              </a:spcAft>
+              <a:buClrTx/>
+              <a:buSzTx/>
+              <a:buFontTx/>
+              <a:buNone/>
+              <a:tabLst/>
+              <a:defRPr/>
+            </a:pPr>
+            <a:r>
+              <a:rPr lang="fr-FR" sz="1200" kern="1200" dirty="0" smtClean="0">
+                <a:solidFill>
+                  <a:schemeClr val="tx1"/>
+                </a:solidFill>
+                <a:latin typeface="+mn-lt"/>
+                <a:ea typeface="+mn-ea"/>
+                <a:cs typeface="+mn-cs"/>
+              </a:rPr>
+              <a:t>Amazon S3 est un service de stockage pour Internet. Il est conçu pour faciliter l'accès aux ressources informatiques à l'échelle du Web, pour les développeurs.</a:t>
+            </a:r>
+          </a:p>
+          <a:p>
+            <a:pPr marL="0" marR="0" indent="0" algn="l" defTabSz="457200" rtl="0" eaLnBrk="1" fontAlgn="auto" latinLnBrk="0" hangingPunct="1">
+              <a:lnSpc>
+                <a:spcPct val="100000"/>
+              </a:lnSpc>
+              <a:spcBef>
+                <a:spcPts val="0"/>
+              </a:spcBef>
+              <a:spcAft>
+                <a:spcPts val="0"/>
+              </a:spcAft>
+              <a:buClrTx/>
+              <a:buSzTx/>
+              <a:buFontTx/>
+              <a:buNone/>
+              <a:tabLst/>
+              <a:defRPr/>
+            </a:pPr>
+            <a:endParaRPr lang="fr-FR" sz="1200" kern="1200" dirty="0" smtClean="0">
+              <a:solidFill>
+                <a:schemeClr val="tx1"/>
+              </a:solidFill>
+              <a:latin typeface="+mn-lt"/>
+              <a:ea typeface="+mn-ea"/>
+              <a:cs typeface="+mn-cs"/>
+            </a:endParaRPr>
+          </a:p>
+          <a:p>
+            <a:pPr marL="0" marR="0" indent="0" algn="l" defTabSz="457200" rtl="0" eaLnBrk="1" fontAlgn="auto" latinLnBrk="0" hangingPunct="1">
+              <a:lnSpc>
+                <a:spcPct val="100000"/>
+              </a:lnSpc>
+              <a:spcBef>
+                <a:spcPts val="0"/>
+              </a:spcBef>
+              <a:spcAft>
+                <a:spcPts val="0"/>
+              </a:spcAft>
+              <a:buClrTx/>
+              <a:buSzTx/>
+              <a:buFontTx/>
+              <a:buNone/>
+              <a:tabLst/>
+              <a:defRPr/>
+            </a:pPr>
+            <a:r>
+              <a:rPr lang="fr-FR" sz="1200" kern="1200" dirty="0" smtClean="0">
+                <a:solidFill>
+                  <a:schemeClr val="tx1"/>
+                </a:solidFill>
+                <a:latin typeface="+mn-lt"/>
+                <a:ea typeface="+mn-ea"/>
+                <a:cs typeface="+mn-cs"/>
+              </a:rPr>
+              <a:t>Amazon S3 offre une simple interface de services Web à utiliser pour stocker et récupérer n'importe quelle quantité de données, à tout moment, de n'importe où sur le Web. Il permet aux développeurs d'accéder à la même infrastructure hautement évolutive, fiable, sûre, rapide, et peu coûteuse qu'Amazon utilise pour faire fonctionner son propre réseau mondial de sites. Le service vise à maximiser les avantages d'échelle et les transmettre aux développeurs.</a:t>
+            </a:r>
+          </a:p>
+          <a:p>
+            <a:pPr marL="0" marR="0" indent="0" algn="l" defTabSz="457200" rtl="0" eaLnBrk="1" fontAlgn="auto" latinLnBrk="0" hangingPunct="1">
+              <a:lnSpc>
+                <a:spcPct val="100000"/>
+              </a:lnSpc>
+              <a:spcBef>
+                <a:spcPts val="0"/>
+              </a:spcBef>
+              <a:spcAft>
+                <a:spcPts val="0"/>
+              </a:spcAft>
+              <a:buClrTx/>
+              <a:buSzTx/>
+              <a:buFontTx/>
+              <a:buNone/>
+              <a:tabLst/>
+              <a:defRPr/>
+            </a:pPr>
+            <a:endParaRPr lang="fr-FR" sz="1200" kern="1200" dirty="0" smtClean="0">
+              <a:solidFill>
+                <a:schemeClr val="tx1"/>
+              </a:solidFill>
+              <a:latin typeface="+mn-lt"/>
+              <a:ea typeface="+mn-ea"/>
+              <a:cs typeface="+mn-cs"/>
+            </a:endParaRPr>
+          </a:p>
+          <a:p>
+            <a:pPr marL="0" marR="0" lvl="2" indent="0" algn="l" defTabSz="457200" rtl="0" eaLnBrk="1" fontAlgn="auto" latinLnBrk="0" hangingPunct="1">
+              <a:lnSpc>
+                <a:spcPct val="100000"/>
+              </a:lnSpc>
+              <a:spcBef>
+                <a:spcPts val="0"/>
+              </a:spcBef>
+              <a:spcAft>
+                <a:spcPts val="0"/>
+              </a:spcAft>
+              <a:buClrTx/>
+              <a:buSzTx/>
+              <a:buFontTx/>
+              <a:buNone/>
+              <a:tabLst/>
+              <a:defRPr/>
+            </a:pPr>
+            <a:r>
+              <a:rPr lang="fr-FR" sz="3000" u="sng" dirty="0" smtClean="0"/>
+              <a:t>N’importe quelle quantité de données</a:t>
+            </a:r>
+            <a:r>
+              <a:rPr lang="fr-FR" sz="1200" u="sng" baseline="0" dirty="0" smtClean="0"/>
+              <a:t> </a:t>
+            </a:r>
+            <a:r>
+              <a:rPr lang="fr-FR" sz="1200" baseline="0" dirty="0" smtClean="0"/>
+              <a:t>: taille d’1 fichier limit</a:t>
+            </a:r>
+            <a:r>
+              <a:rPr lang="fr-FR" sz="1200" baseline="0" dirty="0" smtClean="0"/>
+              <a:t>ée à 5To</a:t>
+            </a:r>
+          </a:p>
+          <a:p>
+            <a:pPr marL="0" marR="0" lvl="2" indent="0" algn="l" defTabSz="457200" rtl="0" eaLnBrk="1" fontAlgn="auto" latinLnBrk="0" hangingPunct="1">
+              <a:lnSpc>
+                <a:spcPct val="100000"/>
+              </a:lnSpc>
+              <a:spcBef>
+                <a:spcPts val="0"/>
+              </a:spcBef>
+              <a:spcAft>
+                <a:spcPts val="0"/>
+              </a:spcAft>
+              <a:buClrTx/>
+              <a:buSzTx/>
+              <a:buFontTx/>
+              <a:buNone/>
+              <a:tabLst/>
+              <a:defRPr/>
+            </a:pPr>
+            <a:endParaRPr lang="fr-FR" sz="3000" dirty="0" smtClean="0"/>
+          </a:p>
+        </p:txBody>
+      </p:sp>
+      <p:sp>
+        <p:nvSpPr>
+          <p:cNvPr id="4" name="Espace réservé du numéro de diapositive 3"/>
+          <p:cNvSpPr>
+            <a:spLocks noGrp="1"/>
+          </p:cNvSpPr>
+          <p:nvPr>
+            <p:ph type="sldNum" sz="quarter" idx="10"/>
+          </p:nvPr>
+        </p:nvSpPr>
+        <p:spPr/>
+        <p:txBody>
+          <a:bodyPr/>
+          <a:lstStyle/>
+          <a:p>
+            <a:fld id="{7CFB7986-A455-FF4B-8986-0F422CDEA853}" type="slidenum">
+              <a:rPr lang="fr-FR" smtClean="0"/>
+              <a:t>4</a:t>
+            </a:fld>
+            <a:endParaRPr lang="fr-FR"/>
+          </a:p>
+        </p:txBody>
+      </p:sp>
+    </p:spTree>
+    <p:extLst>
+      <p:ext uri="{BB962C8B-B14F-4D97-AF65-F5344CB8AC3E}">
+        <p14:creationId xmlns:p14="http://schemas.microsoft.com/office/powerpoint/2010/main" val="2736999507"/>
+      </p:ext>
+    </p:extLst>
+  </p:cSld>
+  <p:clrMapOvr>
+    <a:masterClrMapping/>
+  </p:clrMapOvr>
+</p:notes>
+</file>
+
+<file path=ppt/notesSlides/notesSlide2.xml><?xml version="1.0" encoding="utf-8"?>
+<p:notes xmlns:a="http://schemas.openxmlformats.org/drawingml/2006/main" xmlns:r="http://schemas.openxmlformats.org/officeDocument/2006/relationships" xmlns:p="http://schemas.openxmlformats.org/presentationml/2006/main">
+  <p:cSld>
+    <p:spTree>
+      <p:nvGrpSpPr>
+        <p:cNvPr id="1" name=""/>
+        <p:cNvGrpSpPr/>
+        <p:nvPr/>
+      </p:nvGrpSpPr>
+      <p:grpSpPr>
+        <a:xfrm>
+          <a:off x="0" y="0"/>
+          <a:ext cx="0" cy="0"/>
+          <a:chOff x="0" y="0"/>
+          <a:chExt cx="0" cy="0"/>
+        </a:xfrm>
+      </p:grpSpPr>
+      <p:sp>
+        <p:nvSpPr>
+          <p:cNvPr id="2" name="Espace réservé de l'image des diapositives 1"/>
+          <p:cNvSpPr>
+            <a:spLocks noGrp="1" noRot="1" noChangeAspect="1"/>
+          </p:cNvSpPr>
+          <p:nvPr>
+            <p:ph type="sldImg"/>
+          </p:nvPr>
+        </p:nvSpPr>
+        <p:spPr/>
+      </p:sp>
+      <p:sp>
+        <p:nvSpPr>
+          <p:cNvPr id="3" name="Espace réservé des commentaires 2"/>
+          <p:cNvSpPr>
+            <a:spLocks noGrp="1"/>
+          </p:cNvSpPr>
+          <p:nvPr>
+            <p:ph type="body" idx="1"/>
+          </p:nvPr>
+        </p:nvSpPr>
+        <p:spPr/>
+        <p:txBody>
+          <a:bodyPr/>
+          <a:lstStyle/>
+          <a:p>
+            <a:pPr marL="0" marR="0" lvl="2" indent="0" algn="l" defTabSz="457200" rtl="0" eaLnBrk="1" fontAlgn="auto" latinLnBrk="0" hangingPunct="1">
+              <a:lnSpc>
+                <a:spcPct val="100000"/>
+              </a:lnSpc>
+              <a:spcBef>
+                <a:spcPts val="0"/>
+              </a:spcBef>
+              <a:spcAft>
+                <a:spcPts val="0"/>
+              </a:spcAft>
+              <a:buClrTx/>
+              <a:buSzTx/>
+              <a:buFontTx/>
+              <a:buNone/>
+              <a:tabLst/>
+              <a:defRPr/>
+            </a:pPr>
+            <a:r>
+              <a:rPr lang="fr-FR" sz="1200" kern="1200" dirty="0" smtClean="0">
+                <a:solidFill>
+                  <a:schemeClr val="tx1"/>
+                </a:solidFill>
+                <a:latin typeface="+mn-lt"/>
+                <a:ea typeface="+mn-ea"/>
+                <a:cs typeface="+mn-cs"/>
+              </a:rPr>
+              <a:t>1. Chaque objet est stocké dans un compartiment et </a:t>
+            </a:r>
+            <a:r>
+              <a:rPr lang="fr-FR" sz="1200" u="sng" kern="1200" dirty="0" smtClean="0">
+                <a:solidFill>
+                  <a:schemeClr val="tx1"/>
+                </a:solidFill>
+                <a:latin typeface="+mn-lt"/>
+                <a:ea typeface="+mn-ea"/>
+                <a:cs typeface="+mn-cs"/>
+              </a:rPr>
+              <a:t>récupéré via une clé unique attribuée au développeur.</a:t>
+            </a:r>
+          </a:p>
+          <a:p>
+            <a:pPr marL="0" marR="0" lvl="2" indent="0" algn="l" defTabSz="457200" rtl="0" eaLnBrk="1" fontAlgn="auto" latinLnBrk="0" hangingPunct="1">
+              <a:lnSpc>
+                <a:spcPct val="100000"/>
+              </a:lnSpc>
+              <a:spcBef>
+                <a:spcPts val="0"/>
+              </a:spcBef>
+              <a:spcAft>
+                <a:spcPts val="0"/>
+              </a:spcAft>
+              <a:buClrTx/>
+              <a:buSzTx/>
+              <a:buFontTx/>
+              <a:buNone/>
+              <a:tabLst/>
+              <a:defRPr/>
+            </a:pPr>
+            <a:endParaRPr lang="fr-FR" sz="1200" u="sng" kern="1200" dirty="0" smtClean="0">
+              <a:solidFill>
+                <a:schemeClr val="tx1"/>
+              </a:solidFill>
+              <a:latin typeface="+mn-lt"/>
+              <a:ea typeface="+mn-ea"/>
+              <a:cs typeface="+mn-cs"/>
+            </a:endParaRPr>
+          </a:p>
+          <a:p>
+            <a:pPr marL="0" marR="0" lvl="2" indent="0" algn="l" defTabSz="457200" rtl="0" eaLnBrk="1" fontAlgn="auto" latinLnBrk="0" hangingPunct="1">
+              <a:lnSpc>
+                <a:spcPct val="100000"/>
+              </a:lnSpc>
+              <a:spcBef>
+                <a:spcPts val="0"/>
+              </a:spcBef>
+              <a:spcAft>
+                <a:spcPts val="0"/>
+              </a:spcAft>
+              <a:buClrTx/>
+              <a:buSzTx/>
+              <a:buFontTx/>
+              <a:buNone/>
+              <a:tabLst/>
+              <a:defRPr/>
+            </a:pPr>
+            <a:r>
+              <a:rPr lang="fr-FR" sz="1200" kern="1200" dirty="0" smtClean="0">
+                <a:solidFill>
+                  <a:schemeClr val="tx1"/>
+                </a:solidFill>
+                <a:latin typeface="+mn-lt"/>
+                <a:ea typeface="+mn-ea"/>
+                <a:cs typeface="+mn-cs"/>
+              </a:rPr>
+              <a:t>2. Les objets stockés dans une région ne </a:t>
+            </a:r>
+            <a:r>
+              <a:rPr lang="fr-FR" sz="1200" u="sng" kern="1200" dirty="0" smtClean="0">
+                <a:solidFill>
+                  <a:schemeClr val="tx1"/>
+                </a:solidFill>
+                <a:latin typeface="+mn-lt"/>
+                <a:ea typeface="+mn-ea"/>
+                <a:cs typeface="+mn-cs"/>
+              </a:rPr>
+              <a:t>quittent jamais la région </a:t>
+            </a:r>
+            <a:r>
+              <a:rPr lang="fr-FR" sz="1200" kern="1200" dirty="0" smtClean="0">
+                <a:solidFill>
+                  <a:schemeClr val="tx1"/>
+                </a:solidFill>
+                <a:latin typeface="+mn-lt"/>
+                <a:ea typeface="+mn-ea"/>
+                <a:cs typeface="+mn-cs"/>
+              </a:rPr>
+              <a:t>à moins que vous les en déplaciez. Par exemple, des objets stockés dans la région UE (Irlande) ne quittent jamais l'UE.</a:t>
+            </a:r>
+          </a:p>
+          <a:p>
+            <a:pPr marL="0" marR="0" lvl="2" indent="0" algn="l" defTabSz="457200" rtl="0" eaLnBrk="1" fontAlgn="auto" latinLnBrk="0" hangingPunct="1">
+              <a:lnSpc>
+                <a:spcPct val="100000"/>
+              </a:lnSpc>
+              <a:spcBef>
+                <a:spcPts val="0"/>
+              </a:spcBef>
+              <a:spcAft>
+                <a:spcPts val="0"/>
+              </a:spcAft>
+              <a:buClrTx/>
+              <a:buSzTx/>
+              <a:buFontTx/>
+              <a:buNone/>
+              <a:tabLst/>
+              <a:defRPr/>
+            </a:pPr>
+            <a:endParaRPr lang="fr-FR" sz="1200" kern="1200" dirty="0" smtClean="0">
+              <a:solidFill>
+                <a:schemeClr val="tx1"/>
+              </a:solidFill>
+              <a:latin typeface="+mn-lt"/>
+              <a:ea typeface="+mn-ea"/>
+              <a:cs typeface="+mn-cs"/>
+            </a:endParaRPr>
+          </a:p>
+          <a:p>
+            <a:pPr marL="0" marR="0" lvl="2" indent="0" algn="l" defTabSz="457200" rtl="0" eaLnBrk="1" fontAlgn="auto" latinLnBrk="0" hangingPunct="1">
+              <a:lnSpc>
+                <a:spcPct val="100000"/>
+              </a:lnSpc>
+              <a:spcBef>
+                <a:spcPts val="0"/>
+              </a:spcBef>
+              <a:spcAft>
+                <a:spcPts val="0"/>
+              </a:spcAft>
+              <a:buClrTx/>
+              <a:buSzTx/>
+              <a:buFontTx/>
+              <a:buNone/>
+              <a:tabLst/>
+              <a:defRPr/>
+            </a:pPr>
+            <a:r>
+              <a:rPr lang="fr-FR" sz="3000" dirty="0" smtClean="0"/>
+              <a:t>3. </a:t>
+            </a:r>
+            <a:r>
+              <a:rPr lang="fr-FR" sz="1200" kern="1200" dirty="0" smtClean="0">
+                <a:solidFill>
+                  <a:schemeClr val="tx1"/>
+                </a:solidFill>
+                <a:latin typeface="+mn-lt"/>
+                <a:ea typeface="+mn-ea"/>
+                <a:cs typeface="+mn-cs"/>
+              </a:rPr>
+              <a:t>Les mécanismes d'authentification sont fournis pour assurer la sécurité des données contre les accès non autorisés. Des objets peuvent être rendus </a:t>
+            </a:r>
+            <a:r>
+              <a:rPr lang="fr-FR" sz="1200" u="sng" kern="1200" dirty="0" smtClean="0">
+                <a:solidFill>
+                  <a:schemeClr val="tx1"/>
+                </a:solidFill>
+                <a:latin typeface="+mn-lt"/>
+                <a:ea typeface="+mn-ea"/>
+                <a:cs typeface="+mn-cs"/>
+              </a:rPr>
+              <a:t>privés ou publics, et des droits d'accès accordés à des utilisateurs spécifiques.</a:t>
+            </a:r>
+          </a:p>
+          <a:p>
+            <a:pPr marL="0" marR="0" lvl="2" indent="0" algn="l" defTabSz="457200" rtl="0" eaLnBrk="1" fontAlgn="auto" latinLnBrk="0" hangingPunct="1">
+              <a:lnSpc>
+                <a:spcPct val="100000"/>
+              </a:lnSpc>
+              <a:spcBef>
+                <a:spcPts val="0"/>
+              </a:spcBef>
+              <a:spcAft>
+                <a:spcPts val="0"/>
+              </a:spcAft>
+              <a:buClrTx/>
+              <a:buSzTx/>
+              <a:buFontTx/>
+              <a:buNone/>
+              <a:tabLst/>
+              <a:defRPr/>
+            </a:pPr>
+            <a:endParaRPr lang="fr-FR" sz="1200" u="sng" kern="1200" dirty="0" smtClean="0">
+              <a:solidFill>
+                <a:schemeClr val="tx1"/>
+              </a:solidFill>
+              <a:latin typeface="+mn-lt"/>
+              <a:ea typeface="+mn-ea"/>
+              <a:cs typeface="+mn-cs"/>
+            </a:endParaRPr>
+          </a:p>
+          <a:p>
+            <a:pPr marL="0" marR="0" lvl="2" indent="0" algn="l" defTabSz="457200" rtl="0" eaLnBrk="1" fontAlgn="auto" latinLnBrk="0" hangingPunct="1">
+              <a:lnSpc>
+                <a:spcPct val="100000"/>
+              </a:lnSpc>
+              <a:spcBef>
+                <a:spcPts val="0"/>
+              </a:spcBef>
+              <a:spcAft>
+                <a:spcPts val="0"/>
+              </a:spcAft>
+              <a:buClrTx/>
+              <a:buSzTx/>
+              <a:buFontTx/>
+              <a:buNone/>
+              <a:tabLst/>
+              <a:defRPr/>
+            </a:pPr>
+            <a:r>
+              <a:rPr lang="fr-FR" sz="1200" u="sng" kern="1200" dirty="0" smtClean="0">
+                <a:solidFill>
+                  <a:schemeClr val="tx1"/>
+                </a:solidFill>
+                <a:latin typeface="+mn-lt"/>
+                <a:ea typeface="+mn-ea"/>
+                <a:cs typeface="+mn-cs"/>
+              </a:rPr>
+              <a:t>4. </a:t>
+            </a:r>
+            <a:r>
+              <a:rPr lang="fr-FR" sz="1200" kern="1200" dirty="0" smtClean="0">
+                <a:solidFill>
+                  <a:schemeClr val="tx1"/>
+                </a:solidFill>
+                <a:latin typeface="+mn-lt"/>
+                <a:ea typeface="+mn-ea"/>
+                <a:cs typeface="+mn-cs"/>
+              </a:rPr>
+              <a:t>Des fonctions sont prévues pour simplifier la gestion des données tout au long du cycle de vie. De plus, diverses options permettent de séparer les données par compartiments, de surveiller et de contrôler les dépenses, ainsi que d'archiver automatiquement les données afin de réduire encore davantage le coût du stockage. Ces options peuvent être facilement gérées à l'aide de la </a:t>
+            </a:r>
+            <a:r>
+              <a:rPr lang="fr-FR" sz="1200" u="sng" kern="1200" dirty="0" smtClean="0">
+                <a:solidFill>
+                  <a:schemeClr val="tx1"/>
+                </a:solidFill>
+                <a:latin typeface="+mn-lt"/>
+                <a:ea typeface="+mn-ea"/>
+                <a:cs typeface="+mn-cs"/>
+                <a:hlinkClick r:id="rId3"/>
+              </a:rPr>
+              <a:t>console de gestion d'Amazon S3.</a:t>
+            </a:r>
+            <a:endParaRPr lang="fr-FR" sz="1200" u="sng" kern="1200" dirty="0" smtClean="0">
+              <a:solidFill>
+                <a:schemeClr val="tx1"/>
+              </a:solidFill>
+              <a:latin typeface="+mn-lt"/>
+              <a:ea typeface="+mn-ea"/>
+              <a:cs typeface="+mn-cs"/>
+            </a:endParaRPr>
+          </a:p>
+          <a:p>
+            <a:pPr marL="0" marR="0" lvl="2" indent="0" algn="l" defTabSz="457200" rtl="0" eaLnBrk="1" fontAlgn="auto" latinLnBrk="0" hangingPunct="1">
+              <a:lnSpc>
+                <a:spcPct val="100000"/>
+              </a:lnSpc>
+              <a:spcBef>
+                <a:spcPts val="0"/>
+              </a:spcBef>
+              <a:spcAft>
+                <a:spcPts val="0"/>
+              </a:spcAft>
+              <a:buClrTx/>
+              <a:buSzTx/>
+              <a:buFontTx/>
+              <a:buNone/>
+              <a:tabLst/>
+              <a:defRPr/>
+            </a:pPr>
+            <a:endParaRPr lang="fr-FR" sz="1200" u="sng" kern="1200" dirty="0" smtClean="0">
+              <a:solidFill>
+                <a:schemeClr val="tx1"/>
+              </a:solidFill>
+              <a:latin typeface="+mn-lt"/>
+              <a:ea typeface="+mn-ea"/>
+              <a:cs typeface="+mn-cs"/>
+            </a:endParaRPr>
+          </a:p>
+          <a:p>
+            <a:pPr marL="0" marR="0" lvl="2" indent="0" algn="l" defTabSz="457200" rtl="0" eaLnBrk="1" fontAlgn="auto" latinLnBrk="0" hangingPunct="1">
+              <a:lnSpc>
+                <a:spcPct val="100000"/>
+              </a:lnSpc>
+              <a:spcBef>
+                <a:spcPts val="0"/>
+              </a:spcBef>
+              <a:spcAft>
+                <a:spcPts val="0"/>
+              </a:spcAft>
+              <a:buClrTx/>
+              <a:buSzTx/>
+              <a:buFontTx/>
+              <a:buNone/>
+              <a:tabLst/>
+              <a:defRPr/>
+            </a:pPr>
+            <a:endParaRPr lang="fr-FR" sz="3000" u="sng" dirty="0" smtClean="0"/>
+          </a:p>
+        </p:txBody>
+      </p:sp>
+      <p:sp>
+        <p:nvSpPr>
+          <p:cNvPr id="4" name="Espace réservé du numéro de diapositive 3"/>
+          <p:cNvSpPr>
+            <a:spLocks noGrp="1"/>
+          </p:cNvSpPr>
+          <p:nvPr>
+            <p:ph type="sldNum" sz="quarter" idx="10"/>
+          </p:nvPr>
+        </p:nvSpPr>
+        <p:spPr/>
+        <p:txBody>
+          <a:bodyPr/>
+          <a:lstStyle/>
+          <a:p>
+            <a:fld id="{7CFB7986-A455-FF4B-8986-0F422CDEA853}" type="slidenum">
+              <a:rPr lang="fr-FR" smtClean="0"/>
+              <a:t>5</a:t>
+            </a:fld>
+            <a:endParaRPr lang="fr-FR"/>
+          </a:p>
+        </p:txBody>
+      </p:sp>
+    </p:spTree>
+    <p:extLst>
+      <p:ext uri="{BB962C8B-B14F-4D97-AF65-F5344CB8AC3E}">
+        <p14:creationId xmlns:p14="http://schemas.microsoft.com/office/powerpoint/2010/main" val="2736999507"/>
+      </p:ext>
+    </p:extLst>
+  </p:cSld>
+  <p:clrMapOvr>
+    <a:masterClrMapping/>
+  </p:clrMapOvr>
+</p:notes>
+</file>
+
+<file path=ppt/notesSlides/notesSlide3.xml><?xml version="1.0" encoding="utf-8"?>
+<p:notes xmlns:a="http://schemas.openxmlformats.org/drawingml/2006/main" xmlns:r="http://schemas.openxmlformats.org/officeDocument/2006/relationships" xmlns:p="http://schemas.openxmlformats.org/presentationml/2006/main">
+  <p:cSld>
+    <p:spTree>
+      <p:nvGrpSpPr>
+        <p:cNvPr id="1" name=""/>
+        <p:cNvGrpSpPr/>
+        <p:nvPr/>
+      </p:nvGrpSpPr>
+      <p:grpSpPr>
+        <a:xfrm>
+          <a:off x="0" y="0"/>
+          <a:ext cx="0" cy="0"/>
+          <a:chOff x="0" y="0"/>
+          <a:chExt cx="0" cy="0"/>
+        </a:xfrm>
+      </p:grpSpPr>
+      <p:sp>
+        <p:nvSpPr>
+          <p:cNvPr id="2" name="Espace réservé de l'image des diapositives 1"/>
+          <p:cNvSpPr>
+            <a:spLocks noGrp="1" noRot="1" noChangeAspect="1"/>
+          </p:cNvSpPr>
+          <p:nvPr>
+            <p:ph type="sldImg"/>
+          </p:nvPr>
+        </p:nvSpPr>
+        <p:spPr/>
+      </p:sp>
+      <p:sp>
+        <p:nvSpPr>
+          <p:cNvPr id="3" name="Espace réservé des commentaires 2"/>
+          <p:cNvSpPr>
+            <a:spLocks noGrp="1"/>
+          </p:cNvSpPr>
+          <p:nvPr>
+            <p:ph type="body" idx="1"/>
+          </p:nvPr>
+        </p:nvSpPr>
+        <p:spPr/>
+        <p:txBody>
+          <a:bodyPr/>
+          <a:lstStyle/>
+          <a:p>
+            <a:pPr marL="0" marR="0" lvl="2" indent="0" algn="l" defTabSz="457200" rtl="0" eaLnBrk="1" fontAlgn="auto" latinLnBrk="0" hangingPunct="1">
+              <a:lnSpc>
+                <a:spcPct val="100000"/>
+              </a:lnSpc>
+              <a:spcBef>
+                <a:spcPts val="0"/>
+              </a:spcBef>
+              <a:spcAft>
+                <a:spcPts val="0"/>
+              </a:spcAft>
+              <a:buClrTx/>
+              <a:buSzTx/>
+              <a:buFontTx/>
+              <a:buNone/>
+              <a:tabLst/>
+              <a:defRPr/>
+            </a:pPr>
+            <a:endParaRPr lang="fr-FR" sz="3000" u="sng" dirty="0" smtClean="0"/>
+          </a:p>
+        </p:txBody>
+      </p:sp>
+      <p:sp>
+        <p:nvSpPr>
+          <p:cNvPr id="4" name="Espace réservé du numéro de diapositive 3"/>
+          <p:cNvSpPr>
+            <a:spLocks noGrp="1"/>
+          </p:cNvSpPr>
+          <p:nvPr>
+            <p:ph type="sldNum" sz="quarter" idx="10"/>
+          </p:nvPr>
+        </p:nvSpPr>
+        <p:spPr/>
+        <p:txBody>
+          <a:bodyPr/>
+          <a:lstStyle/>
+          <a:p>
+            <a:fld id="{7CFB7986-A455-FF4B-8986-0F422CDEA853}" type="slidenum">
+              <a:rPr lang="fr-FR" smtClean="0"/>
+              <a:t>6</a:t>
+            </a:fld>
+            <a:endParaRPr lang="fr-FR"/>
+          </a:p>
+        </p:txBody>
+      </p:sp>
+    </p:spTree>
+    <p:extLst>
+      <p:ext uri="{BB962C8B-B14F-4D97-AF65-F5344CB8AC3E}">
+        <p14:creationId xmlns:p14="http://schemas.microsoft.com/office/powerpoint/2010/main" val="2736999507"/>
+      </p:ext>
+    </p:extLst>
+  </p:cSld>
+  <p:clrMapOvr>
+    <a:masterClrMapping/>
+  </p:clrMapOvr>
+</p:notes>
+</file>
+
+<file path=ppt/notesSlides/notesSlide4.xml><?xml version="1.0" encoding="utf-8"?>
+<p:notes xmlns:a="http://schemas.openxmlformats.org/drawingml/2006/main" xmlns:r="http://schemas.openxmlformats.org/officeDocument/2006/relationships" xmlns:p="http://schemas.openxmlformats.org/presentationml/2006/main">
+  <p:cSld>
+    <p:spTree>
+      <p:nvGrpSpPr>
+        <p:cNvPr id="1" name=""/>
+        <p:cNvGrpSpPr/>
+        <p:nvPr/>
+      </p:nvGrpSpPr>
+      <p:grpSpPr>
+        <a:xfrm>
+          <a:off x="0" y="0"/>
+          <a:ext cx="0" cy="0"/>
+          <a:chOff x="0" y="0"/>
+          <a:chExt cx="0" cy="0"/>
+        </a:xfrm>
+      </p:grpSpPr>
+      <p:sp>
+        <p:nvSpPr>
+          <p:cNvPr id="2" name="Espace réservé de l'image des diapositives 1"/>
+          <p:cNvSpPr>
+            <a:spLocks noGrp="1" noRot="1" noChangeAspect="1"/>
+          </p:cNvSpPr>
+          <p:nvPr>
+            <p:ph type="sldImg"/>
+          </p:nvPr>
+        </p:nvSpPr>
+        <p:spPr/>
+      </p:sp>
+      <p:sp>
+        <p:nvSpPr>
+          <p:cNvPr id="3" name="Espace réservé des commentaires 2"/>
+          <p:cNvSpPr>
+            <a:spLocks noGrp="1"/>
+          </p:cNvSpPr>
+          <p:nvPr>
+            <p:ph type="body" idx="1"/>
+          </p:nvPr>
+        </p:nvSpPr>
+        <p:spPr/>
+        <p:txBody>
+          <a:bodyPr/>
+          <a:lstStyle/>
+          <a:p>
+            <a:pPr marL="171450" indent="-171450">
+              <a:buFontTx/>
+              <a:buChar char="-"/>
+            </a:pPr>
+            <a:r>
+              <a:rPr lang="fr-FR" dirty="0" smtClean="0"/>
+              <a:t>Facile d'utilisation : Abstraction liées au stockage et à la distribution de fichiers multimédia. Des outils de management et des APIs de services web pour aider à la mise en œuvre.</a:t>
+            </a:r>
+          </a:p>
+          <a:p>
+            <a:pPr marL="171450" indent="-171450">
+              <a:buFontTx/>
+              <a:buChar char="-"/>
+            </a:pPr>
+            <a:r>
+              <a:rPr lang="fr-FR" dirty="0" smtClean="0"/>
+              <a:t>Flexible : </a:t>
+            </a:r>
+            <a:r>
+              <a:rPr lang="fr-FR" dirty="0" err="1" smtClean="0"/>
+              <a:t>Personalisation</a:t>
+            </a:r>
+            <a:r>
+              <a:rPr lang="fr-FR" dirty="0" smtClean="0"/>
+              <a:t> de l'</a:t>
+            </a:r>
+            <a:r>
+              <a:rPr lang="fr-FR" dirty="0" err="1" smtClean="0"/>
+              <a:t>environement</a:t>
+            </a:r>
+            <a:r>
+              <a:rPr lang="fr-FR" dirty="0" smtClean="0"/>
+              <a:t> (OS, langage de programmation, logiciels &amp; services).</a:t>
+            </a:r>
+          </a:p>
+          <a:p>
+            <a:pPr marL="171450" indent="-171450">
+              <a:buFontTx/>
+              <a:buChar char="-"/>
+            </a:pPr>
+            <a:r>
+              <a:rPr lang="fr-FR" dirty="0" smtClean="0"/>
+              <a:t>Economique : Paiement que de la puissance de calcul, le stockage et les ressources utilisées. Aucun contrat d'engagement.</a:t>
+            </a:r>
+          </a:p>
+          <a:p>
+            <a:r>
+              <a:rPr lang="fr-FR" dirty="0" smtClean="0"/>
+              <a:t>- Fiable : Infrastructure de calcul ajustable (en fonction de la demande), fiable et sécurisée (physique, opérationnel, logiciel). Réseaux privés virtuels.</a:t>
+            </a:r>
+            <a:endParaRPr lang="fr-FR" dirty="0"/>
+          </a:p>
+        </p:txBody>
+      </p:sp>
+      <p:sp>
+        <p:nvSpPr>
+          <p:cNvPr id="4" name="Espace réservé du numéro de diapositive 3"/>
+          <p:cNvSpPr>
+            <a:spLocks noGrp="1"/>
+          </p:cNvSpPr>
+          <p:nvPr>
+            <p:ph type="sldNum" sz="quarter" idx="10"/>
+          </p:nvPr>
+        </p:nvSpPr>
+        <p:spPr/>
+        <p:txBody>
+          <a:bodyPr/>
+          <a:lstStyle/>
+          <a:p>
+            <a:fld id="{7CFB7986-A455-FF4B-8986-0F422CDEA853}" type="slidenum">
+              <a:rPr lang="fr-FR" smtClean="0"/>
+              <a:t>7</a:t>
+            </a:fld>
+            <a:endParaRPr lang="fr-FR"/>
+          </a:p>
+        </p:txBody>
+      </p:sp>
+    </p:spTree>
+    <p:extLst>
+      <p:ext uri="{BB962C8B-B14F-4D97-AF65-F5344CB8AC3E}">
+        <p14:creationId xmlns:p14="http://schemas.microsoft.com/office/powerpoint/2010/main" val="2736999507"/>
+      </p:ext>
+    </p:extLst>
+  </p:cSld>
+  <p:clrMapOvr>
+    <a:masterClrMapping/>
+  </p:clrMapOvr>
+</p:notes>
 </file>
 
 <file path=ppt/slideLayouts/slideLayout1.xml><?xml version="1.0" encoding="utf-8"?>
@@ -310,7 +1562,7 @@
           <a:p>
             <a:fld id="{70BA1CFD-BFF0-48BC-9BA5-4974D7A6AB15}" type="datetimeFigureOut">
               <a:rPr lang="en-US" smtClean="0"/>
-              <a:t>27/11/12</a:t>
+              <a:t>04/12/12</a:t>
             </a:fld>
             <a:endParaRPr lang="en-US"/>
           </a:p>
@@ -667,7 +1919,7 @@
           <a:p>
             <a:fld id="{70BA1CFD-BFF0-48BC-9BA5-4974D7A6AB15}" type="datetimeFigureOut">
               <a:rPr lang="en-US" smtClean="0"/>
-              <a:t>27/11/12</a:t>
+              <a:t>04/12/12</a:t>
             </a:fld>
             <a:endParaRPr lang="en-US"/>
           </a:p>
@@ -836,7 +2088,7 @@
           <a:p>
             <a:fld id="{70BA1CFD-BFF0-48BC-9BA5-4974D7A6AB15}" type="datetimeFigureOut">
               <a:rPr lang="en-US" smtClean="0"/>
-              <a:t>27/11/12</a:t>
+              <a:t>04/12/12</a:t>
             </a:fld>
             <a:endParaRPr lang="en-US"/>
           </a:p>
@@ -1015,7 +2267,7 @@
           <a:p>
             <a:fld id="{70BA1CFD-BFF0-48BC-9BA5-4974D7A6AB15}" type="datetimeFigureOut">
               <a:rPr lang="en-US" smtClean="0"/>
-              <a:t>27/11/12</a:t>
+              <a:t>04/12/12</a:t>
             </a:fld>
             <a:endParaRPr lang="en-US"/>
           </a:p>
@@ -1184,7 +2436,7 @@
           <a:p>
             <a:fld id="{70BA1CFD-BFF0-48BC-9BA5-4974D7A6AB15}" type="datetimeFigureOut">
               <a:rPr lang="en-US" smtClean="0"/>
-              <a:t>27/11/12</a:t>
+              <a:t>04/12/12</a:t>
             </a:fld>
             <a:endParaRPr lang="en-US"/>
           </a:p>
@@ -1461,7 +2713,7 @@
           <a:p>
             <a:fld id="{70BA1CFD-BFF0-48BC-9BA5-4974D7A6AB15}" type="datetimeFigureOut">
               <a:rPr lang="en-US" smtClean="0"/>
-              <a:t>27/11/12</a:t>
+              <a:t>04/12/12</a:t>
             </a:fld>
             <a:endParaRPr lang="en-US"/>
           </a:p>
@@ -1753,7 +3005,7 @@
           <a:p>
             <a:fld id="{70BA1CFD-BFF0-48BC-9BA5-4974D7A6AB15}" type="datetimeFigureOut">
               <a:rPr lang="en-US" smtClean="0"/>
-              <a:t>27/11/12</a:t>
+              <a:t>04/12/12</a:t>
             </a:fld>
             <a:endParaRPr lang="en-US"/>
           </a:p>
@@ -2189,7 +3441,7 @@
           <a:p>
             <a:fld id="{70BA1CFD-BFF0-48BC-9BA5-4974D7A6AB15}" type="datetimeFigureOut">
               <a:rPr lang="en-US" smtClean="0"/>
-              <a:t>27/11/12</a:t>
+              <a:t>04/12/12</a:t>
             </a:fld>
             <a:endParaRPr lang="en-US"/>
           </a:p>
@@ -2302,7 +3554,7 @@
           <a:p>
             <a:fld id="{70BA1CFD-BFF0-48BC-9BA5-4974D7A6AB15}" type="datetimeFigureOut">
               <a:rPr lang="en-US" smtClean="0"/>
-              <a:t>27/11/12</a:t>
+              <a:t>04/12/12</a:t>
             </a:fld>
             <a:endParaRPr lang="en-US"/>
           </a:p>
@@ -2392,7 +3644,7 @@
           <a:p>
             <a:fld id="{70BA1CFD-BFF0-48BC-9BA5-4974D7A6AB15}" type="datetimeFigureOut">
               <a:rPr lang="en-US" smtClean="0"/>
-              <a:t>27/11/12</a:t>
+              <a:t>04/12/12</a:t>
             </a:fld>
             <a:endParaRPr lang="en-US"/>
           </a:p>
@@ -2729,7 +3981,7 @@
           <a:p>
             <a:fld id="{70BA1CFD-BFF0-48BC-9BA5-4974D7A6AB15}" type="datetimeFigureOut">
               <a:rPr lang="en-US" smtClean="0"/>
-              <a:t>27/11/12</a:t>
+              <a:t>04/12/12</a:t>
             </a:fld>
             <a:endParaRPr lang="en-US"/>
           </a:p>
@@ -3044,7 +4296,7 @@
           <a:p>
             <a:fld id="{70BA1CFD-BFF0-48BC-9BA5-4974D7A6AB15}" type="datetimeFigureOut">
               <a:rPr lang="en-US" smtClean="0"/>
-              <a:t>27/11/12</a:t>
+              <a:t>04/12/12</a:t>
             </a:fld>
             <a:endParaRPr lang="en-US"/>
           </a:p>
@@ -3290,7 +4542,7 @@
           <a:p>
             <a:fld id="{70BA1CFD-BFF0-48BC-9BA5-4974D7A6AB15}" type="datetimeFigureOut">
               <a:rPr lang="en-US" smtClean="0"/>
-              <a:t>27/11/12</a:t>
+              <a:t>04/12/12</a:t>
             </a:fld>
             <a:endParaRPr lang="en-US"/>
           </a:p>
@@ -3899,90 +5151,60 @@
           <a:lstStyle/>
           <a:p>
             <a:r>
+              <a:rPr lang="fr-FR" sz="2800" u="sng" dirty="0" smtClean="0"/>
+              <a:t>But</a:t>
+            </a:r>
+            <a:endParaRPr lang="fr-FR" sz="2800" u="sng" dirty="0" smtClean="0"/>
+          </a:p>
+          <a:p>
+            <a:pPr lvl="1"/>
+            <a:r>
               <a:rPr lang="fr-FR" dirty="0" smtClean="0"/>
-              <a:t>But : </a:t>
-            </a:r>
+              <a:t>Diffuser des fichiers multimédia sur le Web</a:t>
+            </a:r>
+          </a:p>
+          <a:p>
+            <a:r>
+              <a:rPr lang="fr-FR" sz="2800" u="sng" dirty="0" smtClean="0"/>
+              <a:t>Défi</a:t>
+            </a:r>
+            <a:endParaRPr lang="fr-FR" sz="2800" u="sng" dirty="0"/>
           </a:p>
           <a:p>
             <a:pPr lvl="1"/>
             <a:r>
-              <a:rPr lang="fr-FR" dirty="0" smtClean="0"/>
-              <a:t>Diffuser des fichiers </a:t>
-            </a:r>
-            <a:r>
-              <a:rPr lang="fr-FR" dirty="0" err="1" smtClean="0"/>
-              <a:t>multimedia</a:t>
-            </a:r>
-            <a:r>
-              <a:rPr lang="fr-FR" dirty="0" smtClean="0"/>
-              <a:t> sur le Web</a:t>
-            </a:r>
-          </a:p>
-          <a:p>
-            <a:r>
-              <a:rPr lang="fr-FR" dirty="0" smtClean="0"/>
-              <a:t>Fichiers </a:t>
-            </a:r>
-            <a:r>
-              <a:rPr lang="fr-FR" dirty="0" err="1" smtClean="0"/>
-              <a:t>multimedias</a:t>
-            </a:r>
-            <a:r>
-              <a:rPr lang="fr-FR" dirty="0" smtClean="0"/>
-              <a:t> :</a:t>
+              <a:rPr lang="fr-FR" dirty="0"/>
+              <a:t>Gérer les imprévus</a:t>
+            </a:r>
+          </a:p>
+          <a:p>
+            <a:pPr lvl="2"/>
+            <a:r>
+              <a:rPr lang="fr-FR" dirty="0"/>
+              <a:t>Pics de demande</a:t>
+            </a:r>
+          </a:p>
+          <a:p>
+            <a:pPr lvl="2"/>
+            <a:r>
+              <a:rPr lang="fr-FR" dirty="0"/>
+              <a:t>Problèmes inattendus</a:t>
             </a:r>
           </a:p>
           <a:p>
             <a:pPr lvl="1"/>
             <a:r>
-              <a:rPr lang="fr-FR" dirty="0" smtClean="0"/>
-              <a:t>M</a:t>
-            </a:r>
-            <a:r>
-              <a:rPr lang="fr-FR" dirty="0" smtClean="0"/>
-              <a:t>usique</a:t>
+              <a:rPr lang="fr-FR" dirty="0"/>
+              <a:t>Estimer les coûts</a:t>
             </a:r>
           </a:p>
           <a:p>
             <a:pPr lvl="1"/>
-            <a:r>
-              <a:rPr lang="fr-FR" dirty="0" smtClean="0"/>
-              <a:t>S</a:t>
-            </a:r>
-            <a:r>
-              <a:rPr lang="fr-FR" dirty="0" smtClean="0"/>
-              <a:t>on</a:t>
-            </a:r>
-          </a:p>
-          <a:p>
-            <a:pPr lvl="1"/>
-            <a:r>
-              <a:rPr lang="fr-FR" dirty="0" smtClean="0"/>
-              <a:t>I</a:t>
-            </a:r>
-            <a:r>
-              <a:rPr lang="fr-FR" dirty="0" smtClean="0"/>
-              <a:t>mage</a:t>
-            </a:r>
-          </a:p>
-          <a:p>
-            <a:pPr lvl="1"/>
-            <a:r>
-              <a:rPr lang="fr-FR" dirty="0" err="1" smtClean="0"/>
-              <a:t>V</a:t>
-            </a:r>
-            <a:r>
-              <a:rPr lang="fr-FR" dirty="0" err="1" smtClean="0"/>
-              <a:t>ideo</a:t>
-            </a:r>
-            <a:endParaRPr lang="fr-FR" dirty="0" smtClean="0"/>
-          </a:p>
-          <a:p>
-            <a:pPr lvl="1"/>
-            <a:r>
-              <a:rPr lang="fr-FR" dirty="0" smtClean="0"/>
-              <a:t>(IHM)????</a:t>
-            </a:r>
+            <a:endParaRPr lang="fr-FR" dirty="0"/>
+          </a:p>
+          <a:p>
+            <a:pPr lvl="2"/>
+            <a:endParaRPr lang="fr-FR" dirty="0"/>
           </a:p>
         </p:txBody>
       </p:sp>
@@ -4008,7 +5230,7 @@
         </p:blipFill>
         <p:spPr>
           <a:xfrm>
-            <a:off x="7954963" y="2407375"/>
+            <a:off x="7924800" y="594439"/>
             <a:ext cx="812800" cy="812800"/>
           </a:xfrm>
           <a:prstGeom prst="rect">
@@ -4063,7 +5285,7 @@
           <a:p>
             <a:r>
               <a:rPr lang="fr-FR" dirty="0" smtClean="0"/>
-              <a:t>Introduction</a:t>
+              <a:t>Les solution AWS</a:t>
             </a:r>
             <a:endParaRPr lang="fr-FR" dirty="0"/>
           </a:p>
@@ -4079,7 +5301,12 @@
             <p:ph idx="1"/>
           </p:nvPr>
         </p:nvSpPr>
-        <p:spPr/>
+        <p:spPr>
+          <a:xfrm>
+            <a:off x="779462" y="1882588"/>
+            <a:ext cx="8016613" cy="3953436"/>
+          </a:xfrm>
+        </p:spPr>
         <p:txBody>
           <a:bodyPr>
             <a:normAutofit/>
@@ -4087,94 +5314,88 @@
           <a:lstStyle/>
           <a:p>
             <a:r>
-              <a:rPr lang="fr-FR" dirty="0" smtClean="0"/>
-              <a:t>D</a:t>
-            </a:r>
-            <a:r>
-              <a:rPr lang="fr-FR" dirty="0" smtClean="0"/>
-              <a:t>éfi</a:t>
-            </a:r>
-            <a:r>
-              <a:rPr lang="fr-FR" dirty="0" smtClean="0"/>
-              <a:t> : </a:t>
+              <a:rPr lang="fr-FR" sz="3200" dirty="0"/>
+              <a:t>3</a:t>
+            </a:r>
+            <a:r>
+              <a:rPr lang="fr-FR" sz="3200" dirty="0" smtClean="0"/>
+              <a:t> </a:t>
+            </a:r>
+            <a:r>
+              <a:rPr lang="fr-FR" sz="3200" dirty="0" smtClean="0"/>
+              <a:t>produits Amazon pour l’hébergement</a:t>
             </a:r>
           </a:p>
           <a:p>
             <a:pPr lvl="1"/>
             <a:r>
-              <a:rPr lang="fr-FR" dirty="0" smtClean="0"/>
-              <a:t>G</a:t>
-            </a:r>
-            <a:r>
-              <a:rPr lang="fr-FR" dirty="0" smtClean="0"/>
-              <a:t>érer les imprévus</a:t>
-            </a:r>
-          </a:p>
-          <a:p>
-            <a:pPr lvl="2"/>
-            <a:r>
-              <a:rPr lang="fr-FR" dirty="0" smtClean="0"/>
-              <a:t>Pics de demande</a:t>
-            </a:r>
-          </a:p>
-          <a:p>
-            <a:pPr lvl="2"/>
-            <a:r>
-              <a:rPr lang="fr-FR" dirty="0" smtClean="0"/>
-              <a:t>Problèmes inattendus</a:t>
+              <a:rPr lang="fr-FR" sz="3200" dirty="0" smtClean="0"/>
+              <a:t>Amazon Simple Storage Service (Amazon S3</a:t>
+            </a:r>
+            <a:r>
+              <a:rPr lang="fr-FR" sz="3200" dirty="0" smtClean="0"/>
+              <a:t>)</a:t>
             </a:r>
           </a:p>
           <a:p>
             <a:pPr lvl="1"/>
             <a:r>
-              <a:rPr lang="fr-FR" dirty="0" smtClean="0"/>
-              <a:t>Estimer les coûts</a:t>
+              <a:rPr lang="fr-FR" sz="3200" dirty="0" smtClean="0"/>
+              <a:t> Amazon </a:t>
+            </a:r>
+            <a:r>
+              <a:rPr lang="fr-FR" sz="3200" dirty="0" err="1" smtClean="0"/>
+              <a:t>Elastic</a:t>
+            </a:r>
+            <a:r>
+              <a:rPr lang="fr-FR" sz="3200" dirty="0" smtClean="0"/>
+              <a:t> </a:t>
+            </a:r>
+            <a:r>
+              <a:rPr lang="fr-FR" sz="3200" dirty="0" err="1" smtClean="0"/>
+              <a:t>Compute</a:t>
+            </a:r>
+            <a:r>
+              <a:rPr lang="fr-FR" sz="3200" dirty="0" smtClean="0"/>
+              <a:t> Cloud (Amazon EC2</a:t>
+            </a:r>
+            <a:r>
+              <a:rPr lang="fr-FR" sz="3200" dirty="0"/>
+              <a:t>)</a:t>
             </a:r>
           </a:p>
           <a:p>
             <a:pPr lvl="1"/>
-            <a:endParaRPr lang="fr-FR" dirty="0" smtClean="0"/>
-          </a:p>
-          <a:p>
-            <a:pPr lvl="2"/>
-            <a:endParaRPr lang="fr-FR" dirty="0" smtClean="0"/>
-          </a:p>
-        </p:txBody>
-      </p:sp>
-      <p:pic>
-        <p:nvPicPr>
-          <p:cNvPr id="4" name="Image 3" descr="Noia_64_apps_multimedia.png"/>
-          <p:cNvPicPr>
-            <a:picLocks noChangeAspect="1"/>
-          </p:cNvPicPr>
-          <p:nvPr/>
-        </p:nvPicPr>
-        <p:blipFill>
-          <a:blip r:embed="rId2">
-            <a:extLst>
-              <a:ext uri="{28A0092B-C50C-407E-A947-70E740481C1C}">
-                <a14:useLocalDpi xmlns:a14="http://schemas.microsoft.com/office/drawing/2010/main" val="0"/>
-              </a:ext>
-            </a:extLst>
-          </a:blip>
-          <a:stretch>
-            <a:fillRect/>
-          </a:stretch>
-        </p:blipFill>
-        <p:spPr>
-          <a:xfrm>
-            <a:off x="7954963" y="2407375"/>
-            <a:ext cx="812800" cy="812800"/>
-          </a:xfrm>
-          <a:prstGeom prst="rect">
-            <a:avLst/>
-          </a:prstGeom>
-        </p:spPr>
-      </p:pic>
+            <a:r>
+              <a:rPr lang="fr-FR" sz="3200" dirty="0"/>
+              <a:t>Amazon </a:t>
+            </a:r>
+            <a:r>
+              <a:rPr lang="fr-FR" sz="3200" dirty="0" err="1"/>
+              <a:t>CloudFront</a:t>
+            </a:r>
+            <a:endParaRPr lang="fr-FR" sz="3200" dirty="0"/>
+          </a:p>
+          <a:p>
+            <a:pPr lvl="1"/>
+            <a:endParaRPr lang="fr-FR" sz="3200" dirty="0" smtClean="0"/>
+          </a:p>
+          <a:p>
+            <a:pPr lvl="1"/>
+            <a:endParaRPr lang="fr-FR" sz="3200" dirty="0" smtClean="0"/>
+          </a:p>
+          <a:p>
+            <a:pPr marL="403225" lvl="1" indent="0">
+              <a:buNone/>
+            </a:pPr>
+            <a:endParaRPr lang="fr-FR" sz="3200" dirty="0" smtClean="0"/>
+          </a:p>
+        </p:txBody>
+      </p:sp>
     </p:spTree>
     <p:extLst>
       <p:ext uri="{BB962C8B-B14F-4D97-AF65-F5344CB8AC3E}">
-        <p14:creationId xmlns:p14="http://schemas.microsoft.com/office/powerpoint/2010/main" val="1583817603"/>
+        <p14:creationId xmlns:p14="http://schemas.microsoft.com/office/powerpoint/2010/main" val="3382103634"/>
       </p:ext>
     </p:extLst>
   </p:cSld>
@@ -4211,131 +5432,537 @@
             <p:ph type="title"/>
           </p:nvPr>
         </p:nvSpPr>
-        <p:spPr/>
-        <p:txBody>
-          <a:bodyPr/>
-          <a:lstStyle/>
-          <a:p>
-            <a:r>
-              <a:rPr lang="fr-FR" dirty="0" smtClean="0"/>
-              <a:t>Introduction</a:t>
-            </a:r>
-            <a:endParaRPr lang="fr-FR" dirty="0"/>
-          </a:p>
-        </p:txBody>
-      </p:sp>
-      <p:sp>
-        <p:nvSpPr>
-          <p:cNvPr id="3" name="Espace réservé du contenu 2"/>
-          <p:cNvSpPr>
-            <a:spLocks noGrp="1"/>
-          </p:cNvSpPr>
-          <p:nvPr>
-            <p:ph idx="1"/>
-          </p:nvPr>
-        </p:nvSpPr>
-        <p:spPr/>
-        <p:txBody>
-          <a:bodyPr/>
-          <a:lstStyle/>
-          <a:p>
-            <a:r>
-              <a:rPr lang="fr-FR" dirty="0" smtClean="0"/>
-              <a:t>Trois produits Amazon pour l’hébergement</a:t>
-            </a:r>
-          </a:p>
-          <a:p>
-            <a:pPr lvl="1"/>
-            <a:r>
-              <a:rPr lang="fr-FR" dirty="0" smtClean="0"/>
-              <a:t>Amazon Simple Storage Service (Amazon S3)</a:t>
-            </a:r>
-          </a:p>
-          <a:p>
-            <a:pPr lvl="1"/>
-            <a:r>
-              <a:rPr lang="fr-FR" dirty="0" smtClean="0"/>
-              <a:t>Amazon </a:t>
-            </a:r>
-            <a:r>
-              <a:rPr lang="fr-FR" dirty="0" err="1" smtClean="0"/>
-              <a:t>CloudFront</a:t>
-            </a:r>
-            <a:endParaRPr lang="fr-FR" dirty="0" smtClean="0"/>
-          </a:p>
-          <a:p>
-            <a:pPr lvl="1"/>
-            <a:r>
-              <a:rPr lang="fr-FR" dirty="0" smtClean="0"/>
-              <a:t>Amazon </a:t>
-            </a:r>
-            <a:r>
-              <a:rPr lang="fr-FR" dirty="0" err="1" smtClean="0"/>
-              <a:t>Elastic</a:t>
-            </a:r>
-            <a:r>
-              <a:rPr lang="fr-FR" dirty="0" smtClean="0"/>
-              <a:t> </a:t>
-            </a:r>
-            <a:r>
-              <a:rPr lang="fr-FR" dirty="0" err="1" smtClean="0"/>
-              <a:t>Compute</a:t>
-            </a:r>
-            <a:r>
-              <a:rPr lang="fr-FR" dirty="0" smtClean="0"/>
-              <a:t> Cloud </a:t>
-            </a:r>
-            <a:r>
-              <a:rPr lang="fr-FR" smtClean="0"/>
-              <a:t>(Amazon EC2)</a:t>
-            </a:r>
-          </a:p>
-          <a:p>
-            <a:pPr lvl="1"/>
-            <a:endParaRPr lang="fr-FR" dirty="0" smtClean="0"/>
-          </a:p>
-          <a:p>
-            <a:pPr marL="403225" lvl="1" indent="0">
-              <a:buNone/>
-            </a:pPr>
-            <a:endParaRPr lang="fr-FR" dirty="0" smtClean="0"/>
-          </a:p>
-        </p:txBody>
-      </p:sp>
-      <p:pic>
-        <p:nvPicPr>
-          <p:cNvPr id="4" name="Image 3" descr="Noia_64_apps_multimedia.png"/>
-          <p:cNvPicPr>
-            <a:picLocks noChangeAspect="1"/>
-          </p:cNvPicPr>
-          <p:nvPr/>
-        </p:nvPicPr>
-        <p:blipFill>
-          <a:blip r:embed="rId2">
-            <a:extLst>
-              <a:ext uri="{28A0092B-C50C-407E-A947-70E740481C1C}">
-                <a14:useLocalDpi xmlns:a14="http://schemas.microsoft.com/office/drawing/2010/main" val="0"/>
-              </a:ext>
-            </a:extLst>
-          </a:blip>
-          <a:stretch>
-            <a:fillRect/>
-          </a:stretch>
-        </p:blipFill>
         <p:spPr>
           <a:xfrm>
-            <a:off x="7954963" y="2407375"/>
-            <a:ext cx="812800" cy="812800"/>
+            <a:off x="779462" y="107577"/>
+            <a:ext cx="7935544" cy="1653988"/>
           </a:xfrm>
-          <a:prstGeom prst="rect">
-            <a:avLst/>
-          </a:prstGeom>
         </p:spPr>
-      </p:pic>
+        <p:txBody>
+          <a:bodyPr/>
+          <a:lstStyle/>
+          <a:p>
+            <a:r>
+              <a:rPr lang="fr-FR" u="sng" dirty="0" smtClean="0"/>
+              <a:t>Amazon S3</a:t>
+            </a:r>
+            <a:r>
+              <a:rPr lang="fr-FR" dirty="0" smtClean="0"/>
+              <a:t/>
+            </a:r>
+            <a:br>
+              <a:rPr lang="fr-FR" dirty="0" smtClean="0"/>
+            </a:br>
+            <a:r>
+              <a:rPr lang="fr-FR" dirty="0" smtClean="0"/>
+              <a:t>Qu’est ce que c’est ?</a:t>
+            </a:r>
+            <a:endParaRPr lang="fr-FR" dirty="0"/>
+          </a:p>
+        </p:txBody>
+      </p:sp>
+      <p:sp>
+        <p:nvSpPr>
+          <p:cNvPr id="3" name="Espace réservé du contenu 2"/>
+          <p:cNvSpPr>
+            <a:spLocks noGrp="1"/>
+          </p:cNvSpPr>
+          <p:nvPr>
+            <p:ph idx="1"/>
+          </p:nvPr>
+        </p:nvSpPr>
+        <p:spPr>
+          <a:xfrm>
+            <a:off x="779462" y="2382926"/>
+            <a:ext cx="7581901" cy="3953436"/>
+          </a:xfrm>
+        </p:spPr>
+        <p:txBody>
+          <a:bodyPr>
+            <a:normAutofit/>
+          </a:bodyPr>
+          <a:lstStyle/>
+          <a:p>
+            <a:pPr lvl="1"/>
+            <a:r>
+              <a:rPr lang="fr-FR" sz="3200" dirty="0" smtClean="0"/>
+              <a:t>Service de stockage via une interface de services Web</a:t>
+            </a:r>
+          </a:p>
+          <a:p>
+            <a:pPr lvl="2"/>
+            <a:r>
+              <a:rPr lang="fr-FR" sz="3000" dirty="0" smtClean="0"/>
+              <a:t>N</a:t>
+            </a:r>
+            <a:r>
+              <a:rPr lang="fr-FR" sz="3000" dirty="0" smtClean="0"/>
+              <a:t>’importe o</a:t>
+            </a:r>
+            <a:r>
+              <a:rPr lang="fr-FR" sz="3000" dirty="0" smtClean="0"/>
+              <a:t>ù</a:t>
+            </a:r>
+          </a:p>
+          <a:p>
+            <a:pPr lvl="2"/>
+            <a:r>
+              <a:rPr lang="fr-FR" sz="3000" dirty="0" smtClean="0"/>
+              <a:t>N’importe quand</a:t>
+            </a:r>
+          </a:p>
+          <a:p>
+            <a:pPr lvl="2"/>
+            <a:r>
+              <a:rPr lang="fr-FR" sz="3000" dirty="0" smtClean="0"/>
+              <a:t>N’importe quelle quantité de données</a:t>
+            </a:r>
+            <a:endParaRPr lang="fr-FR" sz="3000" dirty="0" smtClean="0"/>
+          </a:p>
+          <a:p>
+            <a:pPr lvl="1"/>
+            <a:endParaRPr lang="fr-FR" sz="3200" dirty="0" smtClean="0"/>
+          </a:p>
+        </p:txBody>
+      </p:sp>
     </p:spTree>
     <p:extLst>
       <p:ext uri="{BB962C8B-B14F-4D97-AF65-F5344CB8AC3E}">
-        <p14:creationId xmlns:p14="http://schemas.microsoft.com/office/powerpoint/2010/main" val="1270971470"/>
+        <p14:creationId xmlns:p14="http://schemas.microsoft.com/office/powerpoint/2010/main" val="3513131277"/>
+      </p:ext>
+    </p:extLst>
+  </p:cSld>
+  <p:clrMapOvr>
+    <a:masterClrMapping/>
+  </p:clrMapOvr>
+</p:sld>
+</file>
+
+<file path=ppt/slides/slide5.xml><?xml version="1.0" encoding="utf-8"?>
+<p:sld xmlns:a="http://schemas.openxmlformats.org/drawingml/2006/main" xmlns:r="http://schemas.openxmlformats.org/officeDocument/2006/relationships" xmlns:p="http://schemas.openxmlformats.org/presentationml/2006/main">
+  <p:cSld>
+    <p:spTree>
+      <p:nvGrpSpPr>
+        <p:cNvPr id="1" name=""/>
+        <p:cNvGrpSpPr/>
+        <p:nvPr/>
+      </p:nvGrpSpPr>
+      <p:grpSpPr>
+        <a:xfrm>
+          <a:off x="0" y="0"/>
+          <a:ext cx="0" cy="0"/>
+          <a:chOff x="0" y="0"/>
+          <a:chExt cx="0" cy="0"/>
+        </a:xfrm>
+      </p:grpSpPr>
+      <p:sp>
+        <p:nvSpPr>
+          <p:cNvPr id="2" name="Titre 1"/>
+          <p:cNvSpPr>
+            <a:spLocks noGrp="1"/>
+          </p:cNvSpPr>
+          <p:nvPr>
+            <p:ph type="title"/>
+          </p:nvPr>
+        </p:nvSpPr>
+        <p:spPr>
+          <a:xfrm>
+            <a:off x="779462" y="107577"/>
+            <a:ext cx="7935544" cy="1653988"/>
+          </a:xfrm>
+        </p:spPr>
+        <p:txBody>
+          <a:bodyPr/>
+          <a:lstStyle/>
+          <a:p>
+            <a:r>
+              <a:rPr lang="fr-FR" u="sng" dirty="0" smtClean="0"/>
+              <a:t>Amazon S3 </a:t>
+            </a:r>
+            <a:r>
+              <a:rPr lang="fr-FR" dirty="0" smtClean="0"/>
+              <a:t>Fonctionnalit</a:t>
+            </a:r>
+            <a:r>
+              <a:rPr lang="fr-FR" dirty="0" smtClean="0"/>
+              <a:t>és</a:t>
+            </a:r>
+            <a:endParaRPr lang="fr-FR" dirty="0"/>
+          </a:p>
+        </p:txBody>
+      </p:sp>
+      <p:sp>
+        <p:nvSpPr>
+          <p:cNvPr id="3" name="Espace réservé du contenu 2"/>
+          <p:cNvSpPr>
+            <a:spLocks noGrp="1"/>
+          </p:cNvSpPr>
+          <p:nvPr>
+            <p:ph idx="1"/>
+          </p:nvPr>
+        </p:nvSpPr>
+        <p:spPr>
+          <a:xfrm>
+            <a:off x="779462" y="2382923"/>
+            <a:ext cx="8364538" cy="4333153"/>
+          </a:xfrm>
+        </p:spPr>
+        <p:txBody>
+          <a:bodyPr>
+            <a:normAutofit fontScale="85000" lnSpcReduction="10000"/>
+          </a:bodyPr>
+          <a:lstStyle/>
+          <a:p>
+            <a:pPr lvl="1"/>
+            <a:r>
+              <a:rPr lang="fr-FR" sz="3200" dirty="0" smtClean="0"/>
+              <a:t>Objets</a:t>
+            </a:r>
+            <a:endParaRPr lang="fr-FR" sz="3200" dirty="0" smtClean="0"/>
+          </a:p>
+          <a:p>
+            <a:pPr lvl="2"/>
+            <a:r>
+              <a:rPr lang="fr-FR" sz="3000" dirty="0" smtClean="0"/>
+              <a:t>Stockés d</a:t>
+            </a:r>
+            <a:r>
+              <a:rPr lang="fr-FR" sz="3000" dirty="0" smtClean="0"/>
+              <a:t>ans un compartiment</a:t>
+            </a:r>
+          </a:p>
+          <a:p>
+            <a:pPr lvl="2"/>
+            <a:r>
+              <a:rPr lang="fr-FR" sz="3000" dirty="0" smtClean="0"/>
+              <a:t>Pouvant être situés dans une région particulière</a:t>
+            </a:r>
+          </a:p>
+          <a:p>
+            <a:pPr lvl="1"/>
+            <a:r>
+              <a:rPr lang="fr-FR" sz="3200" dirty="0" smtClean="0"/>
+              <a:t>Mécanismes d’authentification et de cryptage</a:t>
+            </a:r>
+            <a:endParaRPr lang="fr-FR" sz="3000" dirty="0" smtClean="0"/>
+          </a:p>
+          <a:p>
+            <a:pPr lvl="1"/>
+            <a:r>
+              <a:rPr lang="fr-FR" sz="3200" dirty="0" smtClean="0"/>
+              <a:t>Utilisation des interfaces standard SOAP et REST</a:t>
+            </a:r>
+          </a:p>
+          <a:p>
+            <a:pPr lvl="1"/>
+            <a:r>
+              <a:rPr lang="fr-FR" sz="3200" dirty="0" smtClean="0"/>
+              <a:t>Fonctions annexes :</a:t>
+            </a:r>
+          </a:p>
+          <a:p>
+            <a:pPr lvl="2"/>
+            <a:r>
+              <a:rPr lang="fr-FR" sz="3000" dirty="0" smtClean="0"/>
+              <a:t>S</a:t>
+            </a:r>
+            <a:r>
+              <a:rPr lang="fr-FR" sz="3000" dirty="0" smtClean="0"/>
+              <a:t>éparation des données par compartiment</a:t>
+            </a:r>
+          </a:p>
+          <a:p>
+            <a:pPr lvl="2"/>
+            <a:r>
+              <a:rPr lang="fr-FR" sz="3000" dirty="0" smtClean="0"/>
+              <a:t>Surveillance et contrôle des dépenses</a:t>
+            </a:r>
+          </a:p>
+          <a:p>
+            <a:pPr lvl="2"/>
+            <a:r>
+              <a:rPr lang="fr-FR" sz="3000" dirty="0" smtClean="0"/>
+              <a:t>Archive automatique des données</a:t>
+            </a:r>
+            <a:endParaRPr lang="fr-FR" sz="3000" dirty="0" smtClean="0"/>
+          </a:p>
+        </p:txBody>
+      </p:sp>
+    </p:spTree>
+    <p:extLst>
+      <p:ext uri="{BB962C8B-B14F-4D97-AF65-F5344CB8AC3E}">
+        <p14:creationId xmlns:p14="http://schemas.microsoft.com/office/powerpoint/2010/main" val="3963556525"/>
+      </p:ext>
+    </p:extLst>
+  </p:cSld>
+  <p:clrMapOvr>
+    <a:masterClrMapping/>
+  </p:clrMapOvr>
+</p:sld>
+</file>
+
+<file path=ppt/slides/slide6.xml><?xml version="1.0" encoding="utf-8"?>
+<p:sld xmlns:a="http://schemas.openxmlformats.org/drawingml/2006/main" xmlns:r="http://schemas.openxmlformats.org/officeDocument/2006/relationships" xmlns:p="http://schemas.openxmlformats.org/presentationml/2006/main">
+  <p:cSld>
+    <p:spTree>
+      <p:nvGrpSpPr>
+        <p:cNvPr id="1" name=""/>
+        <p:cNvGrpSpPr/>
+        <p:nvPr/>
+      </p:nvGrpSpPr>
+      <p:grpSpPr>
+        <a:xfrm>
+          <a:off x="0" y="0"/>
+          <a:ext cx="0" cy="0"/>
+          <a:chOff x="0" y="0"/>
+          <a:chExt cx="0" cy="0"/>
+        </a:xfrm>
+      </p:grpSpPr>
+      <p:sp>
+        <p:nvSpPr>
+          <p:cNvPr id="2" name="Titre 1"/>
+          <p:cNvSpPr>
+            <a:spLocks noGrp="1"/>
+          </p:cNvSpPr>
+          <p:nvPr>
+            <p:ph type="title"/>
+          </p:nvPr>
+        </p:nvSpPr>
+        <p:spPr>
+          <a:xfrm>
+            <a:off x="779462" y="107577"/>
+            <a:ext cx="7935544" cy="1653988"/>
+          </a:xfrm>
+        </p:spPr>
+        <p:txBody>
+          <a:bodyPr/>
+          <a:lstStyle/>
+          <a:p>
+            <a:r>
+              <a:rPr lang="fr-FR" u="sng" dirty="0" smtClean="0"/>
+              <a:t>Amazon EC2 </a:t>
+            </a:r>
+            <a:br>
+              <a:rPr lang="fr-FR" u="sng" dirty="0" smtClean="0"/>
+            </a:br>
+            <a:r>
+              <a:rPr lang="fr-FR" dirty="0" smtClean="0"/>
+              <a:t>Qu’est ce que c’est ?</a:t>
+            </a:r>
+            <a:endParaRPr lang="fr-FR" dirty="0"/>
+          </a:p>
+        </p:txBody>
+      </p:sp>
+      <p:sp>
+        <p:nvSpPr>
+          <p:cNvPr id="3" name="Espace réservé du contenu 2"/>
+          <p:cNvSpPr>
+            <a:spLocks noGrp="1"/>
+          </p:cNvSpPr>
+          <p:nvPr>
+            <p:ph idx="1"/>
+          </p:nvPr>
+        </p:nvSpPr>
+        <p:spPr>
+          <a:xfrm>
+            <a:off x="779461" y="2382923"/>
+            <a:ext cx="8109603" cy="4333153"/>
+          </a:xfrm>
+        </p:spPr>
+        <p:txBody>
+          <a:bodyPr>
+            <a:normAutofit fontScale="85000" lnSpcReduction="10000"/>
+          </a:bodyPr>
+          <a:lstStyle/>
+          <a:p>
+            <a:pPr lvl="1"/>
+            <a:r>
+              <a:rPr lang="fr-FR" sz="3200" dirty="0" smtClean="0"/>
+              <a:t>Objets</a:t>
+            </a:r>
+            <a:endParaRPr lang="fr-FR" sz="3200" dirty="0" smtClean="0"/>
+          </a:p>
+          <a:p>
+            <a:pPr lvl="2"/>
+            <a:r>
+              <a:rPr lang="fr-FR" sz="3000" dirty="0" smtClean="0"/>
+              <a:t>Stockés d</a:t>
+            </a:r>
+            <a:r>
+              <a:rPr lang="fr-FR" sz="3000" dirty="0" smtClean="0"/>
+              <a:t>ans un compartiment</a:t>
+            </a:r>
+          </a:p>
+          <a:p>
+            <a:pPr lvl="2"/>
+            <a:r>
+              <a:rPr lang="fr-FR" sz="3000" dirty="0" smtClean="0"/>
+              <a:t>Pouvant être situés dans une région particulière</a:t>
+            </a:r>
+          </a:p>
+          <a:p>
+            <a:pPr lvl="1"/>
+            <a:r>
+              <a:rPr lang="fr-FR" sz="3200" dirty="0" smtClean="0"/>
+              <a:t>Mécanismes d’authentification et de cryptage</a:t>
+            </a:r>
+            <a:endParaRPr lang="fr-FR" sz="3000" dirty="0" smtClean="0"/>
+          </a:p>
+          <a:p>
+            <a:pPr lvl="1"/>
+            <a:r>
+              <a:rPr lang="fr-FR" sz="3200" dirty="0" smtClean="0"/>
+              <a:t>Utilisation des interfaces standard SOAP et REST</a:t>
+            </a:r>
+          </a:p>
+          <a:p>
+            <a:pPr lvl="1"/>
+            <a:r>
+              <a:rPr lang="fr-FR" sz="3200" dirty="0" smtClean="0"/>
+              <a:t>Fonctions annexes :</a:t>
+            </a:r>
+          </a:p>
+          <a:p>
+            <a:pPr lvl="2"/>
+            <a:r>
+              <a:rPr lang="fr-FR" sz="3000" dirty="0" smtClean="0"/>
+              <a:t>S</a:t>
+            </a:r>
+            <a:r>
+              <a:rPr lang="fr-FR" sz="3000" dirty="0" smtClean="0"/>
+              <a:t>éparation des données par compartiment</a:t>
+            </a:r>
+          </a:p>
+          <a:p>
+            <a:pPr lvl="2"/>
+            <a:r>
+              <a:rPr lang="fr-FR" sz="3000" dirty="0" smtClean="0"/>
+              <a:t>Surveillance et contrôle des dépenses</a:t>
+            </a:r>
+          </a:p>
+          <a:p>
+            <a:pPr lvl="2"/>
+            <a:r>
+              <a:rPr lang="fr-FR" sz="3000" dirty="0" smtClean="0"/>
+              <a:t>Archivage automatique des données</a:t>
+            </a:r>
+            <a:endParaRPr lang="fr-FR" sz="3000" dirty="0" smtClean="0"/>
+          </a:p>
+        </p:txBody>
+      </p:sp>
+    </p:spTree>
+    <p:extLst>
+      <p:ext uri="{BB962C8B-B14F-4D97-AF65-F5344CB8AC3E}">
+        <p14:creationId xmlns:p14="http://schemas.microsoft.com/office/powerpoint/2010/main" val="1878226020"/>
+      </p:ext>
+    </p:extLst>
+  </p:cSld>
+  <p:clrMapOvr>
+    <a:masterClrMapping/>
+  </p:clrMapOvr>
+</p:sld>
+</file>
+
+<file path=ppt/slides/slide7.xml><?xml version="1.0" encoding="utf-8"?>
+<p:sld xmlns:a="http://schemas.openxmlformats.org/drawingml/2006/main" xmlns:r="http://schemas.openxmlformats.org/officeDocument/2006/relationships" xmlns:p="http://schemas.openxmlformats.org/presentationml/2006/main">
+  <p:cSld>
+    <p:spTree>
+      <p:nvGrpSpPr>
+        <p:cNvPr id="1" name=""/>
+        <p:cNvGrpSpPr/>
+        <p:nvPr/>
+      </p:nvGrpSpPr>
+      <p:grpSpPr>
+        <a:xfrm>
+          <a:off x="0" y="0"/>
+          <a:ext cx="0" cy="0"/>
+          <a:chOff x="0" y="0"/>
+          <a:chExt cx="0" cy="0"/>
+        </a:xfrm>
+      </p:grpSpPr>
+      <p:sp>
+        <p:nvSpPr>
+          <p:cNvPr id="2" name="Titre 1"/>
+          <p:cNvSpPr>
+            <a:spLocks noGrp="1"/>
+          </p:cNvSpPr>
+          <p:nvPr>
+            <p:ph type="title"/>
+          </p:nvPr>
+        </p:nvSpPr>
+        <p:spPr>
+          <a:xfrm>
+            <a:off x="779462" y="107577"/>
+            <a:ext cx="7935544" cy="1653988"/>
+          </a:xfrm>
+        </p:spPr>
+        <p:txBody>
+          <a:bodyPr/>
+          <a:lstStyle/>
+          <a:p>
+            <a:r>
+              <a:rPr lang="fr-FR" dirty="0" smtClean="0"/>
+              <a:t>Avantages selon Amazon</a:t>
+            </a:r>
+            <a:endParaRPr lang="fr-FR" dirty="0"/>
+          </a:p>
+        </p:txBody>
+      </p:sp>
+      <p:sp>
+        <p:nvSpPr>
+          <p:cNvPr id="3" name="Espace réservé du contenu 2"/>
+          <p:cNvSpPr>
+            <a:spLocks noGrp="1"/>
+          </p:cNvSpPr>
+          <p:nvPr>
+            <p:ph idx="1"/>
+          </p:nvPr>
+        </p:nvSpPr>
+        <p:spPr/>
+        <p:txBody>
+          <a:bodyPr>
+            <a:normAutofit/>
+          </a:bodyPr>
+          <a:lstStyle/>
+          <a:p>
+            <a:pPr lvl="1"/>
+            <a:r>
+              <a:rPr lang="fr-FR" sz="3200" dirty="0"/>
+              <a:t>Facile </a:t>
+            </a:r>
+            <a:r>
+              <a:rPr lang="fr-FR" sz="3200" dirty="0" smtClean="0"/>
+              <a:t>d'utilisation</a:t>
+            </a:r>
+          </a:p>
+          <a:p>
+            <a:pPr lvl="1"/>
+            <a:r>
+              <a:rPr lang="fr-FR" sz="3200" dirty="0" smtClean="0"/>
+              <a:t>Flexible</a:t>
+            </a:r>
+            <a:endParaRPr lang="fr-FR" sz="3200" dirty="0" smtClean="0"/>
+          </a:p>
+          <a:p>
+            <a:pPr lvl="1"/>
+            <a:r>
+              <a:rPr lang="fr-FR" sz="3200" dirty="0" smtClean="0"/>
+              <a:t>Economique</a:t>
+            </a:r>
+          </a:p>
+          <a:p>
+            <a:pPr lvl="1"/>
+            <a:r>
+              <a:rPr lang="fr-FR" sz="3200" dirty="0" smtClean="0"/>
+              <a:t>Fiable</a:t>
+            </a:r>
+          </a:p>
+        </p:txBody>
+      </p:sp>
+    </p:spTree>
+    <p:extLst>
+      <p:ext uri="{BB962C8B-B14F-4D97-AF65-F5344CB8AC3E}">
+        <p14:creationId xmlns:p14="http://schemas.microsoft.com/office/powerpoint/2010/main" val="3467135623"/>
       </p:ext>
     </p:extLst>
   </p:cSld>
@@ -4584,4 +6211,324 @@
   </a:objectDefaults>
   <a:extraClrSchemeLst/>
 </a:theme>
+</file>
+
+<file path=ppt/theme/theme2.xml><?xml version="1.0" encoding="utf-8"?>
+<a:theme xmlns:a="http://schemas.openxmlformats.org/drawingml/2006/main" name="Thème Office">
+  <a:themeElements>
+    <a:clrScheme name="Bureau">
+      <a:dk1>
+        <a:sysClr val="windowText" lastClr="000000"/>
+      </a:dk1>
+      <a:lt1>
+        <a:sysClr val="window" lastClr="FFFFFF"/>
+      </a:lt1>
+      <a:dk2>
+        <a:srgbClr val="1F497D"/>
+      </a:dk2>
+      <a:lt2>
+        <a:srgbClr val="EEECE1"/>
+      </a:lt2>
+      <a:accent1>
+        <a:srgbClr val="4F81BD"/>
+      </a:accent1>
+      <a:accent2>
+        <a:srgbClr val="C0504D"/>
+      </a:accent2>
+      <a:accent3>
+        <a:srgbClr val="9BBB59"/>
+      </a:accent3>
+      <a:accent4>
+        <a:srgbClr val="8064A2"/>
+      </a:accent4>
+      <a:accent5>
+        <a:srgbClr val="4BACC6"/>
+      </a:accent5>
+      <a:accent6>
+        <a:srgbClr val="F79646"/>
+      </a:accent6>
+      <a:hlink>
+        <a:srgbClr val="0000FF"/>
+      </a:hlink>
+      <a:folHlink>
+        <a:srgbClr val="800080"/>
+      </a:folHlink>
+    </a:clrScheme>
+    <a:fontScheme name="Bureau">
+      <a:majorFont>
+        <a:latin typeface="Calibri"/>
+        <a:ea typeface=""/>
+        <a:cs typeface=""/>
+        <a:font script="Jpan" typeface="ＭＳ Ｐゴシック"/>
+        <a:font script="Hang" typeface="맑은 고딕"/>
+        <a:font script="Hans" typeface="宋体"/>
+        <a:font script="Hant" typeface="新細明體"/>
+        <a:font script="Arab" typeface="Times New Roman"/>
+        <a:font script="Hebr" typeface="Times New Roman"/>
+        <a:font script="Thai" typeface="Angsana New"/>
+        <a:font script="Ethi" typeface="Nyala"/>
+        <a:font script="Beng" typeface="Vrinda"/>
+        <a:font script="Gujr" typeface="Shruti"/>
+        <a:font script="Khmr" typeface="MoolBoran"/>
+        <a:font script="Knda" typeface="Tunga"/>
+        <a:font script="Guru" typeface="Raavi"/>
+        <a:font script="Cans" typeface="Euphemia"/>
+        <a:font script="Cher" typeface="Plantagenet Cherokee"/>
+        <a:font script="Yiii" typeface="Microsoft Yi Baiti"/>
+        <a:font script="Tibt" typeface="Microsoft Himalaya"/>
+        <a:font script="Thaa" typeface="MV Boli"/>
+        <a:font script="Deva" typeface="Mangal"/>
+        <a:font script="Telu" typeface="Gautami"/>
+        <a:font script="Taml" typeface="Latha"/>
+        <a:font script="Syrc" typeface="Estrangelo Edessa"/>
+        <a:font script="Orya" typeface="Kalinga"/>
+        <a:font script="Mlym" typeface="Kartika"/>
+        <a:font script="Laoo" typeface="DokChampa"/>
+        <a:font script="Sinh" typeface="Iskoola Pota"/>
+        <a:font script="Mong" typeface="Mongolian Baiti"/>
+        <a:font script="Viet" typeface="Times New Roman"/>
+        <a:font script="Uigh" typeface="Microsoft Uighur"/>
+        <a:font script="Geor" typeface="Sylfaen"/>
+      </a:majorFont>
+      <a:minorFont>
+        <a:latin typeface="Calibri"/>
+        <a:ea typeface=""/>
+        <a:cs typeface=""/>
+        <a:font script="Jpan" typeface="ＭＳ Ｐゴシック"/>
+        <a:font script="Hang" typeface="맑은 고딕"/>
+        <a:font script="Hans" typeface="宋体"/>
+        <a:font script="Hant" typeface="新細明體"/>
+        <a:font script="Arab" typeface="Arial"/>
+        <a:font script="Hebr" typeface="Arial"/>
+        <a:font script="Thai" typeface="Cordia New"/>
+        <a:font script="Ethi" typeface="Nyala"/>
+        <a:font script="Beng" typeface="Vrinda"/>
+        <a:font script="Gujr" typeface="Shruti"/>
+        <a:font script="Khmr" typeface="DaunPenh"/>
+        <a:font script="Knda" typeface="Tunga"/>
+        <a:font script="Guru" typeface="Raavi"/>
+        <a:font script="Cans" typeface="Euphemia"/>
+        <a:font script="Cher" typeface="Plantagenet Cherokee"/>
+        <a:font script="Yiii" typeface="Microsoft Yi Baiti"/>
+        <a:font script="Tibt" typeface="Microsoft Himalaya"/>
+        <a:font script="Thaa" typeface="MV Boli"/>
+        <a:font script="Deva" typeface="Mangal"/>
+        <a:font script="Telu" typeface="Gautami"/>
+        <a:font script="Taml" typeface="Latha"/>
+        <a:font script="Syrc" typeface="Estrangelo Edessa"/>
+        <a:font script="Orya" typeface="Kalinga"/>
+        <a:font script="Mlym" typeface="Kartika"/>
+        <a:font script="Laoo" typeface="DokChampa"/>
+        <a:font script="Sinh" typeface="Iskoola Pota"/>
+        <a:font script="Mong" typeface="Mongolian Baiti"/>
+        <a:font script="Viet" typeface="Arial"/>
+        <a:font script="Uigh" typeface="Microsoft Uighur"/>
+        <a:font script="Geor" typeface="Sylfaen"/>
+      </a:minorFont>
+    </a:fontScheme>
+    <a:fmtScheme name="Bureau">
+      <a:fillStyleLst>
+        <a:solidFill>
+          <a:schemeClr val="phClr"/>
+        </a:solidFill>
+        <a:gradFill rotWithShape="1">
+          <a:gsLst>
+            <a:gs pos="0">
+              <a:schemeClr val="phClr">
+                <a:tint val="50000"/>
+                <a:satMod val="300000"/>
+              </a:schemeClr>
+            </a:gs>
+            <a:gs pos="35000">
+              <a:schemeClr val="phClr">
+                <a:tint val="37000"/>
+                <a:satMod val="300000"/>
+              </a:schemeClr>
+            </a:gs>
+            <a:gs pos="100000">
+              <a:schemeClr val="phClr">
+                <a:tint val="15000"/>
+                <a:satMod val="350000"/>
+              </a:schemeClr>
+            </a:gs>
+          </a:gsLst>
+          <a:lin ang="16200000" scaled="1"/>
+        </a:gradFill>
+        <a:gradFill rotWithShape="1">
+          <a:gsLst>
+            <a:gs pos="0">
+              <a:schemeClr val="phClr">
+                <a:tint val="100000"/>
+                <a:shade val="100000"/>
+                <a:satMod val="130000"/>
+              </a:schemeClr>
+            </a:gs>
+            <a:gs pos="100000">
+              <a:schemeClr val="phClr">
+                <a:tint val="50000"/>
+                <a:shade val="100000"/>
+                <a:satMod val="350000"/>
+              </a:schemeClr>
+            </a:gs>
+          </a:gsLst>
+          <a:lin ang="16200000" scaled="0"/>
+        </a:gradFill>
+      </a:fillStyleLst>
+      <a:lnStyleLst>
+        <a:ln w="9525" cap="flat" cmpd="sng" algn="ctr">
+          <a:solidFill>
+            <a:schemeClr val="phClr">
+              <a:shade val="95000"/>
+              <a:satMod val="105000"/>
+            </a:schemeClr>
+          </a:solidFill>
+          <a:prstDash val="solid"/>
+        </a:ln>
+        <a:ln w="25400" cap="flat" cmpd="sng" algn="ctr">
+          <a:solidFill>
+            <a:schemeClr val="phClr"/>
+          </a:solidFill>
+          <a:prstDash val="solid"/>
+        </a:ln>
+        <a:ln w="38100" cap="flat" cmpd="sng" algn="ctr">
+          <a:solidFill>
+            <a:schemeClr val="phClr"/>
+          </a:solidFill>
+          <a:prstDash val="solid"/>
+        </a:ln>
+      </a:lnStyleLst>
+      <a:effectStyleLst>
+        <a:effectStyle>
+          <a:effectLst>
+            <a:outerShdw blurRad="40000" dist="20000" dir="5400000" rotWithShape="0">
+              <a:srgbClr val="000000">
+                <a:alpha val="38000"/>
+              </a:srgbClr>
+            </a:outerShdw>
+          </a:effectLst>
+        </a:effectStyle>
+        <a:effectStyle>
+          <a:effectLst>
+            <a:outerShdw blurRad="40000" dist="23000" dir="5400000" rotWithShape="0">
+              <a:srgbClr val="000000">
+                <a:alpha val="35000"/>
+              </a:srgbClr>
+            </a:outerShdw>
+          </a:effectLst>
+        </a:effectStyle>
+        <a:effectStyle>
+          <a:effectLst>
+            <a:outerShdw blurRad="40000" dist="23000" dir="5400000" rotWithShape="0">
+              <a:srgbClr val="000000">
+                <a:alpha val="35000"/>
+              </a:srgbClr>
+            </a:outerShdw>
+          </a:effectLst>
+          <a:scene3d>
+            <a:camera prst="orthographicFront">
+              <a:rot lat="0" lon="0" rev="0"/>
+            </a:camera>
+            <a:lightRig rig="threePt" dir="t">
+              <a:rot lat="0" lon="0" rev="1200000"/>
+            </a:lightRig>
+          </a:scene3d>
+          <a:sp3d>
+            <a:bevelT w="63500" h="25400"/>
+          </a:sp3d>
+        </a:effectStyle>
+      </a:effectStyleLst>
+      <a:bgFillStyleLst>
+        <a:solidFill>
+          <a:schemeClr val="phClr"/>
+        </a:solidFill>
+        <a:gradFill rotWithShape="1">
+          <a:gsLst>
+            <a:gs pos="0">
+              <a:schemeClr val="phClr">
+                <a:tint val="40000"/>
+                <a:satMod val="350000"/>
+              </a:schemeClr>
+            </a:gs>
+            <a:gs pos="40000">
+              <a:schemeClr val="phClr">
+                <a:tint val="45000"/>
+                <a:shade val="99000"/>
+                <a:satMod val="350000"/>
+              </a:schemeClr>
+            </a:gs>
+            <a:gs pos="100000">
+              <a:schemeClr val="phClr">
+                <a:shade val="20000"/>
+                <a:satMod val="255000"/>
+              </a:schemeClr>
+            </a:gs>
+          </a:gsLst>
+          <a:path path="circle">
+            <a:fillToRect l="50000" t="-80000" r="50000" b="180000"/>
+          </a:path>
+        </a:gradFill>
+        <a:gradFill rotWithShape="1">
+          <a:gsLst>
+            <a:gs pos="0">
+              <a:schemeClr val="phClr">
+                <a:tint val="80000"/>
+                <a:satMod val="300000"/>
+              </a:schemeClr>
+            </a:gs>
+            <a:gs pos="100000">
+              <a:schemeClr val="phClr">
+                <a:shade val="30000"/>
+                <a:satMod val="200000"/>
+              </a:schemeClr>
+            </a:gs>
+          </a:gsLst>
+          <a:path path="circle">
+            <a:fillToRect l="50000" t="50000" r="50000" b="50000"/>
+          </a:path>
+        </a:gradFill>
+      </a:bgFillStyleLst>
+    </a:fmtScheme>
+  </a:themeElements>
+  <a:objectDefaults>
+    <a:spDef>
+      <a:spPr/>
+      <a:bodyPr/>
+      <a:lstStyle/>
+      <a:style>
+        <a:lnRef idx="1">
+          <a:schemeClr val="accent1"/>
+        </a:lnRef>
+        <a:fillRef idx="3">
+          <a:schemeClr val="accent1"/>
+        </a:fillRef>
+        <a:effectRef idx="2">
+          <a:schemeClr val="accent1"/>
+        </a:effectRef>
+        <a:fontRef idx="minor">
+          <a:schemeClr val="lt1"/>
+        </a:fontRef>
+      </a:style>
+    </a:spDef>
+    <a:lnDef>
+      <a:spPr/>
+      <a:bodyPr/>
+      <a:lstStyle/>
+      <a:style>
+        <a:lnRef idx="2">
+          <a:schemeClr val="accent1"/>
+        </a:lnRef>
+        <a:fillRef idx="0">
+          <a:schemeClr val="accent1"/>
+        </a:fillRef>
+        <a:effectRef idx="1">
+          <a:schemeClr val="accent1"/>
+        </a:effectRef>
+        <a:fontRef idx="minor">
+          <a:schemeClr val="tx1"/>
+        </a:fontRef>
+      </a:style>
+    </a:lnDef>
+  </a:objectDefaults>
+  <a:extraClrSchemeLst/>
+</a:theme>
 </file>
--- a/AWS - Media Hosting.pptx
+++ b/AWS - Media Hosting.pptx
@@ -5,7 +5,7 @@
     <p:sldMasterId id="2147483660" r:id="rId1"/>
   </p:sldMasterIdLst>
   <p:notesMasterIdLst>
-    <p:notesMasterId r:id="rId9"/>
+    <p:notesMasterId r:id="rId12"/>
   </p:notesMasterIdLst>
   <p:sldIdLst>
     <p:sldId id="256" r:id="rId2"/>
@@ -14,7 +14,10 @@
     <p:sldId id="261" r:id="rId5"/>
     <p:sldId id="263" r:id="rId6"/>
     <p:sldId id="264" r:id="rId7"/>
-    <p:sldId id="260" r:id="rId8"/>
+    <p:sldId id="266" r:id="rId8"/>
+    <p:sldId id="267" r:id="rId9"/>
+    <p:sldId id="260" r:id="rId10"/>
+    <p:sldId id="268" r:id="rId11"/>
   </p:sldIdLst>
   <p:sldSz cx="9144000" cy="6858000" type="screen4x3"/>
   <p:notesSz cx="6858000" cy="9144000"/>
@@ -124,7 +127,10 @@
             <p14:sldId id="261"/>
             <p14:sldId id="263"/>
             <p14:sldId id="264"/>
+            <p14:sldId id="266"/>
+            <p14:sldId id="267"/>
             <p14:sldId id="260"/>
+            <p14:sldId id="268"/>
           </p14:sldIdLst>
         </p14:section>
       </p14:sectionLst>
@@ -1202,7 +1208,386 @@
               <a:tabLst/>
               <a:defRPr/>
             </a:pPr>
-            <a:endParaRPr lang="fr-FR" sz="3000" u="sng" dirty="0" smtClean="0"/>
+            <a:r>
+              <a:rPr lang="fr-FR" sz="1200" kern="1200" dirty="0" smtClean="0">
+                <a:solidFill>
+                  <a:schemeClr val="tx1"/>
+                </a:solidFill>
+                <a:latin typeface="+mn-lt"/>
+                <a:ea typeface="+mn-ea"/>
+                <a:cs typeface="+mn-cs"/>
+              </a:rPr>
+              <a:t>Il est conçu pour faciliter l'accès aux ressources informatiques à l'échelle du Web, pour les développeurs.</a:t>
+            </a:r>
+          </a:p>
+          <a:p>
+            <a:pPr marL="0" marR="0" lvl="2" indent="0" algn="l" defTabSz="457200" rtl="0" eaLnBrk="1" fontAlgn="auto" latinLnBrk="0" hangingPunct="1">
+              <a:lnSpc>
+                <a:spcPct val="100000"/>
+              </a:lnSpc>
+              <a:spcBef>
+                <a:spcPts val="0"/>
+              </a:spcBef>
+              <a:spcAft>
+                <a:spcPts val="0"/>
+              </a:spcAft>
+              <a:buClrTx/>
+              <a:buSzTx/>
+              <a:buFontTx/>
+              <a:buNone/>
+              <a:tabLst/>
+              <a:defRPr/>
+            </a:pPr>
+            <a:endParaRPr lang="fr-FR" sz="1200" u="sng" kern="1200" dirty="0" smtClean="0">
+              <a:solidFill>
+                <a:schemeClr val="tx1"/>
+              </a:solidFill>
+              <a:latin typeface="+mn-lt"/>
+              <a:ea typeface="+mn-ea"/>
+              <a:cs typeface="+mn-cs"/>
+            </a:endParaRPr>
+          </a:p>
+          <a:p>
+            <a:pPr marL="0" marR="0" lvl="2" indent="0" algn="l" defTabSz="457200" rtl="0" eaLnBrk="1" fontAlgn="auto" latinLnBrk="0" hangingPunct="1">
+              <a:lnSpc>
+                <a:spcPct val="100000"/>
+              </a:lnSpc>
+              <a:spcBef>
+                <a:spcPts val="0"/>
+              </a:spcBef>
+              <a:spcAft>
+                <a:spcPts val="0"/>
+              </a:spcAft>
+              <a:buClrTx/>
+              <a:buSzTx/>
+              <a:buFontTx/>
+              <a:buNone/>
+              <a:tabLst/>
+              <a:defRPr/>
+            </a:pPr>
+            <a:r>
+              <a:rPr lang="fr-FR" sz="3200" u="sng" dirty="0" err="1" smtClean="0"/>
+              <a:t>Elastic</a:t>
+            </a:r>
+            <a:r>
+              <a:rPr lang="fr-FR" sz="3200" u="sng" dirty="0" smtClean="0"/>
+              <a:t> : </a:t>
+            </a:r>
+            <a:r>
+              <a:rPr lang="fr-FR" sz="3200" kern="1200" dirty="0" smtClean="0">
+                <a:solidFill>
+                  <a:schemeClr val="tx1"/>
+                </a:solidFill>
+                <a:latin typeface="+mn-lt"/>
+                <a:ea typeface="+mn-ea"/>
+                <a:cs typeface="+mn-cs"/>
+              </a:rPr>
+              <a:t>permet </a:t>
+            </a:r>
+            <a:r>
+              <a:rPr lang="fr-FR" sz="3200" u="sng" kern="1200" dirty="0" smtClean="0">
+                <a:solidFill>
+                  <a:schemeClr val="tx1"/>
+                </a:solidFill>
+                <a:latin typeface="+mn-lt"/>
+                <a:ea typeface="+mn-ea"/>
+                <a:cs typeface="+mn-cs"/>
+              </a:rPr>
+              <a:t>d'augmenter ou de réduire la capacité en quelques minutes</a:t>
+            </a:r>
+            <a:r>
+              <a:rPr lang="fr-FR" sz="3200" kern="1200" dirty="0" smtClean="0">
+                <a:solidFill>
+                  <a:schemeClr val="tx1"/>
+                </a:solidFill>
+                <a:latin typeface="+mn-lt"/>
+                <a:ea typeface="+mn-ea"/>
+                <a:cs typeface="+mn-cs"/>
+              </a:rPr>
+              <a:t>, et non en plusieurs heures ou jours. </a:t>
+            </a:r>
+            <a:r>
+              <a:rPr lang="fr-FR" sz="1200" kern="1200" dirty="0" smtClean="0">
+                <a:solidFill>
+                  <a:schemeClr val="tx1"/>
+                </a:solidFill>
+                <a:latin typeface="+mn-lt"/>
+                <a:ea typeface="+mn-ea"/>
+                <a:cs typeface="+mn-cs"/>
+              </a:rPr>
+              <a:t>votre application peut augmenter et diminuer automatiquement selon ses besoins.</a:t>
+            </a:r>
+          </a:p>
+          <a:p>
+            <a:pPr marL="0" marR="0" lvl="2" indent="0" algn="l" defTabSz="457200" rtl="0" eaLnBrk="1" fontAlgn="auto" latinLnBrk="0" hangingPunct="1">
+              <a:lnSpc>
+                <a:spcPct val="100000"/>
+              </a:lnSpc>
+              <a:spcBef>
+                <a:spcPts val="0"/>
+              </a:spcBef>
+              <a:spcAft>
+                <a:spcPts val="0"/>
+              </a:spcAft>
+              <a:buClrTx/>
+              <a:buSzTx/>
+              <a:buFontTx/>
+              <a:buNone/>
+              <a:tabLst/>
+              <a:defRPr/>
+            </a:pPr>
+            <a:r>
+              <a:rPr lang="fr-FR" sz="1200" u="sng" kern="1200" dirty="0" smtClean="0">
+                <a:solidFill>
+                  <a:schemeClr val="tx1"/>
+                </a:solidFill>
+                <a:latin typeface="+mn-lt"/>
+                <a:ea typeface="+mn-ea"/>
+                <a:cs typeface="+mn-cs"/>
+              </a:rPr>
+              <a:t>Flexible </a:t>
+            </a:r>
+            <a:r>
+              <a:rPr lang="fr-FR" sz="1200" kern="1200" dirty="0" smtClean="0">
+                <a:solidFill>
+                  <a:schemeClr val="tx1"/>
+                </a:solidFill>
+                <a:latin typeface="+mn-lt"/>
+                <a:ea typeface="+mn-ea"/>
+                <a:cs typeface="+mn-cs"/>
+              </a:rPr>
+              <a:t>: </a:t>
+            </a:r>
+            <a:r>
+              <a:rPr lang="fr-FR" sz="1200" kern="1200" dirty="0" smtClean="0">
+                <a:solidFill>
+                  <a:schemeClr val="tx1"/>
+                </a:solidFill>
+                <a:latin typeface="+mn-lt"/>
+                <a:ea typeface="+mn-ea"/>
+                <a:cs typeface="+mn-cs"/>
+              </a:rPr>
+              <a:t>Vous avez </a:t>
+            </a:r>
+            <a:r>
+              <a:rPr lang="fr-FR" sz="1200" u="sng" kern="1200" dirty="0" smtClean="0">
+                <a:solidFill>
+                  <a:schemeClr val="tx1"/>
+                </a:solidFill>
+                <a:latin typeface="+mn-lt"/>
+                <a:ea typeface="+mn-ea"/>
+                <a:cs typeface="+mn-cs"/>
+              </a:rPr>
+              <a:t>le choix entre plusieurs types d'instance, systèmes d'exploitation et paquets logiciels</a:t>
+            </a:r>
+            <a:r>
+              <a:rPr lang="fr-FR" sz="1200" kern="1200" dirty="0" smtClean="0">
+                <a:solidFill>
+                  <a:schemeClr val="tx1"/>
+                </a:solidFill>
+                <a:latin typeface="+mn-lt"/>
+                <a:ea typeface="+mn-ea"/>
+                <a:cs typeface="+mn-cs"/>
+              </a:rPr>
+              <a:t>. Amazon EC2 permet de sélectionner la configuration </a:t>
+            </a:r>
+            <a:r>
+              <a:rPr lang="fr-FR" sz="1200" u="sng" kern="1200" dirty="0" smtClean="0">
+                <a:solidFill>
+                  <a:schemeClr val="tx1"/>
+                </a:solidFill>
+                <a:latin typeface="+mn-lt"/>
+                <a:ea typeface="+mn-ea"/>
+                <a:cs typeface="+mn-cs"/>
+              </a:rPr>
+              <a:t>de mémoire, le CPU, le stockage d'instance, et la taille de la partition de démarrage </a:t>
+            </a:r>
+            <a:r>
+              <a:rPr lang="fr-FR" sz="1200" kern="1200" dirty="0" smtClean="0">
+                <a:solidFill>
+                  <a:schemeClr val="tx1"/>
+                </a:solidFill>
+                <a:latin typeface="+mn-lt"/>
+                <a:ea typeface="+mn-ea"/>
+                <a:cs typeface="+mn-cs"/>
+              </a:rPr>
+              <a:t>qui sont optimaux pour votre choix de système d'exploitation et d'application. Par exemple, le choix de vos systèmes d'exploitation inclut de nombreuses distributions Linux et Microsoft Windows Server.</a:t>
+            </a:r>
+          </a:p>
+          <a:p>
+            <a:pPr marL="0" marR="0" lvl="2" indent="0" algn="l" defTabSz="457200" rtl="0" eaLnBrk="1" fontAlgn="auto" latinLnBrk="0" hangingPunct="1">
+              <a:lnSpc>
+                <a:spcPct val="100000"/>
+              </a:lnSpc>
+              <a:spcBef>
+                <a:spcPts val="0"/>
+              </a:spcBef>
+              <a:spcAft>
+                <a:spcPts val="0"/>
+              </a:spcAft>
+              <a:buClrTx/>
+              <a:buSzTx/>
+              <a:buFontTx/>
+              <a:buNone/>
+              <a:tabLst/>
+              <a:defRPr/>
+            </a:pPr>
+            <a:r>
+              <a:rPr lang="fr-FR" sz="1200" kern="1200" dirty="0" smtClean="0">
+                <a:solidFill>
+                  <a:schemeClr val="tx1"/>
+                </a:solidFill>
+                <a:latin typeface="+mn-lt"/>
+                <a:ea typeface="+mn-ea"/>
+                <a:cs typeface="+mn-cs"/>
+              </a:rPr>
+              <a:t>S</a:t>
+            </a:r>
+            <a:r>
+              <a:rPr lang="fr-FR" sz="1200" kern="1200" dirty="0" smtClean="0">
+                <a:solidFill>
+                  <a:schemeClr val="tx1"/>
+                </a:solidFill>
+                <a:latin typeface="+mn-lt"/>
+                <a:ea typeface="+mn-ea"/>
+                <a:cs typeface="+mn-cs"/>
+              </a:rPr>
+              <a:t>écurisé : </a:t>
+            </a:r>
+            <a:r>
+              <a:rPr lang="fr-FR" sz="1200" kern="1200" dirty="0" err="1" smtClean="0">
+                <a:solidFill>
+                  <a:schemeClr val="tx1"/>
+                </a:solidFill>
+                <a:latin typeface="+mn-lt"/>
+                <a:ea typeface="+mn-ea"/>
+                <a:cs typeface="+mn-cs"/>
+              </a:rPr>
+              <a:t>parametres</a:t>
+            </a:r>
+            <a:r>
+              <a:rPr lang="fr-FR" sz="1200" kern="1200" dirty="0" smtClean="0">
+                <a:solidFill>
+                  <a:schemeClr val="tx1"/>
+                </a:solidFill>
+                <a:latin typeface="+mn-lt"/>
+                <a:ea typeface="+mn-ea"/>
+                <a:cs typeface="+mn-cs"/>
+              </a:rPr>
+              <a:t> de pare feu configurables. </a:t>
+            </a:r>
+            <a:r>
+              <a:rPr lang="fr-FR" sz="1200" kern="1200" dirty="0" smtClean="0">
+                <a:solidFill>
+                  <a:schemeClr val="tx1"/>
+                </a:solidFill>
+                <a:latin typeface="+mn-lt"/>
+                <a:ea typeface="+mn-ea"/>
+                <a:cs typeface="+mn-cs"/>
+              </a:rPr>
+              <a:t>Vous disposez d'un contrôle total de vos instances. Vous avez accès à la racine de chacune d'elle,</a:t>
+            </a:r>
+          </a:p>
+          <a:p>
+            <a:pPr marL="0" marR="0" lvl="2" indent="0" algn="l" defTabSz="457200" rtl="0" eaLnBrk="1" fontAlgn="auto" latinLnBrk="0" hangingPunct="1">
+              <a:lnSpc>
+                <a:spcPct val="100000"/>
+              </a:lnSpc>
+              <a:spcBef>
+                <a:spcPts val="0"/>
+              </a:spcBef>
+              <a:spcAft>
+                <a:spcPts val="0"/>
+              </a:spcAft>
+              <a:buClrTx/>
+              <a:buSzTx/>
+              <a:buFontTx/>
+              <a:buNone/>
+              <a:tabLst/>
+              <a:defRPr/>
+            </a:pPr>
+            <a:endParaRPr lang="fr-FR" sz="1200" kern="1200" dirty="0" smtClean="0">
+              <a:solidFill>
+                <a:schemeClr val="tx1"/>
+              </a:solidFill>
+              <a:latin typeface="+mn-lt"/>
+              <a:ea typeface="+mn-ea"/>
+              <a:cs typeface="+mn-cs"/>
+            </a:endParaRPr>
+          </a:p>
+          <a:p>
+            <a:pPr marL="0" marR="0" lvl="2" indent="0" algn="l" defTabSz="457200" rtl="0" eaLnBrk="1" fontAlgn="auto" latinLnBrk="0" hangingPunct="1">
+              <a:lnSpc>
+                <a:spcPct val="100000"/>
+              </a:lnSpc>
+              <a:spcBef>
+                <a:spcPts val="0"/>
+              </a:spcBef>
+              <a:spcAft>
+                <a:spcPts val="0"/>
+              </a:spcAft>
+              <a:buClrTx/>
+              <a:buSzTx/>
+              <a:buFontTx/>
+              <a:buNone/>
+              <a:tabLst/>
+              <a:defRPr/>
+            </a:pPr>
+            <a:endParaRPr lang="fr-FR" sz="1200" kern="1200" dirty="0" smtClean="0">
+              <a:solidFill>
+                <a:schemeClr val="tx1"/>
+              </a:solidFill>
+              <a:latin typeface="+mn-lt"/>
+              <a:ea typeface="+mn-ea"/>
+              <a:cs typeface="+mn-cs"/>
+            </a:endParaRPr>
+          </a:p>
+          <a:p>
+            <a:pPr marL="0" marR="0" lvl="2" indent="0" algn="l" defTabSz="457200" rtl="0" eaLnBrk="1" fontAlgn="auto" latinLnBrk="0" hangingPunct="1">
+              <a:lnSpc>
+                <a:spcPct val="100000"/>
+              </a:lnSpc>
+              <a:spcBef>
+                <a:spcPts val="0"/>
+              </a:spcBef>
+              <a:spcAft>
+                <a:spcPts val="0"/>
+              </a:spcAft>
+              <a:buClrTx/>
+              <a:buSzTx/>
+              <a:buFontTx/>
+              <a:buNone/>
+              <a:tabLst/>
+              <a:defRPr/>
+            </a:pPr>
+            <a:endParaRPr lang="fr-FR" sz="3200" kern="1200" dirty="0" smtClean="0">
+              <a:solidFill>
+                <a:schemeClr val="tx1"/>
+              </a:solidFill>
+              <a:latin typeface="+mn-lt"/>
+              <a:ea typeface="+mn-ea"/>
+              <a:cs typeface="+mn-cs"/>
+            </a:endParaRPr>
+          </a:p>
+          <a:p>
+            <a:pPr marL="0" marR="0" lvl="2" indent="0" algn="l" defTabSz="457200" rtl="0" eaLnBrk="1" fontAlgn="auto" latinLnBrk="0" hangingPunct="1">
+              <a:lnSpc>
+                <a:spcPct val="100000"/>
+              </a:lnSpc>
+              <a:spcBef>
+                <a:spcPts val="0"/>
+              </a:spcBef>
+              <a:spcAft>
+                <a:spcPts val="0"/>
+              </a:spcAft>
+              <a:buClrTx/>
+              <a:buSzTx/>
+              <a:buFontTx/>
+              <a:buNone/>
+              <a:tabLst/>
+              <a:defRPr/>
+            </a:pPr>
+            <a:endParaRPr lang="fr-FR" sz="3200" u="sng" dirty="0" smtClean="0"/>
           </a:p>
         </p:txBody>
       </p:sp>
@@ -1286,6 +1671,636 @@
           <a:bodyPr/>
           <a:lstStyle/>
           <a:p>
+            <a:pPr marL="0" marR="0" lvl="2" indent="0" algn="l" defTabSz="457200" rtl="0" eaLnBrk="1" fontAlgn="auto" latinLnBrk="0" hangingPunct="1">
+              <a:lnSpc>
+                <a:spcPct val="100000"/>
+              </a:lnSpc>
+              <a:spcBef>
+                <a:spcPts val="0"/>
+              </a:spcBef>
+              <a:spcAft>
+                <a:spcPts val="0"/>
+              </a:spcAft>
+              <a:buClrTx/>
+              <a:buSzTx/>
+              <a:buFontTx/>
+              <a:buNone/>
+              <a:tabLst/>
+              <a:defRPr/>
+            </a:pPr>
+            <a:r>
+              <a:rPr lang="fr-FR" sz="3200" u="sng" dirty="0" smtClean="0"/>
+              <a:t>I</a:t>
+            </a:r>
+            <a:r>
+              <a:rPr lang="fr-FR" sz="3200" u="sng" dirty="0" smtClean="0"/>
+              <a:t>nstance</a:t>
+            </a:r>
+            <a:r>
+              <a:rPr lang="fr-FR" sz="3200" u="sng" baseline="0" dirty="0" smtClean="0"/>
+              <a:t> a la demande : </a:t>
+            </a:r>
+            <a:r>
+              <a:rPr lang="fr-FR" sz="1200" kern="1200" dirty="0" smtClean="0">
+                <a:solidFill>
+                  <a:schemeClr val="tx1"/>
+                </a:solidFill>
+                <a:latin typeface="+mn-lt"/>
+                <a:ea typeface="+mn-ea"/>
+                <a:cs typeface="+mn-cs"/>
+              </a:rPr>
+              <a:t>Les instances à la demande suppriment également le besoin d'acheter une capacité de "filet de sécurité" pour gérer des pics de trafic périodiques.</a:t>
+            </a:r>
+          </a:p>
+          <a:p>
+            <a:pPr marL="0" marR="0" lvl="2" indent="0" algn="l" defTabSz="457200" rtl="0" eaLnBrk="1" fontAlgn="auto" latinLnBrk="0" hangingPunct="1">
+              <a:lnSpc>
+                <a:spcPct val="100000"/>
+              </a:lnSpc>
+              <a:spcBef>
+                <a:spcPts val="0"/>
+              </a:spcBef>
+              <a:spcAft>
+                <a:spcPts val="0"/>
+              </a:spcAft>
+              <a:buClrTx/>
+              <a:buSzTx/>
+              <a:buFontTx/>
+              <a:buNone/>
+              <a:tabLst/>
+              <a:defRPr/>
+            </a:pPr>
+            <a:endParaRPr lang="fr-FR" sz="1200" u="sng" kern="1200" dirty="0" smtClean="0">
+              <a:solidFill>
+                <a:schemeClr val="tx1"/>
+              </a:solidFill>
+              <a:latin typeface="+mn-lt"/>
+              <a:ea typeface="+mn-ea"/>
+              <a:cs typeface="+mn-cs"/>
+            </a:endParaRPr>
+          </a:p>
+          <a:p>
+            <a:pPr marL="0" marR="0" lvl="2" indent="0" algn="l" defTabSz="457200" rtl="0" eaLnBrk="1" fontAlgn="auto" latinLnBrk="0" hangingPunct="1">
+              <a:lnSpc>
+                <a:spcPct val="100000"/>
+              </a:lnSpc>
+              <a:spcBef>
+                <a:spcPts val="0"/>
+              </a:spcBef>
+              <a:spcAft>
+                <a:spcPts val="0"/>
+              </a:spcAft>
+              <a:buClrTx/>
+              <a:buSzTx/>
+              <a:buFontTx/>
+              <a:buNone/>
+              <a:tabLst/>
+              <a:defRPr/>
+            </a:pPr>
+            <a:r>
+              <a:rPr lang="fr-FR" sz="1200" u="sng" kern="1200" dirty="0" smtClean="0">
+                <a:solidFill>
+                  <a:schemeClr val="tx1"/>
+                </a:solidFill>
+                <a:latin typeface="+mn-lt"/>
+                <a:ea typeface="+mn-ea"/>
+                <a:cs typeface="+mn-cs"/>
+              </a:rPr>
+              <a:t>I</a:t>
+            </a:r>
+            <a:r>
+              <a:rPr lang="fr-FR" sz="1200" u="sng" kern="1200" dirty="0" smtClean="0">
+                <a:solidFill>
+                  <a:schemeClr val="tx1"/>
+                </a:solidFill>
+                <a:latin typeface="+mn-lt"/>
+                <a:ea typeface="+mn-ea"/>
+                <a:cs typeface="+mn-cs"/>
+              </a:rPr>
+              <a:t>nstance </a:t>
+            </a:r>
+            <a:r>
+              <a:rPr lang="fr-FR" sz="1200" u="sng" kern="1200" dirty="0" err="1" smtClean="0">
+                <a:solidFill>
+                  <a:schemeClr val="tx1"/>
+                </a:solidFill>
+                <a:latin typeface="+mn-lt"/>
+                <a:ea typeface="+mn-ea"/>
+                <a:cs typeface="+mn-cs"/>
+              </a:rPr>
+              <a:t>reservees</a:t>
+            </a:r>
+            <a:r>
+              <a:rPr lang="fr-FR" sz="1200" u="sng" kern="1200" dirty="0" smtClean="0">
+                <a:solidFill>
+                  <a:schemeClr val="tx1"/>
+                </a:solidFill>
+                <a:latin typeface="+mn-lt"/>
+                <a:ea typeface="+mn-ea"/>
+                <a:cs typeface="+mn-cs"/>
+              </a:rPr>
+              <a:t> : </a:t>
+            </a:r>
+            <a:r>
+              <a:rPr lang="fr-FR" sz="1200" kern="1200" dirty="0" smtClean="0">
+                <a:solidFill>
+                  <a:schemeClr val="tx1"/>
+                </a:solidFill>
+                <a:latin typeface="+mn-lt"/>
+                <a:ea typeface="+mn-ea"/>
+                <a:cs typeface="+mn-cs"/>
+              </a:rPr>
+              <a:t> Il y a trois types d'instances réservées (Instances réservées d'utilisation légère, modérée et intensive)</a:t>
+            </a:r>
+          </a:p>
+          <a:p>
+            <a:pPr marL="0" marR="0" lvl="2" indent="0" algn="l" defTabSz="457200" rtl="0" eaLnBrk="1" fontAlgn="auto" latinLnBrk="0" hangingPunct="1">
+              <a:lnSpc>
+                <a:spcPct val="100000"/>
+              </a:lnSpc>
+              <a:spcBef>
+                <a:spcPts val="0"/>
+              </a:spcBef>
+              <a:spcAft>
+                <a:spcPts val="0"/>
+              </a:spcAft>
+              <a:buClrTx/>
+              <a:buSzTx/>
+              <a:buFontTx/>
+              <a:buNone/>
+              <a:tabLst/>
+              <a:defRPr/>
+            </a:pPr>
+            <a:endParaRPr lang="fr-FR" sz="1200" u="sng" kern="1200" dirty="0" smtClean="0">
+              <a:solidFill>
+                <a:schemeClr val="tx1"/>
+              </a:solidFill>
+              <a:latin typeface="+mn-lt"/>
+              <a:ea typeface="+mn-ea"/>
+              <a:cs typeface="+mn-cs"/>
+            </a:endParaRPr>
+          </a:p>
+          <a:p>
+            <a:pPr marL="0" marR="0" lvl="2" indent="0" algn="l" defTabSz="457200" rtl="0" eaLnBrk="1" fontAlgn="auto" latinLnBrk="0" hangingPunct="1">
+              <a:lnSpc>
+                <a:spcPct val="100000"/>
+              </a:lnSpc>
+              <a:spcBef>
+                <a:spcPts val="0"/>
+              </a:spcBef>
+              <a:spcAft>
+                <a:spcPts val="0"/>
+              </a:spcAft>
+              <a:buClrTx/>
+              <a:buSzTx/>
+              <a:buFontTx/>
+              <a:buNone/>
+              <a:tabLst/>
+              <a:defRPr/>
+            </a:pPr>
+            <a:r>
+              <a:rPr lang="fr-FR" sz="1200" u="sng" kern="1200" dirty="0" smtClean="0">
+                <a:solidFill>
+                  <a:schemeClr val="tx1"/>
+                </a:solidFill>
+                <a:latin typeface="+mn-lt"/>
+                <a:ea typeface="+mn-ea"/>
+                <a:cs typeface="+mn-cs"/>
+              </a:rPr>
+              <a:t>Instance ponctuelles </a:t>
+            </a:r>
+            <a:r>
+              <a:rPr lang="fr-FR" sz="1200" kern="1200" dirty="0" smtClean="0">
+                <a:solidFill>
+                  <a:schemeClr val="tx1"/>
+                </a:solidFill>
+                <a:latin typeface="+mn-lt"/>
+                <a:ea typeface="+mn-ea"/>
+                <a:cs typeface="+mn-cs"/>
+              </a:rPr>
+              <a:t>:</a:t>
+            </a:r>
+            <a:r>
+              <a:rPr lang="fr-FR" sz="1200" kern="1200" baseline="0" dirty="0" smtClean="0">
+                <a:solidFill>
+                  <a:schemeClr val="tx1"/>
+                </a:solidFill>
+                <a:latin typeface="+mn-lt"/>
+                <a:ea typeface="+mn-ea"/>
+                <a:cs typeface="+mn-cs"/>
+              </a:rPr>
+              <a:t> </a:t>
+            </a:r>
+            <a:r>
+              <a:rPr lang="fr-FR" sz="1200" kern="1200" dirty="0" smtClean="0">
+                <a:solidFill>
+                  <a:schemeClr val="tx1"/>
+                </a:solidFill>
+                <a:latin typeface="+mn-lt"/>
+                <a:ea typeface="+mn-ea"/>
+                <a:cs typeface="+mn-cs"/>
+              </a:rPr>
+              <a:t>Le prix ponctuel change périodiquement en fonction de l'offre et de la demande, et les clients, dont les offres répondent ou dépassent ce prix, ont accès aux instances ponctuelles disponibles. Si les heures d'exécution de vos applications sont flexibles, les instances ponctuelles peuvent faire baisser de manière significative vos coûts Amazon EC2.</a:t>
+            </a:r>
+            <a:endParaRPr lang="fr-FR" sz="3200" u="sng" dirty="0" smtClean="0"/>
+          </a:p>
+        </p:txBody>
+      </p:sp>
+      <p:sp>
+        <p:nvSpPr>
+          <p:cNvPr id="4" name="Espace réservé du numéro de diapositive 3"/>
+          <p:cNvSpPr>
+            <a:spLocks noGrp="1"/>
+          </p:cNvSpPr>
+          <p:nvPr>
+            <p:ph type="sldNum" sz="quarter" idx="10"/>
+          </p:nvPr>
+        </p:nvSpPr>
+        <p:spPr/>
+        <p:txBody>
+          <a:bodyPr/>
+          <a:lstStyle/>
+          <a:p>
+            <a:fld id="{7CFB7986-A455-FF4B-8986-0F422CDEA853}" type="slidenum">
+              <a:rPr lang="fr-FR" smtClean="0"/>
+              <a:t>7</a:t>
+            </a:fld>
+            <a:endParaRPr lang="fr-FR"/>
+          </a:p>
+        </p:txBody>
+      </p:sp>
+    </p:spTree>
+    <p:extLst>
+      <p:ext uri="{BB962C8B-B14F-4D97-AF65-F5344CB8AC3E}">
+        <p14:creationId xmlns:p14="http://schemas.microsoft.com/office/powerpoint/2010/main" val="2736999507"/>
+      </p:ext>
+    </p:extLst>
+  </p:cSld>
+  <p:clrMapOvr>
+    <a:masterClrMapping/>
+  </p:clrMapOvr>
+</p:notes>
+</file>
+
+<file path=ppt/notesSlides/notesSlide5.xml><?xml version="1.0" encoding="utf-8"?>
+<p:notes xmlns:a="http://schemas.openxmlformats.org/drawingml/2006/main" xmlns:r="http://schemas.openxmlformats.org/officeDocument/2006/relationships" xmlns:p="http://schemas.openxmlformats.org/presentationml/2006/main">
+  <p:cSld>
+    <p:spTree>
+      <p:nvGrpSpPr>
+        <p:cNvPr id="1" name=""/>
+        <p:cNvGrpSpPr/>
+        <p:nvPr/>
+      </p:nvGrpSpPr>
+      <p:grpSpPr>
+        <a:xfrm>
+          <a:off x="0" y="0"/>
+          <a:ext cx="0" cy="0"/>
+          <a:chOff x="0" y="0"/>
+          <a:chExt cx="0" cy="0"/>
+        </a:xfrm>
+      </p:grpSpPr>
+      <p:sp>
+        <p:nvSpPr>
+          <p:cNvPr id="2" name="Espace réservé de l'image des diapositives 1"/>
+          <p:cNvSpPr>
+            <a:spLocks noGrp="1" noRot="1" noChangeAspect="1"/>
+          </p:cNvSpPr>
+          <p:nvPr>
+            <p:ph type="sldImg"/>
+          </p:nvPr>
+        </p:nvSpPr>
+        <p:spPr/>
+      </p:sp>
+      <p:sp>
+        <p:nvSpPr>
+          <p:cNvPr id="3" name="Espace réservé des commentaires 2"/>
+          <p:cNvSpPr>
+            <a:spLocks noGrp="1"/>
+          </p:cNvSpPr>
+          <p:nvPr>
+            <p:ph type="body" idx="1"/>
+          </p:nvPr>
+        </p:nvSpPr>
+        <p:spPr/>
+        <p:txBody>
+          <a:bodyPr/>
+          <a:lstStyle/>
+          <a:p>
+            <a:pPr marL="0" marR="0" lvl="2" indent="0" algn="l" defTabSz="457200" rtl="0" eaLnBrk="1" fontAlgn="auto" latinLnBrk="0" hangingPunct="1">
+              <a:lnSpc>
+                <a:spcPct val="100000"/>
+              </a:lnSpc>
+              <a:spcBef>
+                <a:spcPts val="0"/>
+              </a:spcBef>
+              <a:spcAft>
+                <a:spcPts val="0"/>
+              </a:spcAft>
+              <a:buClrTx/>
+              <a:buSzTx/>
+              <a:buFontTx/>
+              <a:buNone/>
+              <a:tabLst/>
+              <a:defRPr/>
+            </a:pPr>
+            <a:r>
+              <a:rPr lang="fr-FR" sz="3200" u="sng" dirty="0" smtClean="0"/>
+              <a:t>I</a:t>
+            </a:r>
+            <a:r>
+              <a:rPr lang="fr-FR" sz="3200" u="sng" dirty="0" smtClean="0"/>
+              <a:t>nstance</a:t>
+            </a:r>
+            <a:r>
+              <a:rPr lang="fr-FR" sz="3200" u="sng" baseline="0" dirty="0" smtClean="0"/>
+              <a:t> a la demande : </a:t>
+            </a:r>
+            <a:r>
+              <a:rPr lang="fr-FR" sz="1200" kern="1200" dirty="0" smtClean="0">
+                <a:solidFill>
+                  <a:schemeClr val="tx1"/>
+                </a:solidFill>
+                <a:latin typeface="+mn-lt"/>
+                <a:ea typeface="+mn-ea"/>
+                <a:cs typeface="+mn-cs"/>
+              </a:rPr>
+              <a:t>Les instances à la demande suppriment également le besoin d'acheter une capacité de "filet de sécurité" pour gérer des pics de trafic périodiques.</a:t>
+            </a:r>
+          </a:p>
+          <a:p>
+            <a:pPr marL="0" marR="0" lvl="2" indent="0" algn="l" defTabSz="457200" rtl="0" eaLnBrk="1" fontAlgn="auto" latinLnBrk="0" hangingPunct="1">
+              <a:lnSpc>
+                <a:spcPct val="100000"/>
+              </a:lnSpc>
+              <a:spcBef>
+                <a:spcPts val="0"/>
+              </a:spcBef>
+              <a:spcAft>
+                <a:spcPts val="0"/>
+              </a:spcAft>
+              <a:buClrTx/>
+              <a:buSzTx/>
+              <a:buFontTx/>
+              <a:buNone/>
+              <a:tabLst/>
+              <a:defRPr/>
+            </a:pPr>
+            <a:endParaRPr lang="fr-FR" sz="1200" u="sng" kern="1200" dirty="0" smtClean="0">
+              <a:solidFill>
+                <a:schemeClr val="tx1"/>
+              </a:solidFill>
+              <a:latin typeface="+mn-lt"/>
+              <a:ea typeface="+mn-ea"/>
+              <a:cs typeface="+mn-cs"/>
+            </a:endParaRPr>
+          </a:p>
+          <a:p>
+            <a:pPr marL="0" marR="0" lvl="2" indent="0" algn="l" defTabSz="457200" rtl="0" eaLnBrk="1" fontAlgn="auto" latinLnBrk="0" hangingPunct="1">
+              <a:lnSpc>
+                <a:spcPct val="100000"/>
+              </a:lnSpc>
+              <a:spcBef>
+                <a:spcPts val="0"/>
+              </a:spcBef>
+              <a:spcAft>
+                <a:spcPts val="0"/>
+              </a:spcAft>
+              <a:buClrTx/>
+              <a:buSzTx/>
+              <a:buFontTx/>
+              <a:buNone/>
+              <a:tabLst/>
+              <a:defRPr/>
+            </a:pPr>
+            <a:r>
+              <a:rPr lang="fr-FR" sz="1200" u="sng" kern="1200" dirty="0" smtClean="0">
+                <a:solidFill>
+                  <a:schemeClr val="tx1"/>
+                </a:solidFill>
+                <a:latin typeface="+mn-lt"/>
+                <a:ea typeface="+mn-ea"/>
+                <a:cs typeface="+mn-cs"/>
+              </a:rPr>
+              <a:t>I</a:t>
+            </a:r>
+            <a:r>
+              <a:rPr lang="fr-FR" sz="1200" u="sng" kern="1200" dirty="0" smtClean="0">
+                <a:solidFill>
+                  <a:schemeClr val="tx1"/>
+                </a:solidFill>
+                <a:latin typeface="+mn-lt"/>
+                <a:ea typeface="+mn-ea"/>
+                <a:cs typeface="+mn-cs"/>
+              </a:rPr>
+              <a:t>nstance </a:t>
+            </a:r>
+            <a:r>
+              <a:rPr lang="fr-FR" sz="1200" u="sng" kern="1200" dirty="0" err="1" smtClean="0">
+                <a:solidFill>
+                  <a:schemeClr val="tx1"/>
+                </a:solidFill>
+                <a:latin typeface="+mn-lt"/>
+                <a:ea typeface="+mn-ea"/>
+                <a:cs typeface="+mn-cs"/>
+              </a:rPr>
+              <a:t>reservees</a:t>
+            </a:r>
+            <a:r>
+              <a:rPr lang="fr-FR" sz="1200" u="sng" kern="1200" dirty="0" smtClean="0">
+                <a:solidFill>
+                  <a:schemeClr val="tx1"/>
+                </a:solidFill>
+                <a:latin typeface="+mn-lt"/>
+                <a:ea typeface="+mn-ea"/>
+                <a:cs typeface="+mn-cs"/>
+              </a:rPr>
+              <a:t> : </a:t>
+            </a:r>
+            <a:r>
+              <a:rPr lang="fr-FR" sz="1200" kern="1200" dirty="0" smtClean="0">
+                <a:solidFill>
+                  <a:schemeClr val="tx1"/>
+                </a:solidFill>
+                <a:latin typeface="+mn-lt"/>
+                <a:ea typeface="+mn-ea"/>
+                <a:cs typeface="+mn-cs"/>
+              </a:rPr>
+              <a:t> Il y a trois types d'instances réservées (Instances réservées d'utilisation légère, modérée et intensive)</a:t>
+            </a:r>
+          </a:p>
+          <a:p>
+            <a:pPr marL="0" marR="0" lvl="2" indent="0" algn="l" defTabSz="457200" rtl="0" eaLnBrk="1" fontAlgn="auto" latinLnBrk="0" hangingPunct="1">
+              <a:lnSpc>
+                <a:spcPct val="100000"/>
+              </a:lnSpc>
+              <a:spcBef>
+                <a:spcPts val="0"/>
+              </a:spcBef>
+              <a:spcAft>
+                <a:spcPts val="0"/>
+              </a:spcAft>
+              <a:buClrTx/>
+              <a:buSzTx/>
+              <a:buFontTx/>
+              <a:buNone/>
+              <a:tabLst/>
+              <a:defRPr/>
+            </a:pPr>
+            <a:endParaRPr lang="fr-FR" sz="1200" u="sng" kern="1200" dirty="0" smtClean="0">
+              <a:solidFill>
+                <a:schemeClr val="tx1"/>
+              </a:solidFill>
+              <a:latin typeface="+mn-lt"/>
+              <a:ea typeface="+mn-ea"/>
+              <a:cs typeface="+mn-cs"/>
+            </a:endParaRPr>
+          </a:p>
+          <a:p>
+            <a:pPr marL="0" marR="0" lvl="2" indent="0" algn="l" defTabSz="457200" rtl="0" eaLnBrk="1" fontAlgn="auto" latinLnBrk="0" hangingPunct="1">
+              <a:lnSpc>
+                <a:spcPct val="100000"/>
+              </a:lnSpc>
+              <a:spcBef>
+                <a:spcPts val="0"/>
+              </a:spcBef>
+              <a:spcAft>
+                <a:spcPts val="0"/>
+              </a:spcAft>
+              <a:buClrTx/>
+              <a:buSzTx/>
+              <a:buFontTx/>
+              <a:buNone/>
+              <a:tabLst/>
+              <a:defRPr/>
+            </a:pPr>
+            <a:r>
+              <a:rPr lang="fr-FR" sz="1200" u="sng" kern="1200" dirty="0" smtClean="0">
+                <a:solidFill>
+                  <a:schemeClr val="tx1"/>
+                </a:solidFill>
+                <a:latin typeface="+mn-lt"/>
+                <a:ea typeface="+mn-ea"/>
+                <a:cs typeface="+mn-cs"/>
+              </a:rPr>
+              <a:t>Instance ponctuelles </a:t>
+            </a:r>
+            <a:r>
+              <a:rPr lang="fr-FR" sz="1200" kern="1200" dirty="0" smtClean="0">
+                <a:solidFill>
+                  <a:schemeClr val="tx1"/>
+                </a:solidFill>
+                <a:latin typeface="+mn-lt"/>
+                <a:ea typeface="+mn-ea"/>
+                <a:cs typeface="+mn-cs"/>
+              </a:rPr>
+              <a:t>:</a:t>
+            </a:r>
+            <a:r>
+              <a:rPr lang="fr-FR" sz="1200" kern="1200" baseline="0" dirty="0" smtClean="0">
+                <a:solidFill>
+                  <a:schemeClr val="tx1"/>
+                </a:solidFill>
+                <a:latin typeface="+mn-lt"/>
+                <a:ea typeface="+mn-ea"/>
+                <a:cs typeface="+mn-cs"/>
+              </a:rPr>
+              <a:t> </a:t>
+            </a:r>
+            <a:r>
+              <a:rPr lang="fr-FR" sz="1200" kern="1200" dirty="0" smtClean="0">
+                <a:solidFill>
+                  <a:schemeClr val="tx1"/>
+                </a:solidFill>
+                <a:latin typeface="+mn-lt"/>
+                <a:ea typeface="+mn-ea"/>
+                <a:cs typeface="+mn-cs"/>
+              </a:rPr>
+              <a:t>Le prix ponctuel change périodiquement en fonction de l'offre et de la demande, et les clients, dont les offres répondent ou dépassent ce prix, ont accès aux instances ponctuelles disponibles. Si les heures d'exécution de vos applications sont flexibles, les instances ponctuelles peuvent faire baisser de manière significative vos coûts Amazon EC2.</a:t>
+            </a:r>
+            <a:endParaRPr lang="fr-FR" sz="3200" u="sng" dirty="0" smtClean="0"/>
+          </a:p>
+        </p:txBody>
+      </p:sp>
+      <p:sp>
+        <p:nvSpPr>
+          <p:cNvPr id="4" name="Espace réservé du numéro de diapositive 3"/>
+          <p:cNvSpPr>
+            <a:spLocks noGrp="1"/>
+          </p:cNvSpPr>
+          <p:nvPr>
+            <p:ph type="sldNum" sz="quarter" idx="10"/>
+          </p:nvPr>
+        </p:nvSpPr>
+        <p:spPr/>
+        <p:txBody>
+          <a:bodyPr/>
+          <a:lstStyle/>
+          <a:p>
+            <a:fld id="{7CFB7986-A455-FF4B-8986-0F422CDEA853}" type="slidenum">
+              <a:rPr lang="fr-FR" smtClean="0"/>
+              <a:t>8</a:t>
+            </a:fld>
+            <a:endParaRPr lang="fr-FR"/>
+          </a:p>
+        </p:txBody>
+      </p:sp>
+    </p:spTree>
+    <p:extLst>
+      <p:ext uri="{BB962C8B-B14F-4D97-AF65-F5344CB8AC3E}">
+        <p14:creationId xmlns:p14="http://schemas.microsoft.com/office/powerpoint/2010/main" val="2736999507"/>
+      </p:ext>
+    </p:extLst>
+  </p:cSld>
+  <p:clrMapOvr>
+    <a:masterClrMapping/>
+  </p:clrMapOvr>
+</p:notes>
+</file>
+
+<file path=ppt/notesSlides/notesSlide6.xml><?xml version="1.0" encoding="utf-8"?>
+<p:notes xmlns:a="http://schemas.openxmlformats.org/drawingml/2006/main" xmlns:r="http://schemas.openxmlformats.org/officeDocument/2006/relationships" xmlns:p="http://schemas.openxmlformats.org/presentationml/2006/main">
+  <p:cSld>
+    <p:spTree>
+      <p:nvGrpSpPr>
+        <p:cNvPr id="1" name=""/>
+        <p:cNvGrpSpPr/>
+        <p:nvPr/>
+      </p:nvGrpSpPr>
+      <p:grpSpPr>
+        <a:xfrm>
+          <a:off x="0" y="0"/>
+          <a:ext cx="0" cy="0"/>
+          <a:chOff x="0" y="0"/>
+          <a:chExt cx="0" cy="0"/>
+        </a:xfrm>
+      </p:grpSpPr>
+      <p:sp>
+        <p:nvSpPr>
+          <p:cNvPr id="2" name="Espace réservé de l'image des diapositives 1"/>
+          <p:cNvSpPr>
+            <a:spLocks noGrp="1" noRot="1" noChangeAspect="1"/>
+          </p:cNvSpPr>
+          <p:nvPr>
+            <p:ph type="sldImg"/>
+          </p:nvPr>
+        </p:nvSpPr>
+        <p:spPr/>
+      </p:sp>
+      <p:sp>
+        <p:nvSpPr>
+          <p:cNvPr id="3" name="Espace réservé des commentaires 2"/>
+          <p:cNvSpPr>
+            <a:spLocks noGrp="1"/>
+          </p:cNvSpPr>
+          <p:nvPr>
+            <p:ph type="body" idx="1"/>
+          </p:nvPr>
+        </p:nvSpPr>
+        <p:spPr/>
+        <p:txBody>
+          <a:bodyPr/>
+          <a:lstStyle/>
+          <a:p>
             <a:pPr marL="171450" indent="-171450">
               <a:buFontTx/>
               <a:buChar char="-"/>
@@ -1357,7 +2372,95 @@
           <a:p>
             <a:fld id="{7CFB7986-A455-FF4B-8986-0F422CDEA853}" type="slidenum">
               <a:rPr lang="fr-FR" smtClean="0"/>
-              <a:t>7</a:t>
+              <a:t>9</a:t>
+            </a:fld>
+            <a:endParaRPr lang="fr-FR"/>
+          </a:p>
+        </p:txBody>
+      </p:sp>
+    </p:spTree>
+    <p:extLst>
+      <p:ext uri="{BB962C8B-B14F-4D97-AF65-F5344CB8AC3E}">
+        <p14:creationId xmlns:p14="http://schemas.microsoft.com/office/powerpoint/2010/main" val="2736999507"/>
+      </p:ext>
+    </p:extLst>
+  </p:cSld>
+  <p:clrMapOvr>
+    <a:masterClrMapping/>
+  </p:clrMapOvr>
+</p:notes>
+</file>
+
+<file path=ppt/notesSlides/notesSlide7.xml><?xml version="1.0" encoding="utf-8"?>
+<p:notes xmlns:a="http://schemas.openxmlformats.org/drawingml/2006/main" xmlns:r="http://schemas.openxmlformats.org/officeDocument/2006/relationships" xmlns:p="http://schemas.openxmlformats.org/presentationml/2006/main">
+  <p:cSld>
+    <p:spTree>
+      <p:nvGrpSpPr>
+        <p:cNvPr id="1" name=""/>
+        <p:cNvGrpSpPr/>
+        <p:nvPr/>
+      </p:nvGrpSpPr>
+      <p:grpSpPr>
+        <a:xfrm>
+          <a:off x="0" y="0"/>
+          <a:ext cx="0" cy="0"/>
+          <a:chOff x="0" y="0"/>
+          <a:chExt cx="0" cy="0"/>
+        </a:xfrm>
+      </p:grpSpPr>
+      <p:sp>
+        <p:nvSpPr>
+          <p:cNvPr id="2" name="Espace réservé de l'image des diapositives 1"/>
+          <p:cNvSpPr>
+            <a:spLocks noGrp="1" noRot="1" noChangeAspect="1"/>
+          </p:cNvSpPr>
+          <p:nvPr>
+            <p:ph type="sldImg"/>
+          </p:nvPr>
+        </p:nvSpPr>
+        <p:spPr/>
+      </p:sp>
+      <p:sp>
+        <p:nvSpPr>
+          <p:cNvPr id="3" name="Espace réservé des commentaires 2"/>
+          <p:cNvSpPr>
+            <a:spLocks noGrp="1"/>
+          </p:cNvSpPr>
+          <p:nvPr>
+            <p:ph type="body" idx="1"/>
+          </p:nvPr>
+        </p:nvSpPr>
+        <p:spPr/>
+        <p:txBody>
+          <a:bodyPr/>
+          <a:lstStyle/>
+          <a:p>
+            <a:pPr marL="0" indent="0">
+              <a:buFontTx/>
+              <a:buNone/>
+            </a:pPr>
+            <a:endParaRPr lang="fr-FR" dirty="0"/>
+          </a:p>
+        </p:txBody>
+      </p:sp>
+      <p:sp>
+        <p:nvSpPr>
+          <p:cNvPr id="4" name="Espace réservé du numéro de diapositive 3"/>
+          <p:cNvSpPr>
+            <a:spLocks noGrp="1"/>
+          </p:cNvSpPr>
+          <p:nvPr>
+            <p:ph type="sldNum" sz="quarter" idx="10"/>
+          </p:nvPr>
+        </p:nvSpPr>
+        <p:spPr/>
+        <p:txBody>
+          <a:bodyPr/>
+          <a:lstStyle/>
+          <a:p>
+            <a:fld id="{7CFB7986-A455-FF4B-8986-0F422CDEA853}" type="slidenum">
+              <a:rPr lang="fr-FR" smtClean="0"/>
+              <a:t>10</a:t>
             </a:fld>
             <a:endParaRPr lang="fr-FR"/>
           </a:p>
@@ -5093,6 +6196,127 @@
 </p:sld>
 </file>
 
+<file path=ppt/slides/slide10.xml><?xml version="1.0" encoding="utf-8"?>
+<p:sld xmlns:a="http://schemas.openxmlformats.org/drawingml/2006/main" xmlns:r="http://schemas.openxmlformats.org/officeDocument/2006/relationships" xmlns:p="http://schemas.openxmlformats.org/presentationml/2006/main">
+  <p:cSld>
+    <p:spTree>
+      <p:nvGrpSpPr>
+        <p:cNvPr id="1" name=""/>
+        <p:cNvGrpSpPr/>
+        <p:nvPr/>
+      </p:nvGrpSpPr>
+      <p:grpSpPr>
+        <a:xfrm>
+          <a:off x="0" y="0"/>
+          <a:ext cx="0" cy="0"/>
+          <a:chOff x="0" y="0"/>
+          <a:chExt cx="0" cy="0"/>
+        </a:xfrm>
+      </p:grpSpPr>
+      <p:sp>
+        <p:nvSpPr>
+          <p:cNvPr id="2" name="Titre 1"/>
+          <p:cNvSpPr>
+            <a:spLocks noGrp="1"/>
+          </p:cNvSpPr>
+          <p:nvPr>
+            <p:ph type="title"/>
+          </p:nvPr>
+        </p:nvSpPr>
+        <p:spPr>
+          <a:xfrm>
+            <a:off x="779462" y="107577"/>
+            <a:ext cx="7935544" cy="1653988"/>
+          </a:xfrm>
+        </p:spPr>
+        <p:txBody>
+          <a:bodyPr/>
+          <a:lstStyle/>
+          <a:p>
+            <a:r>
+              <a:rPr lang="fr-FR" dirty="0" smtClean="0"/>
+              <a:t>Pour conclure</a:t>
+            </a:r>
+            <a:endParaRPr lang="fr-FR" dirty="0"/>
+          </a:p>
+        </p:txBody>
+      </p:sp>
+      <p:sp>
+        <p:nvSpPr>
+          <p:cNvPr id="3" name="Espace réservé du contenu 2"/>
+          <p:cNvSpPr>
+            <a:spLocks noGrp="1"/>
+          </p:cNvSpPr>
+          <p:nvPr>
+            <p:ph idx="1"/>
+          </p:nvPr>
+        </p:nvSpPr>
+        <p:spPr/>
+        <p:txBody>
+          <a:bodyPr>
+            <a:normAutofit/>
+          </a:bodyPr>
+          <a:lstStyle/>
+          <a:p>
+            <a:pPr marL="403225" lvl="1" indent="0">
+              <a:buNone/>
+            </a:pPr>
+            <a:r>
+              <a:rPr lang="fr-FR" sz="3200" dirty="0" smtClean="0"/>
+              <a:t/>
+            </a:r>
+            <a:br>
+              <a:rPr lang="fr-FR" sz="3200" dirty="0" smtClean="0"/>
+            </a:br>
+            <a:r>
+              <a:rPr lang="fr-FR" sz="3200" dirty="0" smtClean="0"/>
+              <a:t>De tr</a:t>
+            </a:r>
+            <a:r>
+              <a:rPr lang="fr-FR" sz="3200" dirty="0" smtClean="0"/>
+              <a:t>ès bon arguments</a:t>
+            </a:r>
+            <a:r>
+              <a:rPr lang="fr-FR" sz="3200" dirty="0" smtClean="0"/>
+              <a:t>…</a:t>
+            </a:r>
+          </a:p>
+          <a:p>
+            <a:pPr lvl="1"/>
+            <a:endParaRPr lang="fr-FR" sz="3200" dirty="0" smtClean="0"/>
+          </a:p>
+          <a:p>
+            <a:pPr marL="403225" lvl="1" indent="0">
+              <a:buNone/>
+            </a:pPr>
+            <a:r>
+              <a:rPr lang="fr-FR" sz="3200" dirty="0" smtClean="0"/>
+              <a:t>… m</a:t>
+            </a:r>
+            <a:r>
+              <a:rPr lang="fr-FR" sz="3200" dirty="0" smtClean="0"/>
+              <a:t>ais comment en v</a:t>
+            </a:r>
+            <a:r>
+              <a:rPr lang="fr-FR" sz="3200" dirty="0" smtClean="0"/>
+              <a:t>érifier la véracité ?</a:t>
+            </a:r>
+          </a:p>
+        </p:txBody>
+      </p:sp>
+    </p:spTree>
+    <p:extLst>
+      <p:ext uri="{BB962C8B-B14F-4D97-AF65-F5344CB8AC3E}">
+        <p14:creationId xmlns:p14="http://schemas.microsoft.com/office/powerpoint/2010/main" val="1253703868"/>
+      </p:ext>
+    </p:extLst>
+  </p:cSld>
+  <p:clrMapOvr>
+    <a:masterClrMapping/>
+  </p:clrMapOvr>
+</p:sld>
+</file>
+
 <file path=ppt/slides/slide2.xml><?xml version="1.0" encoding="utf-8"?>
 <p:sld xmlns:a="http://schemas.openxmlformats.org/drawingml/2006/main" xmlns:r="http://schemas.openxmlformats.org/officeDocument/2006/relationships" xmlns:p="http://schemas.openxmlformats.org/presentationml/2006/main">
   <p:cSld>
@@ -5486,7 +6710,7 @@
             <a:pPr lvl="1"/>
             <a:r>
               <a:rPr lang="fr-FR" sz="3200" dirty="0" smtClean="0"/>
-              <a:t>Service de stockage via une interface de services Web</a:t>
+              <a:t>Un service de stockage via une interface de services Web</a:t>
             </a:r>
           </a:p>
           <a:p>
@@ -5623,18 +6847,18 @@
           <a:p>
             <a:pPr lvl="2"/>
             <a:r>
-              <a:rPr lang="fr-FR" sz="3000" dirty="0" smtClean="0"/>
+              <a:rPr lang="fr-FR" sz="3000" b="0" dirty="0" smtClean="0"/>
               <a:t>Stockés d</a:t>
             </a:r>
             <a:r>
-              <a:rPr lang="fr-FR" sz="3000" dirty="0" smtClean="0"/>
+              <a:rPr lang="fr-FR" sz="3000" b="0" dirty="0" smtClean="0"/>
               <a:t>ans un compartiment</a:t>
             </a:r>
           </a:p>
           <a:p>
             <a:pPr lvl="2"/>
             <a:r>
-              <a:rPr lang="fr-FR" sz="3000" dirty="0" smtClean="0"/>
+              <a:rPr lang="fr-FR" sz="3000" b="0" dirty="0" smtClean="0"/>
               <a:t>Pouvant être situés dans une région particulière</a:t>
             </a:r>
           </a:p>
@@ -5663,28 +6887,28 @@
           <a:p>
             <a:pPr lvl="2"/>
             <a:r>
-              <a:rPr lang="fr-FR" sz="3000" dirty="0" smtClean="0"/>
+              <a:rPr lang="fr-FR" sz="3000" b="0" dirty="0" smtClean="0"/>
               <a:t>S</a:t>
             </a:r>
             <a:r>
-              <a:rPr lang="fr-FR" sz="3000" dirty="0" smtClean="0"/>
+              <a:rPr lang="fr-FR" sz="3000" b="0" dirty="0" smtClean="0"/>
               <a:t>éparation des données par compartiment</a:t>
             </a:r>
           </a:p>
           <a:p>
             <a:pPr lvl="2"/>
             <a:r>
-              <a:rPr lang="fr-FR" sz="3000" dirty="0" smtClean="0"/>
+              <a:rPr lang="fr-FR" sz="3000" b="0" dirty="0" smtClean="0"/>
               <a:t>Surveillance et contrôle des dépenses</a:t>
             </a:r>
           </a:p>
           <a:p>
             <a:pPr lvl="2"/>
             <a:r>
-              <a:rPr lang="fr-FR" sz="3000" dirty="0" smtClean="0"/>
+              <a:rPr lang="fr-FR" sz="3000" b="0" dirty="0" smtClean="0"/>
               <a:t>Archive automatique des données</a:t>
             </a:r>
-            <a:endParaRPr lang="fr-FR" sz="3000" dirty="0" smtClean="0"/>
+            <a:endParaRPr lang="fr-FR" sz="3000" b="0" dirty="0" smtClean="0"/>
           </a:p>
         </p:txBody>
       </p:sp>
@@ -5771,82 +6995,61 @@
         </p:spPr>
         <p:txBody>
           <a:bodyPr>
-            <a:normAutofit fontScale="85000" lnSpcReduction="10000"/>
+            <a:normAutofit/>
           </a:bodyPr>
           <a:lstStyle/>
           <a:p>
             <a:pPr lvl="1"/>
             <a:r>
-              <a:rPr lang="fr-FR" sz="3200" dirty="0" smtClean="0"/>
-              <a:t>Objets</a:t>
-            </a:r>
-            <a:endParaRPr lang="fr-FR" sz="3200" dirty="0" smtClean="0"/>
+              <a:rPr lang="fr-FR" sz="3000" dirty="0" smtClean="0"/>
+              <a:t>Un service Web qui fournit une capacit</a:t>
+            </a:r>
+            <a:r>
+              <a:rPr lang="fr-FR" sz="3000" dirty="0" smtClean="0"/>
+              <a:t>é de calcul redimensionnable</a:t>
+            </a:r>
           </a:p>
           <a:p>
             <a:pPr lvl="2"/>
             <a:r>
-              <a:rPr lang="fr-FR" sz="3000" dirty="0" smtClean="0"/>
-              <a:t>Stockés d</a:t>
-            </a:r>
-            <a:r>
-              <a:rPr lang="fr-FR" sz="3000" dirty="0" smtClean="0"/>
-              <a:t>ans un compartiment</a:t>
-            </a:r>
+              <a:rPr lang="fr-FR" sz="2600" b="0" dirty="0" smtClean="0"/>
+              <a:t>Elastique</a:t>
+            </a:r>
+            <a:endParaRPr lang="fr-FR" sz="2600" b="0" dirty="0"/>
           </a:p>
           <a:p>
             <a:pPr lvl="2"/>
             <a:r>
-              <a:rPr lang="fr-FR" sz="3000" dirty="0" smtClean="0"/>
-              <a:t>Pouvant être situés dans une région particulière</a:t>
-            </a:r>
-          </a:p>
-          <a:p>
-            <a:pPr lvl="1"/>
-            <a:r>
-              <a:rPr lang="fr-FR" sz="3200" dirty="0" smtClean="0"/>
-              <a:t>Mécanismes d’authentification et de cryptage</a:t>
-            </a:r>
-            <a:endParaRPr lang="fr-FR" sz="3000" dirty="0" smtClean="0"/>
-          </a:p>
-          <a:p>
-            <a:pPr lvl="1"/>
-            <a:r>
-              <a:rPr lang="fr-FR" sz="3200" dirty="0" smtClean="0"/>
-              <a:t>Utilisation des interfaces standard SOAP et REST</a:t>
-            </a:r>
-          </a:p>
-          <a:p>
-            <a:pPr lvl="1"/>
-            <a:r>
-              <a:rPr lang="fr-FR" sz="3200" dirty="0" smtClean="0"/>
-              <a:t>Fonctions annexes :</a:t>
+              <a:rPr lang="fr-FR" sz="2800" b="0" dirty="0" smtClean="0"/>
+              <a:t>Flexible </a:t>
             </a:r>
           </a:p>
           <a:p>
             <a:pPr lvl="2"/>
             <a:r>
-              <a:rPr lang="fr-FR" sz="3000" dirty="0" smtClean="0"/>
+              <a:rPr lang="fr-FR" sz="2800" b="0" dirty="0" smtClean="0"/>
               <a:t>S</a:t>
             </a:r>
             <a:r>
-              <a:rPr lang="fr-FR" sz="3000" dirty="0" smtClean="0"/>
-              <a:t>éparation des données par compartiment</a:t>
+              <a:rPr lang="fr-FR" sz="2800" b="0" dirty="0" smtClean="0"/>
+              <a:t>écurisé</a:t>
             </a:r>
           </a:p>
           <a:p>
             <a:pPr lvl="2"/>
             <a:r>
-              <a:rPr lang="fr-FR" sz="3000" dirty="0" smtClean="0"/>
-              <a:t>Surveillance et contrôle des dépenses</a:t>
-            </a:r>
+              <a:rPr lang="fr-FR" sz="2800" b="0" dirty="0" smtClean="0"/>
+              <a:t>Démarrage facile</a:t>
+            </a:r>
+            <a:endParaRPr lang="fr-FR" sz="2800" b="0" dirty="0" smtClean="0"/>
           </a:p>
           <a:p>
             <a:pPr lvl="2"/>
-            <a:r>
-              <a:rPr lang="fr-FR" sz="3000" dirty="0" smtClean="0"/>
-              <a:t>Archivage automatique des données</a:t>
-            </a:r>
-            <a:endParaRPr lang="fr-FR" sz="3000" dirty="0" smtClean="0"/>
+            <a:endParaRPr lang="fr-FR" sz="2800" dirty="0" smtClean="0"/>
+          </a:p>
+          <a:p>
+            <a:pPr lvl="2"/>
+            <a:endParaRPr lang="fr-FR" sz="2800" dirty="0" smtClean="0"/>
           </a:p>
         </p:txBody>
       </p:sp>
@@ -5864,6 +7067,322 @@
 </file>
 
 <file path=ppt/slides/slide7.xml><?xml version="1.0" encoding="utf-8"?>
+<p:sld xmlns:a="http://schemas.openxmlformats.org/drawingml/2006/main" xmlns:r="http://schemas.openxmlformats.org/officeDocument/2006/relationships" xmlns:p="http://schemas.openxmlformats.org/presentationml/2006/main">
+  <p:cSld>
+    <p:spTree>
+      <p:nvGrpSpPr>
+        <p:cNvPr id="1" name=""/>
+        <p:cNvGrpSpPr/>
+        <p:nvPr/>
+      </p:nvGrpSpPr>
+      <p:grpSpPr>
+        <a:xfrm>
+          <a:off x="0" y="0"/>
+          <a:ext cx="0" cy="0"/>
+          <a:chOff x="0" y="0"/>
+          <a:chExt cx="0" cy="0"/>
+        </a:xfrm>
+      </p:grpSpPr>
+      <p:sp>
+        <p:nvSpPr>
+          <p:cNvPr id="2" name="Titre 1"/>
+          <p:cNvSpPr>
+            <a:spLocks noGrp="1"/>
+          </p:cNvSpPr>
+          <p:nvPr>
+            <p:ph type="title"/>
+          </p:nvPr>
+        </p:nvSpPr>
+        <p:spPr>
+          <a:xfrm>
+            <a:off x="779462" y="107577"/>
+            <a:ext cx="7935544" cy="1653988"/>
+          </a:xfrm>
+        </p:spPr>
+        <p:txBody>
+          <a:bodyPr/>
+          <a:lstStyle/>
+          <a:p>
+            <a:r>
+              <a:rPr lang="fr-FR" u="sng" dirty="0" smtClean="0"/>
+              <a:t>Amazon EC2 </a:t>
+            </a:r>
+            <a:br>
+              <a:rPr lang="fr-FR" u="sng" dirty="0" smtClean="0"/>
+            </a:br>
+            <a:r>
+              <a:rPr lang="fr-FR" dirty="0" smtClean="0"/>
+              <a:t>Les c</a:t>
+            </a:r>
+            <a:r>
+              <a:rPr lang="fr-FR" dirty="0" smtClean="0"/>
+              <a:t>o</a:t>
+            </a:r>
+            <a:r>
+              <a:rPr lang="fr-FR" dirty="0" smtClean="0"/>
+              <a:t>ûts</a:t>
+            </a:r>
+            <a:endParaRPr lang="fr-FR" dirty="0"/>
+          </a:p>
+        </p:txBody>
+      </p:sp>
+      <p:sp>
+        <p:nvSpPr>
+          <p:cNvPr id="3" name="Espace réservé du contenu 2"/>
+          <p:cNvSpPr>
+            <a:spLocks noGrp="1"/>
+          </p:cNvSpPr>
+          <p:nvPr>
+            <p:ph idx="1"/>
+          </p:nvPr>
+        </p:nvSpPr>
+        <p:spPr>
+          <a:xfrm>
+            <a:off x="779461" y="2382923"/>
+            <a:ext cx="8109603" cy="4333153"/>
+          </a:xfrm>
+        </p:spPr>
+        <p:txBody>
+          <a:bodyPr>
+            <a:normAutofit/>
+          </a:bodyPr>
+          <a:lstStyle/>
+          <a:p>
+            <a:pPr lvl="2"/>
+            <a:r>
+              <a:rPr lang="fr-FR" sz="2800" dirty="0" smtClean="0"/>
+              <a:t>Peu couteux</a:t>
+            </a:r>
+          </a:p>
+          <a:p>
+            <a:pPr lvl="3"/>
+            <a:r>
+              <a:rPr lang="fr-FR" sz="2600" u="sng" dirty="0" smtClean="0"/>
+              <a:t>Instances à la demande </a:t>
+            </a:r>
+            <a:r>
+              <a:rPr lang="fr-FR" sz="2600" b="0" dirty="0" smtClean="0"/>
+              <a:t>: paiement de la capacité de calcul à l’heure, sans engagement.</a:t>
+            </a:r>
+          </a:p>
+          <a:p>
+            <a:pPr lvl="3"/>
+            <a:r>
+              <a:rPr lang="fr-FR" sz="2600" u="sng" dirty="0" smtClean="0"/>
+              <a:t>Instances réservées </a:t>
+            </a:r>
+            <a:r>
+              <a:rPr lang="fr-FR" sz="2600" b="0" dirty="0" smtClean="0"/>
+              <a:t>: </a:t>
+            </a:r>
+            <a:r>
+              <a:rPr lang="fr-FR" sz="2600" b="0" dirty="0"/>
+              <a:t>u</a:t>
+            </a:r>
+            <a:r>
+              <a:rPr lang="fr-FR" sz="2600" b="0" dirty="0" smtClean="0"/>
+              <a:t>n seul paiement pour une instance</a:t>
+            </a:r>
+          </a:p>
+          <a:p>
+            <a:pPr lvl="3"/>
+            <a:r>
+              <a:rPr lang="fr-FR" sz="2600" u="sng" dirty="0" smtClean="0"/>
+              <a:t>Instances ponctuelles : </a:t>
+            </a:r>
+            <a:r>
+              <a:rPr lang="fr-FR" sz="2600" b="0" dirty="0" smtClean="0"/>
+              <a:t>le prix change en fonction de l’offre et la demande</a:t>
+            </a:r>
+          </a:p>
+          <a:p>
+            <a:pPr lvl="3"/>
+            <a:endParaRPr lang="fr-FR" sz="2600" dirty="0" smtClean="0"/>
+          </a:p>
+          <a:p>
+            <a:pPr lvl="2"/>
+            <a:endParaRPr lang="fr-FR" sz="2800" dirty="0" smtClean="0"/>
+          </a:p>
+        </p:txBody>
+      </p:sp>
+    </p:spTree>
+    <p:extLst>
+      <p:ext uri="{BB962C8B-B14F-4D97-AF65-F5344CB8AC3E}">
+        <p14:creationId xmlns:p14="http://schemas.microsoft.com/office/powerpoint/2010/main" val="2481083388"/>
+      </p:ext>
+    </p:extLst>
+  </p:cSld>
+  <p:clrMapOvr>
+    <a:masterClrMapping/>
+  </p:clrMapOvr>
+</p:sld>
+</file>
+
+<file path=ppt/slides/slide8.xml><?xml version="1.0" encoding="utf-8"?>
+<p:sld xmlns:a="http://schemas.openxmlformats.org/drawingml/2006/main" xmlns:r="http://schemas.openxmlformats.org/officeDocument/2006/relationships" xmlns:p="http://schemas.openxmlformats.org/presentationml/2006/main">
+  <p:cSld>
+    <p:spTree>
+      <p:nvGrpSpPr>
+        <p:cNvPr id="1" name=""/>
+        <p:cNvGrpSpPr/>
+        <p:nvPr/>
+      </p:nvGrpSpPr>
+      <p:grpSpPr>
+        <a:xfrm>
+          <a:off x="0" y="0"/>
+          <a:ext cx="0" cy="0"/>
+          <a:chOff x="0" y="0"/>
+          <a:chExt cx="0" cy="0"/>
+        </a:xfrm>
+      </p:grpSpPr>
+      <p:sp>
+        <p:nvSpPr>
+          <p:cNvPr id="2" name="Titre 1"/>
+          <p:cNvSpPr>
+            <a:spLocks noGrp="1"/>
+          </p:cNvSpPr>
+          <p:nvPr>
+            <p:ph type="title"/>
+          </p:nvPr>
+        </p:nvSpPr>
+        <p:spPr>
+          <a:xfrm>
+            <a:off x="0" y="107577"/>
+            <a:ext cx="9144000" cy="1653988"/>
+          </a:xfrm>
+        </p:spPr>
+        <p:txBody>
+          <a:bodyPr/>
+          <a:lstStyle/>
+          <a:p>
+            <a:r>
+              <a:rPr lang="fr-FR" u="sng" dirty="0" smtClean="0"/>
+              <a:t>Amazon EC2 </a:t>
+            </a:r>
+            <a:br>
+              <a:rPr lang="fr-FR" u="sng" dirty="0" smtClean="0"/>
+            </a:br>
+            <a:r>
+              <a:rPr lang="fr-FR" dirty="0" smtClean="0"/>
+              <a:t>Diff</a:t>
+            </a:r>
+            <a:r>
+              <a:rPr lang="fr-FR" dirty="0" smtClean="0"/>
+              <a:t>érents types d’instances</a:t>
+            </a:r>
+            <a:endParaRPr lang="fr-FR" dirty="0"/>
+          </a:p>
+        </p:txBody>
+      </p:sp>
+      <p:sp>
+        <p:nvSpPr>
+          <p:cNvPr id="3" name="Espace réservé du contenu 2"/>
+          <p:cNvSpPr>
+            <a:spLocks noGrp="1"/>
+          </p:cNvSpPr>
+          <p:nvPr>
+            <p:ph idx="1"/>
+          </p:nvPr>
+        </p:nvSpPr>
+        <p:spPr>
+          <a:xfrm>
+            <a:off x="779461" y="2382923"/>
+            <a:ext cx="8109603" cy="4333153"/>
+          </a:xfrm>
+        </p:spPr>
+        <p:txBody>
+          <a:bodyPr>
+            <a:normAutofit/>
+          </a:bodyPr>
+          <a:lstStyle/>
+          <a:p>
+            <a:pPr lvl="2"/>
+            <a:r>
+              <a:rPr lang="fr-FR" sz="2800" dirty="0" smtClean="0"/>
+              <a:t>Instances Micro</a:t>
+            </a:r>
+          </a:p>
+          <a:p>
+            <a:pPr lvl="2"/>
+            <a:r>
+              <a:rPr lang="fr-FR" sz="2800" b="0" dirty="0" smtClean="0"/>
+              <a:t>Instances à mémoire élevée</a:t>
+            </a:r>
+          </a:p>
+          <a:p>
+            <a:pPr lvl="2"/>
+            <a:r>
+              <a:rPr lang="fr-FR" sz="2800" b="0" dirty="0" smtClean="0"/>
+              <a:t>Instances à CPU élevé</a:t>
+            </a:r>
+          </a:p>
+          <a:p>
+            <a:pPr lvl="2"/>
+            <a:r>
+              <a:rPr lang="fr-FR" sz="2800" b="0" dirty="0" smtClean="0"/>
+              <a:t>Instances C</a:t>
+            </a:r>
+            <a:r>
+              <a:rPr lang="fr-FR" sz="2800" b="0" dirty="0" smtClean="0"/>
+              <a:t>l</a:t>
+            </a:r>
+            <a:r>
+              <a:rPr lang="fr-FR" sz="2800" b="0" dirty="0" smtClean="0"/>
+              <a:t>uster </a:t>
+            </a:r>
+            <a:r>
+              <a:rPr lang="fr-FR" sz="2800" b="0" dirty="0" err="1" smtClean="0"/>
+              <a:t>Compute</a:t>
+            </a:r>
+            <a:endParaRPr lang="fr-FR" sz="2800" b="0" dirty="0" smtClean="0"/>
+          </a:p>
+          <a:p>
+            <a:pPr lvl="2"/>
+            <a:r>
+              <a:rPr lang="fr-FR" sz="2800" b="0" dirty="0" smtClean="0"/>
+              <a:t>Instances C</a:t>
+            </a:r>
+            <a:r>
+              <a:rPr lang="fr-FR" sz="2800" b="0" dirty="0" smtClean="0"/>
+              <a:t>l</a:t>
+            </a:r>
+            <a:r>
+              <a:rPr lang="fr-FR" sz="2800" b="0" dirty="0" smtClean="0"/>
+              <a:t>uster GPU</a:t>
+            </a:r>
+          </a:p>
+          <a:p>
+            <a:pPr lvl="2"/>
+            <a:r>
+              <a:rPr lang="fr-FR" sz="2800" b="0" dirty="0" smtClean="0"/>
+              <a:t>Instances E/S élevées</a:t>
+            </a:r>
+            <a:endParaRPr lang="fr-FR" sz="2600" b="0" dirty="0" smtClean="0"/>
+          </a:p>
+          <a:p>
+            <a:pPr lvl="3"/>
+            <a:endParaRPr lang="fr-FR" sz="2600" dirty="0" smtClean="0"/>
+          </a:p>
+          <a:p>
+            <a:pPr lvl="2"/>
+            <a:endParaRPr lang="fr-FR" sz="2800" dirty="0" smtClean="0"/>
+          </a:p>
+        </p:txBody>
+      </p:sp>
+    </p:spTree>
+    <p:extLst>
+      <p:ext uri="{BB962C8B-B14F-4D97-AF65-F5344CB8AC3E}">
+        <p14:creationId xmlns:p14="http://schemas.microsoft.com/office/powerpoint/2010/main" val="1456333607"/>
+      </p:ext>
+    </p:extLst>
+  </p:cSld>
+  <p:clrMapOvr>
+    <a:masterClrMapping/>
+  </p:clrMapOvr>
+</p:sld>
+</file>
+
+<file path=ppt/slides/slide9.xml><?xml version="1.0" encoding="utf-8"?>
 <p:sld xmlns:a="http://schemas.openxmlformats.org/drawingml/2006/main" xmlns:r="http://schemas.openxmlformats.org/officeDocument/2006/relationships" xmlns:p="http://schemas.openxmlformats.org/presentationml/2006/main">
   <p:cSld>
     <p:spTree>

--- a/AWS - Media Hosting.pptx
+++ b/AWS - Media Hosting.pptx
@@ -5,19 +5,22 @@
     <p:sldMasterId id="2147483660" r:id="rId1"/>
   </p:sldMasterIdLst>
   <p:notesMasterIdLst>
-    <p:notesMasterId r:id="rId12"/>
+    <p:notesMasterId r:id="rId15"/>
   </p:notesMasterIdLst>
   <p:sldIdLst>
     <p:sldId id="256" r:id="rId2"/>
     <p:sldId id="258" r:id="rId3"/>
     <p:sldId id="259" r:id="rId4"/>
     <p:sldId id="261" r:id="rId5"/>
-    <p:sldId id="263" r:id="rId6"/>
-    <p:sldId id="264" r:id="rId7"/>
-    <p:sldId id="266" r:id="rId8"/>
-    <p:sldId id="267" r:id="rId9"/>
-    <p:sldId id="260" r:id="rId10"/>
-    <p:sldId id="268" r:id="rId11"/>
+    <p:sldId id="271" r:id="rId6"/>
+    <p:sldId id="272" r:id="rId7"/>
+    <p:sldId id="270" r:id="rId8"/>
+    <p:sldId id="263" r:id="rId9"/>
+    <p:sldId id="264" r:id="rId10"/>
+    <p:sldId id="266" r:id="rId11"/>
+    <p:sldId id="267" r:id="rId12"/>
+    <p:sldId id="273" r:id="rId13"/>
+    <p:sldId id="268" r:id="rId14"/>
   </p:sldIdLst>
   <p:sldSz cx="9144000" cy="6858000" type="screen4x3"/>
   <p:notesSz cx="6858000" cy="9144000"/>
@@ -125,11 +128,14 @@
             <p14:sldId id="258"/>
             <p14:sldId id="259"/>
             <p14:sldId id="261"/>
+            <p14:sldId id="271"/>
+            <p14:sldId id="272"/>
+            <p14:sldId id="270"/>
             <p14:sldId id="263"/>
             <p14:sldId id="264"/>
             <p14:sldId id="266"/>
             <p14:sldId id="267"/>
-            <p14:sldId id="260"/>
+            <p14:sldId id="273"/>
             <p14:sldId id="268"/>
           </p14:sldIdLst>
         </p14:section>
@@ -221,7 +227,7 @@
           <a:p>
             <a:fld id="{D60807A1-E260-2247-B456-7CBF621FA886}" type="datetimeFigureOut">
               <a:rPr lang="fr-FR" smtClean="0"/>
-              <a:t>04/12/12</a:t>
+              <a:t>06/12/12</a:t>
             </a:fld>
             <a:endParaRPr lang="fr-FR"/>
           </a:p>
@@ -533,120 +539,6 @@
           <a:bodyPr/>
           <a:lstStyle/>
           <a:p>
-            <a:pPr marL="0" marR="0" indent="0" algn="l" defTabSz="457200" rtl="0" eaLnBrk="1" fontAlgn="auto" latinLnBrk="0" hangingPunct="1">
-              <a:lnSpc>
-                <a:spcPct val="100000"/>
-              </a:lnSpc>
-              <a:spcBef>
-                <a:spcPts val="0"/>
-              </a:spcBef>
-              <a:spcAft>
-                <a:spcPts val="0"/>
-              </a:spcAft>
-              <a:buClrTx/>
-              <a:buSzTx/>
-              <a:buFontTx/>
-              <a:buNone/>
-              <a:tabLst/>
-              <a:defRPr/>
-            </a:pPr>
-            <a:r>
-              <a:rPr lang="fr-FR" sz="1200" kern="1200" dirty="0" smtClean="0">
-                <a:solidFill>
-                  <a:schemeClr val="tx1"/>
-                </a:solidFill>
-                <a:latin typeface="+mn-lt"/>
-                <a:ea typeface="+mn-ea"/>
-                <a:cs typeface="+mn-cs"/>
-              </a:rPr>
-              <a:t>Amazon S3 est un service de stockage pour Internet. Il est conçu pour faciliter l'accès aux ressources informatiques à l'échelle du Web, pour les développeurs.</a:t>
-            </a:r>
-          </a:p>
-          <a:p>
-            <a:pPr marL="0" marR="0" indent="0" algn="l" defTabSz="457200" rtl="0" eaLnBrk="1" fontAlgn="auto" latinLnBrk="0" hangingPunct="1">
-              <a:lnSpc>
-                <a:spcPct val="100000"/>
-              </a:lnSpc>
-              <a:spcBef>
-                <a:spcPts val="0"/>
-              </a:spcBef>
-              <a:spcAft>
-                <a:spcPts val="0"/>
-              </a:spcAft>
-              <a:buClrTx/>
-              <a:buSzTx/>
-              <a:buFontTx/>
-              <a:buNone/>
-              <a:tabLst/>
-              <a:defRPr/>
-            </a:pPr>
-            <a:endParaRPr lang="fr-FR" sz="1200" kern="1200" dirty="0" smtClean="0">
-              <a:solidFill>
-                <a:schemeClr val="tx1"/>
-              </a:solidFill>
-              <a:latin typeface="+mn-lt"/>
-              <a:ea typeface="+mn-ea"/>
-              <a:cs typeface="+mn-cs"/>
-            </a:endParaRPr>
-          </a:p>
-          <a:p>
-            <a:pPr marL="0" marR="0" indent="0" algn="l" defTabSz="457200" rtl="0" eaLnBrk="1" fontAlgn="auto" latinLnBrk="0" hangingPunct="1">
-              <a:lnSpc>
-                <a:spcPct val="100000"/>
-              </a:lnSpc>
-              <a:spcBef>
-                <a:spcPts val="0"/>
-              </a:spcBef>
-              <a:spcAft>
-                <a:spcPts val="0"/>
-              </a:spcAft>
-              <a:buClrTx/>
-              <a:buSzTx/>
-              <a:buFontTx/>
-              <a:buNone/>
-              <a:tabLst/>
-              <a:defRPr/>
-            </a:pPr>
-            <a:r>
-              <a:rPr lang="fr-FR" sz="1200" kern="1200" dirty="0" smtClean="0">
-                <a:solidFill>
-                  <a:schemeClr val="tx1"/>
-                </a:solidFill>
-                <a:latin typeface="+mn-lt"/>
-                <a:ea typeface="+mn-ea"/>
-                <a:cs typeface="+mn-cs"/>
-              </a:rPr>
-              <a:t>Amazon S3 offre une simple interface de services Web à utiliser pour stocker et récupérer n'importe quelle quantité de données, à tout moment, de n'importe où sur le Web. Il permet aux développeurs d'accéder à la même infrastructure hautement évolutive, fiable, sûre, rapide, et peu coûteuse qu'Amazon utilise pour faire fonctionner son propre réseau mondial de sites. Le service vise à maximiser les avantages d'échelle et les transmettre aux développeurs.</a:t>
-            </a:r>
-          </a:p>
-          <a:p>
-            <a:pPr marL="0" marR="0" indent="0" algn="l" defTabSz="457200" rtl="0" eaLnBrk="1" fontAlgn="auto" latinLnBrk="0" hangingPunct="1">
-              <a:lnSpc>
-                <a:spcPct val="100000"/>
-              </a:lnSpc>
-              <a:spcBef>
-                <a:spcPts val="0"/>
-              </a:spcBef>
-              <a:spcAft>
-                <a:spcPts val="0"/>
-              </a:spcAft>
-              <a:buClrTx/>
-              <a:buSzTx/>
-              <a:buFontTx/>
-              <a:buNone/>
-              <a:tabLst/>
-              <a:defRPr/>
-            </a:pPr>
-            <a:endParaRPr lang="fr-FR" sz="1200" kern="1200" dirty="0" smtClean="0">
-              <a:solidFill>
-                <a:schemeClr val="tx1"/>
-              </a:solidFill>
-              <a:latin typeface="+mn-lt"/>
-              <a:ea typeface="+mn-ea"/>
-              <a:cs typeface="+mn-cs"/>
-            </a:endParaRPr>
-          </a:p>
-          <a:p>
             <a:pPr marL="0" marR="0" lvl="2" indent="0" algn="l" defTabSz="457200" rtl="0" eaLnBrk="1" fontAlgn="auto" latinLnBrk="0" hangingPunct="1">
               <a:lnSpc>
                 <a:spcPct val="100000"/>
@@ -664,41 +556,6 @@
               <a:tabLst/>
               <a:defRPr/>
             </a:pPr>
-            <a:r>
-              <a:rPr lang="fr-FR" sz="3000" u="sng" dirty="0" smtClean="0"/>
-              <a:t>N’importe quelle quantité de données</a:t>
-            </a:r>
-            <a:r>
-              <a:rPr lang="fr-FR" sz="1200" u="sng" baseline="0" dirty="0" smtClean="0"/>
-              <a:t> </a:t>
-            </a:r>
-            <a:r>
-              <a:rPr lang="fr-FR" sz="1200" baseline="0" dirty="0" smtClean="0"/>
-              <a:t>: taille d’1 fichier limit</a:t>
-            </a:r>
-            <a:r>
-              <a:rPr lang="fr-FR" sz="1200" baseline="0" dirty="0" smtClean="0"/>
-              <a:t>ée à 5To</a:t>
-            </a:r>
-          </a:p>
-          <a:p>
-            <a:pPr marL="0" marR="0" lvl="2" indent="0" algn="l" defTabSz="457200" rtl="0" eaLnBrk="1" fontAlgn="auto" latinLnBrk="0" hangingPunct="1">
-              <a:lnSpc>
-                <a:spcPct val="100000"/>
-              </a:lnSpc>
-              <a:spcBef>
-                <a:spcPts val="0"/>
-              </a:spcBef>
-              <a:spcAft>
-                <a:spcPts val="0"/>
-              </a:spcAft>
-              <a:buClrTx/>
-              <a:buSzTx/>
-              <a:buFontTx/>
-              <a:buNone/>
-              <a:tabLst/>
-              <a:defRPr/>
-            </a:pPr>
             <a:endParaRPr lang="fr-FR" sz="3000" dirty="0" smtClean="0"/>
           </a:p>
         </p:txBody>
@@ -721,6 +578,94 @@
             <a:fld id="{7CFB7986-A455-FF4B-8986-0F422CDEA853}" type="slidenum">
               <a:rPr lang="fr-FR" smtClean="0"/>
               <a:t>4</a:t>
+            </a:fld>
+            <a:endParaRPr lang="fr-FR"/>
+          </a:p>
+        </p:txBody>
+      </p:sp>
+    </p:spTree>
+    <p:extLst>
+      <p:ext uri="{BB962C8B-B14F-4D97-AF65-F5344CB8AC3E}">
+        <p14:creationId xmlns:p14="http://schemas.microsoft.com/office/powerpoint/2010/main" val="2736999507"/>
+      </p:ext>
+    </p:extLst>
+  </p:cSld>
+  <p:clrMapOvr>
+    <a:masterClrMapping/>
+  </p:clrMapOvr>
+</p:notes>
+</file>
+
+<file path=ppt/notesSlides/notesSlide10.xml><?xml version="1.0" encoding="utf-8"?>
+<p:notes xmlns:a="http://schemas.openxmlformats.org/drawingml/2006/main" xmlns:r="http://schemas.openxmlformats.org/officeDocument/2006/relationships" xmlns:p="http://schemas.openxmlformats.org/presentationml/2006/main">
+  <p:cSld>
+    <p:spTree>
+      <p:nvGrpSpPr>
+        <p:cNvPr id="1" name=""/>
+        <p:cNvGrpSpPr/>
+        <p:nvPr/>
+      </p:nvGrpSpPr>
+      <p:grpSpPr>
+        <a:xfrm>
+          <a:off x="0" y="0"/>
+          <a:ext cx="0" cy="0"/>
+          <a:chOff x="0" y="0"/>
+          <a:chExt cx="0" cy="0"/>
+        </a:xfrm>
+      </p:grpSpPr>
+      <p:sp>
+        <p:nvSpPr>
+          <p:cNvPr id="2" name="Espace réservé de l'image des diapositives 1"/>
+          <p:cNvSpPr>
+            <a:spLocks noGrp="1" noRot="1" noChangeAspect="1"/>
+          </p:cNvSpPr>
+          <p:nvPr>
+            <p:ph type="sldImg"/>
+          </p:nvPr>
+        </p:nvSpPr>
+        <p:spPr/>
+      </p:sp>
+      <p:sp>
+        <p:nvSpPr>
+          <p:cNvPr id="3" name="Espace réservé des commentaires 2"/>
+          <p:cNvSpPr>
+            <a:spLocks noGrp="1"/>
+          </p:cNvSpPr>
+          <p:nvPr>
+            <p:ph type="body" idx="1"/>
+          </p:nvPr>
+        </p:nvSpPr>
+        <p:spPr/>
+        <p:txBody>
+          <a:bodyPr/>
+          <a:lstStyle/>
+          <a:p>
+            <a:pPr marL="0" indent="0">
+              <a:buFontTx/>
+              <a:buNone/>
+            </a:pPr>
+            <a:endParaRPr lang="fr-FR" dirty="0"/>
+          </a:p>
+        </p:txBody>
+      </p:sp>
+      <p:sp>
+        <p:nvSpPr>
+          <p:cNvPr id="4" name="Espace réservé du numéro de diapositive 3"/>
+          <p:cNvSpPr>
+            <a:spLocks noGrp="1"/>
+          </p:cNvSpPr>
+          <p:nvPr>
+            <p:ph type="sldNum" sz="quarter" idx="10"/>
+          </p:nvPr>
+        </p:nvSpPr>
+        <p:spPr/>
+        <p:txBody>
+          <a:bodyPr/>
+          <a:lstStyle/>
+          <a:p>
+            <a:fld id="{7CFB7986-A455-FF4B-8986-0F422CDEA853}" type="slidenum">
+              <a:rPr lang="fr-FR" smtClean="0"/>
+              <a:t>13</a:t>
             </a:fld>
             <a:endParaRPr lang="fr-FR"/>
           </a:p>
@@ -800,314 +745,7 @@
               <a:tabLst/>
               <a:defRPr/>
             </a:pPr>
-            <a:r>
-              <a:rPr lang="fr-FR" sz="1200" kern="1200" dirty="0" smtClean="0">
-                <a:solidFill>
-                  <a:schemeClr val="tx1"/>
-                </a:solidFill>
-                <a:latin typeface="+mn-lt"/>
-                <a:ea typeface="+mn-ea"/>
-                <a:cs typeface="+mn-cs"/>
-              </a:rPr>
-              <a:t>1. Chaque objet est stocké dans un compartiment et </a:t>
-            </a:r>
-            <a:r>
-              <a:rPr lang="fr-FR" sz="1200" u="sng" kern="1200" dirty="0" smtClean="0">
-                <a:solidFill>
-                  <a:schemeClr val="tx1"/>
-                </a:solidFill>
-                <a:latin typeface="+mn-lt"/>
-                <a:ea typeface="+mn-ea"/>
-                <a:cs typeface="+mn-cs"/>
-              </a:rPr>
-              <a:t>récupéré via une clé unique attribuée au développeur.</a:t>
-            </a:r>
-          </a:p>
-          <a:p>
-            <a:pPr marL="0" marR="0" lvl="2" indent="0" algn="l" defTabSz="457200" rtl="0" eaLnBrk="1" fontAlgn="auto" latinLnBrk="0" hangingPunct="1">
-              <a:lnSpc>
-                <a:spcPct val="100000"/>
-              </a:lnSpc>
-              <a:spcBef>
-                <a:spcPts val="0"/>
-              </a:spcBef>
-              <a:spcAft>
-                <a:spcPts val="0"/>
-              </a:spcAft>
-              <a:buClrTx/>
-              <a:buSzTx/>
-              <a:buFontTx/>
-              <a:buNone/>
-              <a:tabLst/>
-              <a:defRPr/>
-            </a:pPr>
-            <a:endParaRPr lang="fr-FR" sz="1200" u="sng" kern="1200" dirty="0" smtClean="0">
-              <a:solidFill>
-                <a:schemeClr val="tx1"/>
-              </a:solidFill>
-              <a:latin typeface="+mn-lt"/>
-              <a:ea typeface="+mn-ea"/>
-              <a:cs typeface="+mn-cs"/>
-            </a:endParaRPr>
-          </a:p>
-          <a:p>
-            <a:pPr marL="0" marR="0" lvl="2" indent="0" algn="l" defTabSz="457200" rtl="0" eaLnBrk="1" fontAlgn="auto" latinLnBrk="0" hangingPunct="1">
-              <a:lnSpc>
-                <a:spcPct val="100000"/>
-              </a:lnSpc>
-              <a:spcBef>
-                <a:spcPts val="0"/>
-              </a:spcBef>
-              <a:spcAft>
-                <a:spcPts val="0"/>
-              </a:spcAft>
-              <a:buClrTx/>
-              <a:buSzTx/>
-              <a:buFontTx/>
-              <a:buNone/>
-              <a:tabLst/>
-              <a:defRPr/>
-            </a:pPr>
-            <a:r>
-              <a:rPr lang="fr-FR" sz="1200" kern="1200" dirty="0" smtClean="0">
-                <a:solidFill>
-                  <a:schemeClr val="tx1"/>
-                </a:solidFill>
-                <a:latin typeface="+mn-lt"/>
-                <a:ea typeface="+mn-ea"/>
-                <a:cs typeface="+mn-cs"/>
-              </a:rPr>
-              <a:t>2. Les objets stockés dans une région ne </a:t>
-            </a:r>
-            <a:r>
-              <a:rPr lang="fr-FR" sz="1200" u="sng" kern="1200" dirty="0" smtClean="0">
-                <a:solidFill>
-                  <a:schemeClr val="tx1"/>
-                </a:solidFill>
-                <a:latin typeface="+mn-lt"/>
-                <a:ea typeface="+mn-ea"/>
-                <a:cs typeface="+mn-cs"/>
-              </a:rPr>
-              <a:t>quittent jamais la région </a:t>
-            </a:r>
-            <a:r>
-              <a:rPr lang="fr-FR" sz="1200" kern="1200" dirty="0" smtClean="0">
-                <a:solidFill>
-                  <a:schemeClr val="tx1"/>
-                </a:solidFill>
-                <a:latin typeface="+mn-lt"/>
-                <a:ea typeface="+mn-ea"/>
-                <a:cs typeface="+mn-cs"/>
-              </a:rPr>
-              <a:t>à moins que vous les en déplaciez. Par exemple, des objets stockés dans la région UE (Irlande) ne quittent jamais l'UE.</a:t>
-            </a:r>
-          </a:p>
-          <a:p>
-            <a:pPr marL="0" marR="0" lvl="2" indent="0" algn="l" defTabSz="457200" rtl="0" eaLnBrk="1" fontAlgn="auto" latinLnBrk="0" hangingPunct="1">
-              <a:lnSpc>
-                <a:spcPct val="100000"/>
-              </a:lnSpc>
-              <a:spcBef>
-                <a:spcPts val="0"/>
-              </a:spcBef>
-              <a:spcAft>
-                <a:spcPts val="0"/>
-              </a:spcAft>
-              <a:buClrTx/>
-              <a:buSzTx/>
-              <a:buFontTx/>
-              <a:buNone/>
-              <a:tabLst/>
-              <a:defRPr/>
-            </a:pPr>
-            <a:endParaRPr lang="fr-FR" sz="1200" kern="1200" dirty="0" smtClean="0">
-              <a:solidFill>
-                <a:schemeClr val="tx1"/>
-              </a:solidFill>
-              <a:latin typeface="+mn-lt"/>
-              <a:ea typeface="+mn-ea"/>
-              <a:cs typeface="+mn-cs"/>
-            </a:endParaRPr>
-          </a:p>
-          <a:p>
-            <a:pPr marL="0" marR="0" lvl="2" indent="0" algn="l" defTabSz="457200" rtl="0" eaLnBrk="1" fontAlgn="auto" latinLnBrk="0" hangingPunct="1">
-              <a:lnSpc>
-                <a:spcPct val="100000"/>
-              </a:lnSpc>
-              <a:spcBef>
-                <a:spcPts val="0"/>
-              </a:spcBef>
-              <a:spcAft>
-                <a:spcPts val="0"/>
-              </a:spcAft>
-              <a:buClrTx/>
-              <a:buSzTx/>
-              <a:buFontTx/>
-              <a:buNone/>
-              <a:tabLst/>
-              <a:defRPr/>
-            </a:pPr>
-            <a:r>
-              <a:rPr lang="fr-FR" sz="3000" dirty="0" smtClean="0"/>
-              <a:t>3. </a:t>
-            </a:r>
-            <a:r>
-              <a:rPr lang="fr-FR" sz="1200" kern="1200" dirty="0" smtClean="0">
-                <a:solidFill>
-                  <a:schemeClr val="tx1"/>
-                </a:solidFill>
-                <a:latin typeface="+mn-lt"/>
-                <a:ea typeface="+mn-ea"/>
-                <a:cs typeface="+mn-cs"/>
-              </a:rPr>
-              <a:t>Les mécanismes d'authentification sont fournis pour assurer la sécurité des données contre les accès non autorisés. Des objets peuvent être rendus </a:t>
-            </a:r>
-            <a:r>
-              <a:rPr lang="fr-FR" sz="1200" u="sng" kern="1200" dirty="0" smtClean="0">
-                <a:solidFill>
-                  <a:schemeClr val="tx1"/>
-                </a:solidFill>
-                <a:latin typeface="+mn-lt"/>
-                <a:ea typeface="+mn-ea"/>
-                <a:cs typeface="+mn-cs"/>
-              </a:rPr>
-              <a:t>privés ou publics, et des droits d'accès accordés à des utilisateurs spécifiques.</a:t>
-            </a:r>
-          </a:p>
-          <a:p>
-            <a:pPr marL="0" marR="0" lvl="2" indent="0" algn="l" defTabSz="457200" rtl="0" eaLnBrk="1" fontAlgn="auto" latinLnBrk="0" hangingPunct="1">
-              <a:lnSpc>
-                <a:spcPct val="100000"/>
-              </a:lnSpc>
-              <a:spcBef>
-                <a:spcPts val="0"/>
-              </a:spcBef>
-              <a:spcAft>
-                <a:spcPts val="0"/>
-              </a:spcAft>
-              <a:buClrTx/>
-              <a:buSzTx/>
-              <a:buFontTx/>
-              <a:buNone/>
-              <a:tabLst/>
-              <a:defRPr/>
-            </a:pPr>
-            <a:endParaRPr lang="fr-FR" sz="1200" u="sng" kern="1200" dirty="0" smtClean="0">
-              <a:solidFill>
-                <a:schemeClr val="tx1"/>
-              </a:solidFill>
-              <a:latin typeface="+mn-lt"/>
-              <a:ea typeface="+mn-ea"/>
-              <a:cs typeface="+mn-cs"/>
-            </a:endParaRPr>
-          </a:p>
-          <a:p>
-            <a:pPr marL="0" marR="0" lvl="2" indent="0" algn="l" defTabSz="457200" rtl="0" eaLnBrk="1" fontAlgn="auto" latinLnBrk="0" hangingPunct="1">
-              <a:lnSpc>
-                <a:spcPct val="100000"/>
-              </a:lnSpc>
-              <a:spcBef>
-                <a:spcPts val="0"/>
-              </a:spcBef>
-              <a:spcAft>
-                <a:spcPts val="0"/>
-              </a:spcAft>
-              <a:buClrTx/>
-              <a:buSzTx/>
-              <a:buFontTx/>
-              <a:buNone/>
-              <a:tabLst/>
-              <a:defRPr/>
-            </a:pPr>
-            <a:r>
-              <a:rPr lang="fr-FR" sz="1200" u="sng" kern="1200" dirty="0" smtClean="0">
-                <a:solidFill>
-                  <a:schemeClr val="tx1"/>
-                </a:solidFill>
-                <a:latin typeface="+mn-lt"/>
-                <a:ea typeface="+mn-ea"/>
-                <a:cs typeface="+mn-cs"/>
-              </a:rPr>
-              <a:t>4. </a:t>
-            </a:r>
-            <a:r>
-              <a:rPr lang="fr-FR" sz="1200" kern="1200" dirty="0" smtClean="0">
-                <a:solidFill>
-                  <a:schemeClr val="tx1"/>
-                </a:solidFill>
-                <a:latin typeface="+mn-lt"/>
-                <a:ea typeface="+mn-ea"/>
-                <a:cs typeface="+mn-cs"/>
-              </a:rPr>
-              <a:t>Des fonctions sont prévues pour simplifier la gestion des données tout au long du cycle de vie. De plus, diverses options permettent de séparer les données par compartiments, de surveiller et de contrôler les dépenses, ainsi que d'archiver automatiquement les données afin de réduire encore davantage le coût du stockage. Ces options peuvent être facilement gérées à l'aide de la </a:t>
-            </a:r>
-            <a:r>
-              <a:rPr lang="fr-FR" sz="1200" u="sng" kern="1200" dirty="0" smtClean="0">
-                <a:solidFill>
-                  <a:schemeClr val="tx1"/>
-                </a:solidFill>
-                <a:latin typeface="+mn-lt"/>
-                <a:ea typeface="+mn-ea"/>
-                <a:cs typeface="+mn-cs"/>
-                <a:hlinkClick r:id="rId3"/>
-              </a:rPr>
-              <a:t>console de gestion d'Amazon S3.</a:t>
-            </a:r>
-            <a:endParaRPr lang="fr-FR" sz="1200" u="sng" kern="1200" dirty="0" smtClean="0">
-              <a:solidFill>
-                <a:schemeClr val="tx1"/>
-              </a:solidFill>
-              <a:latin typeface="+mn-lt"/>
-              <a:ea typeface="+mn-ea"/>
-              <a:cs typeface="+mn-cs"/>
-            </a:endParaRPr>
-          </a:p>
-          <a:p>
-            <a:pPr marL="0" marR="0" lvl="2" indent="0" algn="l" defTabSz="457200" rtl="0" eaLnBrk="1" fontAlgn="auto" latinLnBrk="0" hangingPunct="1">
-              <a:lnSpc>
-                <a:spcPct val="100000"/>
-              </a:lnSpc>
-              <a:spcBef>
-                <a:spcPts val="0"/>
-              </a:spcBef>
-              <a:spcAft>
-                <a:spcPts val="0"/>
-              </a:spcAft>
-              <a:buClrTx/>
-              <a:buSzTx/>
-              <a:buFontTx/>
-              <a:buNone/>
-              <a:tabLst/>
-              <a:defRPr/>
-            </a:pPr>
-            <a:endParaRPr lang="fr-FR" sz="1200" u="sng" kern="1200" dirty="0" smtClean="0">
-              <a:solidFill>
-                <a:schemeClr val="tx1"/>
-              </a:solidFill>
-              <a:latin typeface="+mn-lt"/>
-              <a:ea typeface="+mn-ea"/>
-              <a:cs typeface="+mn-cs"/>
-            </a:endParaRPr>
-          </a:p>
-          <a:p>
-            <a:pPr marL="0" marR="0" lvl="2" indent="0" algn="l" defTabSz="457200" rtl="0" eaLnBrk="1" fontAlgn="auto" latinLnBrk="0" hangingPunct="1">
-              <a:lnSpc>
-                <a:spcPct val="100000"/>
-              </a:lnSpc>
-              <a:spcBef>
-                <a:spcPts val="0"/>
-              </a:spcBef>
-              <a:spcAft>
-                <a:spcPts val="0"/>
-              </a:spcAft>
-              <a:buClrTx/>
-              <a:buSzTx/>
-              <a:buFontTx/>
-              <a:buNone/>
-              <a:tabLst/>
-              <a:defRPr/>
-            </a:pPr>
-            <a:endParaRPr lang="fr-FR" sz="3000" u="sng" dirty="0" smtClean="0"/>
+            <a:endParaRPr lang="fr-FR" sz="3000" dirty="0" smtClean="0"/>
           </a:p>
         </p:txBody>
       </p:sp>
@@ -1208,386 +846,7 @@
               <a:tabLst/>
               <a:defRPr/>
             </a:pPr>
-            <a:r>
-              <a:rPr lang="fr-FR" sz="1200" kern="1200" dirty="0" smtClean="0">
-                <a:solidFill>
-                  <a:schemeClr val="tx1"/>
-                </a:solidFill>
-                <a:latin typeface="+mn-lt"/>
-                <a:ea typeface="+mn-ea"/>
-                <a:cs typeface="+mn-cs"/>
-              </a:rPr>
-              <a:t>Il est conçu pour faciliter l'accès aux ressources informatiques à l'échelle du Web, pour les développeurs.</a:t>
-            </a:r>
-          </a:p>
-          <a:p>
-            <a:pPr marL="0" marR="0" lvl="2" indent="0" algn="l" defTabSz="457200" rtl="0" eaLnBrk="1" fontAlgn="auto" latinLnBrk="0" hangingPunct="1">
-              <a:lnSpc>
-                <a:spcPct val="100000"/>
-              </a:lnSpc>
-              <a:spcBef>
-                <a:spcPts val="0"/>
-              </a:spcBef>
-              <a:spcAft>
-                <a:spcPts val="0"/>
-              </a:spcAft>
-              <a:buClrTx/>
-              <a:buSzTx/>
-              <a:buFontTx/>
-              <a:buNone/>
-              <a:tabLst/>
-              <a:defRPr/>
-            </a:pPr>
-            <a:endParaRPr lang="fr-FR" sz="1200" u="sng" kern="1200" dirty="0" smtClean="0">
-              <a:solidFill>
-                <a:schemeClr val="tx1"/>
-              </a:solidFill>
-              <a:latin typeface="+mn-lt"/>
-              <a:ea typeface="+mn-ea"/>
-              <a:cs typeface="+mn-cs"/>
-            </a:endParaRPr>
-          </a:p>
-          <a:p>
-            <a:pPr marL="0" marR="0" lvl="2" indent="0" algn="l" defTabSz="457200" rtl="0" eaLnBrk="1" fontAlgn="auto" latinLnBrk="0" hangingPunct="1">
-              <a:lnSpc>
-                <a:spcPct val="100000"/>
-              </a:lnSpc>
-              <a:spcBef>
-                <a:spcPts val="0"/>
-              </a:spcBef>
-              <a:spcAft>
-                <a:spcPts val="0"/>
-              </a:spcAft>
-              <a:buClrTx/>
-              <a:buSzTx/>
-              <a:buFontTx/>
-              <a:buNone/>
-              <a:tabLst/>
-              <a:defRPr/>
-            </a:pPr>
-            <a:r>
-              <a:rPr lang="fr-FR" sz="3200" u="sng" dirty="0" err="1" smtClean="0"/>
-              <a:t>Elastic</a:t>
-            </a:r>
-            <a:r>
-              <a:rPr lang="fr-FR" sz="3200" u="sng" dirty="0" smtClean="0"/>
-              <a:t> : </a:t>
-            </a:r>
-            <a:r>
-              <a:rPr lang="fr-FR" sz="3200" kern="1200" dirty="0" smtClean="0">
-                <a:solidFill>
-                  <a:schemeClr val="tx1"/>
-                </a:solidFill>
-                <a:latin typeface="+mn-lt"/>
-                <a:ea typeface="+mn-ea"/>
-                <a:cs typeface="+mn-cs"/>
-              </a:rPr>
-              <a:t>permet </a:t>
-            </a:r>
-            <a:r>
-              <a:rPr lang="fr-FR" sz="3200" u="sng" kern="1200" dirty="0" smtClean="0">
-                <a:solidFill>
-                  <a:schemeClr val="tx1"/>
-                </a:solidFill>
-                <a:latin typeface="+mn-lt"/>
-                <a:ea typeface="+mn-ea"/>
-                <a:cs typeface="+mn-cs"/>
-              </a:rPr>
-              <a:t>d'augmenter ou de réduire la capacité en quelques minutes</a:t>
-            </a:r>
-            <a:r>
-              <a:rPr lang="fr-FR" sz="3200" kern="1200" dirty="0" smtClean="0">
-                <a:solidFill>
-                  <a:schemeClr val="tx1"/>
-                </a:solidFill>
-                <a:latin typeface="+mn-lt"/>
-                <a:ea typeface="+mn-ea"/>
-                <a:cs typeface="+mn-cs"/>
-              </a:rPr>
-              <a:t>, et non en plusieurs heures ou jours. </a:t>
-            </a:r>
-            <a:r>
-              <a:rPr lang="fr-FR" sz="1200" kern="1200" dirty="0" smtClean="0">
-                <a:solidFill>
-                  <a:schemeClr val="tx1"/>
-                </a:solidFill>
-                <a:latin typeface="+mn-lt"/>
-                <a:ea typeface="+mn-ea"/>
-                <a:cs typeface="+mn-cs"/>
-              </a:rPr>
-              <a:t>votre application peut augmenter et diminuer automatiquement selon ses besoins.</a:t>
-            </a:r>
-          </a:p>
-          <a:p>
-            <a:pPr marL="0" marR="0" lvl="2" indent="0" algn="l" defTabSz="457200" rtl="0" eaLnBrk="1" fontAlgn="auto" latinLnBrk="0" hangingPunct="1">
-              <a:lnSpc>
-                <a:spcPct val="100000"/>
-              </a:lnSpc>
-              <a:spcBef>
-                <a:spcPts val="0"/>
-              </a:spcBef>
-              <a:spcAft>
-                <a:spcPts val="0"/>
-              </a:spcAft>
-              <a:buClrTx/>
-              <a:buSzTx/>
-              <a:buFontTx/>
-              <a:buNone/>
-              <a:tabLst/>
-              <a:defRPr/>
-            </a:pPr>
-            <a:r>
-              <a:rPr lang="fr-FR" sz="1200" u="sng" kern="1200" dirty="0" smtClean="0">
-                <a:solidFill>
-                  <a:schemeClr val="tx1"/>
-                </a:solidFill>
-                <a:latin typeface="+mn-lt"/>
-                <a:ea typeface="+mn-ea"/>
-                <a:cs typeface="+mn-cs"/>
-              </a:rPr>
-              <a:t>Flexible </a:t>
-            </a:r>
-            <a:r>
-              <a:rPr lang="fr-FR" sz="1200" kern="1200" dirty="0" smtClean="0">
-                <a:solidFill>
-                  <a:schemeClr val="tx1"/>
-                </a:solidFill>
-                <a:latin typeface="+mn-lt"/>
-                <a:ea typeface="+mn-ea"/>
-                <a:cs typeface="+mn-cs"/>
-              </a:rPr>
-              <a:t>: </a:t>
-            </a:r>
-            <a:r>
-              <a:rPr lang="fr-FR" sz="1200" kern="1200" dirty="0" smtClean="0">
-                <a:solidFill>
-                  <a:schemeClr val="tx1"/>
-                </a:solidFill>
-                <a:latin typeface="+mn-lt"/>
-                <a:ea typeface="+mn-ea"/>
-                <a:cs typeface="+mn-cs"/>
-              </a:rPr>
-              <a:t>Vous avez </a:t>
-            </a:r>
-            <a:r>
-              <a:rPr lang="fr-FR" sz="1200" u="sng" kern="1200" dirty="0" smtClean="0">
-                <a:solidFill>
-                  <a:schemeClr val="tx1"/>
-                </a:solidFill>
-                <a:latin typeface="+mn-lt"/>
-                <a:ea typeface="+mn-ea"/>
-                <a:cs typeface="+mn-cs"/>
-              </a:rPr>
-              <a:t>le choix entre plusieurs types d'instance, systèmes d'exploitation et paquets logiciels</a:t>
-            </a:r>
-            <a:r>
-              <a:rPr lang="fr-FR" sz="1200" kern="1200" dirty="0" smtClean="0">
-                <a:solidFill>
-                  <a:schemeClr val="tx1"/>
-                </a:solidFill>
-                <a:latin typeface="+mn-lt"/>
-                <a:ea typeface="+mn-ea"/>
-                <a:cs typeface="+mn-cs"/>
-              </a:rPr>
-              <a:t>. Amazon EC2 permet de sélectionner la configuration </a:t>
-            </a:r>
-            <a:r>
-              <a:rPr lang="fr-FR" sz="1200" u="sng" kern="1200" dirty="0" smtClean="0">
-                <a:solidFill>
-                  <a:schemeClr val="tx1"/>
-                </a:solidFill>
-                <a:latin typeface="+mn-lt"/>
-                <a:ea typeface="+mn-ea"/>
-                <a:cs typeface="+mn-cs"/>
-              </a:rPr>
-              <a:t>de mémoire, le CPU, le stockage d'instance, et la taille de la partition de démarrage </a:t>
-            </a:r>
-            <a:r>
-              <a:rPr lang="fr-FR" sz="1200" kern="1200" dirty="0" smtClean="0">
-                <a:solidFill>
-                  <a:schemeClr val="tx1"/>
-                </a:solidFill>
-                <a:latin typeface="+mn-lt"/>
-                <a:ea typeface="+mn-ea"/>
-                <a:cs typeface="+mn-cs"/>
-              </a:rPr>
-              <a:t>qui sont optimaux pour votre choix de système d'exploitation et d'application. Par exemple, le choix de vos systèmes d'exploitation inclut de nombreuses distributions Linux et Microsoft Windows Server.</a:t>
-            </a:r>
-          </a:p>
-          <a:p>
-            <a:pPr marL="0" marR="0" lvl="2" indent="0" algn="l" defTabSz="457200" rtl="0" eaLnBrk="1" fontAlgn="auto" latinLnBrk="0" hangingPunct="1">
-              <a:lnSpc>
-                <a:spcPct val="100000"/>
-              </a:lnSpc>
-              <a:spcBef>
-                <a:spcPts val="0"/>
-              </a:spcBef>
-              <a:spcAft>
-                <a:spcPts val="0"/>
-              </a:spcAft>
-              <a:buClrTx/>
-              <a:buSzTx/>
-              <a:buFontTx/>
-              <a:buNone/>
-              <a:tabLst/>
-              <a:defRPr/>
-            </a:pPr>
-            <a:r>
-              <a:rPr lang="fr-FR" sz="1200" kern="1200" dirty="0" smtClean="0">
-                <a:solidFill>
-                  <a:schemeClr val="tx1"/>
-                </a:solidFill>
-                <a:latin typeface="+mn-lt"/>
-                <a:ea typeface="+mn-ea"/>
-                <a:cs typeface="+mn-cs"/>
-              </a:rPr>
-              <a:t>S</a:t>
-            </a:r>
-            <a:r>
-              <a:rPr lang="fr-FR" sz="1200" kern="1200" dirty="0" smtClean="0">
-                <a:solidFill>
-                  <a:schemeClr val="tx1"/>
-                </a:solidFill>
-                <a:latin typeface="+mn-lt"/>
-                <a:ea typeface="+mn-ea"/>
-                <a:cs typeface="+mn-cs"/>
-              </a:rPr>
-              <a:t>écurisé : </a:t>
-            </a:r>
-            <a:r>
-              <a:rPr lang="fr-FR" sz="1200" kern="1200" dirty="0" err="1" smtClean="0">
-                <a:solidFill>
-                  <a:schemeClr val="tx1"/>
-                </a:solidFill>
-                <a:latin typeface="+mn-lt"/>
-                <a:ea typeface="+mn-ea"/>
-                <a:cs typeface="+mn-cs"/>
-              </a:rPr>
-              <a:t>parametres</a:t>
-            </a:r>
-            <a:r>
-              <a:rPr lang="fr-FR" sz="1200" kern="1200" dirty="0" smtClean="0">
-                <a:solidFill>
-                  <a:schemeClr val="tx1"/>
-                </a:solidFill>
-                <a:latin typeface="+mn-lt"/>
-                <a:ea typeface="+mn-ea"/>
-                <a:cs typeface="+mn-cs"/>
-              </a:rPr>
-              <a:t> de pare feu configurables. </a:t>
-            </a:r>
-            <a:r>
-              <a:rPr lang="fr-FR" sz="1200" kern="1200" dirty="0" smtClean="0">
-                <a:solidFill>
-                  <a:schemeClr val="tx1"/>
-                </a:solidFill>
-                <a:latin typeface="+mn-lt"/>
-                <a:ea typeface="+mn-ea"/>
-                <a:cs typeface="+mn-cs"/>
-              </a:rPr>
-              <a:t>Vous disposez d'un contrôle total de vos instances. Vous avez accès à la racine de chacune d'elle,</a:t>
-            </a:r>
-          </a:p>
-          <a:p>
-            <a:pPr marL="0" marR="0" lvl="2" indent="0" algn="l" defTabSz="457200" rtl="0" eaLnBrk="1" fontAlgn="auto" latinLnBrk="0" hangingPunct="1">
-              <a:lnSpc>
-                <a:spcPct val="100000"/>
-              </a:lnSpc>
-              <a:spcBef>
-                <a:spcPts val="0"/>
-              </a:spcBef>
-              <a:spcAft>
-                <a:spcPts val="0"/>
-              </a:spcAft>
-              <a:buClrTx/>
-              <a:buSzTx/>
-              <a:buFontTx/>
-              <a:buNone/>
-              <a:tabLst/>
-              <a:defRPr/>
-            </a:pPr>
-            <a:endParaRPr lang="fr-FR" sz="1200" kern="1200" dirty="0" smtClean="0">
-              <a:solidFill>
-                <a:schemeClr val="tx1"/>
-              </a:solidFill>
-              <a:latin typeface="+mn-lt"/>
-              <a:ea typeface="+mn-ea"/>
-              <a:cs typeface="+mn-cs"/>
-            </a:endParaRPr>
-          </a:p>
-          <a:p>
-            <a:pPr marL="0" marR="0" lvl="2" indent="0" algn="l" defTabSz="457200" rtl="0" eaLnBrk="1" fontAlgn="auto" latinLnBrk="0" hangingPunct="1">
-              <a:lnSpc>
-                <a:spcPct val="100000"/>
-              </a:lnSpc>
-              <a:spcBef>
-                <a:spcPts val="0"/>
-              </a:spcBef>
-              <a:spcAft>
-                <a:spcPts val="0"/>
-              </a:spcAft>
-              <a:buClrTx/>
-              <a:buSzTx/>
-              <a:buFontTx/>
-              <a:buNone/>
-              <a:tabLst/>
-              <a:defRPr/>
-            </a:pPr>
-            <a:endParaRPr lang="fr-FR" sz="1200" kern="1200" dirty="0" smtClean="0">
-              <a:solidFill>
-                <a:schemeClr val="tx1"/>
-              </a:solidFill>
-              <a:latin typeface="+mn-lt"/>
-              <a:ea typeface="+mn-ea"/>
-              <a:cs typeface="+mn-cs"/>
-            </a:endParaRPr>
-          </a:p>
-          <a:p>
-            <a:pPr marL="0" marR="0" lvl="2" indent="0" algn="l" defTabSz="457200" rtl="0" eaLnBrk="1" fontAlgn="auto" latinLnBrk="0" hangingPunct="1">
-              <a:lnSpc>
-                <a:spcPct val="100000"/>
-              </a:lnSpc>
-              <a:spcBef>
-                <a:spcPts val="0"/>
-              </a:spcBef>
-              <a:spcAft>
-                <a:spcPts val="0"/>
-              </a:spcAft>
-              <a:buClrTx/>
-              <a:buSzTx/>
-              <a:buFontTx/>
-              <a:buNone/>
-              <a:tabLst/>
-              <a:defRPr/>
-            </a:pPr>
-            <a:endParaRPr lang="fr-FR" sz="3200" kern="1200" dirty="0" smtClean="0">
-              <a:solidFill>
-                <a:schemeClr val="tx1"/>
-              </a:solidFill>
-              <a:latin typeface="+mn-lt"/>
-              <a:ea typeface="+mn-ea"/>
-              <a:cs typeface="+mn-cs"/>
-            </a:endParaRPr>
-          </a:p>
-          <a:p>
-            <a:pPr marL="0" marR="0" lvl="2" indent="0" algn="l" defTabSz="457200" rtl="0" eaLnBrk="1" fontAlgn="auto" latinLnBrk="0" hangingPunct="1">
-              <a:lnSpc>
-                <a:spcPct val="100000"/>
-              </a:lnSpc>
-              <a:spcBef>
-                <a:spcPts val="0"/>
-              </a:spcBef>
-              <a:spcAft>
-                <a:spcPts val="0"/>
-              </a:spcAft>
-              <a:buClrTx/>
-              <a:buSzTx/>
-              <a:buFontTx/>
-              <a:buNone/>
-              <a:tabLst/>
-              <a:defRPr/>
-            </a:pPr>
-            <a:endParaRPr lang="fr-FR" sz="3200" u="sng" dirty="0" smtClean="0"/>
+            <a:endParaRPr lang="fr-FR" sz="3000" dirty="0" smtClean="0"/>
           </a:p>
         </p:txBody>
       </p:sp>
@@ -1671,6 +930,120 @@
           <a:bodyPr/>
           <a:lstStyle/>
           <a:p>
+            <a:pPr marL="0" marR="0" indent="0" algn="l" defTabSz="457200" rtl="0" eaLnBrk="1" fontAlgn="auto" latinLnBrk="0" hangingPunct="1">
+              <a:lnSpc>
+                <a:spcPct val="100000"/>
+              </a:lnSpc>
+              <a:spcBef>
+                <a:spcPts val="0"/>
+              </a:spcBef>
+              <a:spcAft>
+                <a:spcPts val="0"/>
+              </a:spcAft>
+              <a:buClrTx/>
+              <a:buSzTx/>
+              <a:buFontTx/>
+              <a:buNone/>
+              <a:tabLst/>
+              <a:defRPr/>
+            </a:pPr>
+            <a:r>
+              <a:rPr lang="fr-FR" sz="1200" kern="1200" dirty="0" smtClean="0">
+                <a:solidFill>
+                  <a:schemeClr val="tx1"/>
+                </a:solidFill>
+                <a:latin typeface="+mn-lt"/>
+                <a:ea typeface="+mn-ea"/>
+                <a:cs typeface="+mn-cs"/>
+              </a:rPr>
+              <a:t>Amazon S3 est un service de stockage pour Internet. Il est conçu pour faciliter l'accès aux ressources informatiques à l'échelle du Web, pour les développeurs.</a:t>
+            </a:r>
+          </a:p>
+          <a:p>
+            <a:pPr marL="0" marR="0" indent="0" algn="l" defTabSz="457200" rtl="0" eaLnBrk="1" fontAlgn="auto" latinLnBrk="0" hangingPunct="1">
+              <a:lnSpc>
+                <a:spcPct val="100000"/>
+              </a:lnSpc>
+              <a:spcBef>
+                <a:spcPts val="0"/>
+              </a:spcBef>
+              <a:spcAft>
+                <a:spcPts val="0"/>
+              </a:spcAft>
+              <a:buClrTx/>
+              <a:buSzTx/>
+              <a:buFontTx/>
+              <a:buNone/>
+              <a:tabLst/>
+              <a:defRPr/>
+            </a:pPr>
+            <a:endParaRPr lang="fr-FR" sz="1200" kern="1200" dirty="0" smtClean="0">
+              <a:solidFill>
+                <a:schemeClr val="tx1"/>
+              </a:solidFill>
+              <a:latin typeface="+mn-lt"/>
+              <a:ea typeface="+mn-ea"/>
+              <a:cs typeface="+mn-cs"/>
+            </a:endParaRPr>
+          </a:p>
+          <a:p>
+            <a:pPr marL="0" marR="0" indent="0" algn="l" defTabSz="457200" rtl="0" eaLnBrk="1" fontAlgn="auto" latinLnBrk="0" hangingPunct="1">
+              <a:lnSpc>
+                <a:spcPct val="100000"/>
+              </a:lnSpc>
+              <a:spcBef>
+                <a:spcPts val="0"/>
+              </a:spcBef>
+              <a:spcAft>
+                <a:spcPts val="0"/>
+              </a:spcAft>
+              <a:buClrTx/>
+              <a:buSzTx/>
+              <a:buFontTx/>
+              <a:buNone/>
+              <a:tabLst/>
+              <a:defRPr/>
+            </a:pPr>
+            <a:r>
+              <a:rPr lang="fr-FR" sz="1200" kern="1200" dirty="0" smtClean="0">
+                <a:solidFill>
+                  <a:schemeClr val="tx1"/>
+                </a:solidFill>
+                <a:latin typeface="+mn-lt"/>
+                <a:ea typeface="+mn-ea"/>
+                <a:cs typeface="+mn-cs"/>
+              </a:rPr>
+              <a:t>Amazon S3 offre une simple interface de services Web à utiliser pour stocker et récupérer n'importe quelle quantité de données, à tout moment, de n'importe où sur le Web. Il permet aux développeurs d'accéder à la même infrastructure hautement évolutive, fiable, sûre, rapide, et peu coûteuse qu'Amazon utilise pour faire fonctionner son propre réseau mondial de sites. Le service vise à maximiser les avantages d'échelle et les transmettre aux développeurs.</a:t>
+            </a:r>
+          </a:p>
+          <a:p>
+            <a:pPr marL="0" marR="0" indent="0" algn="l" defTabSz="457200" rtl="0" eaLnBrk="1" fontAlgn="auto" latinLnBrk="0" hangingPunct="1">
+              <a:lnSpc>
+                <a:spcPct val="100000"/>
+              </a:lnSpc>
+              <a:spcBef>
+                <a:spcPts val="0"/>
+              </a:spcBef>
+              <a:spcAft>
+                <a:spcPts val="0"/>
+              </a:spcAft>
+              <a:buClrTx/>
+              <a:buSzTx/>
+              <a:buFontTx/>
+              <a:buNone/>
+              <a:tabLst/>
+              <a:defRPr/>
+            </a:pPr>
+            <a:endParaRPr lang="fr-FR" sz="1200" kern="1200" dirty="0" smtClean="0">
+              <a:solidFill>
+                <a:schemeClr val="tx1"/>
+              </a:solidFill>
+              <a:latin typeface="+mn-lt"/>
+              <a:ea typeface="+mn-ea"/>
+              <a:cs typeface="+mn-cs"/>
+            </a:endParaRPr>
+          </a:p>
+          <a:p>
             <a:pPr marL="0" marR="0" lvl="2" indent="0" algn="l" defTabSz="457200" rtl="0" eaLnBrk="1" fontAlgn="auto" latinLnBrk="0" hangingPunct="1">
               <a:lnSpc>
                 <a:spcPct val="100000"/>
@@ -1689,27 +1062,16 @@
               <a:defRPr/>
             </a:pPr>
             <a:r>
-              <a:rPr lang="fr-FR" sz="3200" u="sng" dirty="0" smtClean="0"/>
-              <a:t>I</a:t>
-            </a:r>
-            <a:r>
-              <a:rPr lang="fr-FR" sz="3200" u="sng" dirty="0" smtClean="0"/>
-              <a:t>nstance</a:t>
-            </a:r>
-            <a:r>
-              <a:rPr lang="fr-FR" sz="3200" u="sng" baseline="0" dirty="0" smtClean="0"/>
-              <a:t> a la demande : </a:t>
-            </a:r>
-            <a:r>
-              <a:rPr lang="fr-FR" sz="1200" kern="1200" dirty="0" smtClean="0">
-                <a:solidFill>
-                  <a:schemeClr val="tx1"/>
-                </a:solidFill>
-                <a:latin typeface="+mn-lt"/>
-                <a:ea typeface="+mn-ea"/>
-                <a:cs typeface="+mn-cs"/>
-              </a:rPr>
-              <a:t>Les instances à la demande suppriment également le besoin d'acheter une capacité de "filet de sécurité" pour gérer des pics de trafic périodiques.</a:t>
+              <a:rPr lang="fr-FR" sz="3000" u="sng" dirty="0" smtClean="0"/>
+              <a:t>N’importe quelle quantité de données</a:t>
+            </a:r>
+            <a:r>
+              <a:rPr lang="fr-FR" sz="1200" u="sng" baseline="0" dirty="0" smtClean="0"/>
+              <a:t> </a:t>
+            </a:r>
+            <a:r>
+              <a:rPr lang="fr-FR" sz="1200" baseline="0" dirty="0" smtClean="0"/>
+              <a:t>: taille d’1 fichier limitée à 5To</a:t>
             </a:r>
           </a:p>
           <a:p>
@@ -1730,179 +1092,7 @@
               <a:tabLst/>
               <a:defRPr/>
             </a:pPr>
-            <a:endParaRPr lang="fr-FR" sz="1200" u="sng" kern="1200" dirty="0" smtClean="0">
-              <a:solidFill>
-                <a:schemeClr val="tx1"/>
-              </a:solidFill>
-              <a:latin typeface="+mn-lt"/>
-              <a:ea typeface="+mn-ea"/>
-              <a:cs typeface="+mn-cs"/>
-            </a:endParaRPr>
-          </a:p>
-          <a:p>
-            <a:pPr marL="0" marR="0" lvl="2" indent="0" algn="l" defTabSz="457200" rtl="0" eaLnBrk="1" fontAlgn="auto" latinLnBrk="0" hangingPunct="1">
-              <a:lnSpc>
-                <a:spcPct val="100000"/>
-              </a:lnSpc>
-              <a:spcBef>
-                <a:spcPts val="0"/>
-              </a:spcBef>
-              <a:spcAft>
-                <a:spcPts val="0"/>
-              </a:spcAft>
-              <a:buClrTx/>
-              <a:buSzTx/>
-              <a:buFontTx/>
-              <a:buNone/>
-              <a:tabLst/>
-              <a:defRPr/>
-            </a:pPr>
-            <a:r>
-              <a:rPr lang="fr-FR" sz="1200" u="sng" kern="1200" dirty="0" smtClean="0">
-                <a:solidFill>
-                  <a:schemeClr val="tx1"/>
-                </a:solidFill>
-                <a:latin typeface="+mn-lt"/>
-                <a:ea typeface="+mn-ea"/>
-                <a:cs typeface="+mn-cs"/>
-              </a:rPr>
-              <a:t>I</a:t>
-            </a:r>
-            <a:r>
-              <a:rPr lang="fr-FR" sz="1200" u="sng" kern="1200" dirty="0" smtClean="0">
-                <a:solidFill>
-                  <a:schemeClr val="tx1"/>
-                </a:solidFill>
-                <a:latin typeface="+mn-lt"/>
-                <a:ea typeface="+mn-ea"/>
-                <a:cs typeface="+mn-cs"/>
-              </a:rPr>
-              <a:t>nstance </a:t>
-            </a:r>
-            <a:r>
-              <a:rPr lang="fr-FR" sz="1200" u="sng" kern="1200" dirty="0" err="1" smtClean="0">
-                <a:solidFill>
-                  <a:schemeClr val="tx1"/>
-                </a:solidFill>
-                <a:latin typeface="+mn-lt"/>
-                <a:ea typeface="+mn-ea"/>
-                <a:cs typeface="+mn-cs"/>
-              </a:rPr>
-              <a:t>reservees</a:t>
-            </a:r>
-            <a:r>
-              <a:rPr lang="fr-FR" sz="1200" u="sng" kern="1200" dirty="0" smtClean="0">
-                <a:solidFill>
-                  <a:schemeClr val="tx1"/>
-                </a:solidFill>
-                <a:latin typeface="+mn-lt"/>
-                <a:ea typeface="+mn-ea"/>
-                <a:cs typeface="+mn-cs"/>
-              </a:rPr>
-              <a:t> : </a:t>
-            </a:r>
-            <a:r>
-              <a:rPr lang="fr-FR" sz="1200" kern="1200" dirty="0" smtClean="0">
-                <a:solidFill>
-                  <a:schemeClr val="tx1"/>
-                </a:solidFill>
-                <a:latin typeface="+mn-lt"/>
-                <a:ea typeface="+mn-ea"/>
-                <a:cs typeface="+mn-cs"/>
-              </a:rPr>
-              <a:t> Il y a trois types d'instances réservées (Instances réservées d'utilisation légère, modérée et intensive)</a:t>
-            </a:r>
-          </a:p>
-          <a:p>
-            <a:pPr marL="0" marR="0" lvl="2" indent="0" algn="l" defTabSz="457200" rtl="0" eaLnBrk="1" fontAlgn="auto" latinLnBrk="0" hangingPunct="1">
-              <a:lnSpc>
-                <a:spcPct val="100000"/>
-              </a:lnSpc>
-              <a:spcBef>
-                <a:spcPts val="0"/>
-              </a:spcBef>
-              <a:spcAft>
-                <a:spcPts val="0"/>
-              </a:spcAft>
-              <a:buClrTx/>
-              <a:buSzTx/>
-              <a:buFontTx/>
-              <a:buNone/>
-              <a:tabLst/>
-              <a:defRPr/>
-            </a:pPr>
-            <a:endParaRPr lang="fr-FR" sz="1200" u="sng" kern="1200" dirty="0" smtClean="0">
-              <a:solidFill>
-                <a:schemeClr val="tx1"/>
-              </a:solidFill>
-              <a:latin typeface="+mn-lt"/>
-              <a:ea typeface="+mn-ea"/>
-              <a:cs typeface="+mn-cs"/>
-            </a:endParaRPr>
-          </a:p>
-          <a:p>
-            <a:pPr marL="0" marR="0" lvl="2" indent="0" algn="l" defTabSz="457200" rtl="0" eaLnBrk="1" fontAlgn="auto" latinLnBrk="0" hangingPunct="1">
-              <a:lnSpc>
-                <a:spcPct val="100000"/>
-              </a:lnSpc>
-              <a:spcBef>
-                <a:spcPts val="0"/>
-              </a:spcBef>
-              <a:spcAft>
-                <a:spcPts val="0"/>
-              </a:spcAft>
-              <a:buClrTx/>
-              <a:buSzTx/>
-              <a:buFontTx/>
-              <a:buNone/>
-              <a:tabLst/>
-              <a:defRPr/>
-            </a:pPr>
-            <a:r>
-              <a:rPr lang="fr-FR" sz="1200" u="sng" kern="1200" dirty="0" smtClean="0">
-                <a:solidFill>
-                  <a:schemeClr val="tx1"/>
-                </a:solidFill>
-                <a:latin typeface="+mn-lt"/>
-                <a:ea typeface="+mn-ea"/>
-                <a:cs typeface="+mn-cs"/>
-              </a:rPr>
-              <a:t>Instance ponctuelles </a:t>
-            </a:r>
-            <a:r>
-              <a:rPr lang="fr-FR" sz="1200" kern="1200" dirty="0" smtClean="0">
-                <a:solidFill>
-                  <a:schemeClr val="tx1"/>
-                </a:solidFill>
-                <a:latin typeface="+mn-lt"/>
-                <a:ea typeface="+mn-ea"/>
-                <a:cs typeface="+mn-cs"/>
-              </a:rPr>
-              <a:t>:</a:t>
-            </a:r>
-            <a:r>
-              <a:rPr lang="fr-FR" sz="1200" kern="1200" baseline="0" dirty="0" smtClean="0">
-                <a:solidFill>
-                  <a:schemeClr val="tx1"/>
-                </a:solidFill>
-                <a:latin typeface="+mn-lt"/>
-                <a:ea typeface="+mn-ea"/>
-                <a:cs typeface="+mn-cs"/>
-              </a:rPr>
-              <a:t> </a:t>
-            </a:r>
-            <a:r>
-              <a:rPr lang="fr-FR" sz="1200" kern="1200" dirty="0" smtClean="0">
-                <a:solidFill>
-                  <a:schemeClr val="tx1"/>
-                </a:solidFill>
-                <a:latin typeface="+mn-lt"/>
-                <a:ea typeface="+mn-ea"/>
-                <a:cs typeface="+mn-cs"/>
-              </a:rPr>
-              <a:t>Le prix ponctuel change périodiquement en fonction de l'offre et de la demande, et les clients, dont les offres répondent ou dépassent ce prix, ont accès aux instances ponctuelles disponibles. Si les heures d'exécution de vos applications sont flexibles, les instances ponctuelles peuvent faire baisser de manière significative vos coûts Amazon EC2.</a:t>
-            </a:r>
-            <a:endParaRPr lang="fr-FR" sz="3200" u="sng" dirty="0" smtClean="0"/>
+            <a:endParaRPr lang="fr-FR" sz="3000" dirty="0" smtClean="0"/>
           </a:p>
         </p:txBody>
       </p:sp>
@@ -2004,18 +1194,6 @@
               <a:defRPr/>
             </a:pPr>
             <a:r>
-              <a:rPr lang="fr-FR" sz="3200" u="sng" dirty="0" smtClean="0"/>
-              <a:t>I</a:t>
-            </a:r>
-            <a:r>
-              <a:rPr lang="fr-FR" sz="3200" u="sng" dirty="0" smtClean="0"/>
-              <a:t>nstance</a:t>
-            </a:r>
-            <a:r>
-              <a:rPr lang="fr-FR" sz="3200" u="sng" baseline="0" dirty="0" smtClean="0"/>
-              <a:t> a la demande : </a:t>
-            </a:r>
-            <a:r>
               <a:rPr lang="fr-FR" sz="1200" kern="1200" dirty="0" smtClean="0">
                 <a:solidFill>
                   <a:schemeClr val="tx1"/>
@@ -2024,7 +1202,18 @@
                 <a:ea typeface="+mn-ea"/>
                 <a:cs typeface="+mn-cs"/>
               </a:rPr>
-              <a:t>Les instances à la demande suppriment également le besoin d'acheter une capacité de "filet de sécurité" pour gérer des pics de trafic périodiques.</a:t>
+              <a:t>1. Chaque objet est stocké dans un compartiment et </a:t>
+            </a:r>
+            <a:r>
+              <a:rPr lang="fr-FR" sz="1200" u="sng" kern="1200" dirty="0" smtClean="0">
+                <a:solidFill>
+                  <a:schemeClr val="tx1"/>
+                </a:solidFill>
+                <a:latin typeface="+mn-lt"/>
+                <a:ea typeface="+mn-ea"/>
+                <a:cs typeface="+mn-cs"/>
+              </a:rPr>
+              <a:t>récupéré via une clé unique attribuée au développeur.</a:t>
             </a:r>
           </a:p>
           <a:p>
@@ -2073,6 +1262,17 @@
               <a:defRPr/>
             </a:pPr>
             <a:r>
+              <a:rPr lang="fr-FR" sz="1200" kern="1200" dirty="0" smtClean="0">
+                <a:solidFill>
+                  <a:schemeClr val="tx1"/>
+                </a:solidFill>
+                <a:latin typeface="+mn-lt"/>
+                <a:ea typeface="+mn-ea"/>
+                <a:cs typeface="+mn-cs"/>
+              </a:rPr>
+              <a:t>2. Les objets stockés dans une région ne </a:t>
+            </a:r>
+            <a:r>
               <a:rPr lang="fr-FR" sz="1200" u="sng" kern="1200" dirty="0" smtClean="0">
                 <a:solidFill>
                   <a:schemeClr val="tx1"/>
@@ -2081,40 +1281,7 @@
                 <a:ea typeface="+mn-ea"/>
                 <a:cs typeface="+mn-cs"/>
               </a:rPr>
-              <a:t>I</a:t>
-            </a:r>
-            <a:r>
-              <a:rPr lang="fr-FR" sz="1200" u="sng" kern="1200" dirty="0" smtClean="0">
-                <a:solidFill>
-                  <a:schemeClr val="tx1"/>
-                </a:solidFill>
-                <a:latin typeface="+mn-lt"/>
-                <a:ea typeface="+mn-ea"/>
-                <a:cs typeface="+mn-cs"/>
-              </a:rPr>
-              <a:t>nstance </a:t>
-            </a:r>
-            <a:r>
-              <a:rPr lang="fr-FR" sz="1200" u="sng" kern="1200" dirty="0" err="1" smtClean="0">
-                <a:solidFill>
-                  <a:schemeClr val="tx1"/>
-                </a:solidFill>
-                <a:latin typeface="+mn-lt"/>
-                <a:ea typeface="+mn-ea"/>
-                <a:cs typeface="+mn-cs"/>
-              </a:rPr>
-              <a:t>reservees</a:t>
-            </a:r>
-            <a:r>
-              <a:rPr lang="fr-FR" sz="1200" u="sng" kern="1200" dirty="0" smtClean="0">
-                <a:solidFill>
-                  <a:schemeClr val="tx1"/>
-                </a:solidFill>
-                <a:latin typeface="+mn-lt"/>
-                <a:ea typeface="+mn-ea"/>
-                <a:cs typeface="+mn-cs"/>
-              </a:rPr>
-              <a:t> : </a:t>
+              <a:t>quittent jamais la région </a:t>
             </a:r>
             <a:r>
               <a:rPr lang="fr-FR" sz="1200" kern="1200" dirty="0" smtClean="0">
@@ -2125,7 +1292,7 @@
                 <a:ea typeface="+mn-ea"/>
                 <a:cs typeface="+mn-cs"/>
               </a:rPr>
-              <a:t> Il y a trois types d'instances réservées (Instances réservées d'utilisation légère, modérée et intensive)</a:t>
+              <a:t>à moins que vous les en déplaciez. Par exemple, des objets stockés dans la région UE (Irlande) ne quittent jamais l'UE.</a:t>
             </a:r>
           </a:p>
           <a:p>
@@ -2146,7 +1313,7 @@
               <a:tabLst/>
               <a:defRPr/>
             </a:pPr>
-            <a:endParaRPr lang="fr-FR" sz="1200" u="sng" kern="1200" dirty="0" smtClean="0">
+            <a:endParaRPr lang="fr-FR" sz="1200" kern="1200" dirty="0" smtClean="0">
               <a:solidFill>
                 <a:schemeClr val="tx1"/>
               </a:solidFill>
@@ -2174,6 +1341,21 @@
               <a:defRPr/>
             </a:pPr>
             <a:r>
+              <a:rPr lang="fr-FR" sz="3000" dirty="0" smtClean="0"/>
+              <a:t>3. </a:t>
+            </a:r>
+            <a:r>
+              <a:rPr lang="fr-FR" sz="1200" kern="1200" dirty="0" smtClean="0">
+                <a:solidFill>
+                  <a:schemeClr val="tx1"/>
+                </a:solidFill>
+                <a:latin typeface="+mn-lt"/>
+                <a:ea typeface="+mn-ea"/>
+                <a:cs typeface="+mn-cs"/>
+              </a:rPr>
+              <a:t>Les mécanismes d'authentification sont fournis pour assurer la sécurité des données contre les accès non autorisés. Des objets peuvent être rendus </a:t>
+            </a:r>
+            <a:r>
               <a:rPr lang="fr-FR" sz="1200" u="sng" kern="1200" dirty="0" smtClean="0">
                 <a:solidFill>
                   <a:schemeClr val="tx1"/>
@@ -2182,7 +1364,64 @@
                 <a:ea typeface="+mn-ea"/>
                 <a:cs typeface="+mn-cs"/>
               </a:rPr>
-              <a:t>Instance ponctuelles </a:t>
+              <a:t>privés ou publics, et des droits d'accès accordés à des utilisateurs spécifiques.</a:t>
+            </a:r>
+          </a:p>
+          <a:p>
+            <a:pPr marL="0" marR="0" lvl="2" indent="0" algn="l" defTabSz="457200" rtl="0" eaLnBrk="1" fontAlgn="auto" latinLnBrk="0" hangingPunct="1">
+              <a:lnSpc>
+                <a:spcPct val="100000"/>
+              </a:lnSpc>
+              <a:spcBef>
+                <a:spcPts val="0"/>
+              </a:spcBef>
+              <a:spcAft>
+                <a:spcPts val="0"/>
+              </a:spcAft>
+              <a:buClrTx/>
+              <a:buSzTx/>
+              <a:buFontTx/>
+              <a:buNone/>
+              <a:tabLst/>
+              <a:defRPr/>
+            </a:pPr>
+            <a:endParaRPr lang="fr-FR" sz="1200" u="sng" kern="1200" dirty="0" smtClean="0">
+              <a:solidFill>
+                <a:schemeClr val="tx1"/>
+              </a:solidFill>
+              <a:latin typeface="+mn-lt"/>
+              <a:ea typeface="+mn-ea"/>
+              <a:cs typeface="+mn-cs"/>
+            </a:endParaRPr>
+          </a:p>
+          <a:p>
+            <a:pPr marL="0" marR="0" lvl="2" indent="0" algn="l" defTabSz="457200" rtl="0" eaLnBrk="1" fontAlgn="auto" latinLnBrk="0" hangingPunct="1">
+              <a:lnSpc>
+                <a:spcPct val="100000"/>
+              </a:lnSpc>
+              <a:spcBef>
+                <a:spcPts val="0"/>
+              </a:spcBef>
+              <a:spcAft>
+                <a:spcPts val="0"/>
+              </a:spcAft>
+              <a:buClrTx/>
+              <a:buSzTx/>
+              <a:buFontTx/>
+              <a:buNone/>
+              <a:tabLst/>
+              <a:defRPr/>
+            </a:pPr>
+            <a:r>
+              <a:rPr lang="fr-FR" sz="1200" u="sng" kern="1200" dirty="0" smtClean="0">
+                <a:solidFill>
+                  <a:schemeClr val="tx1"/>
+                </a:solidFill>
+                <a:latin typeface="+mn-lt"/>
+                <a:ea typeface="+mn-ea"/>
+                <a:cs typeface="+mn-cs"/>
+              </a:rPr>
+              <a:t>4. </a:t>
             </a:r>
             <a:r>
               <a:rPr lang="fr-FR" sz="1200" kern="1200" dirty="0" smtClean="0">
@@ -2193,31 +1432,75 @@
                 <a:ea typeface="+mn-ea"/>
                 <a:cs typeface="+mn-cs"/>
               </a:rPr>
-              <a:t>:</a:t>
-            </a:r>
-            <a:r>
-              <a:rPr lang="fr-FR" sz="1200" kern="1200" baseline="0" dirty="0" smtClean="0">
+              <a:t>Des fonctions sont prévues pour simplifier la gestion des données tout au long du cycle de vie. De plus, diverses options permettent de séparer les données par compartiments, de surveiller et de contrôler les dépenses, ainsi que d'archiver automatiquement les données afin de réduire encore davantage le coût du stockage. Ces options peuvent être facilement gérées à l'aide de la </a:t>
+            </a:r>
+            <a:r>
+              <a:rPr lang="fr-FR" sz="1200" u="sng" kern="1200" dirty="0" smtClean="0">
                 <a:solidFill>
                   <a:schemeClr val="tx1"/>
                 </a:solidFill>
                 <a:latin typeface="+mn-lt"/>
                 <a:ea typeface="+mn-ea"/>
                 <a:cs typeface="+mn-cs"/>
+                <a:hlinkClick r:id="rId3"/>
               </a:rPr>
-              <a:t> </a:t>
-            </a:r>
-            <a:r>
-              <a:rPr lang="fr-FR" sz="1200" kern="1200" dirty="0" smtClean="0">
-                <a:solidFill>
-                  <a:schemeClr val="tx1"/>
-                </a:solidFill>
-                <a:latin typeface="+mn-lt"/>
-                <a:ea typeface="+mn-ea"/>
-                <a:cs typeface="+mn-cs"/>
-              </a:rPr>
-              <a:t>Le prix ponctuel change périodiquement en fonction de l'offre et de la demande, et les clients, dont les offres répondent ou dépassent ce prix, ont accès aux instances ponctuelles disponibles. Si les heures d'exécution de vos applications sont flexibles, les instances ponctuelles peuvent faire baisser de manière significative vos coûts Amazon EC2.</a:t>
-            </a:r>
-            <a:endParaRPr lang="fr-FR" sz="3200" u="sng" dirty="0" smtClean="0"/>
+              <a:t>console de gestion d'Amazon S3.</a:t>
+            </a:r>
+            <a:endParaRPr lang="fr-FR" sz="1200" u="sng" kern="1200" dirty="0" smtClean="0">
+              <a:solidFill>
+                <a:schemeClr val="tx1"/>
+              </a:solidFill>
+              <a:latin typeface="+mn-lt"/>
+              <a:ea typeface="+mn-ea"/>
+              <a:cs typeface="+mn-cs"/>
+            </a:endParaRPr>
+          </a:p>
+          <a:p>
+            <a:pPr marL="0" marR="0" lvl="2" indent="0" algn="l" defTabSz="457200" rtl="0" eaLnBrk="1" fontAlgn="auto" latinLnBrk="0" hangingPunct="1">
+              <a:lnSpc>
+                <a:spcPct val="100000"/>
+              </a:lnSpc>
+              <a:spcBef>
+                <a:spcPts val="0"/>
+              </a:spcBef>
+              <a:spcAft>
+                <a:spcPts val="0"/>
+              </a:spcAft>
+              <a:buClrTx/>
+              <a:buSzTx/>
+              <a:buFontTx/>
+              <a:buNone/>
+              <a:tabLst/>
+              <a:defRPr/>
+            </a:pPr>
+            <a:endParaRPr lang="fr-FR" sz="1200" u="sng" kern="1200" dirty="0" smtClean="0">
+              <a:solidFill>
+                <a:schemeClr val="tx1"/>
+              </a:solidFill>
+              <a:latin typeface="+mn-lt"/>
+              <a:ea typeface="+mn-ea"/>
+              <a:cs typeface="+mn-cs"/>
+            </a:endParaRPr>
+          </a:p>
+          <a:p>
+            <a:pPr marL="0" marR="0" lvl="2" indent="0" algn="l" defTabSz="457200" rtl="0" eaLnBrk="1" fontAlgn="auto" latinLnBrk="0" hangingPunct="1">
+              <a:lnSpc>
+                <a:spcPct val="100000"/>
+              </a:lnSpc>
+              <a:spcBef>
+                <a:spcPts val="0"/>
+              </a:spcBef>
+              <a:spcAft>
+                <a:spcPts val="0"/>
+              </a:spcAft>
+              <a:buClrTx/>
+              <a:buSzTx/>
+              <a:buFontTx/>
+              <a:buNone/>
+              <a:tabLst/>
+              <a:defRPr/>
+            </a:pPr>
+            <a:endParaRPr lang="fr-FR" sz="3000" u="sng" dirty="0" smtClean="0"/>
           </a:p>
         </p:txBody>
       </p:sp>
@@ -2301,57 +1584,370 @@
           <a:bodyPr/>
           <a:lstStyle/>
           <a:p>
-            <a:pPr marL="171450" indent="-171450">
+            <a:pPr marL="0" marR="0" lvl="2" indent="0" algn="l" defTabSz="457200" rtl="0" eaLnBrk="1" fontAlgn="auto" latinLnBrk="0" hangingPunct="1">
+              <a:lnSpc>
+                <a:spcPct val="100000"/>
+              </a:lnSpc>
+              <a:spcBef>
+                <a:spcPts val="0"/>
+              </a:spcBef>
+              <a:spcAft>
+                <a:spcPts val="0"/>
+              </a:spcAft>
+              <a:buClrTx/>
+              <a:buSzTx/>
               <a:buFontTx/>
-              <a:buChar char="-"/>
+              <a:buNone/>
+              <a:tabLst/>
+              <a:defRPr/>
             </a:pPr>
             <a:r>
-              <a:rPr lang="fr-FR" dirty="0" smtClean="0"/>
-              <a:t>Facile d'utilisation : Abstraction liées au stockage et à la distribution de fichiers multimédia. Des outils de management et des APIs de services web pour aider à la mise en œuvre.</a:t>
-            </a:r>
-          </a:p>
-          <a:p>
-            <a:pPr marL="171450" indent="-171450">
+              <a:rPr lang="fr-FR" sz="1200" kern="1200" dirty="0" smtClean="0">
+                <a:solidFill>
+                  <a:schemeClr val="tx1"/>
+                </a:solidFill>
+                <a:latin typeface="+mn-lt"/>
+                <a:ea typeface="+mn-ea"/>
+                <a:cs typeface="+mn-cs"/>
+              </a:rPr>
+              <a:t>Il est conçu pour faciliter l'accès aux ressources informatiques à l'échelle du Web, pour les développeurs.</a:t>
+            </a:r>
+          </a:p>
+          <a:p>
+            <a:pPr marL="0" marR="0" lvl="2" indent="0" algn="l" defTabSz="457200" rtl="0" eaLnBrk="1" fontAlgn="auto" latinLnBrk="0" hangingPunct="1">
+              <a:lnSpc>
+                <a:spcPct val="100000"/>
+              </a:lnSpc>
+              <a:spcBef>
+                <a:spcPts val="0"/>
+              </a:spcBef>
+              <a:spcAft>
+                <a:spcPts val="0"/>
+              </a:spcAft>
+              <a:buClrTx/>
+              <a:buSzTx/>
               <a:buFontTx/>
-              <a:buChar char="-"/>
+              <a:buNone/>
+              <a:tabLst/>
+              <a:defRPr/>
             </a:pPr>
-            <a:r>
-              <a:rPr lang="fr-FR" dirty="0" smtClean="0"/>
-              <a:t>Flexible : </a:t>
-            </a:r>
-            <a:r>
-              <a:rPr lang="fr-FR" dirty="0" err="1" smtClean="0"/>
-              <a:t>Personalisation</a:t>
-            </a:r>
-            <a:r>
-              <a:rPr lang="fr-FR" dirty="0" smtClean="0"/>
-              <a:t> de l'</a:t>
-            </a:r>
-            <a:r>
-              <a:rPr lang="fr-FR" dirty="0" err="1" smtClean="0"/>
-              <a:t>environement</a:t>
-            </a:r>
-            <a:r>
-              <a:rPr lang="fr-FR" dirty="0" smtClean="0"/>
-              <a:t> (OS, langage de programmation, logiciels &amp; services).</a:t>
-            </a:r>
-          </a:p>
-          <a:p>
-            <a:pPr marL="171450" indent="-171450">
+            <a:endParaRPr lang="fr-FR" sz="1200" u="sng" kern="1200" dirty="0" smtClean="0">
+              <a:solidFill>
+                <a:schemeClr val="tx1"/>
+              </a:solidFill>
+              <a:latin typeface="+mn-lt"/>
+              <a:ea typeface="+mn-ea"/>
+              <a:cs typeface="+mn-cs"/>
+            </a:endParaRPr>
+          </a:p>
+          <a:p>
+            <a:pPr marL="0" marR="0" lvl="2" indent="0" algn="l" defTabSz="457200" rtl="0" eaLnBrk="1" fontAlgn="auto" latinLnBrk="0" hangingPunct="1">
+              <a:lnSpc>
+                <a:spcPct val="100000"/>
+              </a:lnSpc>
+              <a:spcBef>
+                <a:spcPts val="0"/>
+              </a:spcBef>
+              <a:spcAft>
+                <a:spcPts val="0"/>
+              </a:spcAft>
+              <a:buClrTx/>
+              <a:buSzTx/>
               <a:buFontTx/>
-              <a:buChar char="-"/>
+              <a:buNone/>
+              <a:tabLst/>
+              <a:defRPr/>
             </a:pPr>
             <a:r>
-              <a:rPr lang="fr-FR" dirty="0" smtClean="0"/>
-              <a:t>Economique : Paiement que de la puissance de calcul, le stockage et les ressources utilisées. Aucun contrat d'engagement.</a:t>
-            </a:r>
-          </a:p>
-          <a:p>
-            <a:r>
-              <a:rPr lang="fr-FR" dirty="0" smtClean="0"/>
-              <a:t>- Fiable : Infrastructure de calcul ajustable (en fonction de la demande), fiable et sécurisée (physique, opérationnel, logiciel). Réseaux privés virtuels.</a:t>
-            </a:r>
-            <a:endParaRPr lang="fr-FR" dirty="0"/>
+              <a:rPr lang="fr-FR" sz="3200" u="sng" dirty="0" err="1" smtClean="0"/>
+              <a:t>Elastic</a:t>
+            </a:r>
+            <a:r>
+              <a:rPr lang="fr-FR" sz="3200" u="sng" dirty="0" smtClean="0"/>
+              <a:t> : </a:t>
+            </a:r>
+            <a:r>
+              <a:rPr lang="fr-FR" sz="3200" kern="1200" dirty="0" smtClean="0">
+                <a:solidFill>
+                  <a:schemeClr val="tx1"/>
+                </a:solidFill>
+                <a:latin typeface="+mn-lt"/>
+                <a:ea typeface="+mn-ea"/>
+                <a:cs typeface="+mn-cs"/>
+              </a:rPr>
+              <a:t>permet </a:t>
+            </a:r>
+            <a:r>
+              <a:rPr lang="fr-FR" sz="3200" u="sng" kern="1200" dirty="0" smtClean="0">
+                <a:solidFill>
+                  <a:schemeClr val="tx1"/>
+                </a:solidFill>
+                <a:latin typeface="+mn-lt"/>
+                <a:ea typeface="+mn-ea"/>
+                <a:cs typeface="+mn-cs"/>
+              </a:rPr>
+              <a:t>d'augmenter ou de réduire la capacité en quelques minutes</a:t>
+            </a:r>
+            <a:r>
+              <a:rPr lang="fr-FR" sz="3200" kern="1200" dirty="0" smtClean="0">
+                <a:solidFill>
+                  <a:schemeClr val="tx1"/>
+                </a:solidFill>
+                <a:latin typeface="+mn-lt"/>
+                <a:ea typeface="+mn-ea"/>
+                <a:cs typeface="+mn-cs"/>
+              </a:rPr>
+              <a:t>, et non en plusieurs heures ou jours. </a:t>
+            </a:r>
+            <a:r>
+              <a:rPr lang="fr-FR" sz="1200" kern="1200" dirty="0" smtClean="0">
+                <a:solidFill>
+                  <a:schemeClr val="tx1"/>
+                </a:solidFill>
+                <a:latin typeface="+mn-lt"/>
+                <a:ea typeface="+mn-ea"/>
+                <a:cs typeface="+mn-cs"/>
+              </a:rPr>
+              <a:t>votre application peut augmenter et diminuer automatiquement selon ses besoins.</a:t>
+            </a:r>
+          </a:p>
+          <a:p>
+            <a:pPr marL="0" marR="0" lvl="2" indent="0" algn="l" defTabSz="457200" rtl="0" eaLnBrk="1" fontAlgn="auto" latinLnBrk="0" hangingPunct="1">
+              <a:lnSpc>
+                <a:spcPct val="100000"/>
+              </a:lnSpc>
+              <a:spcBef>
+                <a:spcPts val="0"/>
+              </a:spcBef>
+              <a:spcAft>
+                <a:spcPts val="0"/>
+              </a:spcAft>
+              <a:buClrTx/>
+              <a:buSzTx/>
+              <a:buFontTx/>
+              <a:buNone/>
+              <a:tabLst/>
+              <a:defRPr/>
+            </a:pPr>
+            <a:r>
+              <a:rPr lang="fr-FR" sz="1200" u="sng" kern="1200" dirty="0" smtClean="0">
+                <a:solidFill>
+                  <a:schemeClr val="tx1"/>
+                </a:solidFill>
+                <a:latin typeface="+mn-lt"/>
+                <a:ea typeface="+mn-ea"/>
+                <a:cs typeface="+mn-cs"/>
+              </a:rPr>
+              <a:t>Flexible </a:t>
+            </a:r>
+            <a:r>
+              <a:rPr lang="fr-FR" sz="1200" kern="1200" dirty="0" smtClean="0">
+                <a:solidFill>
+                  <a:schemeClr val="tx1"/>
+                </a:solidFill>
+                <a:latin typeface="+mn-lt"/>
+                <a:ea typeface="+mn-ea"/>
+                <a:cs typeface="+mn-cs"/>
+              </a:rPr>
+              <a:t>: Vous avez </a:t>
+            </a:r>
+            <a:r>
+              <a:rPr lang="fr-FR" sz="1200" u="sng" kern="1200" dirty="0" smtClean="0">
+                <a:solidFill>
+                  <a:schemeClr val="tx1"/>
+                </a:solidFill>
+                <a:latin typeface="+mn-lt"/>
+                <a:ea typeface="+mn-ea"/>
+                <a:cs typeface="+mn-cs"/>
+              </a:rPr>
+              <a:t>le choix entre plusieurs types d'instance, systèmes d'exploitation et paquets logiciels</a:t>
+            </a:r>
+            <a:r>
+              <a:rPr lang="fr-FR" sz="1200" kern="1200" dirty="0" smtClean="0">
+                <a:solidFill>
+                  <a:schemeClr val="tx1"/>
+                </a:solidFill>
+                <a:latin typeface="+mn-lt"/>
+                <a:ea typeface="+mn-ea"/>
+                <a:cs typeface="+mn-cs"/>
+              </a:rPr>
+              <a:t>. Amazon EC2 permet de sélectionner la configuration </a:t>
+            </a:r>
+            <a:r>
+              <a:rPr lang="fr-FR" sz="1200" u="sng" kern="1200" dirty="0" smtClean="0">
+                <a:solidFill>
+                  <a:schemeClr val="tx1"/>
+                </a:solidFill>
+                <a:latin typeface="+mn-lt"/>
+                <a:ea typeface="+mn-ea"/>
+                <a:cs typeface="+mn-cs"/>
+              </a:rPr>
+              <a:t>de mémoire, le CPU, le stockage d'instance, et la taille de la partition de démarrage </a:t>
+            </a:r>
+            <a:r>
+              <a:rPr lang="fr-FR" sz="1200" kern="1200" dirty="0" smtClean="0">
+                <a:solidFill>
+                  <a:schemeClr val="tx1"/>
+                </a:solidFill>
+                <a:latin typeface="+mn-lt"/>
+                <a:ea typeface="+mn-ea"/>
+                <a:cs typeface="+mn-cs"/>
+              </a:rPr>
+              <a:t>qui sont optimaux pour votre choix de système d'exploitation et d'application. Par exemple, le choix de vos systèmes d'exploitation inclut de nombreuses distributions Linux et Microsoft Windows Server.</a:t>
+            </a:r>
+          </a:p>
+          <a:p>
+            <a:pPr marL="0" marR="0" lvl="2" indent="0" algn="l" defTabSz="457200" rtl="0" eaLnBrk="1" fontAlgn="auto" latinLnBrk="0" hangingPunct="1">
+              <a:lnSpc>
+                <a:spcPct val="100000"/>
+              </a:lnSpc>
+              <a:spcBef>
+                <a:spcPts val="0"/>
+              </a:spcBef>
+              <a:spcAft>
+                <a:spcPts val="0"/>
+              </a:spcAft>
+              <a:buClrTx/>
+              <a:buSzTx/>
+              <a:buFontTx/>
+              <a:buNone/>
+              <a:tabLst/>
+              <a:defRPr/>
+            </a:pPr>
+            <a:r>
+              <a:rPr lang="fr-FR" sz="1200" kern="1200" dirty="0" smtClean="0">
+                <a:solidFill>
+                  <a:schemeClr val="tx1"/>
+                </a:solidFill>
+                <a:latin typeface="+mn-lt"/>
+                <a:ea typeface="+mn-ea"/>
+                <a:cs typeface="+mn-cs"/>
+              </a:rPr>
+              <a:t>Sécurisé : </a:t>
+            </a:r>
+            <a:r>
+              <a:rPr lang="fr-FR" sz="1200" kern="1200" dirty="0" err="1" smtClean="0">
+                <a:solidFill>
+                  <a:schemeClr val="tx1"/>
+                </a:solidFill>
+                <a:latin typeface="+mn-lt"/>
+                <a:ea typeface="+mn-ea"/>
+                <a:cs typeface="+mn-cs"/>
+              </a:rPr>
+              <a:t>parametres</a:t>
+            </a:r>
+            <a:r>
+              <a:rPr lang="fr-FR" sz="1200" kern="1200" dirty="0" smtClean="0">
+                <a:solidFill>
+                  <a:schemeClr val="tx1"/>
+                </a:solidFill>
+                <a:latin typeface="+mn-lt"/>
+                <a:ea typeface="+mn-ea"/>
+                <a:cs typeface="+mn-cs"/>
+              </a:rPr>
+              <a:t> de pare feu configurables. Vous disposez d'un contrôle total de vos instances. Vous avez accès à la racine de chacune d'elle,</a:t>
+            </a:r>
+          </a:p>
+          <a:p>
+            <a:pPr marL="0" marR="0" lvl="2" indent="0" algn="l" defTabSz="457200" rtl="0" eaLnBrk="1" fontAlgn="auto" latinLnBrk="0" hangingPunct="1">
+              <a:lnSpc>
+                <a:spcPct val="100000"/>
+              </a:lnSpc>
+              <a:spcBef>
+                <a:spcPts val="0"/>
+              </a:spcBef>
+              <a:spcAft>
+                <a:spcPts val="0"/>
+              </a:spcAft>
+              <a:buClrTx/>
+              <a:buSzTx/>
+              <a:buFontTx/>
+              <a:buNone/>
+              <a:tabLst/>
+              <a:defRPr/>
+            </a:pPr>
+            <a:endParaRPr lang="fr-FR" sz="1200" kern="1200" dirty="0" smtClean="0">
+              <a:solidFill>
+                <a:schemeClr val="tx1"/>
+              </a:solidFill>
+              <a:latin typeface="+mn-lt"/>
+              <a:ea typeface="+mn-ea"/>
+              <a:cs typeface="+mn-cs"/>
+            </a:endParaRPr>
+          </a:p>
+          <a:p>
+            <a:pPr marL="0" marR="0" lvl="2" indent="0" algn="l" defTabSz="457200" rtl="0" eaLnBrk="1" fontAlgn="auto" latinLnBrk="0" hangingPunct="1">
+              <a:lnSpc>
+                <a:spcPct val="100000"/>
+              </a:lnSpc>
+              <a:spcBef>
+                <a:spcPts val="0"/>
+              </a:spcBef>
+              <a:spcAft>
+                <a:spcPts val="0"/>
+              </a:spcAft>
+              <a:buClrTx/>
+              <a:buSzTx/>
+              <a:buFontTx/>
+              <a:buNone/>
+              <a:tabLst/>
+              <a:defRPr/>
+            </a:pPr>
+            <a:endParaRPr lang="fr-FR" sz="1200" kern="1200" dirty="0" smtClean="0">
+              <a:solidFill>
+                <a:schemeClr val="tx1"/>
+              </a:solidFill>
+              <a:latin typeface="+mn-lt"/>
+              <a:ea typeface="+mn-ea"/>
+              <a:cs typeface="+mn-cs"/>
+            </a:endParaRPr>
+          </a:p>
+          <a:p>
+            <a:pPr marL="0" marR="0" lvl="2" indent="0" algn="l" defTabSz="457200" rtl="0" eaLnBrk="1" fontAlgn="auto" latinLnBrk="0" hangingPunct="1">
+              <a:lnSpc>
+                <a:spcPct val="100000"/>
+              </a:lnSpc>
+              <a:spcBef>
+                <a:spcPts val="0"/>
+              </a:spcBef>
+              <a:spcAft>
+                <a:spcPts val="0"/>
+              </a:spcAft>
+              <a:buClrTx/>
+              <a:buSzTx/>
+              <a:buFontTx/>
+              <a:buNone/>
+              <a:tabLst/>
+              <a:defRPr/>
+            </a:pPr>
+            <a:endParaRPr lang="fr-FR" sz="3200" kern="1200" dirty="0" smtClean="0">
+              <a:solidFill>
+                <a:schemeClr val="tx1"/>
+              </a:solidFill>
+              <a:latin typeface="+mn-lt"/>
+              <a:ea typeface="+mn-ea"/>
+              <a:cs typeface="+mn-cs"/>
+            </a:endParaRPr>
+          </a:p>
+          <a:p>
+            <a:pPr marL="0" marR="0" lvl="2" indent="0" algn="l" defTabSz="457200" rtl="0" eaLnBrk="1" fontAlgn="auto" latinLnBrk="0" hangingPunct="1">
+              <a:lnSpc>
+                <a:spcPct val="100000"/>
+              </a:lnSpc>
+              <a:spcBef>
+                <a:spcPts val="0"/>
+              </a:spcBef>
+              <a:spcAft>
+                <a:spcPts val="0"/>
+              </a:spcAft>
+              <a:buClrTx/>
+              <a:buSzTx/>
+              <a:buFontTx/>
+              <a:buNone/>
+              <a:tabLst/>
+              <a:defRPr/>
+            </a:pPr>
+            <a:endParaRPr lang="fr-FR" sz="3200" u="sng" dirty="0" smtClean="0"/>
           </a:p>
         </p:txBody>
       </p:sp>
@@ -2435,11 +2031,223 @@
           <a:bodyPr/>
           <a:lstStyle/>
           <a:p>
-            <a:pPr marL="0" indent="0">
+            <a:pPr marL="0" marR="0" lvl="2" indent="0" algn="l" defTabSz="457200" rtl="0" eaLnBrk="1" fontAlgn="auto" latinLnBrk="0" hangingPunct="1">
+              <a:lnSpc>
+                <a:spcPct val="100000"/>
+              </a:lnSpc>
+              <a:spcBef>
+                <a:spcPts val="0"/>
+              </a:spcBef>
+              <a:spcAft>
+                <a:spcPts val="0"/>
+              </a:spcAft>
+              <a:buClrTx/>
+              <a:buSzTx/>
               <a:buFontTx/>
               <a:buNone/>
+              <a:tabLst/>
+              <a:defRPr/>
             </a:pPr>
-            <a:endParaRPr lang="fr-FR" dirty="0"/>
+            <a:r>
+              <a:rPr lang="fr-FR" sz="3200" u="sng" dirty="0" smtClean="0"/>
+              <a:t>Instance</a:t>
+            </a:r>
+            <a:r>
+              <a:rPr lang="fr-FR" sz="3200" u="sng" baseline="0" dirty="0" smtClean="0"/>
+              <a:t> a la demande : </a:t>
+            </a:r>
+            <a:r>
+              <a:rPr lang="fr-FR" sz="1200" kern="1200" dirty="0" smtClean="0">
+                <a:solidFill>
+                  <a:schemeClr val="tx1"/>
+                </a:solidFill>
+                <a:latin typeface="+mn-lt"/>
+                <a:ea typeface="+mn-ea"/>
+                <a:cs typeface="+mn-cs"/>
+              </a:rPr>
+              <a:t>Les instances à la demande suppriment également le besoin d'acheter une capacité de "filet de sécurité" pour gérer des pics de trafic périodiques.</a:t>
+            </a:r>
+          </a:p>
+          <a:p>
+            <a:pPr marL="0" marR="0" lvl="2" indent="0" algn="l" defTabSz="457200" rtl="0" eaLnBrk="1" fontAlgn="auto" latinLnBrk="0" hangingPunct="1">
+              <a:lnSpc>
+                <a:spcPct val="100000"/>
+              </a:lnSpc>
+              <a:spcBef>
+                <a:spcPts val="0"/>
+              </a:spcBef>
+              <a:spcAft>
+                <a:spcPts val="0"/>
+              </a:spcAft>
+              <a:buClrTx/>
+              <a:buSzTx/>
+              <a:buFontTx/>
+              <a:buNone/>
+              <a:tabLst/>
+              <a:defRPr/>
+            </a:pPr>
+            <a:endParaRPr lang="fr-FR" sz="1200" u="sng" kern="1200" dirty="0" smtClean="0">
+              <a:solidFill>
+                <a:schemeClr val="tx1"/>
+              </a:solidFill>
+              <a:latin typeface="+mn-lt"/>
+              <a:ea typeface="+mn-ea"/>
+              <a:cs typeface="+mn-cs"/>
+            </a:endParaRPr>
+          </a:p>
+          <a:p>
+            <a:pPr marL="0" marR="0" lvl="2" indent="0" algn="l" defTabSz="457200" rtl="0" eaLnBrk="1" fontAlgn="auto" latinLnBrk="0" hangingPunct="1">
+              <a:lnSpc>
+                <a:spcPct val="100000"/>
+              </a:lnSpc>
+              <a:spcBef>
+                <a:spcPts val="0"/>
+              </a:spcBef>
+              <a:spcAft>
+                <a:spcPts val="0"/>
+              </a:spcAft>
+              <a:buClrTx/>
+              <a:buSzTx/>
+              <a:buFontTx/>
+              <a:buNone/>
+              <a:tabLst/>
+              <a:defRPr/>
+            </a:pPr>
+            <a:r>
+              <a:rPr lang="fr-FR" sz="1200" u="sng" kern="1200" dirty="0" smtClean="0">
+                <a:solidFill>
+                  <a:schemeClr val="tx1"/>
+                </a:solidFill>
+                <a:latin typeface="+mn-lt"/>
+                <a:ea typeface="+mn-ea"/>
+                <a:cs typeface="+mn-cs"/>
+              </a:rPr>
+              <a:t>Instance </a:t>
+            </a:r>
+            <a:r>
+              <a:rPr lang="fr-FR" sz="1200" u="sng" kern="1200" dirty="0" err="1" smtClean="0">
+                <a:solidFill>
+                  <a:schemeClr val="tx1"/>
+                </a:solidFill>
+                <a:latin typeface="+mn-lt"/>
+                <a:ea typeface="+mn-ea"/>
+                <a:cs typeface="+mn-cs"/>
+              </a:rPr>
+              <a:t>reservees</a:t>
+            </a:r>
+            <a:r>
+              <a:rPr lang="fr-FR" sz="1200" u="sng" kern="1200" dirty="0" smtClean="0">
+                <a:solidFill>
+                  <a:schemeClr val="tx1"/>
+                </a:solidFill>
+                <a:latin typeface="+mn-lt"/>
+                <a:ea typeface="+mn-ea"/>
+                <a:cs typeface="+mn-cs"/>
+              </a:rPr>
+              <a:t> : </a:t>
+            </a:r>
+            <a:r>
+              <a:rPr lang="fr-FR" sz="1200" kern="1200" dirty="0" smtClean="0">
+                <a:solidFill>
+                  <a:schemeClr val="tx1"/>
+                </a:solidFill>
+                <a:latin typeface="+mn-lt"/>
+                <a:ea typeface="+mn-ea"/>
+                <a:cs typeface="+mn-cs"/>
+              </a:rPr>
+              <a:t> Il y a trois types d'instances réservées (Instances réservées d'utilisation légère, modérée et intensive)</a:t>
+            </a:r>
+          </a:p>
+          <a:p>
+            <a:pPr marL="0" marR="0" lvl="2" indent="0" algn="l" defTabSz="457200" rtl="0" eaLnBrk="1" fontAlgn="auto" latinLnBrk="0" hangingPunct="1">
+              <a:lnSpc>
+                <a:spcPct val="100000"/>
+              </a:lnSpc>
+              <a:spcBef>
+                <a:spcPts val="0"/>
+              </a:spcBef>
+              <a:spcAft>
+                <a:spcPts val="0"/>
+              </a:spcAft>
+              <a:buClrTx/>
+              <a:buSzTx/>
+              <a:buFontTx/>
+              <a:buNone/>
+              <a:tabLst/>
+              <a:defRPr/>
+            </a:pPr>
+            <a:endParaRPr lang="fr-FR" sz="1200" u="sng" kern="1200" dirty="0" smtClean="0">
+              <a:solidFill>
+                <a:schemeClr val="tx1"/>
+              </a:solidFill>
+              <a:latin typeface="+mn-lt"/>
+              <a:ea typeface="+mn-ea"/>
+              <a:cs typeface="+mn-cs"/>
+            </a:endParaRPr>
+          </a:p>
+          <a:p>
+            <a:pPr marL="0" marR="0" lvl="2" indent="0" algn="l" defTabSz="457200" rtl="0" eaLnBrk="1" fontAlgn="auto" latinLnBrk="0" hangingPunct="1">
+              <a:lnSpc>
+                <a:spcPct val="100000"/>
+              </a:lnSpc>
+              <a:spcBef>
+                <a:spcPts val="0"/>
+              </a:spcBef>
+              <a:spcAft>
+                <a:spcPts val="0"/>
+              </a:spcAft>
+              <a:buClrTx/>
+              <a:buSzTx/>
+              <a:buFontTx/>
+              <a:buNone/>
+              <a:tabLst/>
+              <a:defRPr/>
+            </a:pPr>
+            <a:r>
+              <a:rPr lang="fr-FR" sz="1200" u="sng" kern="1200" dirty="0" smtClean="0">
+                <a:solidFill>
+                  <a:schemeClr val="tx1"/>
+                </a:solidFill>
+                <a:latin typeface="+mn-lt"/>
+                <a:ea typeface="+mn-ea"/>
+                <a:cs typeface="+mn-cs"/>
+              </a:rPr>
+              <a:t>Instance ponctuelles </a:t>
+            </a:r>
+            <a:r>
+              <a:rPr lang="fr-FR" sz="1200" kern="1200" dirty="0" smtClean="0">
+                <a:solidFill>
+                  <a:schemeClr val="tx1"/>
+                </a:solidFill>
+                <a:latin typeface="+mn-lt"/>
+                <a:ea typeface="+mn-ea"/>
+                <a:cs typeface="+mn-cs"/>
+              </a:rPr>
+              <a:t>:</a:t>
+            </a:r>
+            <a:r>
+              <a:rPr lang="fr-FR" sz="1200" kern="1200" baseline="0" dirty="0" smtClean="0">
+                <a:solidFill>
+                  <a:schemeClr val="tx1"/>
+                </a:solidFill>
+                <a:latin typeface="+mn-lt"/>
+                <a:ea typeface="+mn-ea"/>
+                <a:cs typeface="+mn-cs"/>
+              </a:rPr>
+              <a:t> </a:t>
+            </a:r>
+            <a:r>
+              <a:rPr lang="fr-FR" sz="1200" kern="1200" dirty="0" smtClean="0">
+                <a:solidFill>
+                  <a:schemeClr val="tx1"/>
+                </a:solidFill>
+                <a:latin typeface="+mn-lt"/>
+                <a:ea typeface="+mn-ea"/>
+                <a:cs typeface="+mn-cs"/>
+              </a:rPr>
+              <a:t>Le prix ponctuel change périodiquement en fonction de l'offre et de la demande, et les clients, dont les offres répondent ou dépassent ce prix, ont accès aux instances ponctuelles disponibles. Si les heures d'exécution de vos applications sont flexibles, les instances ponctuelles peuvent faire baisser de manière significative vos coûts Amazon EC2.</a:t>
+            </a:r>
+            <a:endParaRPr lang="fr-FR" sz="3200" u="sng" dirty="0" smtClean="0"/>
           </a:p>
         </p:txBody>
       </p:sp>
@@ -2461,6 +2269,402 @@
             <a:fld id="{7CFB7986-A455-FF4B-8986-0F422CDEA853}" type="slidenum">
               <a:rPr lang="fr-FR" smtClean="0"/>
               <a:t>10</a:t>
+            </a:fld>
+            <a:endParaRPr lang="fr-FR"/>
+          </a:p>
+        </p:txBody>
+      </p:sp>
+    </p:spTree>
+    <p:extLst>
+      <p:ext uri="{BB962C8B-B14F-4D97-AF65-F5344CB8AC3E}">
+        <p14:creationId xmlns:p14="http://schemas.microsoft.com/office/powerpoint/2010/main" val="2736999507"/>
+      </p:ext>
+    </p:extLst>
+  </p:cSld>
+  <p:clrMapOvr>
+    <a:masterClrMapping/>
+  </p:clrMapOvr>
+</p:notes>
+</file>
+
+<file path=ppt/notesSlides/notesSlide8.xml><?xml version="1.0" encoding="utf-8"?>
+<p:notes xmlns:a="http://schemas.openxmlformats.org/drawingml/2006/main" xmlns:r="http://schemas.openxmlformats.org/officeDocument/2006/relationships" xmlns:p="http://schemas.openxmlformats.org/presentationml/2006/main">
+  <p:cSld>
+    <p:spTree>
+      <p:nvGrpSpPr>
+        <p:cNvPr id="1" name=""/>
+        <p:cNvGrpSpPr/>
+        <p:nvPr/>
+      </p:nvGrpSpPr>
+      <p:grpSpPr>
+        <a:xfrm>
+          <a:off x="0" y="0"/>
+          <a:ext cx="0" cy="0"/>
+          <a:chOff x="0" y="0"/>
+          <a:chExt cx="0" cy="0"/>
+        </a:xfrm>
+      </p:grpSpPr>
+      <p:sp>
+        <p:nvSpPr>
+          <p:cNvPr id="2" name="Espace réservé de l'image des diapositives 1"/>
+          <p:cNvSpPr>
+            <a:spLocks noGrp="1" noRot="1" noChangeAspect="1"/>
+          </p:cNvSpPr>
+          <p:nvPr>
+            <p:ph type="sldImg"/>
+          </p:nvPr>
+        </p:nvSpPr>
+        <p:spPr/>
+      </p:sp>
+      <p:sp>
+        <p:nvSpPr>
+          <p:cNvPr id="3" name="Espace réservé des commentaires 2"/>
+          <p:cNvSpPr>
+            <a:spLocks noGrp="1"/>
+          </p:cNvSpPr>
+          <p:nvPr>
+            <p:ph type="body" idx="1"/>
+          </p:nvPr>
+        </p:nvSpPr>
+        <p:spPr/>
+        <p:txBody>
+          <a:bodyPr/>
+          <a:lstStyle/>
+          <a:p>
+            <a:r>
+              <a:rPr lang="fr-FR" sz="1200" u="sng" kern="1200" dirty="0" smtClean="0">
+                <a:solidFill>
+                  <a:schemeClr val="tx1"/>
+                </a:solidFill>
+                <a:latin typeface="+mn-lt"/>
+                <a:ea typeface="+mn-ea"/>
+                <a:cs typeface="+mn-cs"/>
+              </a:rPr>
+              <a:t>Instances Micro</a:t>
+            </a:r>
+            <a:r>
+              <a:rPr lang="fr-FR" sz="1200" kern="1200" dirty="0" smtClean="0">
+                <a:solidFill>
+                  <a:schemeClr val="tx1"/>
+                </a:solidFill>
+                <a:latin typeface="+mn-lt"/>
+                <a:ea typeface="+mn-ea"/>
+                <a:cs typeface="+mn-cs"/>
+              </a:rPr>
+              <a:t> : 613 </a:t>
+            </a:r>
+            <a:r>
+              <a:rPr lang="fr-FR" sz="1200" kern="1200" dirty="0" err="1" smtClean="0">
+                <a:solidFill>
+                  <a:schemeClr val="tx1"/>
+                </a:solidFill>
+                <a:latin typeface="+mn-lt"/>
+                <a:ea typeface="+mn-ea"/>
+                <a:cs typeface="+mn-cs"/>
+              </a:rPr>
+              <a:t>MiB</a:t>
+            </a:r>
+            <a:r>
+              <a:rPr lang="fr-FR" sz="1200" kern="1200" dirty="0" smtClean="0">
+                <a:solidFill>
+                  <a:schemeClr val="tx1"/>
+                </a:solidFill>
+                <a:latin typeface="+mn-lt"/>
+                <a:ea typeface="+mn-ea"/>
+                <a:cs typeface="+mn-cs"/>
+              </a:rPr>
+              <a:t> de mémoire, jusqu'à 2 unités de calcul EC2 (pour les pics périodiques de courte durée), stockage EBS uniquement, plate-forme 32 bits ou 64 bits</a:t>
+            </a:r>
+          </a:p>
+          <a:p>
+            <a:endParaRPr lang="fr-FR" sz="1200" u="sng" kern="1200" dirty="0" smtClean="0">
+              <a:solidFill>
+                <a:schemeClr val="tx1"/>
+              </a:solidFill>
+              <a:latin typeface="+mn-lt"/>
+              <a:ea typeface="+mn-ea"/>
+              <a:cs typeface="+mn-cs"/>
+            </a:endParaRPr>
+          </a:p>
+          <a:p>
+            <a:r>
+              <a:rPr lang="fr-FR" sz="1200" u="sng" kern="1200" dirty="0" smtClean="0">
+                <a:solidFill>
+                  <a:schemeClr val="tx1"/>
+                </a:solidFill>
+                <a:latin typeface="+mn-lt"/>
+                <a:ea typeface="+mn-ea"/>
+                <a:cs typeface="+mn-cs"/>
+              </a:rPr>
+              <a:t>Instance CPU</a:t>
+            </a:r>
+            <a:r>
+              <a:rPr lang="fr-FR" sz="1200" u="sng" kern="1200" baseline="0" dirty="0" smtClean="0">
+                <a:solidFill>
+                  <a:schemeClr val="tx1"/>
+                </a:solidFill>
+                <a:latin typeface="+mn-lt"/>
+                <a:ea typeface="+mn-ea"/>
+                <a:cs typeface="+mn-cs"/>
+              </a:rPr>
+              <a:t> </a:t>
+            </a:r>
+            <a:r>
+              <a:rPr lang="fr-FR" sz="1200" kern="1200" baseline="0" dirty="0" smtClean="0">
+                <a:solidFill>
+                  <a:schemeClr val="tx1"/>
+                </a:solidFill>
+                <a:latin typeface="+mn-lt"/>
+                <a:ea typeface="+mn-ea"/>
+                <a:cs typeface="+mn-cs"/>
+              </a:rPr>
+              <a:t>: </a:t>
+            </a:r>
+            <a:r>
+              <a:rPr lang="fr-FR" sz="1200" kern="1200" dirty="0" smtClean="0">
+                <a:solidFill>
+                  <a:schemeClr val="tx1"/>
+                </a:solidFill>
+                <a:latin typeface="+mn-lt"/>
+                <a:ea typeface="+mn-ea"/>
+                <a:cs typeface="+mn-cs"/>
+              </a:rPr>
+              <a:t>Les instances de cette famille possèdent proportionnellement plus de ressources CPU que de mémoire (RAM) et sont très adaptées aux applications nécessitant des calculs intensifs.</a:t>
+            </a:r>
+          </a:p>
+          <a:p>
+            <a:endParaRPr lang="fr-FR" sz="1200" kern="1200" dirty="0" smtClean="0">
+              <a:solidFill>
+                <a:schemeClr val="tx1"/>
+              </a:solidFill>
+              <a:latin typeface="+mn-lt"/>
+              <a:ea typeface="+mn-ea"/>
+              <a:cs typeface="+mn-cs"/>
+            </a:endParaRPr>
+          </a:p>
+          <a:p>
+            <a:r>
+              <a:rPr lang="fr-FR" sz="1200" u="sng" kern="1200" dirty="0" err="1" smtClean="0">
+                <a:solidFill>
+                  <a:schemeClr val="tx1"/>
+                </a:solidFill>
+                <a:latin typeface="+mn-lt"/>
+                <a:ea typeface="+mn-ea"/>
+                <a:cs typeface="+mn-cs"/>
+              </a:rPr>
+              <a:t>Iinstance</a:t>
+            </a:r>
+            <a:r>
+              <a:rPr lang="fr-FR" sz="1200" u="sng" kern="1200" baseline="0" dirty="0" smtClean="0">
+                <a:solidFill>
+                  <a:schemeClr val="tx1"/>
+                </a:solidFill>
+                <a:latin typeface="+mn-lt"/>
+                <a:ea typeface="+mn-ea"/>
+                <a:cs typeface="+mn-cs"/>
+              </a:rPr>
+              <a:t> cluster </a:t>
+            </a:r>
+            <a:r>
+              <a:rPr lang="fr-FR" sz="1200" u="sng" kern="1200" baseline="0" dirty="0" err="1" smtClean="0">
+                <a:solidFill>
+                  <a:schemeClr val="tx1"/>
+                </a:solidFill>
+                <a:latin typeface="+mn-lt"/>
+                <a:ea typeface="+mn-ea"/>
+                <a:cs typeface="+mn-cs"/>
+              </a:rPr>
+              <a:t>compute</a:t>
+            </a:r>
+            <a:r>
+              <a:rPr lang="fr-FR" sz="1200" u="sng" kern="1200" baseline="0" dirty="0" smtClean="0">
+                <a:solidFill>
+                  <a:schemeClr val="tx1"/>
+                </a:solidFill>
+                <a:latin typeface="+mn-lt"/>
+                <a:ea typeface="+mn-ea"/>
+                <a:cs typeface="+mn-cs"/>
+              </a:rPr>
+              <a:t> </a:t>
+            </a:r>
+            <a:r>
+              <a:rPr lang="fr-FR" sz="1200" kern="1200" baseline="0" dirty="0" smtClean="0">
+                <a:solidFill>
+                  <a:schemeClr val="tx1"/>
+                </a:solidFill>
+                <a:latin typeface="+mn-lt"/>
+                <a:ea typeface="+mn-ea"/>
+                <a:cs typeface="+mn-cs"/>
+              </a:rPr>
+              <a:t>: </a:t>
+            </a:r>
+            <a:r>
+              <a:rPr lang="fr-FR" sz="1200" kern="1200" dirty="0" smtClean="0">
+                <a:solidFill>
+                  <a:schemeClr val="tx1"/>
+                </a:solidFill>
+                <a:latin typeface="+mn-lt"/>
+                <a:ea typeface="+mn-ea"/>
+                <a:cs typeface="+mn-cs"/>
+              </a:rPr>
+              <a:t>Les instances cette famille fournissent proportionnellement plus de ressources CPU avec une performance réseau améliorée et sont adaptées aux applications Calculs Haute Performance (HPC) et aux autres applications nécessitant un lien réseau.</a:t>
+            </a:r>
+            <a:endParaRPr lang="fr-FR" sz="4800" u="sng" dirty="0" smtClean="0"/>
+          </a:p>
+        </p:txBody>
+      </p:sp>
+      <p:sp>
+        <p:nvSpPr>
+          <p:cNvPr id="4" name="Espace réservé du numéro de diapositive 3"/>
+          <p:cNvSpPr>
+            <a:spLocks noGrp="1"/>
+          </p:cNvSpPr>
+          <p:nvPr>
+            <p:ph type="sldNum" sz="quarter" idx="10"/>
+          </p:nvPr>
+        </p:nvSpPr>
+        <p:spPr/>
+        <p:txBody>
+          <a:bodyPr/>
+          <a:lstStyle/>
+          <a:p>
+            <a:fld id="{7CFB7986-A455-FF4B-8986-0F422CDEA853}" type="slidenum">
+              <a:rPr lang="fr-FR" smtClean="0"/>
+              <a:t>11</a:t>
+            </a:fld>
+            <a:endParaRPr lang="fr-FR"/>
+          </a:p>
+        </p:txBody>
+      </p:sp>
+    </p:spTree>
+    <p:extLst>
+      <p:ext uri="{BB962C8B-B14F-4D97-AF65-F5344CB8AC3E}">
+        <p14:creationId xmlns:p14="http://schemas.microsoft.com/office/powerpoint/2010/main" val="2736999507"/>
+      </p:ext>
+    </p:extLst>
+  </p:cSld>
+  <p:clrMapOvr>
+    <a:masterClrMapping/>
+  </p:clrMapOvr>
+</p:notes>
+</file>
+
+<file path=ppt/notesSlides/notesSlide9.xml><?xml version="1.0" encoding="utf-8"?>
+<p:notes xmlns:a="http://schemas.openxmlformats.org/drawingml/2006/main" xmlns:r="http://schemas.openxmlformats.org/officeDocument/2006/relationships" xmlns:p="http://schemas.openxmlformats.org/presentationml/2006/main">
+  <p:cSld>
+    <p:spTree>
+      <p:nvGrpSpPr>
+        <p:cNvPr id="1" name=""/>
+        <p:cNvGrpSpPr/>
+        <p:nvPr/>
+      </p:nvGrpSpPr>
+      <p:grpSpPr>
+        <a:xfrm>
+          <a:off x="0" y="0"/>
+          <a:ext cx="0" cy="0"/>
+          <a:chOff x="0" y="0"/>
+          <a:chExt cx="0" cy="0"/>
+        </a:xfrm>
+      </p:grpSpPr>
+      <p:sp>
+        <p:nvSpPr>
+          <p:cNvPr id="2" name="Espace réservé de l'image des diapositives 1"/>
+          <p:cNvSpPr>
+            <a:spLocks noGrp="1" noRot="1" noChangeAspect="1"/>
+          </p:cNvSpPr>
+          <p:nvPr>
+            <p:ph type="sldImg"/>
+          </p:nvPr>
+        </p:nvSpPr>
+        <p:spPr/>
+      </p:sp>
+      <p:sp>
+        <p:nvSpPr>
+          <p:cNvPr id="3" name="Espace réservé des commentaires 2"/>
+          <p:cNvSpPr>
+            <a:spLocks noGrp="1"/>
+          </p:cNvSpPr>
+          <p:nvPr>
+            <p:ph type="body" idx="1"/>
+          </p:nvPr>
+        </p:nvSpPr>
+        <p:spPr/>
+        <p:txBody>
+          <a:bodyPr/>
+          <a:lstStyle/>
+          <a:p>
+            <a:pPr marL="171450" indent="-171450">
+              <a:buFontTx/>
+              <a:buChar char="-"/>
+            </a:pPr>
+            <a:r>
+              <a:rPr lang="fr-FR" dirty="0" smtClean="0"/>
+              <a:t>Facile d'utilisation : Abstraction liées au stockage et à la distribution de fichiers multimédia. Des outils de management et des APIs de services web pour aider à la mise en œuvre.</a:t>
+            </a:r>
+          </a:p>
+          <a:p>
+            <a:pPr marL="171450" indent="-171450">
+              <a:buFontTx/>
+              <a:buChar char="-"/>
+            </a:pPr>
+            <a:r>
+              <a:rPr lang="fr-FR" dirty="0" smtClean="0"/>
+              <a:t>Flexible : </a:t>
+            </a:r>
+            <a:r>
+              <a:rPr lang="fr-FR" dirty="0" err="1" smtClean="0"/>
+              <a:t>Personalisation</a:t>
+            </a:r>
+            <a:r>
+              <a:rPr lang="fr-FR" dirty="0" smtClean="0"/>
+              <a:t> de l'</a:t>
+            </a:r>
+            <a:r>
+              <a:rPr lang="fr-FR" dirty="0" err="1" smtClean="0"/>
+              <a:t>environement</a:t>
+            </a:r>
+            <a:r>
+              <a:rPr lang="fr-FR" dirty="0" smtClean="0"/>
+              <a:t> (OS, langage de programmation, logiciels &amp; services).</a:t>
+            </a:r>
+          </a:p>
+          <a:p>
+            <a:pPr marL="171450" indent="-171450">
+              <a:buFontTx/>
+              <a:buChar char="-"/>
+            </a:pPr>
+            <a:r>
+              <a:rPr lang="fr-FR" dirty="0" smtClean="0"/>
+              <a:t>Economique : Paiement que de la puissance de calcul, le stockage et les ressources utilisées. Aucun contrat d'engagement.</a:t>
+            </a:r>
+          </a:p>
+          <a:p>
+            <a:r>
+              <a:rPr lang="fr-FR" dirty="0" smtClean="0"/>
+              <a:t>- Fiable : Infrastructure de calcul ajustable (en fonction de la demande), fiable et sécurisée (physique, opérationnel, logiciel). Réseaux privés virtuels.</a:t>
+            </a:r>
+            <a:endParaRPr lang="fr-FR" dirty="0"/>
+          </a:p>
+        </p:txBody>
+      </p:sp>
+      <p:sp>
+        <p:nvSpPr>
+          <p:cNvPr id="4" name="Espace réservé du numéro de diapositive 3"/>
+          <p:cNvSpPr>
+            <a:spLocks noGrp="1"/>
+          </p:cNvSpPr>
+          <p:nvPr>
+            <p:ph type="sldNum" sz="quarter" idx="10"/>
+          </p:nvPr>
+        </p:nvSpPr>
+        <p:spPr/>
+        <p:txBody>
+          <a:bodyPr/>
+          <a:lstStyle/>
+          <a:p>
+            <a:fld id="{7CFB7986-A455-FF4B-8986-0F422CDEA853}" type="slidenum">
+              <a:rPr lang="fr-FR" smtClean="0"/>
+              <a:t>12</a:t>
             </a:fld>
             <a:endParaRPr lang="fr-FR"/>
           </a:p>
@@ -2665,7 +2869,7 @@
           <a:p>
             <a:fld id="{70BA1CFD-BFF0-48BC-9BA5-4974D7A6AB15}" type="datetimeFigureOut">
               <a:rPr lang="en-US" smtClean="0"/>
-              <a:t>04/12/12</a:t>
+              <a:t>06/12/12</a:t>
             </a:fld>
             <a:endParaRPr lang="en-US"/>
           </a:p>
@@ -3022,7 +3226,7 @@
           <a:p>
             <a:fld id="{70BA1CFD-BFF0-48BC-9BA5-4974D7A6AB15}" type="datetimeFigureOut">
               <a:rPr lang="en-US" smtClean="0"/>
-              <a:t>04/12/12</a:t>
+              <a:t>06/12/12</a:t>
             </a:fld>
             <a:endParaRPr lang="en-US"/>
           </a:p>
@@ -3191,7 +3395,7 @@
           <a:p>
             <a:fld id="{70BA1CFD-BFF0-48BC-9BA5-4974D7A6AB15}" type="datetimeFigureOut">
               <a:rPr lang="en-US" smtClean="0"/>
-              <a:t>04/12/12</a:t>
+              <a:t>06/12/12</a:t>
             </a:fld>
             <a:endParaRPr lang="en-US"/>
           </a:p>
@@ -3370,7 +3574,7 @@
           <a:p>
             <a:fld id="{70BA1CFD-BFF0-48BC-9BA5-4974D7A6AB15}" type="datetimeFigureOut">
               <a:rPr lang="en-US" smtClean="0"/>
-              <a:t>04/12/12</a:t>
+              <a:t>06/12/12</a:t>
             </a:fld>
             <a:endParaRPr lang="en-US"/>
           </a:p>
@@ -3539,7 +3743,7 @@
           <a:p>
             <a:fld id="{70BA1CFD-BFF0-48BC-9BA5-4974D7A6AB15}" type="datetimeFigureOut">
               <a:rPr lang="en-US" smtClean="0"/>
-              <a:t>04/12/12</a:t>
+              <a:t>06/12/12</a:t>
             </a:fld>
             <a:endParaRPr lang="en-US"/>
           </a:p>
@@ -3816,7 +4020,7 @@
           <a:p>
             <a:fld id="{70BA1CFD-BFF0-48BC-9BA5-4974D7A6AB15}" type="datetimeFigureOut">
               <a:rPr lang="en-US" smtClean="0"/>
-              <a:t>04/12/12</a:t>
+              <a:t>06/12/12</a:t>
             </a:fld>
             <a:endParaRPr lang="en-US"/>
           </a:p>
@@ -4108,7 +4312,7 @@
           <a:p>
             <a:fld id="{70BA1CFD-BFF0-48BC-9BA5-4974D7A6AB15}" type="datetimeFigureOut">
               <a:rPr lang="en-US" smtClean="0"/>
-              <a:t>04/12/12</a:t>
+              <a:t>06/12/12</a:t>
             </a:fld>
             <a:endParaRPr lang="en-US"/>
           </a:p>
@@ -4544,7 +4748,7 @@
           <a:p>
             <a:fld id="{70BA1CFD-BFF0-48BC-9BA5-4974D7A6AB15}" type="datetimeFigureOut">
               <a:rPr lang="en-US" smtClean="0"/>
-              <a:t>04/12/12</a:t>
+              <a:t>06/12/12</a:t>
             </a:fld>
             <a:endParaRPr lang="en-US"/>
           </a:p>
@@ -4657,7 +4861,7 @@
           <a:p>
             <a:fld id="{70BA1CFD-BFF0-48BC-9BA5-4974D7A6AB15}" type="datetimeFigureOut">
               <a:rPr lang="en-US" smtClean="0"/>
-              <a:t>04/12/12</a:t>
+              <a:t>06/12/12</a:t>
             </a:fld>
             <a:endParaRPr lang="en-US"/>
           </a:p>
@@ -4747,7 +4951,7 @@
           <a:p>
             <a:fld id="{70BA1CFD-BFF0-48BC-9BA5-4974D7A6AB15}" type="datetimeFigureOut">
               <a:rPr lang="en-US" smtClean="0"/>
-              <a:t>04/12/12</a:t>
+              <a:t>06/12/12</a:t>
             </a:fld>
             <a:endParaRPr lang="en-US"/>
           </a:p>
@@ -5084,7 +5288,7 @@
           <a:p>
             <a:fld id="{70BA1CFD-BFF0-48BC-9BA5-4974D7A6AB15}" type="datetimeFigureOut">
               <a:rPr lang="en-US" smtClean="0"/>
-              <a:t>04/12/12</a:t>
+              <a:t>06/12/12</a:t>
             </a:fld>
             <a:endParaRPr lang="en-US"/>
           </a:p>
@@ -5399,7 +5603,7 @@
           <a:p>
             <a:fld id="{70BA1CFD-BFF0-48BC-9BA5-4974D7A6AB15}" type="datetimeFigureOut">
               <a:rPr lang="en-US" smtClean="0"/>
-              <a:t>04/12/12</a:t>
+              <a:t>06/12/12</a:t>
             </a:fld>
             <a:endParaRPr lang="en-US"/>
           </a:p>
@@ -5645,7 +5849,7 @@
           <a:p>
             <a:fld id="{70BA1CFD-BFF0-48BC-9BA5-4974D7A6AB15}" type="datetimeFigureOut">
               <a:rPr lang="en-US" smtClean="0"/>
-              <a:t>04/12/12</a:t>
+              <a:t>06/12/12</a:t>
             </a:fld>
             <a:endParaRPr lang="en-US"/>
           </a:p>
@@ -6193,6 +6397,13 @@
   <p:clrMapOvr>
     <a:masterClrMapping/>
   </p:clrMapOvr>
+  <p:timing>
+    <p:tnLst>
+      <p:par>
+        <p:cTn xmlns:p14="http://schemas.microsoft.com/office/powerpoint/2010/main" id="1" dur="indefinite" restart="never" nodeType="tmRoot"/>
+      </p:par>
+    </p:tnLst>
+  </p:timing>
 </p:sld>
 </file>
 
@@ -6234,8 +6445,15 @@
           <a:lstStyle/>
           <a:p>
             <a:r>
+              <a:rPr lang="fr-FR" u="sng" dirty="0" smtClean="0"/>
+              <a:t>Amazon EC2 </a:t>
+            </a:r>
+            <a:br>
+              <a:rPr lang="fr-FR" u="sng" dirty="0" smtClean="0"/>
+            </a:br>
+            <a:r>
               <a:rPr lang="fr-FR" dirty="0" smtClean="0"/>
-              <a:t>Pour conclure</a:t>
+              <a:t>Les coûts</a:t>
             </a:r>
             <a:endParaRPr lang="fr-FR" dirty="0"/>
           </a:p>
@@ -6243,7 +6461,7 @@
       </p:sp>
       <p:sp>
         <p:nvSpPr>
-          <p:cNvPr id="3" name="Espace réservé du contenu 2"/>
+          <p:cNvPr id="5" name="Espace réservé du contenu 2"/>
           <p:cNvSpPr>
             <a:spLocks noGrp="1"/>
           </p:cNvSpPr>
@@ -6251,13 +6469,425 @@
             <p:ph idx="1"/>
           </p:nvPr>
         </p:nvSpPr>
-        <p:spPr/>
+        <p:spPr>
+          <a:xfrm>
+            <a:off x="0" y="2382923"/>
+            <a:ext cx="9143999" cy="4475077"/>
+          </a:xfrm>
+        </p:spPr>
         <p:txBody>
           <a:bodyPr>
             <a:normAutofit/>
           </a:bodyPr>
           <a:lstStyle/>
           <a:p>
+            <a:pPr lvl="1"/>
+            <a:r>
+              <a:rPr lang="fr-FR" sz="2800" dirty="0" smtClean="0"/>
+              <a:t>Peu couteux</a:t>
+            </a:r>
+            <a:endParaRPr lang="fr-FR" sz="3000" u="sng" dirty="0" smtClean="0"/>
+          </a:p>
+          <a:p>
+            <a:pPr lvl="2"/>
+            <a:r>
+              <a:rPr lang="fr-FR" sz="2800" u="sng" dirty="0" smtClean="0"/>
+              <a:t>Instances </a:t>
+            </a:r>
+            <a:r>
+              <a:rPr lang="fr-FR" sz="2800" u="sng" dirty="0"/>
+              <a:t>à la demande </a:t>
+            </a:r>
+            <a:r>
+              <a:rPr lang="fr-FR" sz="2800" b="0" dirty="0"/>
+              <a:t>: paiement de la capacité de calcul à l’heure, sans engagement.</a:t>
+            </a:r>
+          </a:p>
+          <a:p>
+            <a:pPr lvl="2"/>
+            <a:r>
+              <a:rPr lang="fr-FR" sz="2800" u="sng" dirty="0"/>
+              <a:t>Instances réservées </a:t>
+            </a:r>
+            <a:r>
+              <a:rPr lang="fr-FR" sz="2800" b="0" dirty="0"/>
+              <a:t>: un seul paiement pour une instance</a:t>
+            </a:r>
+          </a:p>
+          <a:p>
+            <a:pPr lvl="2"/>
+            <a:r>
+              <a:rPr lang="fr-FR" sz="2800" u="sng" dirty="0"/>
+              <a:t>Instances ponctuelles : </a:t>
+            </a:r>
+            <a:r>
+              <a:rPr lang="fr-FR" sz="2800" b="0" dirty="0"/>
+              <a:t>le prix change en fonction de l’offre et la demande</a:t>
+            </a:r>
+          </a:p>
+          <a:p>
+            <a:pPr lvl="2"/>
+            <a:endParaRPr lang="fr-FR" sz="2800" dirty="0" smtClean="0"/>
+          </a:p>
+          <a:p>
+            <a:pPr lvl="2"/>
+            <a:endParaRPr lang="fr-FR" sz="2800" dirty="0" smtClean="0"/>
+          </a:p>
+        </p:txBody>
+      </p:sp>
+    </p:spTree>
+    <p:extLst>
+      <p:ext uri="{BB962C8B-B14F-4D97-AF65-F5344CB8AC3E}">
+        <p14:creationId xmlns:p14="http://schemas.microsoft.com/office/powerpoint/2010/main" val="2481083388"/>
+      </p:ext>
+    </p:extLst>
+  </p:cSld>
+  <p:clrMapOvr>
+    <a:masterClrMapping/>
+  </p:clrMapOvr>
+  <p:timing>
+    <p:tnLst>
+      <p:par>
+        <p:cTn xmlns:p14="http://schemas.microsoft.com/office/powerpoint/2010/main" id="1" dur="indefinite" restart="never" nodeType="tmRoot"/>
+      </p:par>
+    </p:tnLst>
+  </p:timing>
+</p:sld>
+</file>
+
+<file path=ppt/slides/slide11.xml><?xml version="1.0" encoding="utf-8"?>
+<p:sld xmlns:a="http://schemas.openxmlformats.org/drawingml/2006/main" xmlns:r="http://schemas.openxmlformats.org/officeDocument/2006/relationships" xmlns:p="http://schemas.openxmlformats.org/presentationml/2006/main">
+  <p:cSld>
+    <p:spTree>
+      <p:nvGrpSpPr>
+        <p:cNvPr id="1" name=""/>
+        <p:cNvGrpSpPr/>
+        <p:nvPr/>
+      </p:nvGrpSpPr>
+      <p:grpSpPr>
+        <a:xfrm>
+          <a:off x="0" y="0"/>
+          <a:ext cx="0" cy="0"/>
+          <a:chOff x="0" y="0"/>
+          <a:chExt cx="0" cy="0"/>
+        </a:xfrm>
+      </p:grpSpPr>
+      <p:sp>
+        <p:nvSpPr>
+          <p:cNvPr id="2" name="Titre 1"/>
+          <p:cNvSpPr>
+            <a:spLocks noGrp="1"/>
+          </p:cNvSpPr>
+          <p:nvPr>
+            <p:ph type="title"/>
+          </p:nvPr>
+        </p:nvSpPr>
+        <p:spPr>
+          <a:xfrm>
+            <a:off x="0" y="107577"/>
+            <a:ext cx="9144000" cy="1653988"/>
+          </a:xfrm>
+        </p:spPr>
+        <p:txBody>
+          <a:bodyPr/>
+          <a:lstStyle/>
+          <a:p>
+            <a:r>
+              <a:rPr lang="fr-FR" u="sng" dirty="0" smtClean="0"/>
+              <a:t>Amazon EC2 </a:t>
+            </a:r>
+            <a:br>
+              <a:rPr lang="fr-FR" u="sng" dirty="0" smtClean="0"/>
+            </a:br>
+            <a:r>
+              <a:rPr lang="fr-FR" dirty="0" smtClean="0"/>
+              <a:t>Différents types d’instances</a:t>
+            </a:r>
+            <a:endParaRPr lang="fr-FR" dirty="0"/>
+          </a:p>
+        </p:txBody>
+      </p:sp>
+      <p:sp>
+        <p:nvSpPr>
+          <p:cNvPr id="3" name="Espace réservé du contenu 2"/>
+          <p:cNvSpPr>
+            <a:spLocks noGrp="1"/>
+          </p:cNvSpPr>
+          <p:nvPr>
+            <p:ph idx="1"/>
+          </p:nvPr>
+        </p:nvSpPr>
+        <p:spPr>
+          <a:xfrm>
+            <a:off x="0" y="2382923"/>
+            <a:ext cx="9143999" cy="4475077"/>
+          </a:xfrm>
+        </p:spPr>
+        <p:txBody>
+          <a:bodyPr>
+            <a:normAutofit/>
+          </a:bodyPr>
+          <a:lstStyle/>
+          <a:p>
+            <a:pPr lvl="1"/>
+            <a:r>
+              <a:rPr lang="fr-FR" sz="3000" b="0" dirty="0" smtClean="0"/>
+              <a:t>Instances Micro</a:t>
+            </a:r>
+          </a:p>
+          <a:p>
+            <a:pPr lvl="1"/>
+            <a:r>
+              <a:rPr lang="fr-FR" sz="3000" b="0" dirty="0" smtClean="0"/>
+              <a:t>Instances à mémoire élevée</a:t>
+            </a:r>
+          </a:p>
+          <a:p>
+            <a:pPr lvl="1"/>
+            <a:r>
+              <a:rPr lang="fr-FR" sz="3000" b="0" dirty="0" smtClean="0"/>
+              <a:t>Instances à CPU élevé</a:t>
+            </a:r>
+          </a:p>
+          <a:p>
+            <a:pPr lvl="1"/>
+            <a:r>
+              <a:rPr lang="fr-FR" sz="3000" b="0" dirty="0" smtClean="0"/>
+              <a:t>Instances Cluster </a:t>
+            </a:r>
+            <a:r>
+              <a:rPr lang="fr-FR" sz="3000" b="0" dirty="0" err="1" smtClean="0"/>
+              <a:t>Compute</a:t>
+            </a:r>
+            <a:endParaRPr lang="fr-FR" sz="3000" b="0" dirty="0" smtClean="0"/>
+          </a:p>
+          <a:p>
+            <a:pPr lvl="1"/>
+            <a:r>
+              <a:rPr lang="fr-FR" sz="3000" b="0" dirty="0" smtClean="0"/>
+              <a:t>Instances Cluster GPU</a:t>
+            </a:r>
+          </a:p>
+          <a:p>
+            <a:pPr lvl="1"/>
+            <a:r>
+              <a:rPr lang="fr-FR" sz="3000" b="0" dirty="0" smtClean="0"/>
+              <a:t>Instances E/S élevées</a:t>
+            </a:r>
+            <a:endParaRPr lang="fr-FR" sz="2800" b="0" dirty="0" smtClean="0"/>
+          </a:p>
+          <a:p>
+            <a:pPr lvl="3"/>
+            <a:endParaRPr lang="fr-FR" sz="2600" dirty="0" smtClean="0"/>
+          </a:p>
+          <a:p>
+            <a:pPr lvl="2"/>
+            <a:endParaRPr lang="fr-FR" sz="2800" dirty="0" smtClean="0"/>
+          </a:p>
+        </p:txBody>
+      </p:sp>
+    </p:spTree>
+    <p:extLst>
+      <p:ext uri="{BB962C8B-B14F-4D97-AF65-F5344CB8AC3E}">
+        <p14:creationId xmlns:p14="http://schemas.microsoft.com/office/powerpoint/2010/main" val="1456333607"/>
+      </p:ext>
+    </p:extLst>
+  </p:cSld>
+  <p:clrMapOvr>
+    <a:masterClrMapping/>
+  </p:clrMapOvr>
+  <p:timing>
+    <p:tnLst>
+      <p:par>
+        <p:cTn xmlns:p14="http://schemas.microsoft.com/office/powerpoint/2010/main" id="1" dur="indefinite" restart="never" nodeType="tmRoot"/>
+      </p:par>
+    </p:tnLst>
+  </p:timing>
+</p:sld>
+</file>
+
+<file path=ppt/slides/slide12.xml><?xml version="1.0" encoding="utf-8"?>
+<p:sld xmlns:a="http://schemas.openxmlformats.org/drawingml/2006/main" xmlns:r="http://schemas.openxmlformats.org/officeDocument/2006/relationships" xmlns:p="http://schemas.openxmlformats.org/presentationml/2006/main">
+  <p:cSld>
+    <p:spTree>
+      <p:nvGrpSpPr>
+        <p:cNvPr id="1" name=""/>
+        <p:cNvGrpSpPr/>
+        <p:nvPr/>
+      </p:nvGrpSpPr>
+      <p:grpSpPr>
+        <a:xfrm>
+          <a:off x="0" y="0"/>
+          <a:ext cx="0" cy="0"/>
+          <a:chOff x="0" y="0"/>
+          <a:chExt cx="0" cy="0"/>
+        </a:xfrm>
+      </p:grpSpPr>
+      <p:sp>
+        <p:nvSpPr>
+          <p:cNvPr id="2" name="Titre 1"/>
+          <p:cNvSpPr>
+            <a:spLocks noGrp="1"/>
+          </p:cNvSpPr>
+          <p:nvPr>
+            <p:ph type="title"/>
+          </p:nvPr>
+        </p:nvSpPr>
+        <p:spPr>
+          <a:xfrm>
+            <a:off x="779462" y="107577"/>
+            <a:ext cx="7935544" cy="1653988"/>
+          </a:xfrm>
+        </p:spPr>
+        <p:txBody>
+          <a:bodyPr/>
+          <a:lstStyle/>
+          <a:p>
+            <a:r>
+              <a:rPr lang="fr-FR" dirty="0" smtClean="0"/>
+              <a:t>Avantages selon Amazon</a:t>
+            </a:r>
+            <a:endParaRPr lang="fr-FR" dirty="0"/>
+          </a:p>
+        </p:txBody>
+      </p:sp>
+      <p:sp>
+        <p:nvSpPr>
+          <p:cNvPr id="3" name="Espace réservé du contenu 2"/>
+          <p:cNvSpPr>
+            <a:spLocks noGrp="1"/>
+          </p:cNvSpPr>
+          <p:nvPr>
+            <p:ph idx="1"/>
+          </p:nvPr>
+        </p:nvSpPr>
+        <p:spPr>
+          <a:xfrm>
+            <a:off x="0" y="1882588"/>
+            <a:ext cx="9144000" cy="4975412"/>
+          </a:xfrm>
+        </p:spPr>
+        <p:txBody>
+          <a:bodyPr>
+            <a:normAutofit/>
+          </a:bodyPr>
+          <a:lstStyle/>
+          <a:p>
+            <a:pPr lvl="1"/>
+            <a:r>
+              <a:rPr lang="fr-FR" sz="3200" dirty="0"/>
+              <a:t>Facile </a:t>
+            </a:r>
+            <a:r>
+              <a:rPr lang="fr-FR" sz="3200" dirty="0" smtClean="0"/>
+              <a:t>d'utilisation</a:t>
+            </a:r>
+          </a:p>
+          <a:p>
+            <a:pPr lvl="1"/>
+            <a:r>
+              <a:rPr lang="fr-FR" sz="3200" dirty="0" smtClean="0"/>
+              <a:t>Flexible</a:t>
+            </a:r>
+          </a:p>
+          <a:p>
+            <a:pPr lvl="1"/>
+            <a:r>
+              <a:rPr lang="fr-FR" sz="3200" dirty="0" smtClean="0"/>
+              <a:t>Economique</a:t>
+            </a:r>
+          </a:p>
+          <a:p>
+            <a:pPr lvl="1"/>
+            <a:r>
+              <a:rPr lang="fr-FR" sz="3200" dirty="0" smtClean="0"/>
+              <a:t>Fiable</a:t>
+            </a:r>
+          </a:p>
+        </p:txBody>
+      </p:sp>
+    </p:spTree>
+    <p:extLst>
+      <p:ext uri="{BB962C8B-B14F-4D97-AF65-F5344CB8AC3E}">
+        <p14:creationId xmlns:p14="http://schemas.microsoft.com/office/powerpoint/2010/main" val="54432857"/>
+      </p:ext>
+    </p:extLst>
+  </p:cSld>
+  <p:clrMapOvr>
+    <a:masterClrMapping/>
+  </p:clrMapOvr>
+  <p:timing>
+    <p:tnLst>
+      <p:par>
+        <p:cTn xmlns:p14="http://schemas.microsoft.com/office/powerpoint/2010/main" id="1" dur="indefinite" restart="never" nodeType="tmRoot"/>
+      </p:par>
+    </p:tnLst>
+  </p:timing>
+</p:sld>
+</file>
+
+<file path=ppt/slides/slide13.xml><?xml version="1.0" encoding="utf-8"?>
+<p:sld xmlns:a="http://schemas.openxmlformats.org/drawingml/2006/main" xmlns:r="http://schemas.openxmlformats.org/officeDocument/2006/relationships" xmlns:p="http://schemas.openxmlformats.org/presentationml/2006/main">
+  <p:cSld>
+    <p:spTree>
+      <p:nvGrpSpPr>
+        <p:cNvPr id="1" name=""/>
+        <p:cNvGrpSpPr/>
+        <p:nvPr/>
+      </p:nvGrpSpPr>
+      <p:grpSpPr>
+        <a:xfrm>
+          <a:off x="0" y="0"/>
+          <a:ext cx="0" cy="0"/>
+          <a:chOff x="0" y="0"/>
+          <a:chExt cx="0" cy="0"/>
+        </a:xfrm>
+      </p:grpSpPr>
+      <p:sp>
+        <p:nvSpPr>
+          <p:cNvPr id="2" name="Titre 1"/>
+          <p:cNvSpPr>
+            <a:spLocks noGrp="1"/>
+          </p:cNvSpPr>
+          <p:nvPr>
+            <p:ph type="title"/>
+          </p:nvPr>
+        </p:nvSpPr>
+        <p:spPr>
+          <a:xfrm>
+            <a:off x="779462" y="107577"/>
+            <a:ext cx="7935544" cy="1653988"/>
+          </a:xfrm>
+        </p:spPr>
+        <p:txBody>
+          <a:bodyPr/>
+          <a:lstStyle/>
+          <a:p>
+            <a:r>
+              <a:rPr lang="fr-FR" dirty="0" smtClean="0"/>
+              <a:t>Conclusion</a:t>
+            </a:r>
+            <a:endParaRPr lang="fr-FR" dirty="0"/>
+          </a:p>
+        </p:txBody>
+      </p:sp>
+      <p:sp>
+        <p:nvSpPr>
+          <p:cNvPr id="3" name="Espace réservé du contenu 2"/>
+          <p:cNvSpPr>
+            <a:spLocks noGrp="1"/>
+          </p:cNvSpPr>
+          <p:nvPr>
+            <p:ph idx="1"/>
+          </p:nvPr>
+        </p:nvSpPr>
+        <p:spPr/>
+        <p:txBody>
+          <a:bodyPr>
+            <a:normAutofit/>
+          </a:bodyPr>
+          <a:lstStyle/>
+          <a:p>
             <a:pPr marL="403225" lvl="1" indent="0">
               <a:buNone/>
             </a:pPr>
@@ -6270,15 +6900,7 @@
             </a:br>
             <a:r>
               <a:rPr lang="fr-FR" sz="3200" dirty="0" smtClean="0"/>
-              <a:t>De tr</a:t>
-            </a:r>
-            <a:r>
-              <a:rPr lang="fr-FR" sz="3200" dirty="0" smtClean="0"/>
-              <a:t>ès bon arguments</a:t>
-            </a:r>
-            <a:r>
-              <a:rPr lang="fr-FR" sz="3200" dirty="0" smtClean="0"/>
-              <a:t>…</a:t>
+              <a:t>De très bon arguments…</a:t>
             </a:r>
           </a:p>
           <a:p>
@@ -6291,15 +6913,7 @@
             </a:pPr>
             <a:r>
               <a:rPr lang="fr-FR" sz="3200" dirty="0" smtClean="0"/>
-              <a:t>… m</a:t>
-            </a:r>
-            <a:r>
-              <a:rPr lang="fr-FR" sz="3200" dirty="0" smtClean="0"/>
-              <a:t>ais comment en v</a:t>
-            </a:r>
-            <a:r>
-              <a:rPr lang="fr-FR" sz="3200" dirty="0" smtClean="0"/>
-              <a:t>érifier la véracité ?</a:t>
+              <a:t>… mais comment en vérifier la véracité ?</a:t>
             </a:r>
           </a:p>
         </p:txBody>
@@ -6314,6 +6928,13 @@
   <p:clrMapOvr>
     <a:masterClrMapping/>
   </p:clrMapOvr>
+  <p:timing>
+    <p:tnLst>
+      <p:par>
+        <p:cTn xmlns:p14="http://schemas.microsoft.com/office/powerpoint/2010/main" id="1" dur="indefinite" restart="never" nodeType="tmRoot"/>
+      </p:par>
+    </p:tnLst>
+  </p:timing>
 </p:sld>
 </file>
 
@@ -6367,7 +6988,12 @@
             <p:ph idx="1"/>
           </p:nvPr>
         </p:nvSpPr>
-        <p:spPr/>
+        <p:spPr>
+          <a:xfrm>
+            <a:off x="0" y="1882588"/>
+            <a:ext cx="9144000" cy="4975412"/>
+          </a:xfrm>
+        </p:spPr>
         <p:txBody>
           <a:bodyPr>
             <a:normAutofit/>
@@ -6375,56 +7001,55 @@
           <a:lstStyle/>
           <a:p>
             <a:r>
-              <a:rPr lang="fr-FR" sz="2800" u="sng" dirty="0" smtClean="0"/>
+              <a:rPr lang="fr-FR" sz="3200" u="sng" dirty="0" smtClean="0"/>
               <a:t>But</a:t>
             </a:r>
-            <a:endParaRPr lang="fr-FR" sz="2800" u="sng" dirty="0" smtClean="0"/>
           </a:p>
           <a:p>
             <a:pPr lvl="1"/>
             <a:r>
-              <a:rPr lang="fr-FR" dirty="0" smtClean="0"/>
+              <a:rPr lang="fr-FR" sz="3200" dirty="0" smtClean="0"/>
               <a:t>Diffuser des fichiers multimédia sur le Web</a:t>
             </a:r>
           </a:p>
           <a:p>
             <a:r>
-              <a:rPr lang="fr-FR" sz="2800" u="sng" dirty="0" smtClean="0"/>
+              <a:rPr lang="fr-FR" sz="3200" u="sng" dirty="0" smtClean="0"/>
               <a:t>Défi</a:t>
             </a:r>
-            <a:endParaRPr lang="fr-FR" sz="2800" u="sng" dirty="0"/>
+            <a:endParaRPr lang="fr-FR" sz="3200" u="sng" dirty="0"/>
           </a:p>
           <a:p>
             <a:pPr lvl="1"/>
             <a:r>
-              <a:rPr lang="fr-FR" dirty="0"/>
+              <a:rPr lang="fr-FR" sz="3200" dirty="0"/>
               <a:t>Gérer les imprévus</a:t>
             </a:r>
           </a:p>
           <a:p>
             <a:pPr lvl="2"/>
             <a:r>
-              <a:rPr lang="fr-FR" dirty="0"/>
+              <a:rPr lang="fr-FR" sz="3200" dirty="0"/>
               <a:t>Pics de demande</a:t>
             </a:r>
           </a:p>
           <a:p>
             <a:pPr lvl="2"/>
             <a:r>
-              <a:rPr lang="fr-FR" dirty="0"/>
+              <a:rPr lang="fr-FR" sz="3200" dirty="0"/>
               <a:t>Problèmes inattendus</a:t>
             </a:r>
           </a:p>
           <a:p>
             <a:pPr lvl="1"/>
             <a:r>
-              <a:rPr lang="fr-FR" dirty="0"/>
+              <a:rPr lang="fr-FR" sz="3200" dirty="0"/>
               <a:t>Estimer les coûts</a:t>
             </a:r>
           </a:p>
           <a:p>
             <a:pPr lvl="1"/>
-            <a:endParaRPr lang="fr-FR" dirty="0"/>
+            <a:endParaRPr lang="fr-FR" sz="3200" dirty="0"/>
           </a:p>
           <a:p>
             <a:pPr lvl="2"/>
@@ -6472,6 +7097,13 @@
   <p:clrMapOvr>
     <a:masterClrMapping/>
   </p:clrMapOvr>
+  <p:timing>
+    <p:tnLst>
+      <p:par>
+        <p:cTn xmlns:p14="http://schemas.microsoft.com/office/powerpoint/2010/main" id="1" dur="indefinite" restart="never" nodeType="tmRoot"/>
+      </p:par>
+    </p:tnLst>
+  </p:timing>
 </p:sld>
 </file>
 
@@ -6527,8 +7159,8 @@
         </p:nvSpPr>
         <p:spPr>
           <a:xfrm>
-            <a:off x="779462" y="1882588"/>
-            <a:ext cx="8016613" cy="3953436"/>
+            <a:off x="0" y="1882588"/>
+            <a:ext cx="9144000" cy="4975412"/>
           </a:xfrm>
         </p:spPr>
         <p:txBody>
@@ -6543,22 +7175,26 @@
             </a:r>
             <a:r>
               <a:rPr lang="fr-FR" sz="3200" dirty="0" smtClean="0"/>
-              <a:t> </a:t>
+              <a:t> produits </a:t>
             </a:r>
             <a:r>
               <a:rPr lang="fr-FR" sz="3200" dirty="0" smtClean="0"/>
-              <a:t>produits Amazon pour l’hébergement</a:t>
+              <a:t>Amazon </a:t>
+            </a:r>
+            <a:r>
+              <a:rPr lang="fr-FR" sz="3200" dirty="0" smtClean="0"/>
+              <a:t>pour l’hébergement</a:t>
             </a:r>
           </a:p>
           <a:p>
             <a:pPr lvl="1"/>
             <a:r>
               <a:rPr lang="fr-FR" sz="3200" dirty="0" smtClean="0"/>
-              <a:t>Amazon Simple Storage Service (Amazon S3</a:t>
+              <a:t>Amazon Simple Storage Service (</a:t>
             </a:r>
             <a:r>
               <a:rPr lang="fr-FR" sz="3200" dirty="0" smtClean="0"/>
-              <a:t>)</a:t>
+              <a:t>Amazon S3)</a:t>
             </a:r>
           </a:p>
           <a:p>
@@ -6626,6 +7262,13 @@
   <p:clrMapOvr>
     <a:masterClrMapping/>
   </p:clrMapOvr>
+  <p:timing>
+    <p:tnLst>
+      <p:par>
+        <p:cTn xmlns:p14="http://schemas.microsoft.com/office/powerpoint/2010/main" id="1" dur="indefinite" restart="never" nodeType="tmRoot"/>
+      </p:par>
+    </p:tnLst>
+  </p:timing>
 </p:sld>
 </file>
 
@@ -6668,7 +7311,11 @@
           <a:p>
             <a:r>
               <a:rPr lang="fr-FR" u="sng" dirty="0" smtClean="0"/>
-              <a:t>Amazon S3</a:t>
+              <a:t>Amazon </a:t>
+            </a:r>
+            <a:r>
+              <a:rPr lang="fr-FR" u="sng" dirty="0" err="1" smtClean="0"/>
+              <a:t>CloudFront</a:t>
             </a:r>
             <a:r>
               <a:rPr lang="fr-FR" dirty="0" smtClean="0"/>
@@ -6697,8 +7344,8 @@
         </p:nvSpPr>
         <p:spPr>
           <a:xfrm>
-            <a:off x="779462" y="2382926"/>
-            <a:ext cx="7581901" cy="3953436"/>
+            <a:off x="0" y="2279216"/>
+            <a:ext cx="9144000" cy="4578783"/>
           </a:xfrm>
         </p:spPr>
         <p:txBody>
@@ -6710,38 +7357,38 @@
             <a:pPr lvl="1"/>
             <a:r>
               <a:rPr lang="fr-FR" sz="3200" dirty="0" smtClean="0"/>
-              <a:t>Un service de stockage via une interface de services Web</a:t>
+              <a:t>Un service destin</a:t>
+            </a:r>
+            <a:r>
+              <a:rPr lang="fr-FR" sz="3200" dirty="0" smtClean="0"/>
+              <a:t>é à la diffusion de contenu</a:t>
             </a:r>
           </a:p>
           <a:p>
             <a:pPr lvl="2"/>
             <a:r>
               <a:rPr lang="fr-FR" sz="3000" dirty="0" smtClean="0"/>
-              <a:t>N</a:t>
+              <a:t>Des </a:t>
             </a:r>
             <a:r>
               <a:rPr lang="fr-FR" sz="3000" dirty="0" smtClean="0"/>
-              <a:t>’importe o</a:t>
-            </a:r>
+              <a:t>données multimédia</a:t>
+            </a:r>
+          </a:p>
+          <a:p>
+            <a:pPr lvl="2"/>
             <a:r>
               <a:rPr lang="fr-FR" sz="3000" dirty="0" smtClean="0"/>
-              <a:t>ù</a:t>
-            </a:r>
-          </a:p>
-          <a:p>
-            <a:pPr lvl="2"/>
+              <a:t>Des </a:t>
+            </a:r>
             <a:r>
               <a:rPr lang="fr-FR" sz="3000" dirty="0" smtClean="0"/>
-              <a:t>N’importe quand</a:t>
-            </a:r>
-          </a:p>
-          <a:p>
-            <a:pPr lvl="2"/>
-            <a:r>
-              <a:rPr lang="fr-FR" sz="3000" dirty="0" smtClean="0"/>
-              <a:t>N’importe quelle quantité de données</a:t>
-            </a:r>
-            <a:endParaRPr lang="fr-FR" sz="3000" dirty="0" smtClean="0"/>
+              <a:t>applications Web</a:t>
+            </a:r>
+          </a:p>
+          <a:p>
+            <a:pPr lvl="1"/>
+            <a:endParaRPr lang="fr-FR" sz="3200" dirty="0" smtClean="0"/>
           </a:p>
           <a:p>
             <a:pPr lvl="1"/>
@@ -6759,6 +7406,13 @@
   <p:clrMapOvr>
     <a:masterClrMapping/>
   </p:clrMapOvr>
+  <p:timing>
+    <p:tnLst>
+      <p:par>
+        <p:cTn xmlns:p14="http://schemas.microsoft.com/office/powerpoint/2010/main" id="1" dur="indefinite" restart="never" nodeType="tmRoot"/>
+      </p:par>
+    </p:tnLst>
+  </p:timing>
 </p:sld>
 </file>
 
@@ -6801,8 +7455,19 @@
           <a:p>
             <a:r>
               <a:rPr lang="fr-FR" u="sng" dirty="0" smtClean="0"/>
-              <a:t>Amazon S3 </a:t>
-            </a:r>
+              <a:t>Amazon </a:t>
+            </a:r>
+            <a:r>
+              <a:rPr lang="fr-FR" u="sng" dirty="0" err="1" smtClean="0"/>
+              <a:t>CloudFront</a:t>
+            </a:r>
+            <a:r>
+              <a:rPr lang="fr-FR" dirty="0" smtClean="0"/>
+              <a:t/>
+            </a:r>
+            <a:br>
+              <a:rPr lang="fr-FR" dirty="0" smtClean="0"/>
+            </a:br>
             <a:r>
               <a:rPr lang="fr-FR" dirty="0" smtClean="0"/>
               <a:t>Fonctionnalit</a:t>
@@ -6827,101 +7492,85 @@
         </p:nvSpPr>
         <p:spPr>
           <a:xfrm>
-            <a:off x="779462" y="2382923"/>
-            <a:ext cx="8364538" cy="4333153"/>
+            <a:off x="0" y="2279216"/>
+            <a:ext cx="9144000" cy="4578783"/>
           </a:xfrm>
         </p:spPr>
         <p:txBody>
           <a:bodyPr>
-            <a:normAutofit fontScale="85000" lnSpcReduction="10000"/>
+            <a:normAutofit/>
           </a:bodyPr>
           <a:lstStyle/>
           <a:p>
             <a:pPr lvl="1"/>
             <a:r>
               <a:rPr lang="fr-FR" sz="3200" dirty="0" smtClean="0"/>
-              <a:t>Objets</a:t>
+              <a:t>Rapide</a:t>
+            </a:r>
+          </a:p>
+          <a:p>
+            <a:pPr lvl="1"/>
+            <a:r>
+              <a:rPr lang="fr-FR" sz="3200" dirty="0" smtClean="0"/>
+              <a:t>Simple</a:t>
+            </a:r>
+          </a:p>
+          <a:p>
+            <a:pPr lvl="1"/>
+            <a:r>
+              <a:rPr lang="fr-FR" sz="3200" dirty="0" smtClean="0"/>
+              <a:t>Compatible</a:t>
+            </a:r>
+          </a:p>
+          <a:p>
+            <a:pPr lvl="1"/>
+            <a:r>
+              <a:rPr lang="fr-FR" sz="3200" dirty="0" smtClean="0"/>
+              <a:t>Economique</a:t>
+            </a:r>
+          </a:p>
+          <a:p>
+            <a:pPr lvl="1"/>
+            <a:r>
+              <a:rPr lang="fr-FR" sz="3200" dirty="0" err="1" smtClean="0"/>
+              <a:t>Scalable</a:t>
             </a:r>
             <a:endParaRPr lang="fr-FR" sz="3200" dirty="0" smtClean="0"/>
           </a:p>
           <a:p>
-            <a:pPr lvl="2"/>
-            <a:r>
-              <a:rPr lang="fr-FR" sz="3000" b="0" dirty="0" smtClean="0"/>
-              <a:t>Stockés d</a:t>
-            </a:r>
-            <a:r>
-              <a:rPr lang="fr-FR" sz="3000" b="0" dirty="0" smtClean="0"/>
-              <a:t>ans un compartiment</a:t>
-            </a:r>
-          </a:p>
-          <a:p>
-            <a:pPr lvl="2"/>
-            <a:r>
-              <a:rPr lang="fr-FR" sz="3000" b="0" dirty="0" smtClean="0"/>
-              <a:t>Pouvant être situés dans une région particulière</a:t>
-            </a:r>
-          </a:p>
-          <a:p>
             <a:pPr lvl="1"/>
             <a:r>
               <a:rPr lang="fr-FR" sz="3200" dirty="0" smtClean="0"/>
-              <a:t>Mécanismes d’authentification et de cryptage</a:t>
-            </a:r>
-            <a:endParaRPr lang="fr-FR" sz="3000" dirty="0" smtClean="0"/>
+              <a:t>Fiable</a:t>
+            </a:r>
           </a:p>
           <a:p>
             <a:pPr lvl="1"/>
-            <a:r>
-              <a:rPr lang="fr-FR" sz="3200" dirty="0" smtClean="0"/>
-              <a:t>Utilisation des interfaces standard SOAP et REST</a:t>
-            </a:r>
+            <a:endParaRPr lang="fr-FR" sz="3200" dirty="0" smtClean="0"/>
           </a:p>
           <a:p>
             <a:pPr lvl="1"/>
-            <a:r>
-              <a:rPr lang="fr-FR" sz="3200" dirty="0" smtClean="0"/>
-              <a:t>Fonctions annexes :</a:t>
-            </a:r>
-          </a:p>
-          <a:p>
-            <a:pPr lvl="2"/>
-            <a:r>
-              <a:rPr lang="fr-FR" sz="3000" b="0" dirty="0" smtClean="0"/>
-              <a:t>S</a:t>
-            </a:r>
-            <a:r>
-              <a:rPr lang="fr-FR" sz="3000" b="0" dirty="0" smtClean="0"/>
-              <a:t>éparation des données par compartiment</a:t>
-            </a:r>
-          </a:p>
-          <a:p>
-            <a:pPr lvl="2"/>
-            <a:r>
-              <a:rPr lang="fr-FR" sz="3000" b="0" dirty="0" smtClean="0"/>
-              <a:t>Surveillance et contrôle des dépenses</a:t>
-            </a:r>
-          </a:p>
-          <a:p>
-            <a:pPr lvl="2"/>
-            <a:r>
-              <a:rPr lang="fr-FR" sz="3000" b="0" dirty="0" smtClean="0"/>
-              <a:t>Archive automatique des données</a:t>
-            </a:r>
-            <a:endParaRPr lang="fr-FR" sz="3000" b="0" dirty="0" smtClean="0"/>
+            <a:endParaRPr lang="fr-FR" sz="3200" dirty="0" smtClean="0"/>
           </a:p>
         </p:txBody>
       </p:sp>
     </p:spTree>
     <p:extLst>
       <p:ext uri="{BB962C8B-B14F-4D97-AF65-F5344CB8AC3E}">
-        <p14:creationId xmlns:p14="http://schemas.microsoft.com/office/powerpoint/2010/main" val="3963556525"/>
+        <p14:creationId xmlns:p14="http://schemas.microsoft.com/office/powerpoint/2010/main" val="2862749631"/>
       </p:ext>
     </p:extLst>
   </p:cSld>
   <p:clrMapOvr>
     <a:masterClrMapping/>
   </p:clrMapOvr>
+  <p:timing>
+    <p:tnLst>
+      <p:par>
+        <p:cTn xmlns:p14="http://schemas.microsoft.com/office/powerpoint/2010/main" id="1" dur="indefinite" restart="never" nodeType="tmRoot"/>
+      </p:par>
+    </p:tnLst>
+  </p:timing>
 </p:sld>
 </file>
 
@@ -6964,105 +7613,78 @@
           <a:p>
             <a:r>
               <a:rPr lang="fr-FR" u="sng" dirty="0" smtClean="0"/>
-              <a:t>Amazon EC2 </a:t>
+              <a:t>Amazon </a:t>
+            </a:r>
+            <a:r>
+              <a:rPr lang="fr-FR" u="sng" dirty="0" err="1" smtClean="0"/>
+              <a:t>CloudFront</a:t>
+            </a:r>
+            <a:r>
+              <a:rPr lang="fr-FR" dirty="0" smtClean="0"/>
+              <a:t/>
             </a:r>
             <a:br>
-              <a:rPr lang="fr-FR" u="sng" dirty="0" smtClean="0"/>
+              <a:rPr lang="fr-FR" dirty="0" smtClean="0"/>
             </a:br>
             <a:r>
               <a:rPr lang="fr-FR" dirty="0" smtClean="0"/>
-              <a:t>Qu’est ce que c’est ?</a:t>
+              <a:t>Sch</a:t>
+            </a:r>
+            <a:r>
+              <a:rPr lang="fr-FR" dirty="0" smtClean="0"/>
+              <a:t>éma explicatif</a:t>
             </a:r>
             <a:endParaRPr lang="fr-FR" dirty="0"/>
           </a:p>
         </p:txBody>
       </p:sp>
-      <p:sp>
-        <p:nvSpPr>
-          <p:cNvPr id="3" name="Espace réservé du contenu 2"/>
-          <p:cNvSpPr>
-            <a:spLocks noGrp="1"/>
-          </p:cNvSpPr>
+      <p:pic>
+        <p:nvPicPr>
+          <p:cNvPr id="5" name="Espace réservé du contenu 4" descr="Cloudfront-Diagram_Website_Updated.jpeg">
+            <a:hlinkClick r:id="rId3" action="ppaction://hlinkfile"/>
+          </p:cNvPr>
+          <p:cNvPicPr>
+            <a:picLocks noGrp="1" noChangeAspect="1"/>
+          </p:cNvPicPr>
           <p:nvPr>
             <p:ph idx="1"/>
           </p:nvPr>
-        </p:nvSpPr>
+        </p:nvPicPr>
+        <p:blipFill rotWithShape="1">
+          <a:blip r:embed="rId4">
+            <a:extLst>
+              <a:ext uri="{28A0092B-C50C-407E-A947-70E740481C1C}">
+                <a14:useLocalDpi xmlns:a14="http://schemas.microsoft.com/office/drawing/2010/main" val="0"/>
+              </a:ext>
+            </a:extLst>
+          </a:blip>
+          <a:srcRect l="-74391" r="-88214"/>
+          <a:stretch/>
+        </p:blipFill>
         <p:spPr>
           <a:xfrm>
-            <a:off x="779461" y="2382923"/>
-            <a:ext cx="8109603" cy="4333153"/>
+            <a:off x="779463" y="1882775"/>
+            <a:ext cx="8142704" cy="4857194"/>
           </a:xfrm>
         </p:spPr>
-        <p:txBody>
-          <a:bodyPr>
-            <a:normAutofit/>
-          </a:bodyPr>
-          <a:lstStyle/>
-          <a:p>
-            <a:pPr lvl="1"/>
-            <a:r>
-              <a:rPr lang="fr-FR" sz="3000" dirty="0" smtClean="0"/>
-              <a:t>Un service Web qui fournit une capacit</a:t>
-            </a:r>
-            <a:r>
-              <a:rPr lang="fr-FR" sz="3000" dirty="0" smtClean="0"/>
-              <a:t>é de calcul redimensionnable</a:t>
-            </a:r>
-          </a:p>
-          <a:p>
-            <a:pPr lvl="2"/>
-            <a:r>
-              <a:rPr lang="fr-FR" sz="2600" b="0" dirty="0" smtClean="0"/>
-              <a:t>Elastique</a:t>
-            </a:r>
-            <a:endParaRPr lang="fr-FR" sz="2600" b="0" dirty="0"/>
-          </a:p>
-          <a:p>
-            <a:pPr lvl="2"/>
-            <a:r>
-              <a:rPr lang="fr-FR" sz="2800" b="0" dirty="0" smtClean="0"/>
-              <a:t>Flexible </a:t>
-            </a:r>
-          </a:p>
-          <a:p>
-            <a:pPr lvl="2"/>
-            <a:r>
-              <a:rPr lang="fr-FR" sz="2800" b="0" dirty="0" smtClean="0"/>
-              <a:t>S</a:t>
-            </a:r>
-            <a:r>
-              <a:rPr lang="fr-FR" sz="2800" b="0" dirty="0" smtClean="0"/>
-              <a:t>écurisé</a:t>
-            </a:r>
-          </a:p>
-          <a:p>
-            <a:pPr lvl="2"/>
-            <a:r>
-              <a:rPr lang="fr-FR" sz="2800" b="0" dirty="0" smtClean="0"/>
-              <a:t>Démarrage facile</a:t>
-            </a:r>
-            <a:endParaRPr lang="fr-FR" sz="2800" b="0" dirty="0" smtClean="0"/>
-          </a:p>
-          <a:p>
-            <a:pPr lvl="2"/>
-            <a:endParaRPr lang="fr-FR" sz="2800" dirty="0" smtClean="0"/>
-          </a:p>
-          <a:p>
-            <a:pPr lvl="2"/>
-            <a:endParaRPr lang="fr-FR" sz="2800" dirty="0" smtClean="0"/>
-          </a:p>
-        </p:txBody>
-      </p:sp>
+      </p:pic>
     </p:spTree>
     <p:extLst>
       <p:ext uri="{BB962C8B-B14F-4D97-AF65-F5344CB8AC3E}">
-        <p14:creationId xmlns:p14="http://schemas.microsoft.com/office/powerpoint/2010/main" val="1878226020"/>
+        <p14:creationId xmlns:p14="http://schemas.microsoft.com/office/powerpoint/2010/main" val="4263246363"/>
       </p:ext>
     </p:extLst>
   </p:cSld>
   <p:clrMapOvr>
     <a:masterClrMapping/>
   </p:clrMapOvr>
+  <p:timing>
+    <p:tnLst>
+      <p:par>
+        <p:cTn xmlns:p14="http://schemas.microsoft.com/office/powerpoint/2010/main" id="1" dur="indefinite" restart="never" nodeType="tmRoot"/>
+      </p:par>
+    </p:tnLst>
+  </p:timing>
 </p:sld>
 </file>
 
@@ -7105,22 +7727,18 @@
           <a:p>
             <a:r>
               <a:rPr lang="fr-FR" u="sng" dirty="0" smtClean="0"/>
-              <a:t>Amazon EC2 </a:t>
+              <a:t>Amazon S3</a:t>
+            </a:r>
+            <a:r>
+              <a:rPr lang="fr-FR" dirty="0" smtClean="0"/>
+              <a:t/>
             </a:r>
             <a:br>
-              <a:rPr lang="fr-FR" u="sng" dirty="0" smtClean="0"/>
+              <a:rPr lang="fr-FR" dirty="0" smtClean="0"/>
             </a:br>
             <a:r>
               <a:rPr lang="fr-FR" dirty="0" smtClean="0"/>
-              <a:t>Les c</a:t>
-            </a:r>
-            <a:r>
-              <a:rPr lang="fr-FR" dirty="0" smtClean="0"/>
-              <a:t>o</a:t>
-            </a:r>
-            <a:r>
-              <a:rPr lang="fr-FR" dirty="0" smtClean="0"/>
-              <a:t>ûts</a:t>
+              <a:t>Qu’est ce que c’est ?</a:t>
             </a:r>
             <a:endParaRPr lang="fr-FR" dirty="0"/>
           </a:p>
@@ -7138,8 +7756,8 @@
         </p:nvSpPr>
         <p:spPr>
           <a:xfrm>
-            <a:off x="779461" y="2382923"/>
-            <a:ext cx="8109603" cy="4333153"/>
+            <a:off x="0" y="2372674"/>
+            <a:ext cx="9144000" cy="4485325"/>
           </a:xfrm>
         </p:spPr>
         <p:txBody>
@@ -7148,73 +7766,56 @@
           </a:bodyPr>
           <a:lstStyle/>
           <a:p>
+            <a:pPr lvl="1"/>
+            <a:r>
+              <a:rPr lang="fr-FR" sz="3200" dirty="0" smtClean="0"/>
+              <a:t>Un service de stockage via une interface de services Web</a:t>
+            </a:r>
+          </a:p>
+          <a:p>
             <a:pPr lvl="2"/>
             <a:r>
-              <a:rPr lang="fr-FR" sz="2800" dirty="0" smtClean="0"/>
-              <a:t>Peu couteux</a:t>
-            </a:r>
-          </a:p>
-          <a:p>
-            <a:pPr lvl="3"/>
-            <a:r>
-              <a:rPr lang="fr-FR" sz="2600" u="sng" dirty="0" smtClean="0"/>
-              <a:t>Instances à la demande </a:t>
-            </a:r>
-            <a:r>
-              <a:rPr lang="fr-FR" sz="2600" b="0" dirty="0" smtClean="0"/>
-              <a:t>: paiement de la capacité de calcul à l’heure, sans engagement.</a:t>
-            </a:r>
-          </a:p>
-          <a:p>
-            <a:pPr lvl="3"/>
-            <a:r>
-              <a:rPr lang="fr-FR" sz="2600" u="sng" dirty="0" smtClean="0"/>
-              <a:t>Instances réservées </a:t>
-            </a:r>
-            <a:r>
-              <a:rPr lang="fr-FR" sz="2600" b="0" dirty="0" smtClean="0"/>
-              <a:t>: </a:t>
-            </a:r>
-            <a:r>
-              <a:rPr lang="fr-FR" sz="2600" b="0" dirty="0"/>
-              <a:t>u</a:t>
-            </a:r>
-            <a:r>
-              <a:rPr lang="fr-FR" sz="2600" b="0" dirty="0" smtClean="0"/>
-              <a:t>n seul paiement pour une instance</a:t>
-            </a:r>
-          </a:p>
-          <a:p>
-            <a:pPr lvl="3"/>
-            <a:r>
-              <a:rPr lang="fr-FR" sz="2600" u="sng" dirty="0" smtClean="0"/>
-              <a:t>Instances ponctuelles : </a:t>
-            </a:r>
-            <a:r>
-              <a:rPr lang="fr-FR" sz="2600" b="0" dirty="0" smtClean="0"/>
-              <a:t>le prix change en fonction de l’offre et la demande</a:t>
-            </a:r>
-          </a:p>
-          <a:p>
-            <a:pPr lvl="3"/>
-            <a:endParaRPr lang="fr-FR" sz="2600" dirty="0" smtClean="0"/>
+              <a:rPr lang="fr-FR" sz="3000" dirty="0" smtClean="0"/>
+              <a:t>N’importe où</a:t>
+            </a:r>
           </a:p>
           <a:p>
             <a:pPr lvl="2"/>
-            <a:endParaRPr lang="fr-FR" sz="2800" dirty="0" smtClean="0"/>
+            <a:r>
+              <a:rPr lang="fr-FR" sz="3000" dirty="0" smtClean="0"/>
+              <a:t>N’importe quand</a:t>
+            </a:r>
+          </a:p>
+          <a:p>
+            <a:pPr lvl="2"/>
+            <a:r>
+              <a:rPr lang="fr-FR" sz="3000" dirty="0" smtClean="0"/>
+              <a:t>N’importe quelle quantité de données</a:t>
+            </a:r>
+          </a:p>
+          <a:p>
+            <a:pPr lvl="1"/>
+            <a:endParaRPr lang="fr-FR" sz="3200" dirty="0" smtClean="0"/>
           </a:p>
         </p:txBody>
       </p:sp>
     </p:spTree>
     <p:extLst>
       <p:ext uri="{BB962C8B-B14F-4D97-AF65-F5344CB8AC3E}">
-        <p14:creationId xmlns:p14="http://schemas.microsoft.com/office/powerpoint/2010/main" val="2481083388"/>
+        <p14:creationId xmlns:p14="http://schemas.microsoft.com/office/powerpoint/2010/main" val="16225772"/>
       </p:ext>
     </p:extLst>
   </p:cSld>
   <p:clrMapOvr>
     <a:masterClrMapping/>
   </p:clrMapOvr>
+  <p:timing>
+    <p:tnLst>
+      <p:par>
+        <p:cTn xmlns:p14="http://schemas.microsoft.com/office/powerpoint/2010/main" id="1" dur="indefinite" restart="never" nodeType="tmRoot"/>
+      </p:par>
+    </p:tnLst>
+  </p:timing>
 </p:sld>
 </file>
 
@@ -7247,8 +7848,8 @@
         </p:nvSpPr>
         <p:spPr>
           <a:xfrm>
-            <a:off x="0" y="107577"/>
-            <a:ext cx="9144000" cy="1653988"/>
+            <a:off x="779462" y="107577"/>
+            <a:ext cx="7935544" cy="1653988"/>
           </a:xfrm>
         </p:spPr>
         <p:txBody>
@@ -7257,18 +7858,11 @@
           <a:p>
             <a:r>
               <a:rPr lang="fr-FR" u="sng" dirty="0" smtClean="0"/>
-              <a:t>Amazon EC2 </a:t>
-            </a:r>
-            <a:br>
-              <a:rPr lang="fr-FR" u="sng" dirty="0" smtClean="0"/>
-            </a:br>
+              <a:t>Amazon S3 </a:t>
+            </a:r>
             <a:r>
               <a:rPr lang="fr-FR" dirty="0" smtClean="0"/>
-              <a:t>Diff</a:t>
-            </a:r>
-            <a:r>
-              <a:rPr lang="fr-FR" dirty="0" smtClean="0"/>
-              <a:t>érents types d’instances</a:t>
+              <a:t>Fonctionnalités</a:t>
             </a:r>
             <a:endParaRPr lang="fr-FR" dirty="0"/>
           </a:p>
@@ -7286,99 +7880,98 @@
         </p:nvSpPr>
         <p:spPr>
           <a:xfrm>
-            <a:off x="779461" y="2382923"/>
-            <a:ext cx="8109603" cy="4333153"/>
+            <a:off x="0" y="2382923"/>
+            <a:ext cx="9144000" cy="4475077"/>
           </a:xfrm>
         </p:spPr>
         <p:txBody>
           <a:bodyPr>
-            <a:normAutofit/>
+            <a:normAutofit fontScale="92500" lnSpcReduction="10000"/>
           </a:bodyPr>
           <a:lstStyle/>
           <a:p>
+            <a:pPr lvl="1"/>
+            <a:r>
+              <a:rPr lang="fr-FR" sz="3200" dirty="0" smtClean="0"/>
+              <a:t>Objets</a:t>
+            </a:r>
+          </a:p>
+          <a:p>
             <a:pPr lvl="2"/>
             <a:r>
-              <a:rPr lang="fr-FR" sz="2800" dirty="0" smtClean="0"/>
-              <a:t>Instances Micro</a:t>
+              <a:rPr lang="fr-FR" sz="3000" b="0" dirty="0" smtClean="0"/>
+              <a:t>Stockés dans un compartiment</a:t>
             </a:r>
           </a:p>
           <a:p>
             <a:pPr lvl="2"/>
             <a:r>
-              <a:rPr lang="fr-FR" sz="2800" b="0" dirty="0" smtClean="0"/>
-              <a:t>Instances à mémoire élevée</a:t>
+              <a:rPr lang="fr-FR" sz="3000" b="0" dirty="0" smtClean="0"/>
+              <a:t>Pouvant être situés dans une région particulière</a:t>
+            </a:r>
+          </a:p>
+          <a:p>
+            <a:pPr lvl="1"/>
+            <a:r>
+              <a:rPr lang="fr-FR" sz="3200" dirty="0" smtClean="0"/>
+              <a:t>Mécanismes d’authentification et de cryptage</a:t>
+            </a:r>
+            <a:endParaRPr lang="fr-FR" sz="3000" dirty="0" smtClean="0"/>
+          </a:p>
+          <a:p>
+            <a:pPr lvl="1"/>
+            <a:r>
+              <a:rPr lang="fr-FR" sz="3200" dirty="0" smtClean="0"/>
+              <a:t>Utilisation des interfaces standard SOAP et REST</a:t>
+            </a:r>
+          </a:p>
+          <a:p>
+            <a:pPr lvl="1"/>
+            <a:r>
+              <a:rPr lang="fr-FR" sz="3200" dirty="0" smtClean="0"/>
+              <a:t>Fonctions annexes :</a:t>
             </a:r>
           </a:p>
           <a:p>
             <a:pPr lvl="2"/>
             <a:r>
-              <a:rPr lang="fr-FR" sz="2800" b="0" dirty="0" smtClean="0"/>
-              <a:t>Instances à CPU élevé</a:t>
+              <a:rPr lang="fr-FR" sz="3000" b="0" dirty="0" smtClean="0"/>
+              <a:t>Séparation des données par compartiment</a:t>
             </a:r>
           </a:p>
           <a:p>
             <a:pPr lvl="2"/>
             <a:r>
-              <a:rPr lang="fr-FR" sz="2800" b="0" dirty="0" smtClean="0"/>
-              <a:t>Instances C</a:t>
-            </a:r>
-            <a:r>
-              <a:rPr lang="fr-FR" sz="2800" b="0" dirty="0" smtClean="0"/>
-              <a:t>l</a:t>
-            </a:r>
-            <a:r>
-              <a:rPr lang="fr-FR" sz="2800" b="0" dirty="0" smtClean="0"/>
-              <a:t>uster </a:t>
-            </a:r>
-            <a:r>
-              <a:rPr lang="fr-FR" sz="2800" b="0" dirty="0" err="1" smtClean="0"/>
-              <a:t>Compute</a:t>
-            </a:r>
-            <a:endParaRPr lang="fr-FR" sz="2800" b="0" dirty="0" smtClean="0"/>
+              <a:rPr lang="fr-FR" sz="3000" b="0" dirty="0" smtClean="0"/>
+              <a:t>Surveillance et contrôle des dépenses</a:t>
+            </a:r>
           </a:p>
           <a:p>
             <a:pPr lvl="2"/>
             <a:r>
-              <a:rPr lang="fr-FR" sz="2800" b="0" dirty="0" smtClean="0"/>
-              <a:t>Instances C</a:t>
-            </a:r>
-            <a:r>
-              <a:rPr lang="fr-FR" sz="2800" b="0" dirty="0" smtClean="0"/>
-              <a:t>l</a:t>
-            </a:r>
-            <a:r>
-              <a:rPr lang="fr-FR" sz="2800" b="0" dirty="0" smtClean="0"/>
-              <a:t>uster GPU</a:t>
-            </a:r>
-          </a:p>
-          <a:p>
-            <a:pPr lvl="2"/>
-            <a:r>
-              <a:rPr lang="fr-FR" sz="2800" b="0" dirty="0" smtClean="0"/>
-              <a:t>Instances E/S élevées</a:t>
-            </a:r>
-            <a:endParaRPr lang="fr-FR" sz="2600" b="0" dirty="0" smtClean="0"/>
-          </a:p>
-          <a:p>
-            <a:pPr lvl="3"/>
-            <a:endParaRPr lang="fr-FR" sz="2600" dirty="0" smtClean="0"/>
-          </a:p>
-          <a:p>
-            <a:pPr lvl="2"/>
-            <a:endParaRPr lang="fr-FR" sz="2800" dirty="0" smtClean="0"/>
+              <a:rPr lang="fr-FR" sz="3000" b="0" dirty="0" smtClean="0"/>
+              <a:t>Archive automatique des données</a:t>
+            </a:r>
           </a:p>
         </p:txBody>
       </p:sp>
     </p:spTree>
     <p:extLst>
       <p:ext uri="{BB962C8B-B14F-4D97-AF65-F5344CB8AC3E}">
-        <p14:creationId xmlns:p14="http://schemas.microsoft.com/office/powerpoint/2010/main" val="1456333607"/>
+        <p14:creationId xmlns:p14="http://schemas.microsoft.com/office/powerpoint/2010/main" val="3963556525"/>
       </p:ext>
     </p:extLst>
   </p:cSld>
   <p:clrMapOvr>
     <a:masterClrMapping/>
   </p:clrMapOvr>
+  <p:timing>
+    <p:tnLst>
+      <p:par>
+        <p:cTn xmlns:p14="http://schemas.microsoft.com/office/powerpoint/2010/main" id="1" dur="indefinite" restart="never" nodeType="tmRoot"/>
+      </p:par>
+    </p:tnLst>
+  </p:timing>
 </p:sld>
 </file>
 
@@ -7420,8 +8013,15 @@
           <a:lstStyle/>
           <a:p>
             <a:r>
+              <a:rPr lang="fr-FR" u="sng" dirty="0" smtClean="0"/>
+              <a:t>Amazon EC2 </a:t>
+            </a:r>
+            <a:br>
+              <a:rPr lang="fr-FR" u="sng" dirty="0" smtClean="0"/>
+            </a:br>
+            <a:r>
               <a:rPr lang="fr-FR" dirty="0" smtClean="0"/>
-              <a:t>Avantages selon Amazon</a:t>
+              <a:t>Qu’est ce que c’est ?</a:t>
             </a:r>
             <a:endParaRPr lang="fr-FR" dirty="0"/>
           </a:p>
@@ -7437,7 +8037,12 @@
             <p:ph idx="1"/>
           </p:nvPr>
         </p:nvSpPr>
-        <p:spPr/>
+        <p:spPr>
+          <a:xfrm>
+            <a:off x="0" y="2382923"/>
+            <a:ext cx="9143999" cy="4475077"/>
+          </a:xfrm>
+        </p:spPr>
         <p:txBody>
           <a:bodyPr>
             <a:normAutofit/>
@@ -7446,48 +8051,66 @@
           <a:p>
             <a:pPr lvl="1"/>
             <a:r>
-              <a:rPr lang="fr-FR" sz="3200" dirty="0"/>
-              <a:t>Facile </a:t>
-            </a:r>
-            <a:r>
-              <a:rPr lang="fr-FR" sz="3200" dirty="0" smtClean="0"/>
-              <a:t>d'utilisation</a:t>
-            </a:r>
-          </a:p>
-          <a:p>
-            <a:pPr lvl="1"/>
-            <a:r>
-              <a:rPr lang="fr-FR" sz="3200" dirty="0" smtClean="0"/>
-              <a:t>Flexible</a:t>
-            </a:r>
-            <a:endParaRPr lang="fr-FR" sz="3200" dirty="0" smtClean="0"/>
-          </a:p>
-          <a:p>
-            <a:pPr lvl="1"/>
-            <a:r>
-              <a:rPr lang="fr-FR" sz="3200" dirty="0" smtClean="0"/>
-              <a:t>Economique</a:t>
-            </a:r>
-          </a:p>
-          <a:p>
-            <a:pPr lvl="1"/>
-            <a:r>
-              <a:rPr lang="fr-FR" sz="3200" dirty="0" smtClean="0"/>
-              <a:t>Fiable</a:t>
-            </a:r>
+              <a:rPr lang="fr-FR" sz="3000" dirty="0" smtClean="0"/>
+              <a:t>Un service Web qui fournit une capacité de calcul redimensionnable</a:t>
+            </a:r>
+          </a:p>
+          <a:p>
+            <a:pPr lvl="2"/>
+            <a:r>
+              <a:rPr lang="fr-FR" sz="2600" b="0" dirty="0" smtClean="0"/>
+              <a:t>Elastique</a:t>
+            </a:r>
+            <a:endParaRPr lang="fr-FR" sz="2600" b="0" dirty="0"/>
+          </a:p>
+          <a:p>
+            <a:pPr lvl="2"/>
+            <a:r>
+              <a:rPr lang="fr-FR" sz="2800" b="0" dirty="0" smtClean="0"/>
+              <a:t>Flexible </a:t>
+            </a:r>
+          </a:p>
+          <a:p>
+            <a:pPr lvl="2"/>
+            <a:r>
+              <a:rPr lang="fr-FR" sz="2800" b="0" dirty="0" smtClean="0"/>
+              <a:t>Sécurisé</a:t>
+            </a:r>
+          </a:p>
+          <a:p>
+            <a:pPr lvl="2"/>
+            <a:r>
+              <a:rPr lang="fr-FR" sz="2800" b="0" dirty="0" smtClean="0"/>
+              <a:t>Démarrage facile</a:t>
+            </a:r>
+          </a:p>
+          <a:p>
+            <a:pPr lvl="2"/>
+            <a:endParaRPr lang="fr-FR" sz="2800" dirty="0" smtClean="0"/>
+          </a:p>
+          <a:p>
+            <a:pPr lvl="2"/>
+            <a:endParaRPr lang="fr-FR" sz="2800" dirty="0" smtClean="0"/>
           </a:p>
         </p:txBody>
       </p:sp>
     </p:spTree>
     <p:extLst>
       <p:ext uri="{BB962C8B-B14F-4D97-AF65-F5344CB8AC3E}">
-        <p14:creationId xmlns:p14="http://schemas.microsoft.com/office/powerpoint/2010/main" val="3467135623"/>
+        <p14:creationId xmlns:p14="http://schemas.microsoft.com/office/powerpoint/2010/main" val="1878226020"/>
       </p:ext>
     </p:extLst>
   </p:cSld>
   <p:clrMapOvr>
     <a:masterClrMapping/>
   </p:clrMapOvr>
+  <p:timing>
+    <p:tnLst>
+      <p:par>
+        <p:cTn xmlns:p14="http://schemas.microsoft.com/office/powerpoint/2010/main" id="1" dur="indefinite" restart="never" nodeType="tmRoot"/>
+      </p:par>
+    </p:tnLst>
+  </p:timing>
 </p:sld>
 </file>
 

--- a/AWS - Media Hosting.pptx
+++ b/AWS - Media Hosting.pptx
@@ -7387,8 +7387,58 @@
             </a:r>
           </a:p>
           <a:p>
-            <a:pPr lvl="1"/>
-            <a:endParaRPr lang="fr-FR" sz="3200" dirty="0" smtClean="0"/>
+            <a:pPr lvl="2"/>
+            <a:endParaRPr lang="fr-FR" sz="3000" dirty="0"/>
+          </a:p>
+          <a:p>
+            <a:pPr marL="806450" lvl="2" indent="0">
+              <a:buNone/>
+            </a:pPr>
+            <a:endParaRPr lang="fr-FR" sz="3000" dirty="0"/>
+          </a:p>
+          <a:p>
+            <a:pPr marL="0" indent="0">
+              <a:buNone/>
+            </a:pPr>
+            <a:endParaRPr lang="fr-FR" sz="3400" dirty="0" smtClean="0"/>
+          </a:p>
+          <a:p>
+            <a:pPr marL="403225" lvl="1" indent="0">
+              <a:buNone/>
+            </a:pPr>
+            <a:r>
+              <a:rPr lang="da-DK" sz="2400" b="0" dirty="0" smtClean="0"/>
+              <a:t>				  http</a:t>
+            </a:r>
+            <a:r>
+              <a:rPr lang="da-DK" sz="2400" b="0" dirty="0"/>
+              <a:t>://</a:t>
+            </a:r>
+            <a:r>
+              <a:rPr lang="da-DK" sz="2400" b="0" dirty="0" err="1"/>
+              <a:t>aws.amazon.com</a:t>
+            </a:r>
+            <a:r>
+              <a:rPr lang="da-DK" sz="2400" b="0" dirty="0"/>
+              <a:t>/</a:t>
+            </a:r>
+            <a:r>
+              <a:rPr lang="da-DK" sz="2400" b="0" dirty="0" err="1"/>
+              <a:t>fr</a:t>
+            </a:r>
+            <a:r>
+              <a:rPr lang="da-DK" sz="2400" b="0" dirty="0"/>
+              <a:t>/</a:t>
+            </a:r>
+            <a:r>
+              <a:rPr lang="da-DK" sz="2400" b="0" dirty="0" err="1"/>
+              <a:t>cloudfront</a:t>
+            </a:r>
+            <a:r>
+              <a:rPr lang="da-DK" sz="2400" b="0" dirty="0"/>
+              <a:t>/</a:t>
+            </a:r>
+            <a:endParaRPr lang="fr-FR" sz="2400" b="0" dirty="0" smtClean="0"/>
           </a:p>
           <a:p>
             <a:pPr lvl="1"/>
@@ -7790,8 +7840,56 @@
             <a:pPr lvl="2"/>
             <a:r>
               <a:rPr lang="fr-FR" sz="3000" dirty="0" smtClean="0"/>
-              <a:t>N’importe quelle quantité de données</a:t>
-            </a:r>
+              <a:t>N’importe quelle quantité de </a:t>
+            </a:r>
+            <a:r>
+              <a:rPr lang="fr-FR" sz="3000" dirty="0" smtClean="0"/>
+              <a:t>données</a:t>
+            </a:r>
+          </a:p>
+          <a:p>
+            <a:pPr lvl="1"/>
+            <a:endParaRPr lang="fr-FR" sz="3400" b="0" dirty="0"/>
+          </a:p>
+          <a:p>
+            <a:pPr marL="403225" lvl="1" indent="0">
+              <a:buNone/>
+            </a:pPr>
+            <a:endParaRPr lang="da-DK" sz="2400" b="0" dirty="0" smtClean="0"/>
+          </a:p>
+          <a:p>
+            <a:pPr marL="403225" lvl="1" indent="0">
+              <a:buNone/>
+            </a:pPr>
+            <a:r>
+              <a:rPr lang="da-DK" sz="2400" b="0" dirty="0" smtClean="0"/>
+              <a:t>					    http</a:t>
+            </a:r>
+            <a:r>
+              <a:rPr lang="da-DK" sz="2400" b="0" dirty="0"/>
+              <a:t>://</a:t>
+            </a:r>
+            <a:r>
+              <a:rPr lang="da-DK" sz="2400" b="0" dirty="0" err="1"/>
+              <a:t>aws.amazon.com</a:t>
+            </a:r>
+            <a:r>
+              <a:rPr lang="da-DK" sz="2400" b="0" dirty="0"/>
+              <a:t>/</a:t>
+            </a:r>
+            <a:r>
+              <a:rPr lang="da-DK" sz="2400" b="0" dirty="0" err="1"/>
+              <a:t>fr</a:t>
+            </a:r>
+            <a:r>
+              <a:rPr lang="da-DK" sz="2400" b="0" dirty="0" smtClean="0"/>
+              <a:t>/s3/</a:t>
+            </a:r>
+            <a:endParaRPr lang="fr-FR" sz="2400" b="0" dirty="0"/>
+          </a:p>
+          <a:p>
+            <a:pPr lvl="2"/>
+            <a:endParaRPr lang="fr-FR" sz="3000" dirty="0" smtClean="0"/>
           </a:p>
           <a:p>
             <a:pPr lvl="1"/>
@@ -8081,8 +8179,54 @@
             <a:pPr lvl="2"/>
             <a:r>
               <a:rPr lang="fr-FR" sz="2800" b="0" dirty="0" smtClean="0"/>
-              <a:t>Démarrage facile</a:t>
-            </a:r>
+              <a:t>Démarrage </a:t>
+            </a:r>
+            <a:r>
+              <a:rPr lang="fr-FR" sz="2800" b="0" dirty="0" smtClean="0"/>
+              <a:t>facile</a:t>
+            </a:r>
+          </a:p>
+          <a:p>
+            <a:pPr lvl="2"/>
+            <a:endParaRPr lang="fr-FR" sz="2800" b="0" dirty="0"/>
+          </a:p>
+          <a:p>
+            <a:pPr marL="0" indent="0">
+              <a:buNone/>
+            </a:pPr>
+            <a:r>
+              <a:rPr lang="pl-PL" sz="3200" b="0" dirty="0"/>
+              <a:t>	</a:t>
+            </a:r>
+            <a:r>
+              <a:rPr lang="pl-PL" sz="3200" b="0" dirty="0" smtClean="0"/>
+              <a:t>				 </a:t>
+            </a:r>
+            <a:r>
+              <a:rPr lang="pl-PL" b="0" dirty="0" smtClean="0"/>
+              <a:t>http</a:t>
+            </a:r>
+            <a:r>
+              <a:rPr lang="pl-PL" b="0" dirty="0"/>
+              <a:t>://</a:t>
+            </a:r>
+            <a:r>
+              <a:rPr lang="pl-PL" b="0" dirty="0" err="1"/>
+              <a:t>aws.amazon.com</a:t>
+            </a:r>
+            <a:r>
+              <a:rPr lang="pl-PL" b="0" dirty="0"/>
+              <a:t>/</a:t>
+            </a:r>
+            <a:r>
+              <a:rPr lang="pl-PL" b="0" dirty="0" err="1"/>
+              <a:t>fr</a:t>
+            </a:r>
+            <a:r>
+              <a:rPr lang="pl-PL" b="0" dirty="0" smtClean="0"/>
+              <a:t>/ec2/</a:t>
+            </a:r>
+            <a:endParaRPr lang="fr-FR" b="0" dirty="0" smtClean="0"/>
           </a:p>
           <a:p>
             <a:pPr lvl="2"/>

--- a/AWS - Media Hosting.pptx
+++ b/AWS - Media Hosting.pptx
@@ -121,7 +121,7 @@
   </p:defaultTextStyle>
   <p:extLst>
     <p:ext uri="{521415D9-36F7-43E2-AB2F-B90AF26B5E84}">
-      <p14:sectionLst xmlns:p14="http://schemas.microsoft.com/office/powerpoint/2010/main">
+      <p14:sectionLst xmlns="" xmlns:p14="http://schemas.microsoft.com/office/powerpoint/2010/main">
         <p14:section name="Section par défaut" id="{A6D0A953-A346-5B49-95E4-4005A902D82E}">
           <p14:sldIdLst>
             <p14:sldId id="256"/>
@@ -227,7 +227,8 @@
           <a:p>
             <a:fld id="{D60807A1-E260-2247-B456-7CBF621FA886}" type="datetimeFigureOut">
               <a:rPr lang="fr-FR" smtClean="0"/>
-              <a:t>06/12/12</a:t>
+              <a:pPr/>
+              <a:t>06/12/2012</a:t>
             </a:fld>
             <a:endParaRPr lang="fr-FR"/>
           </a:p>
@@ -386,7 +387,8 @@
           <a:p>
             <a:fld id="{7CFB7986-A455-FF4B-8986-0F422CDEA853}" type="slidenum">
               <a:rPr lang="fr-FR" smtClean="0"/>
-              <a:t>‹#›</a:t>
+              <a:pPr/>
+              <a:t>‹N°›</a:t>
             </a:fld>
             <a:endParaRPr lang="fr-FR"/>
           </a:p>
@@ -395,7 +397,7 @@
     </p:spTree>
     <p:extLst>
       <p:ext uri="{BB962C8B-B14F-4D97-AF65-F5344CB8AC3E}">
-        <p14:creationId xmlns:p14="http://schemas.microsoft.com/office/powerpoint/2010/main" val="1398287192"/>
+        <p14:creationId xmlns="" xmlns:p14="http://schemas.microsoft.com/office/powerpoint/2010/main" val="1398287192"/>
       </p:ext>
     </p:extLst>
   </p:cSld>
@@ -536,59 +538,81 @@
         </p:nvSpPr>
         <p:spPr/>
         <p:txBody>
+          <a:bodyPr>
+            <a:normAutofit/>
+          </a:bodyPr>
+          <a:lstStyle/>
+          <a:p>
+            <a:r>
+              <a:rPr lang="fr-FR" dirty="0" smtClean="0"/>
+              <a:t>But : e.g.</a:t>
+            </a:r>
+            <a:r>
+              <a:rPr lang="fr-FR" baseline="0" dirty="0" smtClean="0"/>
+              <a:t> VOD</a:t>
+            </a:r>
+          </a:p>
+          <a:p>
+            <a:endParaRPr lang="fr-FR" baseline="0" dirty="0" smtClean="0"/>
+          </a:p>
+          <a:p>
+            <a:r>
+              <a:rPr lang="fr-FR" baseline="0" dirty="0" smtClean="0"/>
+              <a:t>Pics =&gt; contenu fortement solicité</a:t>
+            </a:r>
+          </a:p>
+          <a:p>
+            <a:endParaRPr lang="fr-FR" baseline="0" dirty="0" smtClean="0"/>
+          </a:p>
+          <a:p>
+            <a:r>
+              <a:rPr lang="fr-FR" baseline="0" dirty="0" smtClean="0"/>
+              <a:t>Pbs =&gt; gestion bande passante, stockage, sécurité.</a:t>
+            </a:r>
+          </a:p>
+          <a:p>
+            <a:endParaRPr lang="fr-FR" baseline="0" dirty="0" smtClean="0"/>
+          </a:p>
+          <a:p>
+            <a:r>
+              <a:rPr lang="fr-FR" baseline="0" dirty="0" smtClean="0"/>
+              <a:t>Estimer en fonction de l’utilisation  de l’application multimédia.</a:t>
+            </a:r>
+          </a:p>
+          <a:p>
+            <a:r>
+              <a:rPr lang="fr-FR" dirty="0" smtClean="0"/>
+              <a:t>Le coût peut donc rapidement dépasser l'estimation de départ</a:t>
+            </a:r>
+            <a:endParaRPr lang="fr-FR" dirty="0"/>
+          </a:p>
+        </p:txBody>
+      </p:sp>
+      <p:sp>
+        <p:nvSpPr>
+          <p:cNvPr id="4" name="Espace réservé du numéro de diapositive 3"/>
+          <p:cNvSpPr>
+            <a:spLocks noGrp="1"/>
+          </p:cNvSpPr>
+          <p:nvPr>
+            <p:ph type="sldNum" sz="quarter" idx="10"/>
+          </p:nvPr>
+        </p:nvSpPr>
+        <p:spPr/>
+        <p:txBody>
           <a:bodyPr/>
           <a:lstStyle/>
           <a:p>
-            <a:pPr marL="0" marR="0" lvl="2" indent="0" algn="l" defTabSz="457200" rtl="0" eaLnBrk="1" fontAlgn="auto" latinLnBrk="0" hangingPunct="1">
-              <a:lnSpc>
-                <a:spcPct val="100000"/>
-              </a:lnSpc>
-              <a:spcBef>
-                <a:spcPts val="0"/>
-              </a:spcBef>
-              <a:spcAft>
-                <a:spcPts val="0"/>
-              </a:spcAft>
-              <a:buClrTx/>
-              <a:buSzTx/>
-              <a:buFontTx/>
-              <a:buNone/>
-              <a:tabLst/>
-              <a:defRPr/>
-            </a:pPr>
-            <a:endParaRPr lang="fr-FR" sz="3000" dirty="0" smtClean="0"/>
-          </a:p>
-        </p:txBody>
-      </p:sp>
-      <p:sp>
-        <p:nvSpPr>
-          <p:cNvPr id="4" name="Espace réservé du numéro de diapositive 3"/>
-          <p:cNvSpPr>
-            <a:spLocks noGrp="1"/>
-          </p:cNvSpPr>
-          <p:nvPr>
-            <p:ph type="sldNum" sz="quarter" idx="10"/>
-          </p:nvPr>
-        </p:nvSpPr>
-        <p:spPr/>
-        <p:txBody>
-          <a:bodyPr/>
-          <a:lstStyle/>
-          <a:p>
             <a:fld id="{7CFB7986-A455-FF4B-8986-0F422CDEA853}" type="slidenum">
               <a:rPr lang="fr-FR" smtClean="0"/>
-              <a:t>4</a:t>
+              <a:pPr/>
+              <a:t>2</a:t>
             </a:fld>
             <a:endParaRPr lang="fr-FR"/>
           </a:p>
         </p:txBody>
       </p:sp>
     </p:spTree>
-    <p:extLst>
-      <p:ext uri="{BB962C8B-B14F-4D97-AF65-F5344CB8AC3E}">
-        <p14:creationId xmlns:p14="http://schemas.microsoft.com/office/powerpoint/2010/main" val="2736999507"/>
-      </p:ext>
-    </p:extLst>
   </p:cSld>
   <p:clrMapOvr>
     <a:masterClrMapping/>
@@ -640,6 +664,141 @@
           <a:bodyPr/>
           <a:lstStyle/>
           <a:p>
+            <a:pPr marL="171450" indent="-171450">
+              <a:buFontTx/>
+              <a:buChar char="-"/>
+            </a:pPr>
+            <a:r>
+              <a:rPr lang="fr-FR" dirty="0" smtClean="0"/>
+              <a:t>Facile d'utilisation : Abstraction liées au stockage et à la distribution de fichiers multimédia. Des outils de management et des APIs de services web pour aider à la mise en œuvre.</a:t>
+            </a:r>
+          </a:p>
+          <a:p>
+            <a:pPr marL="171450" indent="-171450">
+              <a:buFontTx/>
+              <a:buChar char="-"/>
+            </a:pPr>
+            <a:r>
+              <a:rPr lang="fr-FR" dirty="0" smtClean="0"/>
+              <a:t>Flexible : </a:t>
+            </a:r>
+            <a:r>
+              <a:rPr lang="fr-FR" dirty="0" err="1" smtClean="0"/>
+              <a:t>Personalisation</a:t>
+            </a:r>
+            <a:r>
+              <a:rPr lang="fr-FR" dirty="0" smtClean="0"/>
+              <a:t> de l'</a:t>
+            </a:r>
+            <a:r>
+              <a:rPr lang="fr-FR" dirty="0" err="1" smtClean="0"/>
+              <a:t>environement</a:t>
+            </a:r>
+            <a:r>
+              <a:rPr lang="fr-FR" dirty="0" smtClean="0"/>
+              <a:t> (OS, langage de programmation, logiciels &amp; services).</a:t>
+            </a:r>
+          </a:p>
+          <a:p>
+            <a:pPr marL="171450" indent="-171450">
+              <a:buFontTx/>
+              <a:buChar char="-"/>
+            </a:pPr>
+            <a:r>
+              <a:rPr lang="fr-FR" dirty="0" smtClean="0"/>
+              <a:t>Economique : Paiement que de la puissance de calcul, le stockage et les ressources utilisées. Aucun contrat d'engagement.</a:t>
+            </a:r>
+          </a:p>
+          <a:p>
+            <a:r>
+              <a:rPr lang="fr-FR" dirty="0" smtClean="0"/>
+              <a:t>- Fiable : Infrastructure de calcul ajustable (en fonction de la demande), fiable et sécurisée (physique, opérationnel, logiciel). Réseaux privés virtuels.</a:t>
+            </a:r>
+            <a:endParaRPr lang="fr-FR" dirty="0"/>
+          </a:p>
+        </p:txBody>
+      </p:sp>
+      <p:sp>
+        <p:nvSpPr>
+          <p:cNvPr id="4" name="Espace réservé du numéro de diapositive 3"/>
+          <p:cNvSpPr>
+            <a:spLocks noGrp="1"/>
+          </p:cNvSpPr>
+          <p:nvPr>
+            <p:ph type="sldNum" sz="quarter" idx="10"/>
+          </p:nvPr>
+        </p:nvSpPr>
+        <p:spPr/>
+        <p:txBody>
+          <a:bodyPr/>
+          <a:lstStyle/>
+          <a:p>
+            <a:fld id="{7CFB7986-A455-FF4B-8986-0F422CDEA853}" type="slidenum">
+              <a:rPr lang="fr-FR" smtClean="0"/>
+              <a:pPr/>
+              <a:t>12</a:t>
+            </a:fld>
+            <a:endParaRPr lang="fr-FR"/>
+          </a:p>
+        </p:txBody>
+      </p:sp>
+    </p:spTree>
+    <p:extLst>
+      <p:ext uri="{BB962C8B-B14F-4D97-AF65-F5344CB8AC3E}">
+        <p14:creationId xmlns="" xmlns:p14="http://schemas.microsoft.com/office/powerpoint/2010/main" val="2736999507"/>
+      </p:ext>
+    </p:extLst>
+  </p:cSld>
+  <p:clrMapOvr>
+    <a:masterClrMapping/>
+  </p:clrMapOvr>
+</p:notes>
+</file>
+
+<file path=ppt/notesSlides/notesSlide11.xml><?xml version="1.0" encoding="utf-8"?>
+<p:notes xmlns:a="http://schemas.openxmlformats.org/drawingml/2006/main" xmlns:r="http://schemas.openxmlformats.org/officeDocument/2006/relationships" xmlns:p="http://schemas.openxmlformats.org/presentationml/2006/main">
+  <p:cSld>
+    <p:spTree>
+      <p:nvGrpSpPr>
+        <p:cNvPr id="1" name=""/>
+        <p:cNvGrpSpPr/>
+        <p:nvPr/>
+      </p:nvGrpSpPr>
+      <p:grpSpPr>
+        <a:xfrm>
+          <a:off x="0" y="0"/>
+          <a:ext cx="0" cy="0"/>
+          <a:chOff x="0" y="0"/>
+          <a:chExt cx="0" cy="0"/>
+        </a:xfrm>
+      </p:grpSpPr>
+      <p:sp>
+        <p:nvSpPr>
+          <p:cNvPr id="2" name="Espace réservé de l'image des diapositives 1"/>
+          <p:cNvSpPr>
+            <a:spLocks noGrp="1" noRot="1" noChangeAspect="1"/>
+          </p:cNvSpPr>
+          <p:nvPr>
+            <p:ph type="sldImg"/>
+          </p:nvPr>
+        </p:nvSpPr>
+        <p:spPr/>
+      </p:sp>
+      <p:sp>
+        <p:nvSpPr>
+          <p:cNvPr id="3" name="Espace réservé des commentaires 2"/>
+          <p:cNvSpPr>
+            <a:spLocks noGrp="1"/>
+          </p:cNvSpPr>
+          <p:nvPr>
+            <p:ph type="body" idx="1"/>
+          </p:nvPr>
+        </p:nvSpPr>
+        <p:spPr/>
+        <p:txBody>
+          <a:bodyPr/>
+          <a:lstStyle/>
+          <a:p>
             <a:pPr marL="0" indent="0">
               <a:buFontTx/>
               <a:buNone/>
@@ -665,6 +824,7 @@
           <a:p>
             <a:fld id="{7CFB7986-A455-FF4B-8986-0F422CDEA853}" type="slidenum">
               <a:rPr lang="fr-FR" smtClean="0"/>
+              <a:pPr/>
               <a:t>13</a:t>
             </a:fld>
             <a:endParaRPr lang="fr-FR"/>
@@ -674,7 +834,7 @@
     </p:spTree>
     <p:extLst>
       <p:ext uri="{BB962C8B-B14F-4D97-AF65-F5344CB8AC3E}">
-        <p14:creationId xmlns:p14="http://schemas.microsoft.com/office/powerpoint/2010/main" val="2736999507"/>
+        <p14:creationId xmlns="" xmlns:p14="http://schemas.microsoft.com/office/powerpoint/2010/main" val="2736999507"/>
       </p:ext>
     </p:extLst>
   </p:cSld>
@@ -766,7 +926,8 @@
           <a:p>
             <a:fld id="{7CFB7986-A455-FF4B-8986-0F422CDEA853}" type="slidenum">
               <a:rPr lang="fr-FR" smtClean="0"/>
-              <a:t>5</a:t>
+              <a:pPr/>
+              <a:t>4</a:t>
             </a:fld>
             <a:endParaRPr lang="fr-FR"/>
           </a:p>
@@ -775,7 +936,7 @@
     </p:spTree>
     <p:extLst>
       <p:ext uri="{BB962C8B-B14F-4D97-AF65-F5344CB8AC3E}">
-        <p14:creationId xmlns:p14="http://schemas.microsoft.com/office/powerpoint/2010/main" val="2736999507"/>
+        <p14:creationId xmlns="" xmlns:p14="http://schemas.microsoft.com/office/powerpoint/2010/main" val="2736999507"/>
       </p:ext>
     </p:extLst>
   </p:cSld>
@@ -846,7 +1007,901 @@
               <a:tabLst/>
               <a:defRPr/>
             </a:pPr>
-            <a:endParaRPr lang="fr-FR" sz="3000" dirty="0" smtClean="0"/>
+            <a:r>
+              <a:rPr lang="fr-FR" sz="2800" i="0" u="sng" dirty="0" smtClean="0"/>
+              <a:t>Rapidité</a:t>
+            </a:r>
+          </a:p>
+          <a:p>
+            <a:pPr marL="0" marR="0" lvl="2" indent="0" algn="l" defTabSz="457200" rtl="0" eaLnBrk="1" fontAlgn="auto" latinLnBrk="0" hangingPunct="1">
+              <a:lnSpc>
+                <a:spcPct val="100000"/>
+              </a:lnSpc>
+              <a:spcBef>
+                <a:spcPts val="0"/>
+              </a:spcBef>
+              <a:spcAft>
+                <a:spcPts val="0"/>
+              </a:spcAft>
+              <a:buClrTx/>
+              <a:buSzTx/>
+              <a:buFontTx/>
+              <a:buNone/>
+              <a:tabLst/>
+              <a:defRPr/>
+            </a:pPr>
+            <a:r>
+              <a:rPr lang="fr-FR" sz="2800" dirty="0" smtClean="0"/>
+              <a:t>- </a:t>
+            </a:r>
+            <a:r>
+              <a:rPr lang="fr-FR" sz="2800" b="1" dirty="0" smtClean="0"/>
+              <a:t>Mise en cache des données proche de l'utilisateur</a:t>
+            </a:r>
+            <a:r>
+              <a:rPr lang="fr-FR" sz="2800" dirty="0" smtClean="0"/>
+              <a:t> utilisant l'application web grâce à un réseau d'emplacements CloudFront.</a:t>
+            </a:r>
+          </a:p>
+          <a:p>
+            <a:pPr marL="0" marR="0" lvl="2" indent="0" algn="l" defTabSz="457200" rtl="0" eaLnBrk="1" fontAlgn="auto" latinLnBrk="0" hangingPunct="1">
+              <a:lnSpc>
+                <a:spcPct val="100000"/>
+              </a:lnSpc>
+              <a:spcBef>
+                <a:spcPts val="0"/>
+              </a:spcBef>
+              <a:spcAft>
+                <a:spcPts val="0"/>
+              </a:spcAft>
+              <a:buClrTx/>
+              <a:buSzTx/>
+              <a:buFontTx/>
+              <a:buNone/>
+              <a:tabLst/>
+              <a:defRPr/>
+            </a:pPr>
+            <a:r>
+              <a:rPr lang="fr-FR" sz="2800" dirty="0" smtClean="0"/>
+              <a:t>	=&gt; </a:t>
+            </a:r>
+            <a:r>
+              <a:rPr lang="fr-FR" sz="2800" b="1" dirty="0" smtClean="0"/>
+              <a:t>Réduit latence et augmente les débits lors des téléchargements</a:t>
+            </a:r>
+            <a:r>
+              <a:rPr lang="fr-FR" sz="2800" dirty="0" smtClean="0"/>
+              <a:t>.</a:t>
+            </a:r>
+          </a:p>
+          <a:p>
+            <a:pPr marL="0" marR="0" lvl="2" indent="0" algn="l" defTabSz="457200" rtl="0" eaLnBrk="1" fontAlgn="auto" latinLnBrk="0" hangingPunct="1">
+              <a:lnSpc>
+                <a:spcPct val="100000"/>
+              </a:lnSpc>
+              <a:spcBef>
+                <a:spcPts val="0"/>
+              </a:spcBef>
+              <a:spcAft>
+                <a:spcPts val="0"/>
+              </a:spcAft>
+              <a:buClrTx/>
+              <a:buSzTx/>
+              <a:buFontTx/>
+              <a:buNone/>
+              <a:tabLst/>
+              <a:defRPr/>
+            </a:pPr>
+            <a:r>
+              <a:rPr lang="fr-FR" sz="2800" dirty="0" smtClean="0"/>
+              <a:t>	=&gt; Réacheminement des requêtes de contenu dynamique vers le serveur original via des réseaux de chemins optimisés fesant l'objet d'une survelliance permanante de la part d'Amazon.</a:t>
+            </a:r>
+          </a:p>
+          <a:p>
+            <a:pPr marL="0" marR="0" lvl="2" indent="0" algn="l" defTabSz="457200" rtl="0" eaLnBrk="1" fontAlgn="auto" latinLnBrk="0" hangingPunct="1">
+              <a:lnSpc>
+                <a:spcPct val="100000"/>
+              </a:lnSpc>
+              <a:spcBef>
+                <a:spcPts val="0"/>
+              </a:spcBef>
+              <a:spcAft>
+                <a:spcPts val="0"/>
+              </a:spcAft>
+              <a:buClrTx/>
+              <a:buSzTx/>
+              <a:buFontTx/>
+              <a:buNone/>
+              <a:tabLst/>
+              <a:defRPr/>
+            </a:pPr>
+            <a:endParaRPr lang="fr-FR" sz="2800" dirty="0" smtClean="0"/>
+          </a:p>
+          <a:p>
+            <a:pPr marL="0" marR="0" lvl="2" indent="0" algn="l" defTabSz="457200" rtl="0" eaLnBrk="1" fontAlgn="auto" latinLnBrk="0" hangingPunct="1">
+              <a:lnSpc>
+                <a:spcPct val="100000"/>
+              </a:lnSpc>
+              <a:spcBef>
+                <a:spcPts val="0"/>
+              </a:spcBef>
+              <a:spcAft>
+                <a:spcPts val="0"/>
+              </a:spcAft>
+              <a:buClrTx/>
+              <a:buSzTx/>
+              <a:buFontTx/>
+              <a:buNone/>
+              <a:tabLst/>
+              <a:defRPr/>
+            </a:pPr>
+            <a:r>
+              <a:rPr lang="fr-FR" sz="2800" u="sng" dirty="0" smtClean="0"/>
+              <a:t>Simplicité</a:t>
+            </a:r>
+          </a:p>
+          <a:p>
+            <a:pPr marL="0" marR="0" lvl="2" indent="0" algn="l" defTabSz="457200" rtl="0" eaLnBrk="1" fontAlgn="auto" latinLnBrk="0" hangingPunct="1">
+              <a:lnSpc>
+                <a:spcPct val="100000"/>
+              </a:lnSpc>
+              <a:spcBef>
+                <a:spcPts val="0"/>
+              </a:spcBef>
+              <a:spcAft>
+                <a:spcPts val="0"/>
+              </a:spcAft>
+              <a:buClrTx/>
+              <a:buSzTx/>
+              <a:buFontTx/>
+              <a:buNone/>
+              <a:tabLst/>
+              <a:defRPr/>
+            </a:pPr>
+            <a:r>
+              <a:rPr lang="fr-FR" sz="2800" dirty="0" smtClean="0"/>
+              <a:t>- Intéraction </a:t>
+            </a:r>
+            <a:r>
+              <a:rPr lang="fr-FR" sz="2800" b="1" dirty="0" smtClean="0"/>
+              <a:t>simple</a:t>
+            </a:r>
+            <a:r>
+              <a:rPr lang="fr-FR" sz="2800" dirty="0" smtClean="0"/>
+              <a:t> avec CloudFront via une </a:t>
+            </a:r>
+            <a:r>
+              <a:rPr lang="fr-FR" sz="2800" b="1" dirty="0" smtClean="0"/>
+              <a:t>interface utilisateur graphique</a:t>
+            </a:r>
+            <a:r>
+              <a:rPr lang="fr-FR" sz="2800" dirty="0" smtClean="0"/>
+              <a:t>.</a:t>
+            </a:r>
+          </a:p>
+          <a:p>
+            <a:pPr marL="0" marR="0" lvl="2" indent="0" algn="l" defTabSz="457200" rtl="0" eaLnBrk="1" fontAlgn="auto" latinLnBrk="0" hangingPunct="1">
+              <a:lnSpc>
+                <a:spcPct val="100000"/>
+              </a:lnSpc>
+              <a:spcBef>
+                <a:spcPts val="0"/>
+              </a:spcBef>
+              <a:spcAft>
+                <a:spcPts val="0"/>
+              </a:spcAft>
+              <a:buClrTx/>
+              <a:buSzTx/>
+              <a:buFontTx/>
+              <a:buChar char="-"/>
+              <a:tabLst/>
+              <a:defRPr/>
+            </a:pPr>
+            <a:r>
+              <a:rPr lang="fr-FR" sz="2800" dirty="0" smtClean="0"/>
+              <a:t>Possibilité d'utiliser le </a:t>
+            </a:r>
+            <a:r>
+              <a:rPr lang="fr-FR" sz="2800" b="1" dirty="0" smtClean="0"/>
+              <a:t>même nom de domaine </a:t>
+            </a:r>
+            <a:r>
+              <a:rPr lang="fr-FR" sz="2800" dirty="0" smtClean="0"/>
+              <a:t>pour les </a:t>
+            </a:r>
+            <a:r>
+              <a:rPr lang="fr-FR" sz="2800" b="1" dirty="0" smtClean="0"/>
+              <a:t>contenus statiques et dynamiques</a:t>
+            </a:r>
+            <a:r>
+              <a:rPr lang="fr-FR" sz="2800" dirty="0" smtClean="0"/>
+              <a:t> grace à </a:t>
+            </a:r>
+            <a:r>
+              <a:rPr lang="fr-FR" sz="2800" b="1" dirty="0" smtClean="0"/>
+              <a:t>Amazon Route 53 </a:t>
+            </a:r>
+            <a:r>
+              <a:rPr lang="fr-FR" sz="2800" dirty="0" smtClean="0"/>
+              <a:t>qui est un service Web de système de noms de domaine (DNS) hautement disponible et évolutif.</a:t>
+            </a:r>
+          </a:p>
+          <a:p>
+            <a:pPr marL="0" marR="0" lvl="2" indent="0" algn="l" defTabSz="457200" rtl="0" eaLnBrk="1" fontAlgn="auto" latinLnBrk="0" hangingPunct="1">
+              <a:lnSpc>
+                <a:spcPct val="100000"/>
+              </a:lnSpc>
+              <a:spcBef>
+                <a:spcPts val="0"/>
+              </a:spcBef>
+              <a:spcAft>
+                <a:spcPts val="0"/>
+              </a:spcAft>
+              <a:buClrTx/>
+              <a:buSzTx/>
+              <a:buFontTx/>
+              <a:buChar char="-"/>
+              <a:tabLst/>
+              <a:defRPr/>
+            </a:pPr>
+            <a:r>
+              <a:rPr lang="fr-FR" sz="2800" dirty="0" smtClean="0"/>
+              <a:t> Toutes les modifications apportées à la configuration existante sont appliquées à l'ensemble du réseau mondial en quelques minutes.</a:t>
+            </a:r>
+          </a:p>
+          <a:p>
+            <a:pPr marL="0" marR="0" lvl="2" indent="0" algn="l" defTabSz="457200" rtl="0" eaLnBrk="1" fontAlgn="auto" latinLnBrk="0" hangingPunct="1">
+              <a:lnSpc>
+                <a:spcPct val="100000"/>
+              </a:lnSpc>
+              <a:spcBef>
+                <a:spcPts val="0"/>
+              </a:spcBef>
+              <a:spcAft>
+                <a:spcPts val="0"/>
+              </a:spcAft>
+              <a:buClrTx/>
+              <a:buSzTx/>
+              <a:buFontTx/>
+              <a:buChar char="-"/>
+              <a:tabLst/>
+              <a:defRPr/>
+            </a:pPr>
+            <a:endParaRPr lang="fr-FR" sz="2800" dirty="0" smtClean="0"/>
+          </a:p>
+          <a:p>
+            <a:pPr marL="0" marR="0" lvl="2" indent="0" algn="l" defTabSz="457200" rtl="0" eaLnBrk="1" fontAlgn="auto" latinLnBrk="0" hangingPunct="1">
+              <a:lnSpc>
+                <a:spcPct val="100000"/>
+              </a:lnSpc>
+              <a:spcBef>
+                <a:spcPts val="0"/>
+              </a:spcBef>
+              <a:spcAft>
+                <a:spcPts val="0"/>
+              </a:spcAft>
+              <a:buClrTx/>
+              <a:buSzTx/>
+              <a:buFontTx/>
+              <a:buNone/>
+              <a:tabLst/>
+              <a:defRPr/>
+            </a:pPr>
+            <a:r>
+              <a:rPr lang="fr-FR" sz="2800" u="sng" dirty="0" smtClean="0"/>
+              <a:t>Compatibilité</a:t>
+            </a:r>
+            <a:endParaRPr lang="fr-FR" sz="2800" dirty="0" smtClean="0"/>
+          </a:p>
+          <a:p>
+            <a:pPr marL="0" marR="0" lvl="2" indent="0" algn="l" defTabSz="457200" rtl="0" eaLnBrk="1" fontAlgn="auto" latinLnBrk="0" hangingPunct="1">
+              <a:lnSpc>
+                <a:spcPct val="100000"/>
+              </a:lnSpc>
+              <a:spcBef>
+                <a:spcPts val="0"/>
+              </a:spcBef>
+              <a:spcAft>
+                <a:spcPts val="0"/>
+              </a:spcAft>
+              <a:buClrTx/>
+              <a:buSzTx/>
+              <a:buFontTx/>
+              <a:buChar char="-"/>
+              <a:tabLst/>
+              <a:defRPr/>
+            </a:pPr>
+            <a:r>
+              <a:rPr lang="fr-FR" sz="2800" dirty="0" smtClean="0"/>
+              <a:t> CloudFront est prévu pour fonctionner avec tous les autres services AWS.</a:t>
+            </a:r>
+          </a:p>
+          <a:p>
+            <a:pPr marL="0" marR="0" lvl="2" indent="0" algn="l" defTabSz="457200" rtl="0" eaLnBrk="1" fontAlgn="auto" latinLnBrk="0" hangingPunct="1">
+              <a:lnSpc>
+                <a:spcPct val="100000"/>
+              </a:lnSpc>
+              <a:spcBef>
+                <a:spcPts val="0"/>
+              </a:spcBef>
+              <a:spcAft>
+                <a:spcPts val="0"/>
+              </a:spcAft>
+              <a:buClrTx/>
+              <a:buSzTx/>
+              <a:buFontTx/>
+              <a:buChar char="-"/>
+              <a:tabLst/>
+              <a:defRPr/>
+            </a:pPr>
+            <a:endParaRPr lang="fr-FR" sz="2800" dirty="0" smtClean="0"/>
+          </a:p>
+          <a:p>
+            <a:pPr marL="0" marR="0" lvl="2" indent="0" algn="l" defTabSz="457200" rtl="0" eaLnBrk="1" fontAlgn="auto" latinLnBrk="0" hangingPunct="1">
+              <a:lnSpc>
+                <a:spcPct val="100000"/>
+              </a:lnSpc>
+              <a:spcBef>
+                <a:spcPts val="0"/>
+              </a:spcBef>
+              <a:spcAft>
+                <a:spcPts val="0"/>
+              </a:spcAft>
+              <a:buClrTx/>
+              <a:buSzTx/>
+              <a:buFontTx/>
+              <a:buNone/>
+              <a:tabLst/>
+              <a:defRPr/>
+            </a:pPr>
+            <a:r>
+              <a:rPr lang="fr-FR" sz="2800" u="sng" dirty="0" smtClean="0"/>
+              <a:t>Economie</a:t>
+            </a:r>
+          </a:p>
+          <a:p>
+            <a:pPr marL="0" marR="0" lvl="2" indent="0" algn="l" defTabSz="457200" rtl="0" eaLnBrk="1" fontAlgn="auto" latinLnBrk="0" hangingPunct="1">
+              <a:lnSpc>
+                <a:spcPct val="100000"/>
+              </a:lnSpc>
+              <a:spcBef>
+                <a:spcPts val="0"/>
+              </a:spcBef>
+              <a:spcAft>
+                <a:spcPts val="0"/>
+              </a:spcAft>
+              <a:buClrTx/>
+              <a:buSzTx/>
+              <a:buFontTx/>
+              <a:buChar char="-"/>
+              <a:tabLst/>
+              <a:defRPr/>
+            </a:pPr>
+            <a:r>
+              <a:rPr lang="fr-FR" sz="2800" dirty="0" smtClean="0"/>
+              <a:t> Seul le contenu distribué par le biais du réseau est facturé (sans engagements et frais initiaux).</a:t>
+            </a:r>
+          </a:p>
+          <a:p>
+            <a:pPr marL="0" marR="0" lvl="2" indent="0" algn="l" defTabSz="457200" rtl="0" eaLnBrk="1" fontAlgn="auto" latinLnBrk="0" hangingPunct="1">
+              <a:lnSpc>
+                <a:spcPct val="100000"/>
+              </a:lnSpc>
+              <a:spcBef>
+                <a:spcPts val="0"/>
+              </a:spcBef>
+              <a:spcAft>
+                <a:spcPts val="0"/>
+              </a:spcAft>
+              <a:buClrTx/>
+              <a:buSzTx/>
+              <a:buFontTx/>
+              <a:buNone/>
+              <a:tabLst/>
+              <a:defRPr/>
+            </a:pPr>
+            <a:r>
+              <a:rPr lang="fr-FR" sz="2800" dirty="0" smtClean="0"/>
+              <a:t>     =&gt; Ces avantages concernent tout type de contenu diffusé : statique, dynamique,  fichiers multimédias en continu ou application Web contenant une combinaison de ces types de contenu.</a:t>
+            </a:r>
+          </a:p>
+          <a:p>
+            <a:pPr marL="0" marR="0" lvl="2" indent="0" algn="l" defTabSz="457200" rtl="0" eaLnBrk="1" fontAlgn="auto" latinLnBrk="0" hangingPunct="1">
+              <a:lnSpc>
+                <a:spcPct val="100000"/>
+              </a:lnSpc>
+              <a:spcBef>
+                <a:spcPts val="0"/>
+              </a:spcBef>
+              <a:spcAft>
+                <a:spcPts val="0"/>
+              </a:spcAft>
+              <a:buClrTx/>
+              <a:buSzTx/>
+              <a:buFontTx/>
+              <a:buChar char="-"/>
+              <a:tabLst/>
+              <a:defRPr/>
+            </a:pPr>
+            <a:r>
+              <a:rPr lang="fr-FR" sz="2800" dirty="0" smtClean="0"/>
+              <a:t> Le </a:t>
+            </a:r>
+            <a:r>
+              <a:rPr lang="fr-FR" sz="2800" b="1" u="none" dirty="0" smtClean="0"/>
+              <a:t>prix</a:t>
+            </a:r>
+            <a:r>
+              <a:rPr lang="fr-FR" sz="2800" b="1" u="none" baseline="0" dirty="0" smtClean="0"/>
+              <a:t> </a:t>
+            </a:r>
+            <a:r>
+              <a:rPr lang="fr-FR" sz="2800" b="1" u="none" dirty="0" smtClean="0"/>
+              <a:t>des</a:t>
+            </a:r>
+            <a:r>
+              <a:rPr lang="fr-FR" sz="1200" b="1" u="none" baseline="0" dirty="0" smtClean="0"/>
+              <a:t> </a:t>
+            </a:r>
+            <a:r>
+              <a:rPr lang="fr-FR" sz="2800" b="1" u="none" dirty="0" smtClean="0"/>
+              <a:t>requêtes</a:t>
+            </a:r>
+            <a:r>
+              <a:rPr lang="fr-FR" sz="2800" b="1" dirty="0" smtClean="0"/>
+              <a:t> </a:t>
+            </a:r>
+            <a:r>
+              <a:rPr lang="fr-FR" sz="2800" dirty="0" smtClean="0"/>
+              <a:t>est faites </a:t>
+            </a:r>
+            <a:r>
+              <a:rPr lang="fr-FR" sz="2800" b="1" u="none" dirty="0" smtClean="0"/>
+              <a:t>suivant</a:t>
+            </a:r>
+            <a:r>
+              <a:rPr lang="fr-FR" sz="2800" dirty="0" smtClean="0"/>
+              <a:t> </a:t>
+            </a:r>
+            <a:r>
+              <a:rPr lang="fr-FR" sz="2800" b="1" dirty="0" smtClean="0"/>
+              <a:t>le coût d'utilisation du réseau</a:t>
+            </a:r>
+            <a:r>
+              <a:rPr lang="fr-FR" sz="2800" dirty="0" smtClean="0"/>
+              <a:t> internet des </a:t>
+            </a:r>
+            <a:r>
+              <a:rPr lang="fr-FR" sz="2800" b="1" dirty="0" smtClean="0"/>
+              <a:t>régions</a:t>
+            </a:r>
+            <a:r>
+              <a:rPr lang="fr-FR" sz="2800" dirty="0" smtClean="0"/>
+              <a:t>.</a:t>
+            </a:r>
+          </a:p>
+          <a:p>
+            <a:pPr marL="0" marR="0" lvl="2" indent="0" algn="l" defTabSz="457200" rtl="0" eaLnBrk="1" fontAlgn="auto" latinLnBrk="0" hangingPunct="1">
+              <a:lnSpc>
+                <a:spcPct val="100000"/>
+              </a:lnSpc>
+              <a:spcBef>
+                <a:spcPts val="0"/>
+              </a:spcBef>
+              <a:spcAft>
+                <a:spcPts val="0"/>
+              </a:spcAft>
+              <a:buClrTx/>
+              <a:buSzTx/>
+              <a:buFontTx/>
+              <a:buChar char="-"/>
+              <a:tabLst/>
+              <a:defRPr/>
+            </a:pPr>
+            <a:endParaRPr lang="fr-FR" sz="2800" dirty="0" smtClean="0"/>
+          </a:p>
+          <a:p>
+            <a:pPr marL="0" marR="0" lvl="2" indent="0" algn="l" defTabSz="457200" rtl="0" eaLnBrk="1" fontAlgn="auto" latinLnBrk="0" hangingPunct="1">
+              <a:lnSpc>
+                <a:spcPct val="100000"/>
+              </a:lnSpc>
+              <a:spcBef>
+                <a:spcPts val="0"/>
+              </a:spcBef>
+              <a:spcAft>
+                <a:spcPts val="0"/>
+              </a:spcAft>
+              <a:buClrTx/>
+              <a:buSzTx/>
+              <a:buFontTx/>
+              <a:buNone/>
+              <a:tabLst/>
+              <a:defRPr/>
+            </a:pPr>
+            <a:r>
+              <a:rPr lang="fr-FR" sz="2800" u="sng" dirty="0" smtClean="0"/>
+              <a:t>Scalabilité</a:t>
+            </a:r>
+          </a:p>
+          <a:p>
+            <a:pPr marL="0" marR="0" lvl="2" indent="0" algn="l" defTabSz="457200" rtl="0" eaLnBrk="1" fontAlgn="auto" latinLnBrk="0" hangingPunct="1">
+              <a:lnSpc>
+                <a:spcPct val="100000"/>
+              </a:lnSpc>
+              <a:spcBef>
+                <a:spcPts val="0"/>
+              </a:spcBef>
+              <a:spcAft>
+                <a:spcPts val="0"/>
+              </a:spcAft>
+              <a:buClrTx/>
+              <a:buSzTx/>
+              <a:buFontTx/>
+              <a:buChar char="-"/>
+              <a:tabLst/>
+              <a:defRPr/>
+            </a:pPr>
+            <a:r>
+              <a:rPr lang="fr-FR" sz="2800" dirty="0" smtClean="0"/>
+              <a:t> CloudFront </a:t>
+            </a:r>
+            <a:r>
+              <a:rPr lang="fr-FR" sz="2800" b="1" dirty="0" smtClean="0"/>
+              <a:t>répond automatiquement</a:t>
+            </a:r>
+            <a:r>
+              <a:rPr lang="fr-FR" sz="2800" dirty="0" smtClean="0"/>
+              <a:t> aux </a:t>
+            </a:r>
+            <a:r>
+              <a:rPr lang="fr-FR" sz="2800" b="1" dirty="0" smtClean="0"/>
+              <a:t>montés en charges</a:t>
+            </a:r>
+            <a:r>
+              <a:rPr lang="fr-FR" sz="2800" dirty="0" smtClean="0"/>
+              <a:t> en créant de </a:t>
+            </a:r>
+            <a:r>
+              <a:rPr lang="fr-FR" sz="2800" b="1" dirty="0" smtClean="0"/>
+              <a:t>nouvelles instances</a:t>
+            </a:r>
+            <a:r>
+              <a:rPr lang="fr-FR" sz="2800" dirty="0" smtClean="0"/>
+              <a:t>.</a:t>
+            </a:r>
+          </a:p>
+          <a:p>
+            <a:pPr marL="0" marR="0" lvl="2" indent="0" algn="l" defTabSz="457200" rtl="0" eaLnBrk="1" fontAlgn="auto" latinLnBrk="0" hangingPunct="1">
+              <a:lnSpc>
+                <a:spcPct val="100000"/>
+              </a:lnSpc>
+              <a:spcBef>
+                <a:spcPts val="0"/>
+              </a:spcBef>
+              <a:spcAft>
+                <a:spcPts val="0"/>
+              </a:spcAft>
+              <a:buClrTx/>
+              <a:buSzTx/>
+              <a:buFontTx/>
+              <a:buChar char="-"/>
+              <a:tabLst/>
+              <a:defRPr/>
+            </a:pPr>
+            <a:r>
+              <a:rPr lang="fr-FR" sz="2800" dirty="0" smtClean="0"/>
+              <a:t> </a:t>
+            </a:r>
+            <a:r>
+              <a:rPr lang="fr-FR" sz="2800" b="1" dirty="0" smtClean="0"/>
+              <a:t>Regroupement des requêtes</a:t>
+            </a:r>
+            <a:r>
+              <a:rPr lang="fr-FR" sz="2800" dirty="0" smtClean="0"/>
+              <a:t> simultanées concernant un même objet avant de contacter votre serveur d'origine.</a:t>
+            </a:r>
+          </a:p>
+          <a:p>
+            <a:pPr marL="0" marR="0" lvl="2" indent="0" algn="l" defTabSz="457200" rtl="0" eaLnBrk="1" fontAlgn="auto" latinLnBrk="0" hangingPunct="1">
+              <a:lnSpc>
+                <a:spcPct val="100000"/>
+              </a:lnSpc>
+              <a:spcBef>
+                <a:spcPts val="0"/>
+              </a:spcBef>
+              <a:spcAft>
+                <a:spcPts val="0"/>
+              </a:spcAft>
+              <a:buClrTx/>
+              <a:buSzTx/>
+              <a:buFontTx/>
+              <a:buChar char="-"/>
+              <a:tabLst/>
+              <a:defRPr/>
+            </a:pPr>
+            <a:r>
+              <a:rPr lang="fr-FR" sz="2800" dirty="0" smtClean="0"/>
+              <a:t>	=&gt; </a:t>
+            </a:r>
+            <a:r>
+              <a:rPr lang="fr-FR" sz="2800" b="1" dirty="0" smtClean="0"/>
+              <a:t>Réduction des montés en charges</a:t>
+            </a:r>
+            <a:r>
+              <a:rPr lang="fr-FR" sz="2800" dirty="0" smtClean="0"/>
+              <a:t>.</a:t>
+            </a:r>
+          </a:p>
+          <a:p>
+            <a:pPr marL="0" marR="0" lvl="2" indent="0" algn="l" defTabSz="457200" rtl="0" eaLnBrk="1" fontAlgn="auto" latinLnBrk="0" hangingPunct="1">
+              <a:lnSpc>
+                <a:spcPct val="100000"/>
+              </a:lnSpc>
+              <a:spcBef>
+                <a:spcPts val="0"/>
+              </a:spcBef>
+              <a:spcAft>
+                <a:spcPts val="0"/>
+              </a:spcAft>
+              <a:buClrTx/>
+              <a:buSzTx/>
+              <a:buFontTx/>
+              <a:buChar char="-"/>
+              <a:tabLst/>
+              <a:defRPr/>
+            </a:pPr>
+            <a:endParaRPr lang="fr-FR" sz="2800" dirty="0" smtClean="0"/>
+          </a:p>
+          <a:p>
+            <a:pPr marL="0" marR="0" lvl="2" indent="0" algn="l" defTabSz="457200" rtl="0" eaLnBrk="1" fontAlgn="auto" latinLnBrk="0" hangingPunct="1">
+              <a:lnSpc>
+                <a:spcPct val="100000"/>
+              </a:lnSpc>
+              <a:spcBef>
+                <a:spcPts val="0"/>
+              </a:spcBef>
+              <a:spcAft>
+                <a:spcPts val="0"/>
+              </a:spcAft>
+              <a:buClrTx/>
+              <a:buSzTx/>
+              <a:buFontTx/>
+              <a:buNone/>
+              <a:tabLst/>
+              <a:defRPr/>
+            </a:pPr>
+            <a:r>
+              <a:rPr lang="fr-FR" sz="2800" u="sng" dirty="0" smtClean="0"/>
+              <a:t>Fiabilité</a:t>
+            </a:r>
+          </a:p>
+          <a:p>
+            <a:pPr marL="0" marR="0" lvl="2" indent="0" algn="l" defTabSz="457200" rtl="0" eaLnBrk="1" fontAlgn="auto" latinLnBrk="0" hangingPunct="1">
+              <a:lnSpc>
+                <a:spcPct val="100000"/>
+              </a:lnSpc>
+              <a:spcBef>
+                <a:spcPts val="0"/>
+              </a:spcBef>
+              <a:spcAft>
+                <a:spcPts val="0"/>
+              </a:spcAft>
+              <a:buClrTx/>
+              <a:buSzTx/>
+              <a:buFontTx/>
+              <a:buChar char="-"/>
+              <a:tabLst/>
+              <a:defRPr/>
+            </a:pPr>
+            <a:r>
+              <a:rPr lang="fr-FR" sz="2800" i="1" dirty="0" smtClean="0"/>
+              <a:t> CloudFront est construit sur l'infrastructure d'Amazon.</a:t>
+            </a:r>
+          </a:p>
+          <a:p>
+            <a:pPr marL="0" marR="0" lvl="2" indent="0" algn="l" defTabSz="457200" rtl="0" eaLnBrk="1" fontAlgn="auto" latinLnBrk="0" hangingPunct="1">
+              <a:lnSpc>
+                <a:spcPct val="100000"/>
+              </a:lnSpc>
+              <a:spcBef>
+                <a:spcPts val="0"/>
+              </a:spcBef>
+              <a:spcAft>
+                <a:spcPts val="0"/>
+              </a:spcAft>
+              <a:buClrTx/>
+              <a:buSzTx/>
+              <a:buFontTx/>
+              <a:buChar char="-"/>
+              <a:tabLst/>
+              <a:defRPr/>
+            </a:pPr>
+            <a:r>
+              <a:rPr lang="fr-FR" sz="2800" dirty="0" smtClean="0"/>
+              <a:t> Redirection  automatique des utilisateurs finaux vers le site disponible le plus proche en fonction des conditions du réseau. </a:t>
+            </a:r>
+            <a:r>
+              <a:rPr lang="fr-FR" sz="2800" b="1" dirty="0" smtClean="0"/>
+              <a:t>Les requêtes</a:t>
+            </a:r>
+            <a:r>
+              <a:rPr lang="fr-FR" sz="2800" dirty="0" smtClean="0"/>
+              <a:t> d'origine émanant des emplacements périphériques vers les serveurs d'origine AWS </a:t>
+            </a:r>
+            <a:r>
+              <a:rPr lang="fr-FR" sz="2800" b="1" dirty="0" smtClean="0"/>
+              <a:t>sont acheminées via des chemins réseau qu'Amazon surveille en permanence</a:t>
+            </a:r>
+            <a:r>
+              <a:rPr lang="fr-FR" sz="2800" dirty="0" smtClean="0"/>
+              <a:t> et optimise en termes de disponibilité et de performances.</a:t>
+            </a:r>
+          </a:p>
+          <a:p>
+            <a:pPr marL="0" marR="0" lvl="2" indent="0" algn="l" defTabSz="457200" rtl="0" eaLnBrk="1" fontAlgn="auto" latinLnBrk="0" hangingPunct="1">
+              <a:lnSpc>
+                <a:spcPct val="100000"/>
+              </a:lnSpc>
+              <a:spcBef>
+                <a:spcPts val="0"/>
+              </a:spcBef>
+              <a:spcAft>
+                <a:spcPts val="0"/>
+              </a:spcAft>
+              <a:buClrTx/>
+              <a:buSzTx/>
+              <a:buFontTx/>
+              <a:buNone/>
+              <a:tabLst/>
+              <a:defRPr/>
+            </a:pPr>
+            <a:r>
+              <a:rPr lang="fr-FR" sz="2800" i="1" u="sng" dirty="0" smtClean="0"/>
+              <a:t>Mondial </a:t>
+            </a:r>
+          </a:p>
+          <a:p>
+            <a:pPr marL="0" marR="0" lvl="2" indent="0" algn="l" defTabSz="457200" rtl="0" eaLnBrk="1" fontAlgn="auto" latinLnBrk="0" hangingPunct="1">
+              <a:lnSpc>
+                <a:spcPct val="100000"/>
+              </a:lnSpc>
+              <a:spcBef>
+                <a:spcPts val="0"/>
+              </a:spcBef>
+              <a:spcAft>
+                <a:spcPts val="0"/>
+              </a:spcAft>
+              <a:buClrTx/>
+              <a:buSzTx/>
+              <a:buFontTx/>
+              <a:buChar char="-"/>
+              <a:tabLst/>
+              <a:defRPr/>
+            </a:pPr>
+            <a:r>
+              <a:rPr lang="fr-FR" sz="2800" i="1" dirty="0" smtClean="0"/>
+              <a:t>ClouFront possède un réseau mondial d'emplacement.</a:t>
+            </a:r>
+          </a:p>
+          <a:p>
+            <a:pPr marL="0" marR="0" lvl="2" indent="0" algn="l" defTabSz="457200" rtl="0" eaLnBrk="1" fontAlgn="auto" latinLnBrk="0" hangingPunct="1">
+              <a:lnSpc>
+                <a:spcPct val="100000"/>
+              </a:lnSpc>
+              <a:spcBef>
+                <a:spcPts val="0"/>
+              </a:spcBef>
+              <a:spcAft>
+                <a:spcPts val="0"/>
+              </a:spcAft>
+              <a:buClrTx/>
+              <a:buSzTx/>
+              <a:buFontTx/>
+              <a:buChar char="-"/>
+              <a:tabLst/>
+              <a:defRPr/>
+            </a:pPr>
+            <a:endParaRPr lang="fr-FR" sz="2800" i="0" dirty="0" smtClean="0"/>
+          </a:p>
+          <a:p>
+            <a:pPr marL="0" marR="0" lvl="2" indent="0" algn="l" defTabSz="457200" rtl="0" eaLnBrk="1" fontAlgn="auto" latinLnBrk="0" hangingPunct="1">
+              <a:lnSpc>
+                <a:spcPct val="100000"/>
+              </a:lnSpc>
+              <a:spcBef>
+                <a:spcPts val="0"/>
+              </a:spcBef>
+              <a:spcAft>
+                <a:spcPts val="0"/>
+              </a:spcAft>
+              <a:buClrTx/>
+              <a:buSzTx/>
+              <a:buFontTx/>
+              <a:buNone/>
+              <a:tabLst/>
+              <a:defRPr/>
+            </a:pPr>
+            <a:r>
+              <a:rPr lang="fr-FR" sz="2800" i="0" u="sng" dirty="0" smtClean="0"/>
+              <a:t>Points intéressants :</a:t>
+            </a:r>
+          </a:p>
+          <a:p>
+            <a:pPr marL="0" marR="0" lvl="2" indent="0" algn="l" defTabSz="457200" rtl="0" eaLnBrk="1" fontAlgn="auto" latinLnBrk="0" hangingPunct="1">
+              <a:lnSpc>
+                <a:spcPct val="100000"/>
+              </a:lnSpc>
+              <a:spcBef>
+                <a:spcPts val="0"/>
+              </a:spcBef>
+              <a:spcAft>
+                <a:spcPts val="0"/>
+              </a:spcAft>
+              <a:buClrTx/>
+              <a:buSzTx/>
+              <a:buFontTx/>
+              <a:buChar char="-"/>
+              <a:tabLst/>
+              <a:defRPr/>
+            </a:pPr>
+            <a:r>
+              <a:rPr lang="fr-FR" sz="2800" b="1" i="0" dirty="0" smtClean="0"/>
+              <a:t> Possibilité d'utiliser un service de stockage externe à AWS</a:t>
+            </a:r>
+            <a:r>
+              <a:rPr lang="fr-FR" sz="2800" i="0" dirty="0" smtClean="0"/>
+              <a:t>. Et n'utiliser ceux d'AWS uniquement que lors des montés en charge.</a:t>
+            </a:r>
+          </a:p>
+          <a:p>
+            <a:pPr marL="0" marR="0" lvl="2" indent="0" algn="l" defTabSz="457200" rtl="0" eaLnBrk="1" fontAlgn="auto" latinLnBrk="0" hangingPunct="1">
+              <a:lnSpc>
+                <a:spcPct val="100000"/>
+              </a:lnSpc>
+              <a:spcBef>
+                <a:spcPts val="0"/>
+              </a:spcBef>
+              <a:spcAft>
+                <a:spcPts val="0"/>
+              </a:spcAft>
+              <a:buClrTx/>
+              <a:buSzTx/>
+              <a:buFontTx/>
+              <a:buChar char="-"/>
+              <a:tabLst/>
+              <a:defRPr/>
+            </a:pPr>
+            <a:r>
+              <a:rPr lang="fr-FR" sz="2800" i="1" dirty="0" smtClean="0"/>
+              <a:t> Idem pour l'application web (?)</a:t>
+            </a:r>
+          </a:p>
+          <a:p>
+            <a:pPr marL="0" marR="0" lvl="2" indent="0" algn="l" defTabSz="457200" rtl="0" eaLnBrk="1" fontAlgn="auto" latinLnBrk="0" hangingPunct="1">
+              <a:lnSpc>
+                <a:spcPct val="100000"/>
+              </a:lnSpc>
+              <a:spcBef>
+                <a:spcPts val="0"/>
+              </a:spcBef>
+              <a:spcAft>
+                <a:spcPts val="0"/>
+              </a:spcAft>
+              <a:buClrTx/>
+              <a:buSzTx/>
+              <a:buFontTx/>
+              <a:buNone/>
+              <a:tabLst/>
+              <a:defRPr/>
+            </a:pPr>
+            <a:r>
+              <a:rPr lang="fr-FR" sz="2800" i="0" dirty="0" smtClean="0"/>
+              <a:t>- </a:t>
+            </a:r>
+            <a:r>
+              <a:rPr lang="fr-FR" sz="2800" i="1" dirty="0" smtClean="0"/>
+              <a:t>Possibilité de choisir la région des emplacements de façon à réduir les coûts (régions moins chères que d'autres).</a:t>
+            </a:r>
           </a:p>
         </p:txBody>
       </p:sp>
@@ -867,7 +1922,8 @@
           <a:p>
             <a:fld id="{7CFB7986-A455-FF4B-8986-0F422CDEA853}" type="slidenum">
               <a:rPr lang="fr-FR" smtClean="0"/>
-              <a:t>6</a:t>
+              <a:pPr/>
+              <a:t>5</a:t>
             </a:fld>
             <a:endParaRPr lang="fr-FR"/>
           </a:p>
@@ -876,7 +1932,7 @@
     </p:spTree>
     <p:extLst>
       <p:ext uri="{BB962C8B-B14F-4D97-AF65-F5344CB8AC3E}">
-        <p14:creationId xmlns:p14="http://schemas.microsoft.com/office/powerpoint/2010/main" val="2736999507"/>
+        <p14:creationId xmlns="" xmlns:p14="http://schemas.microsoft.com/office/powerpoint/2010/main" val="2736999507"/>
       </p:ext>
     </p:extLst>
   </p:cSld>
@@ -930,120 +1986,6 @@
           <a:bodyPr/>
           <a:lstStyle/>
           <a:p>
-            <a:pPr marL="0" marR="0" indent="0" algn="l" defTabSz="457200" rtl="0" eaLnBrk="1" fontAlgn="auto" latinLnBrk="0" hangingPunct="1">
-              <a:lnSpc>
-                <a:spcPct val="100000"/>
-              </a:lnSpc>
-              <a:spcBef>
-                <a:spcPts val="0"/>
-              </a:spcBef>
-              <a:spcAft>
-                <a:spcPts val="0"/>
-              </a:spcAft>
-              <a:buClrTx/>
-              <a:buSzTx/>
-              <a:buFontTx/>
-              <a:buNone/>
-              <a:tabLst/>
-              <a:defRPr/>
-            </a:pPr>
-            <a:r>
-              <a:rPr lang="fr-FR" sz="1200" kern="1200" dirty="0" smtClean="0">
-                <a:solidFill>
-                  <a:schemeClr val="tx1"/>
-                </a:solidFill>
-                <a:latin typeface="+mn-lt"/>
-                <a:ea typeface="+mn-ea"/>
-                <a:cs typeface="+mn-cs"/>
-              </a:rPr>
-              <a:t>Amazon S3 est un service de stockage pour Internet. Il est conçu pour faciliter l'accès aux ressources informatiques à l'échelle du Web, pour les développeurs.</a:t>
-            </a:r>
-          </a:p>
-          <a:p>
-            <a:pPr marL="0" marR="0" indent="0" algn="l" defTabSz="457200" rtl="0" eaLnBrk="1" fontAlgn="auto" latinLnBrk="0" hangingPunct="1">
-              <a:lnSpc>
-                <a:spcPct val="100000"/>
-              </a:lnSpc>
-              <a:spcBef>
-                <a:spcPts val="0"/>
-              </a:spcBef>
-              <a:spcAft>
-                <a:spcPts val="0"/>
-              </a:spcAft>
-              <a:buClrTx/>
-              <a:buSzTx/>
-              <a:buFontTx/>
-              <a:buNone/>
-              <a:tabLst/>
-              <a:defRPr/>
-            </a:pPr>
-            <a:endParaRPr lang="fr-FR" sz="1200" kern="1200" dirty="0" smtClean="0">
-              <a:solidFill>
-                <a:schemeClr val="tx1"/>
-              </a:solidFill>
-              <a:latin typeface="+mn-lt"/>
-              <a:ea typeface="+mn-ea"/>
-              <a:cs typeface="+mn-cs"/>
-            </a:endParaRPr>
-          </a:p>
-          <a:p>
-            <a:pPr marL="0" marR="0" indent="0" algn="l" defTabSz="457200" rtl="0" eaLnBrk="1" fontAlgn="auto" latinLnBrk="0" hangingPunct="1">
-              <a:lnSpc>
-                <a:spcPct val="100000"/>
-              </a:lnSpc>
-              <a:spcBef>
-                <a:spcPts val="0"/>
-              </a:spcBef>
-              <a:spcAft>
-                <a:spcPts val="0"/>
-              </a:spcAft>
-              <a:buClrTx/>
-              <a:buSzTx/>
-              <a:buFontTx/>
-              <a:buNone/>
-              <a:tabLst/>
-              <a:defRPr/>
-            </a:pPr>
-            <a:r>
-              <a:rPr lang="fr-FR" sz="1200" kern="1200" dirty="0" smtClean="0">
-                <a:solidFill>
-                  <a:schemeClr val="tx1"/>
-                </a:solidFill>
-                <a:latin typeface="+mn-lt"/>
-                <a:ea typeface="+mn-ea"/>
-                <a:cs typeface="+mn-cs"/>
-              </a:rPr>
-              <a:t>Amazon S3 offre une simple interface de services Web à utiliser pour stocker et récupérer n'importe quelle quantité de données, à tout moment, de n'importe où sur le Web. Il permet aux développeurs d'accéder à la même infrastructure hautement évolutive, fiable, sûre, rapide, et peu coûteuse qu'Amazon utilise pour faire fonctionner son propre réseau mondial de sites. Le service vise à maximiser les avantages d'échelle et les transmettre aux développeurs.</a:t>
-            </a:r>
-          </a:p>
-          <a:p>
-            <a:pPr marL="0" marR="0" indent="0" algn="l" defTabSz="457200" rtl="0" eaLnBrk="1" fontAlgn="auto" latinLnBrk="0" hangingPunct="1">
-              <a:lnSpc>
-                <a:spcPct val="100000"/>
-              </a:lnSpc>
-              <a:spcBef>
-                <a:spcPts val="0"/>
-              </a:spcBef>
-              <a:spcAft>
-                <a:spcPts val="0"/>
-              </a:spcAft>
-              <a:buClrTx/>
-              <a:buSzTx/>
-              <a:buFontTx/>
-              <a:buNone/>
-              <a:tabLst/>
-              <a:defRPr/>
-            </a:pPr>
-            <a:endParaRPr lang="fr-FR" sz="1200" kern="1200" dirty="0" smtClean="0">
-              <a:solidFill>
-                <a:schemeClr val="tx1"/>
-              </a:solidFill>
-              <a:latin typeface="+mn-lt"/>
-              <a:ea typeface="+mn-ea"/>
-              <a:cs typeface="+mn-cs"/>
-            </a:endParaRPr>
-          </a:p>
-          <a:p>
             <a:pPr marL="0" marR="0" lvl="2" indent="0" algn="l" defTabSz="457200" rtl="0" eaLnBrk="1" fontAlgn="auto" latinLnBrk="0" hangingPunct="1">
               <a:lnSpc>
                 <a:spcPct val="100000"/>
@@ -1061,37 +2003,6 @@
               <a:tabLst/>
               <a:defRPr/>
             </a:pPr>
-            <a:r>
-              <a:rPr lang="fr-FR" sz="3000" u="sng" dirty="0" smtClean="0"/>
-              <a:t>N’importe quelle quantité de données</a:t>
-            </a:r>
-            <a:r>
-              <a:rPr lang="fr-FR" sz="1200" u="sng" baseline="0" dirty="0" smtClean="0"/>
-              <a:t> </a:t>
-            </a:r>
-            <a:r>
-              <a:rPr lang="fr-FR" sz="1200" baseline="0" dirty="0" smtClean="0"/>
-              <a:t>: taille d’1 fichier limitée à 5To</a:t>
-            </a:r>
-          </a:p>
-          <a:p>
-            <a:pPr marL="0" marR="0" lvl="2" indent="0" algn="l" defTabSz="457200" rtl="0" eaLnBrk="1" fontAlgn="auto" latinLnBrk="0" hangingPunct="1">
-              <a:lnSpc>
-                <a:spcPct val="100000"/>
-              </a:lnSpc>
-              <a:spcBef>
-                <a:spcPts val="0"/>
-              </a:spcBef>
-              <a:spcAft>
-                <a:spcPts val="0"/>
-              </a:spcAft>
-              <a:buClrTx/>
-              <a:buSzTx/>
-              <a:buFontTx/>
-              <a:buNone/>
-              <a:tabLst/>
-              <a:defRPr/>
-            </a:pPr>
             <a:endParaRPr lang="fr-FR" sz="3000" dirty="0" smtClean="0"/>
           </a:p>
         </p:txBody>
@@ -1113,7 +2024,8 @@
           <a:p>
             <a:fld id="{7CFB7986-A455-FF4B-8986-0F422CDEA853}" type="slidenum">
               <a:rPr lang="fr-FR" smtClean="0"/>
-              <a:t>7</a:t>
+              <a:pPr/>
+              <a:t>6</a:t>
             </a:fld>
             <a:endParaRPr lang="fr-FR"/>
           </a:p>
@@ -1122,7 +2034,7 @@
     </p:spTree>
     <p:extLst>
       <p:ext uri="{BB962C8B-B14F-4D97-AF65-F5344CB8AC3E}">
-        <p14:creationId xmlns:p14="http://schemas.microsoft.com/office/powerpoint/2010/main" val="2736999507"/>
+        <p14:creationId xmlns="" xmlns:p14="http://schemas.microsoft.com/office/powerpoint/2010/main" val="2736999507"/>
       </p:ext>
     </p:extLst>
   </p:cSld>
@@ -1176,7 +2088,7 @@
           <a:bodyPr/>
           <a:lstStyle/>
           <a:p>
-            <a:pPr marL="0" marR="0" lvl="2" indent="0" algn="l" defTabSz="457200" rtl="0" eaLnBrk="1" fontAlgn="auto" latinLnBrk="0" hangingPunct="1">
+            <a:pPr marL="0" marR="0" indent="0" algn="l" defTabSz="457200" rtl="0" eaLnBrk="1" fontAlgn="auto" latinLnBrk="0" hangingPunct="1">
               <a:lnSpc>
                 <a:spcPct val="100000"/>
               </a:lnSpc>
@@ -1202,101 +2114,11 @@
                 <a:ea typeface="+mn-ea"/>
                 <a:cs typeface="+mn-cs"/>
               </a:rPr>
-              <a:t>1. Chaque objet est stocké dans un compartiment et </a:t>
-            </a:r>
-            <a:r>
-              <a:rPr lang="fr-FR" sz="1200" u="sng" kern="1200" dirty="0" smtClean="0">
-                <a:solidFill>
-                  <a:schemeClr val="tx1"/>
-                </a:solidFill>
-                <a:latin typeface="+mn-lt"/>
-                <a:ea typeface="+mn-ea"/>
-                <a:cs typeface="+mn-cs"/>
-              </a:rPr>
-              <a:t>récupéré via une clé unique attribuée au développeur.</a:t>
-            </a:r>
-          </a:p>
-          <a:p>
-            <a:pPr marL="0" marR="0" lvl="2" indent="0" algn="l" defTabSz="457200" rtl="0" eaLnBrk="1" fontAlgn="auto" latinLnBrk="0" hangingPunct="1">
-              <a:lnSpc>
-                <a:spcPct val="100000"/>
-              </a:lnSpc>
-              <a:spcBef>
-                <a:spcPts val="0"/>
-              </a:spcBef>
-              <a:spcAft>
-                <a:spcPts val="0"/>
-              </a:spcAft>
-              <a:buClrTx/>
-              <a:buSzTx/>
-              <a:buFontTx/>
-              <a:buNone/>
-              <a:tabLst/>
-              <a:defRPr/>
-            </a:pPr>
-            <a:endParaRPr lang="fr-FR" sz="1200" u="sng" kern="1200" dirty="0" smtClean="0">
-              <a:solidFill>
-                <a:schemeClr val="tx1"/>
-              </a:solidFill>
-              <a:latin typeface="+mn-lt"/>
-              <a:ea typeface="+mn-ea"/>
-              <a:cs typeface="+mn-cs"/>
-            </a:endParaRPr>
-          </a:p>
-          <a:p>
-            <a:pPr marL="0" marR="0" lvl="2" indent="0" algn="l" defTabSz="457200" rtl="0" eaLnBrk="1" fontAlgn="auto" latinLnBrk="0" hangingPunct="1">
-              <a:lnSpc>
-                <a:spcPct val="100000"/>
-              </a:lnSpc>
-              <a:spcBef>
-                <a:spcPts val="0"/>
-              </a:spcBef>
-              <a:spcAft>
-                <a:spcPts val="0"/>
-              </a:spcAft>
-              <a:buClrTx/>
-              <a:buSzTx/>
-              <a:buFontTx/>
-              <a:buNone/>
-              <a:tabLst/>
-              <a:defRPr/>
-            </a:pPr>
-            <a:r>
-              <a:rPr lang="fr-FR" sz="1200" kern="1200" dirty="0" smtClean="0">
-                <a:solidFill>
-                  <a:schemeClr val="tx1"/>
-                </a:solidFill>
-                <a:latin typeface="+mn-lt"/>
-                <a:ea typeface="+mn-ea"/>
-                <a:cs typeface="+mn-cs"/>
-              </a:rPr>
-              <a:t>2. Les objets stockés dans une région ne </a:t>
-            </a:r>
-            <a:r>
-              <a:rPr lang="fr-FR" sz="1200" u="sng" kern="1200" dirty="0" smtClean="0">
-                <a:solidFill>
-                  <a:schemeClr val="tx1"/>
-                </a:solidFill>
-                <a:latin typeface="+mn-lt"/>
-                <a:ea typeface="+mn-ea"/>
-                <a:cs typeface="+mn-cs"/>
-              </a:rPr>
-              <a:t>quittent jamais la région </a:t>
-            </a:r>
-            <a:r>
-              <a:rPr lang="fr-FR" sz="1200" kern="1200" dirty="0" smtClean="0">
-                <a:solidFill>
-                  <a:schemeClr val="tx1"/>
-                </a:solidFill>
-                <a:latin typeface="+mn-lt"/>
-                <a:ea typeface="+mn-ea"/>
-                <a:cs typeface="+mn-cs"/>
-              </a:rPr>
-              <a:t>à moins que vous les en déplaciez. Par exemple, des objets stockés dans la région UE (Irlande) ne quittent jamais l'UE.</a:t>
-            </a:r>
-          </a:p>
-          <a:p>
-            <a:pPr marL="0" marR="0" lvl="2" indent="0" algn="l" defTabSz="457200" rtl="0" eaLnBrk="1" fontAlgn="auto" latinLnBrk="0" hangingPunct="1">
+              <a:t>Amazon S3 est un service de stockage pour Internet. Il est conçu pour faciliter l'accès aux ressources informatiques à l'échelle du Web, pour les développeurs.</a:t>
+            </a:r>
+          </a:p>
+          <a:p>
+            <a:pPr marL="0" marR="0" indent="0" algn="l" defTabSz="457200" rtl="0" eaLnBrk="1" fontAlgn="auto" latinLnBrk="0" hangingPunct="1">
               <a:lnSpc>
                 <a:spcPct val="100000"/>
               </a:lnSpc>
@@ -1323,7 +2145,7 @@
             </a:endParaRPr>
           </a:p>
           <a:p>
-            <a:pPr marL="0" marR="0" lvl="2" indent="0" algn="l" defTabSz="457200" rtl="0" eaLnBrk="1" fontAlgn="auto" latinLnBrk="0" hangingPunct="1">
+            <a:pPr marL="0" marR="0" indent="0" algn="l" defTabSz="457200" rtl="0" eaLnBrk="1" fontAlgn="auto" latinLnBrk="0" hangingPunct="1">
               <a:lnSpc>
                 <a:spcPct val="100000"/>
               </a:lnSpc>
@@ -1340,10 +2162,6 @@
               <a:tabLst/>
               <a:defRPr/>
             </a:pPr>
-            <a:r>
-              <a:rPr lang="fr-FR" sz="3000" dirty="0" smtClean="0"/>
-              <a:t>3. </a:t>
-            </a:r>
             <a:r>
               <a:rPr lang="fr-FR" sz="1200" kern="1200" dirty="0" smtClean="0">
                 <a:solidFill>
@@ -1353,22 +2171,11 @@
                 <a:ea typeface="+mn-ea"/>
                 <a:cs typeface="+mn-cs"/>
               </a:rPr>
-              <a:t>Les mécanismes d'authentification sont fournis pour assurer la sécurité des données contre les accès non autorisés. Des objets peuvent être rendus </a:t>
-            </a:r>
-            <a:r>
-              <a:rPr lang="fr-FR" sz="1200" u="sng" kern="1200" dirty="0" smtClean="0">
-                <a:solidFill>
-                  <a:schemeClr val="tx1"/>
-                </a:solidFill>
-                <a:latin typeface="+mn-lt"/>
-                <a:ea typeface="+mn-ea"/>
-                <a:cs typeface="+mn-cs"/>
-              </a:rPr>
-              <a:t>privés ou publics, et des droits d'accès accordés à des utilisateurs spécifiques.</a:t>
-            </a:r>
-          </a:p>
-          <a:p>
-            <a:pPr marL="0" marR="0" lvl="2" indent="0" algn="l" defTabSz="457200" rtl="0" eaLnBrk="1" fontAlgn="auto" latinLnBrk="0" hangingPunct="1">
+              <a:t>Amazon S3 offre une simple interface de services Web à utiliser pour stocker et récupérer n'importe quelle quantité de données, à tout moment, de n'importe où sur le Web. Il permet aux développeurs d'accéder à la même infrastructure hautement évolutive, fiable, sûre, rapide, et peu coûteuse qu'Amazon utilise pour faire fonctionner son propre réseau mondial de sites. Le service vise à maximiser les avantages d'échelle et les transmettre aux développeurs.</a:t>
+            </a:r>
+          </a:p>
+          <a:p>
+            <a:pPr marL="0" marR="0" indent="0" algn="l" defTabSz="457200" rtl="0" eaLnBrk="1" fontAlgn="auto" latinLnBrk="0" hangingPunct="1">
               <a:lnSpc>
                 <a:spcPct val="100000"/>
               </a:lnSpc>
@@ -1385,7 +2192,7 @@
               <a:tabLst/>
               <a:defRPr/>
             </a:pPr>
-            <a:endParaRPr lang="fr-FR" sz="1200" u="sng" kern="1200" dirty="0" smtClean="0">
+            <a:endParaRPr lang="fr-FR" sz="1200" kern="1200" dirty="0" smtClean="0">
               <a:solidFill>
                 <a:schemeClr val="tx1"/>
               </a:solidFill>
@@ -1413,47 +2220,17 @@
               <a:defRPr/>
             </a:pPr>
             <a:r>
-              <a:rPr lang="fr-FR" sz="1200" u="sng" kern="1200" dirty="0" smtClean="0">
-                <a:solidFill>
-                  <a:schemeClr val="tx1"/>
-                </a:solidFill>
-                <a:latin typeface="+mn-lt"/>
-                <a:ea typeface="+mn-ea"/>
-                <a:cs typeface="+mn-cs"/>
-              </a:rPr>
-              <a:t>4. </a:t>
-            </a:r>
-            <a:r>
-              <a:rPr lang="fr-FR" sz="1200" kern="1200" dirty="0" smtClean="0">
-                <a:solidFill>
-                  <a:schemeClr val="tx1"/>
-                </a:solidFill>
-                <a:latin typeface="+mn-lt"/>
-                <a:ea typeface="+mn-ea"/>
-                <a:cs typeface="+mn-cs"/>
-              </a:rPr>
-              <a:t>Des fonctions sont prévues pour simplifier la gestion des données tout au long du cycle de vie. De plus, diverses options permettent de séparer les données par compartiments, de surveiller et de contrôler les dépenses, ainsi que d'archiver automatiquement les données afin de réduire encore davantage le coût du stockage. Ces options peuvent être facilement gérées à l'aide de la </a:t>
-            </a:r>
-            <a:r>
-              <a:rPr lang="fr-FR" sz="1200" u="sng" kern="1200" dirty="0" smtClean="0">
-                <a:solidFill>
-                  <a:schemeClr val="tx1"/>
-                </a:solidFill>
-                <a:latin typeface="+mn-lt"/>
-                <a:ea typeface="+mn-ea"/>
-                <a:cs typeface="+mn-cs"/>
-                <a:hlinkClick r:id="rId3"/>
-              </a:rPr>
-              <a:t>console de gestion d'Amazon S3.</a:t>
-            </a:r>
-            <a:endParaRPr lang="fr-FR" sz="1200" u="sng" kern="1200" dirty="0" smtClean="0">
-              <a:solidFill>
-                <a:schemeClr val="tx1"/>
-              </a:solidFill>
-              <a:latin typeface="+mn-lt"/>
-              <a:ea typeface="+mn-ea"/>
-              <a:cs typeface="+mn-cs"/>
-            </a:endParaRPr>
+              <a:rPr lang="fr-FR" sz="3000" u="sng" dirty="0" smtClean="0"/>
+              <a:t>N’importe quelle quantité de données</a:t>
+            </a:r>
+            <a:r>
+              <a:rPr lang="fr-FR" sz="1200" u="sng" baseline="0" dirty="0" smtClean="0"/>
+              <a:t> </a:t>
+            </a:r>
+            <a:r>
+              <a:rPr lang="fr-FR" sz="1200" baseline="0" dirty="0" smtClean="0"/>
+              <a:t>: taille d’1 fichier limitée à 5To</a:t>
+            </a:r>
           </a:p>
           <a:p>
             <a:pPr marL="0" marR="0" lvl="2" indent="0" algn="l" defTabSz="457200" rtl="0" eaLnBrk="1" fontAlgn="auto" latinLnBrk="0" hangingPunct="1">
@@ -1473,34 +2250,7 @@
               <a:tabLst/>
               <a:defRPr/>
             </a:pPr>
-            <a:endParaRPr lang="fr-FR" sz="1200" u="sng" kern="1200" dirty="0" smtClean="0">
-              <a:solidFill>
-                <a:schemeClr val="tx1"/>
-              </a:solidFill>
-              <a:latin typeface="+mn-lt"/>
-              <a:ea typeface="+mn-ea"/>
-              <a:cs typeface="+mn-cs"/>
-            </a:endParaRPr>
-          </a:p>
-          <a:p>
-            <a:pPr marL="0" marR="0" lvl="2" indent="0" algn="l" defTabSz="457200" rtl="0" eaLnBrk="1" fontAlgn="auto" latinLnBrk="0" hangingPunct="1">
-              <a:lnSpc>
-                <a:spcPct val="100000"/>
-              </a:lnSpc>
-              <a:spcBef>
-                <a:spcPts val="0"/>
-              </a:spcBef>
-              <a:spcAft>
-                <a:spcPts val="0"/>
-              </a:spcAft>
-              <a:buClrTx/>
-              <a:buSzTx/>
-              <a:buFontTx/>
-              <a:buNone/>
-              <a:tabLst/>
-              <a:defRPr/>
-            </a:pPr>
-            <a:endParaRPr lang="fr-FR" sz="3000" u="sng" dirty="0" smtClean="0"/>
+            <a:endParaRPr lang="fr-FR" sz="3000" dirty="0" smtClean="0"/>
           </a:p>
         </p:txBody>
       </p:sp>
@@ -1521,7 +2271,8 @@
           <a:p>
             <a:fld id="{7CFB7986-A455-FF4B-8986-0F422CDEA853}" type="slidenum">
               <a:rPr lang="fr-FR" smtClean="0"/>
-              <a:t>8</a:t>
+              <a:pPr/>
+              <a:t>7</a:t>
             </a:fld>
             <a:endParaRPr lang="fr-FR"/>
           </a:p>
@@ -1530,7 +2281,7 @@
     </p:spTree>
     <p:extLst>
       <p:ext uri="{BB962C8B-B14F-4D97-AF65-F5344CB8AC3E}">
-        <p14:creationId xmlns:p14="http://schemas.microsoft.com/office/powerpoint/2010/main" val="2736999507"/>
+        <p14:creationId xmlns="" xmlns:p14="http://schemas.microsoft.com/office/powerpoint/2010/main" val="2736999507"/>
       </p:ext>
     </p:extLst>
   </p:cSld>
@@ -1610,7 +2361,18 @@
                 <a:ea typeface="+mn-ea"/>
                 <a:cs typeface="+mn-cs"/>
               </a:rPr>
-              <a:t>Il est conçu pour faciliter l'accès aux ressources informatiques à l'échelle du Web, pour les développeurs.</a:t>
+              <a:t>1. Chaque objet est stocké dans un compartiment et </a:t>
+            </a:r>
+            <a:r>
+              <a:rPr lang="fr-FR" sz="1200" u="sng" kern="1200" dirty="0" smtClean="0">
+                <a:solidFill>
+                  <a:schemeClr val="tx1"/>
+                </a:solidFill>
+                <a:latin typeface="+mn-lt"/>
+                <a:ea typeface="+mn-ea"/>
+                <a:cs typeface="+mn-cs"/>
+              </a:rPr>
+              <a:t>récupéré via une clé unique attribuée au développeur.</a:t>
             </a:r>
           </a:p>
           <a:p>
@@ -1659,47 +2421,6 @@
               <a:defRPr/>
             </a:pPr>
             <a:r>
-              <a:rPr lang="fr-FR" sz="3200" u="sng" dirty="0" err="1" smtClean="0"/>
-              <a:t>Elastic</a:t>
-            </a:r>
-            <a:r>
-              <a:rPr lang="fr-FR" sz="3200" u="sng" dirty="0" smtClean="0"/>
-              <a:t> : </a:t>
-            </a:r>
-            <a:r>
-              <a:rPr lang="fr-FR" sz="3200" kern="1200" dirty="0" smtClean="0">
-                <a:solidFill>
-                  <a:schemeClr val="tx1"/>
-                </a:solidFill>
-                <a:latin typeface="+mn-lt"/>
-                <a:ea typeface="+mn-ea"/>
-                <a:cs typeface="+mn-cs"/>
-              </a:rPr>
-              <a:t>permet </a:t>
-            </a:r>
-            <a:r>
-              <a:rPr lang="fr-FR" sz="3200" u="sng" kern="1200" dirty="0" smtClean="0">
-                <a:solidFill>
-                  <a:schemeClr val="tx1"/>
-                </a:solidFill>
-                <a:latin typeface="+mn-lt"/>
-                <a:ea typeface="+mn-ea"/>
-                <a:cs typeface="+mn-cs"/>
-              </a:rPr>
-              <a:t>d'augmenter ou de réduire la capacité en quelques minutes</a:t>
-            </a:r>
-            <a:r>
-              <a:rPr lang="fr-FR" sz="3200" kern="1200" dirty="0" smtClean="0">
-                <a:solidFill>
-                  <a:schemeClr val="tx1"/>
-                </a:solidFill>
-                <a:latin typeface="+mn-lt"/>
-                <a:ea typeface="+mn-ea"/>
-                <a:cs typeface="+mn-cs"/>
-              </a:rPr>
-              <a:t>, et non en plusieurs heures ou jours. </a:t>
-            </a:r>
-            <a:r>
               <a:rPr lang="fr-FR" sz="1200" kern="1200" dirty="0" smtClean="0">
                 <a:solidFill>
                   <a:schemeClr val="tx1"/>
@@ -1708,27 +2429,8 @@
                 <a:ea typeface="+mn-ea"/>
                 <a:cs typeface="+mn-cs"/>
               </a:rPr>
-              <a:t>votre application peut augmenter et diminuer automatiquement selon ses besoins.</a:t>
-            </a:r>
-          </a:p>
-          <a:p>
-            <a:pPr marL="0" marR="0" lvl="2" indent="0" algn="l" defTabSz="457200" rtl="0" eaLnBrk="1" fontAlgn="auto" latinLnBrk="0" hangingPunct="1">
-              <a:lnSpc>
-                <a:spcPct val="100000"/>
-              </a:lnSpc>
-              <a:spcBef>
-                <a:spcPts val="0"/>
-              </a:spcBef>
-              <a:spcAft>
-                <a:spcPts val="0"/>
-              </a:spcAft>
-              <a:buClrTx/>
-              <a:buSzTx/>
-              <a:buFontTx/>
-              <a:buNone/>
-              <a:tabLst/>
-              <a:defRPr/>
-            </a:pPr>
+              <a:t>2. Les objets stockés dans une région ne </a:t>
+            </a:r>
             <a:r>
               <a:rPr lang="fr-FR" sz="1200" u="sng" kern="1200" dirty="0" smtClean="0">
                 <a:solidFill>
@@ -1738,7 +2440,7 @@
                 <a:ea typeface="+mn-ea"/>
                 <a:cs typeface="+mn-cs"/>
               </a:rPr>
-              <a:t>Flexible </a:t>
+              <a:t>quittent jamais la région </a:t>
             </a:r>
             <a:r>
               <a:rPr lang="fr-FR" sz="1200" kern="1200" dirty="0" smtClean="0">
@@ -1749,103 +2451,7 @@
                 <a:ea typeface="+mn-ea"/>
                 <a:cs typeface="+mn-cs"/>
               </a:rPr>
-              <a:t>: Vous avez </a:t>
-            </a:r>
-            <a:r>
-              <a:rPr lang="fr-FR" sz="1200" u="sng" kern="1200" dirty="0" smtClean="0">
-                <a:solidFill>
-                  <a:schemeClr val="tx1"/>
-                </a:solidFill>
-                <a:latin typeface="+mn-lt"/>
-                <a:ea typeface="+mn-ea"/>
-                <a:cs typeface="+mn-cs"/>
-              </a:rPr>
-              <a:t>le choix entre plusieurs types d'instance, systèmes d'exploitation et paquets logiciels</a:t>
-            </a:r>
-            <a:r>
-              <a:rPr lang="fr-FR" sz="1200" kern="1200" dirty="0" smtClean="0">
-                <a:solidFill>
-                  <a:schemeClr val="tx1"/>
-                </a:solidFill>
-                <a:latin typeface="+mn-lt"/>
-                <a:ea typeface="+mn-ea"/>
-                <a:cs typeface="+mn-cs"/>
-              </a:rPr>
-              <a:t>. Amazon EC2 permet de sélectionner la configuration </a:t>
-            </a:r>
-            <a:r>
-              <a:rPr lang="fr-FR" sz="1200" u="sng" kern="1200" dirty="0" smtClean="0">
-                <a:solidFill>
-                  <a:schemeClr val="tx1"/>
-                </a:solidFill>
-                <a:latin typeface="+mn-lt"/>
-                <a:ea typeface="+mn-ea"/>
-                <a:cs typeface="+mn-cs"/>
-              </a:rPr>
-              <a:t>de mémoire, le CPU, le stockage d'instance, et la taille de la partition de démarrage </a:t>
-            </a:r>
-            <a:r>
-              <a:rPr lang="fr-FR" sz="1200" kern="1200" dirty="0" smtClean="0">
-                <a:solidFill>
-                  <a:schemeClr val="tx1"/>
-                </a:solidFill>
-                <a:latin typeface="+mn-lt"/>
-                <a:ea typeface="+mn-ea"/>
-                <a:cs typeface="+mn-cs"/>
-              </a:rPr>
-              <a:t>qui sont optimaux pour votre choix de système d'exploitation et d'application. Par exemple, le choix de vos systèmes d'exploitation inclut de nombreuses distributions Linux et Microsoft Windows Server.</a:t>
-            </a:r>
-          </a:p>
-          <a:p>
-            <a:pPr marL="0" marR="0" lvl="2" indent="0" algn="l" defTabSz="457200" rtl="0" eaLnBrk="1" fontAlgn="auto" latinLnBrk="0" hangingPunct="1">
-              <a:lnSpc>
-                <a:spcPct val="100000"/>
-              </a:lnSpc>
-              <a:spcBef>
-                <a:spcPts val="0"/>
-              </a:spcBef>
-              <a:spcAft>
-                <a:spcPts val="0"/>
-              </a:spcAft>
-              <a:buClrTx/>
-              <a:buSzTx/>
-              <a:buFontTx/>
-              <a:buNone/>
-              <a:tabLst/>
-              <a:defRPr/>
-            </a:pPr>
-            <a:r>
-              <a:rPr lang="fr-FR" sz="1200" kern="1200" dirty="0" smtClean="0">
-                <a:solidFill>
-                  <a:schemeClr val="tx1"/>
-                </a:solidFill>
-                <a:latin typeface="+mn-lt"/>
-                <a:ea typeface="+mn-ea"/>
-                <a:cs typeface="+mn-cs"/>
-              </a:rPr>
-              <a:t>Sécurisé : </a:t>
-            </a:r>
-            <a:r>
-              <a:rPr lang="fr-FR" sz="1200" kern="1200" dirty="0" err="1" smtClean="0">
-                <a:solidFill>
-                  <a:schemeClr val="tx1"/>
-                </a:solidFill>
-                <a:latin typeface="+mn-lt"/>
-                <a:ea typeface="+mn-ea"/>
-                <a:cs typeface="+mn-cs"/>
-              </a:rPr>
-              <a:t>parametres</a:t>
-            </a:r>
-            <a:r>
-              <a:rPr lang="fr-FR" sz="1200" kern="1200" dirty="0" smtClean="0">
-                <a:solidFill>
-                  <a:schemeClr val="tx1"/>
-                </a:solidFill>
-                <a:latin typeface="+mn-lt"/>
-                <a:ea typeface="+mn-ea"/>
-                <a:cs typeface="+mn-cs"/>
-              </a:rPr>
-              <a:t> de pare feu configurables. Vous disposez d'un contrôle total de vos instances. Vous avez accès à la racine de chacune d'elle,</a:t>
+              <a:t>à moins que vous les en déplaciez. Par exemple, des objets stockés dans la région UE (Irlande) ne quittent jamais l'UE.</a:t>
             </a:r>
           </a:p>
           <a:p>
@@ -1893,7 +2499,52 @@
               <a:tabLst/>
               <a:defRPr/>
             </a:pPr>
-            <a:endParaRPr lang="fr-FR" sz="1200" kern="1200" dirty="0" smtClean="0">
+            <a:r>
+              <a:rPr lang="fr-FR" sz="3000" dirty="0" smtClean="0"/>
+              <a:t>3. </a:t>
+            </a:r>
+            <a:r>
+              <a:rPr lang="fr-FR" sz="1200" kern="1200" dirty="0" smtClean="0">
+                <a:solidFill>
+                  <a:schemeClr val="tx1"/>
+                </a:solidFill>
+                <a:latin typeface="+mn-lt"/>
+                <a:ea typeface="+mn-ea"/>
+                <a:cs typeface="+mn-cs"/>
+              </a:rPr>
+              <a:t>Les mécanismes d'authentification sont fournis pour assurer la sécurité des données contre les accès non autorisés. Des objets peuvent être rendus </a:t>
+            </a:r>
+            <a:r>
+              <a:rPr lang="fr-FR" sz="1200" u="sng" kern="1200" dirty="0" smtClean="0">
+                <a:solidFill>
+                  <a:schemeClr val="tx1"/>
+                </a:solidFill>
+                <a:latin typeface="+mn-lt"/>
+                <a:ea typeface="+mn-ea"/>
+                <a:cs typeface="+mn-cs"/>
+              </a:rPr>
+              <a:t>privés ou publics, et des droits d'accès accordés à des utilisateurs spécifiques.</a:t>
+            </a:r>
+          </a:p>
+          <a:p>
+            <a:pPr marL="0" marR="0" lvl="2" indent="0" algn="l" defTabSz="457200" rtl="0" eaLnBrk="1" fontAlgn="auto" latinLnBrk="0" hangingPunct="1">
+              <a:lnSpc>
+                <a:spcPct val="100000"/>
+              </a:lnSpc>
+              <a:spcBef>
+                <a:spcPts val="0"/>
+              </a:spcBef>
+              <a:spcAft>
+                <a:spcPts val="0"/>
+              </a:spcAft>
+              <a:buClrTx/>
+              <a:buSzTx/>
+              <a:buFontTx/>
+              <a:buNone/>
+              <a:tabLst/>
+              <a:defRPr/>
+            </a:pPr>
+            <a:endParaRPr lang="fr-FR" sz="1200" u="sng" kern="1200" dirty="0" smtClean="0">
               <a:solidFill>
                 <a:schemeClr val="tx1"/>
               </a:solidFill>
@@ -1920,7 +2571,41 @@
               <a:tabLst/>
               <a:defRPr/>
             </a:pPr>
-            <a:endParaRPr lang="fr-FR" sz="3200" kern="1200" dirty="0" smtClean="0">
+            <a:r>
+              <a:rPr lang="fr-FR" sz="1200" u="sng" kern="1200" dirty="0" smtClean="0">
+                <a:solidFill>
+                  <a:schemeClr val="tx1"/>
+                </a:solidFill>
+                <a:latin typeface="+mn-lt"/>
+                <a:ea typeface="+mn-ea"/>
+                <a:cs typeface="+mn-cs"/>
+              </a:rPr>
+              <a:t>4. </a:t>
+            </a:r>
+            <a:r>
+              <a:rPr lang="fr-FR" sz="1200" kern="1200" dirty="0" smtClean="0">
+                <a:solidFill>
+                  <a:schemeClr val="tx1"/>
+                </a:solidFill>
+                <a:latin typeface="+mn-lt"/>
+                <a:ea typeface="+mn-ea"/>
+                <a:cs typeface="+mn-cs"/>
+              </a:rPr>
+              <a:t>Des fonctions sont prévues pour simplifier la gestion des données tout au long du cycle de vie. De plus, diverses options permettent de séparer les données par compartiments, de surveiller et de contrôler les dépenses, ainsi que d'archiver automatiquement les données afin de réduire encore davantage le coût du stockage. Ces options peuvent être facilement gérées à l'aide de la </a:t>
+            </a:r>
+            <a:r>
+              <a:rPr lang="fr-FR" sz="1200" u="sng" kern="1200" dirty="0" smtClean="0">
+                <a:solidFill>
+                  <a:schemeClr val="tx1"/>
+                </a:solidFill>
+                <a:latin typeface="+mn-lt"/>
+                <a:ea typeface="+mn-ea"/>
+                <a:cs typeface="+mn-cs"/>
+                <a:hlinkClick r:id="rId3"/>
+              </a:rPr>
+              <a:t>console de gestion d'Amazon S3.</a:t>
+            </a:r>
+            <a:endParaRPr lang="fr-FR" sz="1200" u="sng" kern="1200" dirty="0" smtClean="0">
               <a:solidFill>
                 <a:schemeClr val="tx1"/>
               </a:solidFill>
@@ -1947,7 +2632,34 @@
               <a:tabLst/>
               <a:defRPr/>
             </a:pPr>
-            <a:endParaRPr lang="fr-FR" sz="3200" u="sng" dirty="0" smtClean="0"/>
+            <a:endParaRPr lang="fr-FR" sz="1200" u="sng" kern="1200" dirty="0" smtClean="0">
+              <a:solidFill>
+                <a:schemeClr val="tx1"/>
+              </a:solidFill>
+              <a:latin typeface="+mn-lt"/>
+              <a:ea typeface="+mn-ea"/>
+              <a:cs typeface="+mn-cs"/>
+            </a:endParaRPr>
+          </a:p>
+          <a:p>
+            <a:pPr marL="0" marR="0" lvl="2" indent="0" algn="l" defTabSz="457200" rtl="0" eaLnBrk="1" fontAlgn="auto" latinLnBrk="0" hangingPunct="1">
+              <a:lnSpc>
+                <a:spcPct val="100000"/>
+              </a:lnSpc>
+              <a:spcBef>
+                <a:spcPts val="0"/>
+              </a:spcBef>
+              <a:spcAft>
+                <a:spcPts val="0"/>
+              </a:spcAft>
+              <a:buClrTx/>
+              <a:buSzTx/>
+              <a:buFontTx/>
+              <a:buNone/>
+              <a:tabLst/>
+              <a:defRPr/>
+            </a:pPr>
+            <a:endParaRPr lang="fr-FR" sz="3000" u="sng" dirty="0" smtClean="0"/>
           </a:p>
         </p:txBody>
       </p:sp>
@@ -1968,7 +2680,8 @@
           <a:p>
             <a:fld id="{7CFB7986-A455-FF4B-8986-0F422CDEA853}" type="slidenum">
               <a:rPr lang="fr-FR" smtClean="0"/>
-              <a:t>9</a:t>
+              <a:pPr/>
+              <a:t>8</a:t>
             </a:fld>
             <a:endParaRPr lang="fr-FR"/>
           </a:p>
@@ -1977,7 +2690,7 @@
     </p:spTree>
     <p:extLst>
       <p:ext uri="{BB962C8B-B14F-4D97-AF65-F5344CB8AC3E}">
-        <p14:creationId xmlns:p14="http://schemas.microsoft.com/office/powerpoint/2010/main" val="2736999507"/>
+        <p14:creationId xmlns="" xmlns:p14="http://schemas.microsoft.com/office/powerpoint/2010/main" val="2736999507"/>
       </p:ext>
     </p:extLst>
   </p:cSld>
@@ -2049,14 +2762,6 @@
               <a:defRPr/>
             </a:pPr>
             <a:r>
-              <a:rPr lang="fr-FR" sz="3200" u="sng" dirty="0" smtClean="0"/>
-              <a:t>Instance</a:t>
-            </a:r>
-            <a:r>
-              <a:rPr lang="fr-FR" sz="3200" u="sng" baseline="0" dirty="0" smtClean="0"/>
-              <a:t> a la demande : </a:t>
-            </a:r>
-            <a:r>
               <a:rPr lang="fr-FR" sz="1200" kern="1200" dirty="0" smtClean="0">
                 <a:solidFill>
                   <a:schemeClr val="tx1"/>
@@ -2065,7 +2770,7 @@
                 <a:ea typeface="+mn-ea"/>
                 <a:cs typeface="+mn-cs"/>
               </a:rPr>
-              <a:t>Les instances à la demande suppriment également le besoin d'acheter une capacité de "filet de sécurité" pour gérer des pics de trafic périodiques.</a:t>
+              <a:t>Il est conçu pour faciliter l'accès aux ressources informatiques à l'échelle du Web, pour les développeurs.</a:t>
             </a:r>
           </a:p>
           <a:p>
@@ -2114,6 +2819,77 @@
               <a:defRPr/>
             </a:pPr>
             <a:r>
+              <a:rPr lang="fr-FR" sz="3200" u="sng" dirty="0" err="1" smtClean="0"/>
+              <a:t>Elastic</a:t>
+            </a:r>
+            <a:r>
+              <a:rPr lang="fr-FR" sz="3200" u="sng" dirty="0" smtClean="0"/>
+              <a:t> : </a:t>
+            </a:r>
+            <a:r>
+              <a:rPr lang="fr-FR" sz="3200" kern="1200" dirty="0" smtClean="0">
+                <a:solidFill>
+                  <a:schemeClr val="tx1"/>
+                </a:solidFill>
+                <a:latin typeface="+mn-lt"/>
+                <a:ea typeface="+mn-ea"/>
+                <a:cs typeface="+mn-cs"/>
+              </a:rPr>
+              <a:t>permet </a:t>
+            </a:r>
+            <a:r>
+              <a:rPr lang="fr-FR" sz="3200" u="sng" kern="1200" dirty="0" smtClean="0">
+                <a:solidFill>
+                  <a:schemeClr val="tx1"/>
+                </a:solidFill>
+                <a:latin typeface="+mn-lt"/>
+                <a:ea typeface="+mn-ea"/>
+                <a:cs typeface="+mn-cs"/>
+              </a:rPr>
+              <a:t>d'augmenter ou de réduire la capacité en quelques minutes</a:t>
+            </a:r>
+            <a:r>
+              <a:rPr lang="fr-FR" sz="3200" kern="1200" dirty="0" smtClean="0">
+                <a:solidFill>
+                  <a:schemeClr val="tx1"/>
+                </a:solidFill>
+                <a:latin typeface="+mn-lt"/>
+                <a:ea typeface="+mn-ea"/>
+                <a:cs typeface="+mn-cs"/>
+              </a:rPr>
+              <a:t>, et non en plusieurs heures ou jours. </a:t>
+            </a:r>
+            <a:r>
+              <a:rPr lang="fr-FR" sz="1200" kern="1200" dirty="0" smtClean="0">
+                <a:solidFill>
+                  <a:schemeClr val="tx1"/>
+                </a:solidFill>
+                <a:latin typeface="+mn-lt"/>
+                <a:ea typeface="+mn-ea"/>
+                <a:cs typeface="+mn-cs"/>
+              </a:rPr>
+              <a:t>votre application peut augmenter et diminuer automatiquement selon ses besoins.</a:t>
+            </a:r>
+          </a:p>
+          <a:p>
+            <a:pPr marL="0" marR="0" lvl="2" indent="0" algn="l" defTabSz="457200" rtl="0" eaLnBrk="1" fontAlgn="auto" latinLnBrk="0" hangingPunct="1">
+              <a:lnSpc>
+                <a:spcPct val="100000"/>
+              </a:lnSpc>
+              <a:spcBef>
+                <a:spcPts val="0"/>
+              </a:spcBef>
+              <a:spcAft>
+                <a:spcPts val="0"/>
+              </a:spcAft>
+              <a:buClrTx/>
+              <a:buSzTx/>
+              <a:buFontTx/>
+              <a:buNone/>
+              <a:tabLst/>
+              <a:defRPr/>
+            </a:pPr>
+            <a:r>
               <a:rPr lang="fr-FR" sz="1200" u="sng" kern="1200" dirty="0" smtClean="0">
                 <a:solidFill>
                   <a:schemeClr val="tx1"/>
@@ -2122,10 +2898,10 @@
                 <a:ea typeface="+mn-ea"/>
                 <a:cs typeface="+mn-cs"/>
               </a:rPr>
-              <a:t>Instance </a:t>
-            </a:r>
-            <a:r>
-              <a:rPr lang="fr-FR" sz="1200" u="sng" kern="1200" dirty="0" err="1" smtClean="0">
+              <a:t>Flexible </a:t>
+            </a:r>
+            <a:r>
+              <a:rPr lang="fr-FR" sz="1200" kern="1200" dirty="0" smtClean="0">
                 <a:solidFill>
                   <a:schemeClr val="tx1"/>
                 </a:solidFill>
@@ -2133,7 +2909,7 @@
                 <a:ea typeface="+mn-ea"/>
                 <a:cs typeface="+mn-cs"/>
               </a:rPr>
-              <a:t>reservees</a:t>
+              <a:t>: Vous avez </a:t>
             </a:r>
             <a:r>
               <a:rPr lang="fr-FR" sz="1200" u="sng" kern="1200" dirty="0" smtClean="0">
@@ -2144,7 +2920,7 @@
                 <a:ea typeface="+mn-ea"/>
                 <a:cs typeface="+mn-cs"/>
               </a:rPr>
-              <a:t> : </a:t>
+              <a:t>le choix entre plusieurs types d'instance, systèmes d'exploitation et paquets logiciels</a:t>
             </a:r>
             <a:r>
               <a:rPr lang="fr-FR" sz="1200" kern="1200" dirty="0" smtClean="0">
@@ -2155,54 +2931,8 @@
                 <a:ea typeface="+mn-ea"/>
                 <a:cs typeface="+mn-cs"/>
               </a:rPr>
-              <a:t> Il y a trois types d'instances réservées (Instances réservées d'utilisation légère, modérée et intensive)</a:t>
-            </a:r>
-          </a:p>
-          <a:p>
-            <a:pPr marL="0" marR="0" lvl="2" indent="0" algn="l" defTabSz="457200" rtl="0" eaLnBrk="1" fontAlgn="auto" latinLnBrk="0" hangingPunct="1">
-              <a:lnSpc>
-                <a:spcPct val="100000"/>
-              </a:lnSpc>
-              <a:spcBef>
-                <a:spcPts val="0"/>
-              </a:spcBef>
-              <a:spcAft>
-                <a:spcPts val="0"/>
-              </a:spcAft>
-              <a:buClrTx/>
-              <a:buSzTx/>
-              <a:buFontTx/>
-              <a:buNone/>
-              <a:tabLst/>
-              <a:defRPr/>
-            </a:pPr>
-            <a:endParaRPr lang="fr-FR" sz="1200" u="sng" kern="1200" dirty="0" smtClean="0">
-              <a:solidFill>
-                <a:schemeClr val="tx1"/>
-              </a:solidFill>
-              <a:latin typeface="+mn-lt"/>
-              <a:ea typeface="+mn-ea"/>
-              <a:cs typeface="+mn-cs"/>
-            </a:endParaRPr>
-          </a:p>
-          <a:p>
-            <a:pPr marL="0" marR="0" lvl="2" indent="0" algn="l" defTabSz="457200" rtl="0" eaLnBrk="1" fontAlgn="auto" latinLnBrk="0" hangingPunct="1">
-              <a:lnSpc>
-                <a:spcPct val="100000"/>
-              </a:lnSpc>
-              <a:spcBef>
-                <a:spcPts val="0"/>
-              </a:spcBef>
-              <a:spcAft>
-                <a:spcPts val="0"/>
-              </a:spcAft>
-              <a:buClrTx/>
-              <a:buSzTx/>
-              <a:buFontTx/>
-              <a:buNone/>
-              <a:tabLst/>
-              <a:defRPr/>
-            </a:pPr>
+              <a:t>. Amazon EC2 permet de sélectionner la configuration </a:t>
+            </a:r>
             <a:r>
               <a:rPr lang="fr-FR" sz="1200" u="sng" kern="1200" dirty="0" smtClean="0">
                 <a:solidFill>
@@ -2212,7 +2942,7 @@
                 <a:ea typeface="+mn-ea"/>
                 <a:cs typeface="+mn-cs"/>
               </a:rPr>
-              <a:t>Instance ponctuelles </a:t>
+              <a:t>de mémoire, le CPU, le stockage d'instance, et la taille de la partition de démarrage </a:t>
             </a:r>
             <a:r>
               <a:rPr lang="fr-FR" sz="1200" kern="1200" dirty="0" smtClean="0">
@@ -2223,19 +2953,27 @@
                 <a:ea typeface="+mn-ea"/>
                 <a:cs typeface="+mn-cs"/>
               </a:rPr>
-              <a:t>:</a:t>
-            </a:r>
-            <a:r>
-              <a:rPr lang="fr-FR" sz="1200" kern="1200" baseline="0" dirty="0" smtClean="0">
-                <a:solidFill>
-                  <a:schemeClr val="tx1"/>
-                </a:solidFill>
-                <a:latin typeface="+mn-lt"/>
-                <a:ea typeface="+mn-ea"/>
-                <a:cs typeface="+mn-cs"/>
-              </a:rPr>
-              <a:t> </a:t>
-            </a:r>
+              <a:t>qui sont optimaux pour votre choix de système d'exploitation et d'application. Par exemple, le choix de vos systèmes d'exploitation inclut de nombreuses distributions Linux et Microsoft Windows Server.</a:t>
+            </a:r>
+          </a:p>
+          <a:p>
+            <a:pPr marL="0" marR="0" lvl="2" indent="0" algn="l" defTabSz="457200" rtl="0" eaLnBrk="1" fontAlgn="auto" latinLnBrk="0" hangingPunct="1">
+              <a:lnSpc>
+                <a:spcPct val="100000"/>
+              </a:lnSpc>
+              <a:spcBef>
+                <a:spcPts val="0"/>
+              </a:spcBef>
+              <a:spcAft>
+                <a:spcPts val="0"/>
+              </a:spcAft>
+              <a:buClrTx/>
+              <a:buSzTx/>
+              <a:buFontTx/>
+              <a:buNone/>
+              <a:tabLst/>
+              <a:defRPr/>
+            </a:pPr>
             <a:r>
               <a:rPr lang="fr-FR" sz="1200" kern="1200" dirty="0" smtClean="0">
                 <a:solidFill>
@@ -2245,8 +2983,130 @@
                 <a:ea typeface="+mn-ea"/>
                 <a:cs typeface="+mn-cs"/>
               </a:rPr>
-              <a:t>Le prix ponctuel change périodiquement en fonction de l'offre et de la demande, et les clients, dont les offres répondent ou dépassent ce prix, ont accès aux instances ponctuelles disponibles. Si les heures d'exécution de vos applications sont flexibles, les instances ponctuelles peuvent faire baisser de manière significative vos coûts Amazon EC2.</a:t>
-            </a:r>
+              <a:t>Sécurisé : </a:t>
+            </a:r>
+            <a:r>
+              <a:rPr lang="fr-FR" sz="1200" kern="1200" dirty="0" err="1" smtClean="0">
+                <a:solidFill>
+                  <a:schemeClr val="tx1"/>
+                </a:solidFill>
+                <a:latin typeface="+mn-lt"/>
+                <a:ea typeface="+mn-ea"/>
+                <a:cs typeface="+mn-cs"/>
+              </a:rPr>
+              <a:t>parametres</a:t>
+            </a:r>
+            <a:r>
+              <a:rPr lang="fr-FR" sz="1200" kern="1200" dirty="0" smtClean="0">
+                <a:solidFill>
+                  <a:schemeClr val="tx1"/>
+                </a:solidFill>
+                <a:latin typeface="+mn-lt"/>
+                <a:ea typeface="+mn-ea"/>
+                <a:cs typeface="+mn-cs"/>
+              </a:rPr>
+              <a:t> de pare feu configurables. Vous disposez d'un contrôle total de vos instances. Vous avez accès à la racine de chacune d'elle,</a:t>
+            </a:r>
+          </a:p>
+          <a:p>
+            <a:pPr marL="0" marR="0" lvl="2" indent="0" algn="l" defTabSz="457200" rtl="0" eaLnBrk="1" fontAlgn="auto" latinLnBrk="0" hangingPunct="1">
+              <a:lnSpc>
+                <a:spcPct val="100000"/>
+              </a:lnSpc>
+              <a:spcBef>
+                <a:spcPts val="0"/>
+              </a:spcBef>
+              <a:spcAft>
+                <a:spcPts val="0"/>
+              </a:spcAft>
+              <a:buClrTx/>
+              <a:buSzTx/>
+              <a:buFontTx/>
+              <a:buNone/>
+              <a:tabLst/>
+              <a:defRPr/>
+            </a:pPr>
+            <a:endParaRPr lang="fr-FR" sz="1200" kern="1200" dirty="0" smtClean="0">
+              <a:solidFill>
+                <a:schemeClr val="tx1"/>
+              </a:solidFill>
+              <a:latin typeface="+mn-lt"/>
+              <a:ea typeface="+mn-ea"/>
+              <a:cs typeface="+mn-cs"/>
+            </a:endParaRPr>
+          </a:p>
+          <a:p>
+            <a:pPr marL="0" marR="0" lvl="2" indent="0" algn="l" defTabSz="457200" rtl="0" eaLnBrk="1" fontAlgn="auto" latinLnBrk="0" hangingPunct="1">
+              <a:lnSpc>
+                <a:spcPct val="100000"/>
+              </a:lnSpc>
+              <a:spcBef>
+                <a:spcPts val="0"/>
+              </a:spcBef>
+              <a:spcAft>
+                <a:spcPts val="0"/>
+              </a:spcAft>
+              <a:buClrTx/>
+              <a:buSzTx/>
+              <a:buFontTx/>
+              <a:buNone/>
+              <a:tabLst/>
+              <a:defRPr/>
+            </a:pPr>
+            <a:endParaRPr lang="fr-FR" sz="1200" kern="1200" dirty="0" smtClean="0">
+              <a:solidFill>
+                <a:schemeClr val="tx1"/>
+              </a:solidFill>
+              <a:latin typeface="+mn-lt"/>
+              <a:ea typeface="+mn-ea"/>
+              <a:cs typeface="+mn-cs"/>
+            </a:endParaRPr>
+          </a:p>
+          <a:p>
+            <a:pPr marL="0" marR="0" lvl="2" indent="0" algn="l" defTabSz="457200" rtl="0" eaLnBrk="1" fontAlgn="auto" latinLnBrk="0" hangingPunct="1">
+              <a:lnSpc>
+                <a:spcPct val="100000"/>
+              </a:lnSpc>
+              <a:spcBef>
+                <a:spcPts val="0"/>
+              </a:spcBef>
+              <a:spcAft>
+                <a:spcPts val="0"/>
+              </a:spcAft>
+              <a:buClrTx/>
+              <a:buSzTx/>
+              <a:buFontTx/>
+              <a:buNone/>
+              <a:tabLst/>
+              <a:defRPr/>
+            </a:pPr>
+            <a:endParaRPr lang="fr-FR" sz="3200" kern="1200" dirty="0" smtClean="0">
+              <a:solidFill>
+                <a:schemeClr val="tx1"/>
+              </a:solidFill>
+              <a:latin typeface="+mn-lt"/>
+              <a:ea typeface="+mn-ea"/>
+              <a:cs typeface="+mn-cs"/>
+            </a:endParaRPr>
+          </a:p>
+          <a:p>
+            <a:pPr marL="0" marR="0" lvl="2" indent="0" algn="l" defTabSz="457200" rtl="0" eaLnBrk="1" fontAlgn="auto" latinLnBrk="0" hangingPunct="1">
+              <a:lnSpc>
+                <a:spcPct val="100000"/>
+              </a:lnSpc>
+              <a:spcBef>
+                <a:spcPts val="0"/>
+              </a:spcBef>
+              <a:spcAft>
+                <a:spcPts val="0"/>
+              </a:spcAft>
+              <a:buClrTx/>
+              <a:buSzTx/>
+              <a:buFontTx/>
+              <a:buNone/>
+              <a:tabLst/>
+              <a:defRPr/>
+            </a:pPr>
             <a:endParaRPr lang="fr-FR" sz="3200" u="sng" dirty="0" smtClean="0"/>
           </a:p>
         </p:txBody>
@@ -2268,7 +3128,8 @@
           <a:p>
             <a:fld id="{7CFB7986-A455-FF4B-8986-0F422CDEA853}" type="slidenum">
               <a:rPr lang="fr-FR" smtClean="0"/>
-              <a:t>10</a:t>
+              <a:pPr/>
+              <a:t>9</a:t>
             </a:fld>
             <a:endParaRPr lang="fr-FR"/>
           </a:p>
@@ -2277,7 +3138,7 @@
     </p:spTree>
     <p:extLst>
       <p:ext uri="{BB962C8B-B14F-4D97-AF65-F5344CB8AC3E}">
-        <p14:creationId xmlns:p14="http://schemas.microsoft.com/office/powerpoint/2010/main" val="2736999507"/>
+        <p14:creationId xmlns="" xmlns:p14="http://schemas.microsoft.com/office/powerpoint/2010/main" val="2736999507"/>
       </p:ext>
     </p:extLst>
   </p:cSld>
@@ -2331,6 +3192,88 @@
           <a:bodyPr/>
           <a:lstStyle/>
           <a:p>
+            <a:pPr marL="0" marR="0" lvl="2" indent="0" algn="l" defTabSz="457200" rtl="0" eaLnBrk="1" fontAlgn="auto" latinLnBrk="0" hangingPunct="1">
+              <a:lnSpc>
+                <a:spcPct val="100000"/>
+              </a:lnSpc>
+              <a:spcBef>
+                <a:spcPts val="0"/>
+              </a:spcBef>
+              <a:spcAft>
+                <a:spcPts val="0"/>
+              </a:spcAft>
+              <a:buClrTx/>
+              <a:buSzTx/>
+              <a:buFontTx/>
+              <a:buNone/>
+              <a:tabLst/>
+              <a:defRPr/>
+            </a:pPr>
+            <a:r>
+              <a:rPr lang="fr-FR" sz="3200" u="sng" dirty="0" smtClean="0"/>
+              <a:t>Instance</a:t>
+            </a:r>
+            <a:r>
+              <a:rPr lang="fr-FR" sz="3200" u="sng" baseline="0" dirty="0" smtClean="0"/>
+              <a:t> a la demande : </a:t>
+            </a:r>
+            <a:r>
+              <a:rPr lang="fr-FR" sz="1200" kern="1200" dirty="0" smtClean="0">
+                <a:solidFill>
+                  <a:schemeClr val="tx1"/>
+                </a:solidFill>
+                <a:latin typeface="+mn-lt"/>
+                <a:ea typeface="+mn-ea"/>
+                <a:cs typeface="+mn-cs"/>
+              </a:rPr>
+              <a:t>Les instances à la demande suppriment également le besoin d'acheter une capacité de "filet de sécurité" pour gérer des pics de trafic périodiques.</a:t>
+            </a:r>
+          </a:p>
+          <a:p>
+            <a:pPr marL="0" marR="0" lvl="2" indent="0" algn="l" defTabSz="457200" rtl="0" eaLnBrk="1" fontAlgn="auto" latinLnBrk="0" hangingPunct="1">
+              <a:lnSpc>
+                <a:spcPct val="100000"/>
+              </a:lnSpc>
+              <a:spcBef>
+                <a:spcPts val="0"/>
+              </a:spcBef>
+              <a:spcAft>
+                <a:spcPts val="0"/>
+              </a:spcAft>
+              <a:buClrTx/>
+              <a:buSzTx/>
+              <a:buFontTx/>
+              <a:buNone/>
+              <a:tabLst/>
+              <a:defRPr/>
+            </a:pPr>
+            <a:endParaRPr lang="fr-FR" sz="1200" u="sng" kern="1200" dirty="0" smtClean="0">
+              <a:solidFill>
+                <a:schemeClr val="tx1"/>
+              </a:solidFill>
+              <a:latin typeface="+mn-lt"/>
+              <a:ea typeface="+mn-ea"/>
+              <a:cs typeface="+mn-cs"/>
+            </a:endParaRPr>
+          </a:p>
+          <a:p>
+            <a:pPr marL="0" marR="0" lvl="2" indent="0" algn="l" defTabSz="457200" rtl="0" eaLnBrk="1" fontAlgn="auto" latinLnBrk="0" hangingPunct="1">
+              <a:lnSpc>
+                <a:spcPct val="100000"/>
+              </a:lnSpc>
+              <a:spcBef>
+                <a:spcPts val="0"/>
+              </a:spcBef>
+              <a:spcAft>
+                <a:spcPts val="0"/>
+              </a:spcAft>
+              <a:buClrTx/>
+              <a:buSzTx/>
+              <a:buFontTx/>
+              <a:buNone/>
+              <a:tabLst/>
+              <a:defRPr/>
+            </a:pPr>
             <a:r>
               <a:rPr lang="fr-FR" sz="1200" u="sng" kern="1200" dirty="0" smtClean="0">
                 <a:solidFill>
@@ -2340,7 +3283,29 @@
                 <a:ea typeface="+mn-ea"/>
                 <a:cs typeface="+mn-cs"/>
               </a:rPr>
-              <a:t>Instances Micro</a:t>
+              <a:t>Instance </a:t>
+            </a:r>
+            <a:r>
+              <a:rPr lang="fr-FR" sz="1200" u="sng" kern="1200" dirty="0" err="1" smtClean="0">
+                <a:solidFill>
+                  <a:schemeClr val="tx1"/>
+                </a:solidFill>
+                <a:latin typeface="+mn-lt"/>
+                <a:ea typeface="+mn-ea"/>
+                <a:cs typeface="+mn-cs"/>
+              </a:rPr>
+              <a:t>reservees</a:t>
+            </a:r>
+            <a:r>
+              <a:rPr lang="fr-FR" sz="1200" u="sng" kern="1200" dirty="0" smtClean="0">
+                <a:solidFill>
+                  <a:schemeClr val="tx1"/>
+                </a:solidFill>
+                <a:latin typeface="+mn-lt"/>
+                <a:ea typeface="+mn-ea"/>
+                <a:cs typeface="+mn-cs"/>
+              </a:rPr>
+              <a:t> : </a:t>
             </a:r>
             <a:r>
               <a:rPr lang="fr-FR" sz="1200" kern="1200" dirty="0" smtClean="0">
@@ -2351,10 +3316,56 @@
                 <a:ea typeface="+mn-ea"/>
                 <a:cs typeface="+mn-cs"/>
               </a:rPr>
-              <a:t> : 613 </a:t>
-            </a:r>
-            <a:r>
-              <a:rPr lang="fr-FR" sz="1200" kern="1200" dirty="0" err="1" smtClean="0">
+              <a:t> Il y a trois types d'instances réservées (Instances réservées d'utilisation légère, modérée et intensive)</a:t>
+            </a:r>
+          </a:p>
+          <a:p>
+            <a:pPr marL="0" marR="0" lvl="2" indent="0" algn="l" defTabSz="457200" rtl="0" eaLnBrk="1" fontAlgn="auto" latinLnBrk="0" hangingPunct="1">
+              <a:lnSpc>
+                <a:spcPct val="100000"/>
+              </a:lnSpc>
+              <a:spcBef>
+                <a:spcPts val="0"/>
+              </a:spcBef>
+              <a:spcAft>
+                <a:spcPts val="0"/>
+              </a:spcAft>
+              <a:buClrTx/>
+              <a:buSzTx/>
+              <a:buFontTx/>
+              <a:buNone/>
+              <a:tabLst/>
+              <a:defRPr/>
+            </a:pPr>
+            <a:endParaRPr lang="fr-FR" sz="1200" u="sng" kern="1200" dirty="0" smtClean="0">
+              <a:solidFill>
+                <a:schemeClr val="tx1"/>
+              </a:solidFill>
+              <a:latin typeface="+mn-lt"/>
+              <a:ea typeface="+mn-ea"/>
+              <a:cs typeface="+mn-cs"/>
+            </a:endParaRPr>
+          </a:p>
+          <a:p>
+            <a:pPr marL="0" marR="0" lvl="2" indent="0" algn="l" defTabSz="457200" rtl="0" eaLnBrk="1" fontAlgn="auto" latinLnBrk="0" hangingPunct="1">
+              <a:lnSpc>
+                <a:spcPct val="100000"/>
+              </a:lnSpc>
+              <a:spcBef>
+                <a:spcPts val="0"/>
+              </a:spcBef>
+              <a:spcAft>
+                <a:spcPts val="0"/>
+              </a:spcAft>
+              <a:buClrTx/>
+              <a:buSzTx/>
+              <a:buFontTx/>
+              <a:buNone/>
+              <a:tabLst/>
+              <a:defRPr/>
+            </a:pPr>
+            <a:r>
+              <a:rPr lang="fr-FR" sz="1200" u="sng" kern="1200" dirty="0" smtClean="0">
                 <a:solidFill>
                   <a:schemeClr val="tx1"/>
                 </a:solidFill>
@@ -2362,7 +3373,7 @@
                 <a:ea typeface="+mn-ea"/>
                 <a:cs typeface="+mn-cs"/>
               </a:rPr>
-              <a:t>MiB</a:t>
+              <a:t>Instance ponctuelles </a:t>
             </a:r>
             <a:r>
               <a:rPr lang="fr-FR" sz="1200" kern="1200" dirty="0" smtClean="0">
@@ -2373,33 +3384,10 @@
                 <a:ea typeface="+mn-ea"/>
                 <a:cs typeface="+mn-cs"/>
               </a:rPr>
-              <a:t> de mémoire, jusqu'à 2 unités de calcul EC2 (pour les pics périodiques de courte durée), stockage EBS uniquement, plate-forme 32 bits ou 64 bits</a:t>
-            </a:r>
-          </a:p>
-          <a:p>
-            <a:endParaRPr lang="fr-FR" sz="1200" u="sng" kern="1200" dirty="0" smtClean="0">
-              <a:solidFill>
-                <a:schemeClr val="tx1"/>
-              </a:solidFill>
-              <a:latin typeface="+mn-lt"/>
-              <a:ea typeface="+mn-ea"/>
-              <a:cs typeface="+mn-cs"/>
-            </a:endParaRPr>
-          </a:p>
-          <a:p>
-            <a:r>
-              <a:rPr lang="fr-FR" sz="1200" u="sng" kern="1200" dirty="0" smtClean="0">
-                <a:solidFill>
-                  <a:schemeClr val="tx1"/>
-                </a:solidFill>
-                <a:latin typeface="+mn-lt"/>
-                <a:ea typeface="+mn-ea"/>
-                <a:cs typeface="+mn-cs"/>
-              </a:rPr>
-              <a:t>Instance CPU</a:t>
-            </a:r>
-            <a:r>
-              <a:rPr lang="fr-FR" sz="1200" u="sng" kern="1200" baseline="0" dirty="0" smtClean="0">
+              <a:t>:</a:t>
+            </a:r>
+            <a:r>
+              <a:rPr lang="fr-FR" sz="1200" kern="1200" baseline="0" dirty="0" smtClean="0">
                 <a:solidFill>
                   <a:schemeClr val="tx1"/>
                 </a:solidFill>
@@ -2410,17 +3398,6 @@
               <a:t> </a:t>
             </a:r>
             <a:r>
-              <a:rPr lang="fr-FR" sz="1200" kern="1200" baseline="0" dirty="0" smtClean="0">
-                <a:solidFill>
-                  <a:schemeClr val="tx1"/>
-                </a:solidFill>
-                <a:latin typeface="+mn-lt"/>
-                <a:ea typeface="+mn-ea"/>
-                <a:cs typeface="+mn-cs"/>
-              </a:rPr>
-              <a:t>: </a:t>
-            </a:r>
-            <a:r>
               <a:rPr lang="fr-FR" sz="1200" kern="1200" dirty="0" smtClean="0">
                 <a:solidFill>
                   <a:schemeClr val="tx1"/>
@@ -2429,87 +3406,9 @@
                 <a:ea typeface="+mn-ea"/>
                 <a:cs typeface="+mn-cs"/>
               </a:rPr>
-              <a:t>Les instances de cette famille possèdent proportionnellement plus de ressources CPU que de mémoire (RAM) et sont très adaptées aux applications nécessitant des calculs intensifs.</a:t>
-            </a:r>
-          </a:p>
-          <a:p>
-            <a:endParaRPr lang="fr-FR" sz="1200" kern="1200" dirty="0" smtClean="0">
-              <a:solidFill>
-                <a:schemeClr val="tx1"/>
-              </a:solidFill>
-              <a:latin typeface="+mn-lt"/>
-              <a:ea typeface="+mn-ea"/>
-              <a:cs typeface="+mn-cs"/>
-            </a:endParaRPr>
-          </a:p>
-          <a:p>
-            <a:r>
-              <a:rPr lang="fr-FR" sz="1200" u="sng" kern="1200" dirty="0" err="1" smtClean="0">
-                <a:solidFill>
-                  <a:schemeClr val="tx1"/>
-                </a:solidFill>
-                <a:latin typeface="+mn-lt"/>
-                <a:ea typeface="+mn-ea"/>
-                <a:cs typeface="+mn-cs"/>
-              </a:rPr>
-              <a:t>Iinstance</a:t>
-            </a:r>
-            <a:r>
-              <a:rPr lang="fr-FR" sz="1200" u="sng" kern="1200" baseline="0" dirty="0" smtClean="0">
-                <a:solidFill>
-                  <a:schemeClr val="tx1"/>
-                </a:solidFill>
-                <a:latin typeface="+mn-lt"/>
-                <a:ea typeface="+mn-ea"/>
-                <a:cs typeface="+mn-cs"/>
-              </a:rPr>
-              <a:t> cluster </a:t>
-            </a:r>
-            <a:r>
-              <a:rPr lang="fr-FR" sz="1200" u="sng" kern="1200" baseline="0" dirty="0" err="1" smtClean="0">
-                <a:solidFill>
-                  <a:schemeClr val="tx1"/>
-                </a:solidFill>
-                <a:latin typeface="+mn-lt"/>
-                <a:ea typeface="+mn-ea"/>
-                <a:cs typeface="+mn-cs"/>
-              </a:rPr>
-              <a:t>compute</a:t>
-            </a:r>
-            <a:r>
-              <a:rPr lang="fr-FR" sz="1200" u="sng" kern="1200" baseline="0" dirty="0" smtClean="0">
-                <a:solidFill>
-                  <a:schemeClr val="tx1"/>
-                </a:solidFill>
-                <a:latin typeface="+mn-lt"/>
-                <a:ea typeface="+mn-ea"/>
-                <a:cs typeface="+mn-cs"/>
-              </a:rPr>
-              <a:t> </a:t>
-            </a:r>
-            <a:r>
-              <a:rPr lang="fr-FR" sz="1200" kern="1200" baseline="0" dirty="0" smtClean="0">
-                <a:solidFill>
-                  <a:schemeClr val="tx1"/>
-                </a:solidFill>
-                <a:latin typeface="+mn-lt"/>
-                <a:ea typeface="+mn-ea"/>
-                <a:cs typeface="+mn-cs"/>
-              </a:rPr>
-              <a:t>: </a:t>
-            </a:r>
-            <a:r>
-              <a:rPr lang="fr-FR" sz="1200" kern="1200" dirty="0" smtClean="0">
-                <a:solidFill>
-                  <a:schemeClr val="tx1"/>
-                </a:solidFill>
-                <a:latin typeface="+mn-lt"/>
-                <a:ea typeface="+mn-ea"/>
-                <a:cs typeface="+mn-cs"/>
-              </a:rPr>
-              <a:t>Les instances cette famille fournissent proportionnellement plus de ressources CPU avec une performance réseau améliorée et sont adaptées aux applications Calculs Haute Performance (HPC) et aux autres applications nécessitant un lien réseau.</a:t>
-            </a:r>
-            <a:endParaRPr lang="fr-FR" sz="4800" u="sng" dirty="0" smtClean="0"/>
+              <a:t>Le prix ponctuel change périodiquement en fonction de l'offre et de la demande, et les clients, dont les offres répondent ou dépassent ce prix, ont accès aux instances ponctuelles disponibles. Si les heures d'exécution de vos applications sont flexibles, les instances ponctuelles peuvent faire baisser de manière significative vos coûts Amazon EC2.</a:t>
+            </a:r>
+            <a:endParaRPr lang="fr-FR" sz="3200" u="sng" dirty="0" smtClean="0"/>
           </a:p>
         </p:txBody>
       </p:sp>
@@ -2530,7 +3429,8 @@
           <a:p>
             <a:fld id="{7CFB7986-A455-FF4B-8986-0F422CDEA853}" type="slidenum">
               <a:rPr lang="fr-FR" smtClean="0"/>
-              <a:t>11</a:t>
+              <a:pPr/>
+              <a:t>10</a:t>
             </a:fld>
             <a:endParaRPr lang="fr-FR"/>
           </a:p>
@@ -2539,7 +3439,7 @@
     </p:spTree>
     <p:extLst>
       <p:ext uri="{BB962C8B-B14F-4D97-AF65-F5344CB8AC3E}">
-        <p14:creationId xmlns:p14="http://schemas.microsoft.com/office/powerpoint/2010/main" val="2736999507"/>
+        <p14:creationId xmlns="" xmlns:p14="http://schemas.microsoft.com/office/powerpoint/2010/main" val="2736999507"/>
       </p:ext>
     </p:extLst>
   </p:cSld>
@@ -2593,57 +3493,185 @@
           <a:bodyPr/>
           <a:lstStyle/>
           <a:p>
-            <a:pPr marL="171450" indent="-171450">
-              <a:buFontTx/>
-              <a:buChar char="-"/>
-            </a:pPr>
-            <a:r>
-              <a:rPr lang="fr-FR" dirty="0" smtClean="0"/>
-              <a:t>Facile d'utilisation : Abstraction liées au stockage et à la distribution de fichiers multimédia. Des outils de management et des APIs de services web pour aider à la mise en œuvre.</a:t>
-            </a:r>
-          </a:p>
-          <a:p>
-            <a:pPr marL="171450" indent="-171450">
-              <a:buFontTx/>
-              <a:buChar char="-"/>
-            </a:pPr>
-            <a:r>
-              <a:rPr lang="fr-FR" dirty="0" smtClean="0"/>
-              <a:t>Flexible : </a:t>
-            </a:r>
-            <a:r>
-              <a:rPr lang="fr-FR" dirty="0" err="1" smtClean="0"/>
-              <a:t>Personalisation</a:t>
-            </a:r>
-            <a:r>
-              <a:rPr lang="fr-FR" dirty="0" smtClean="0"/>
-              <a:t> de l'</a:t>
-            </a:r>
-            <a:r>
-              <a:rPr lang="fr-FR" dirty="0" err="1" smtClean="0"/>
-              <a:t>environement</a:t>
-            </a:r>
-            <a:r>
-              <a:rPr lang="fr-FR" dirty="0" smtClean="0"/>
-              <a:t> (OS, langage de programmation, logiciels &amp; services).</a:t>
-            </a:r>
-          </a:p>
-          <a:p>
-            <a:pPr marL="171450" indent="-171450">
-              <a:buFontTx/>
-              <a:buChar char="-"/>
-            </a:pPr>
-            <a:r>
-              <a:rPr lang="fr-FR" dirty="0" smtClean="0"/>
-              <a:t>Economique : Paiement que de la puissance de calcul, le stockage et les ressources utilisées. Aucun contrat d'engagement.</a:t>
-            </a:r>
-          </a:p>
-          <a:p>
-            <a:r>
-              <a:rPr lang="fr-FR" dirty="0" smtClean="0"/>
-              <a:t>- Fiable : Infrastructure de calcul ajustable (en fonction de la demande), fiable et sécurisée (physique, opérationnel, logiciel). Réseaux privés virtuels.</a:t>
-            </a:r>
-            <a:endParaRPr lang="fr-FR" dirty="0"/>
+            <a:r>
+              <a:rPr lang="fr-FR" sz="1200" u="sng" kern="1200" dirty="0" smtClean="0">
+                <a:solidFill>
+                  <a:schemeClr val="tx1"/>
+                </a:solidFill>
+                <a:latin typeface="+mn-lt"/>
+                <a:ea typeface="+mn-ea"/>
+                <a:cs typeface="+mn-cs"/>
+              </a:rPr>
+              <a:t>Instances Micro</a:t>
+            </a:r>
+            <a:r>
+              <a:rPr lang="fr-FR" sz="1200" kern="1200" dirty="0" smtClean="0">
+                <a:solidFill>
+                  <a:schemeClr val="tx1"/>
+                </a:solidFill>
+                <a:latin typeface="+mn-lt"/>
+                <a:ea typeface="+mn-ea"/>
+                <a:cs typeface="+mn-cs"/>
+              </a:rPr>
+              <a:t> : 613 </a:t>
+            </a:r>
+            <a:r>
+              <a:rPr lang="fr-FR" sz="1200" kern="1200" dirty="0" err="1" smtClean="0">
+                <a:solidFill>
+                  <a:schemeClr val="tx1"/>
+                </a:solidFill>
+                <a:latin typeface="+mn-lt"/>
+                <a:ea typeface="+mn-ea"/>
+                <a:cs typeface="+mn-cs"/>
+              </a:rPr>
+              <a:t>MiB</a:t>
+            </a:r>
+            <a:r>
+              <a:rPr lang="fr-FR" sz="1200" kern="1200" dirty="0" smtClean="0">
+                <a:solidFill>
+                  <a:schemeClr val="tx1"/>
+                </a:solidFill>
+                <a:latin typeface="+mn-lt"/>
+                <a:ea typeface="+mn-ea"/>
+                <a:cs typeface="+mn-cs"/>
+              </a:rPr>
+              <a:t> de mémoire, jusqu'à 2 unités de calcul EC2 (pour les pics périodiques de courte durée), stockage EBS uniquement, plate-forme 32 bits ou 64 bits</a:t>
+            </a:r>
+          </a:p>
+          <a:p>
+            <a:endParaRPr lang="fr-FR" sz="1200" u="sng" kern="1200" dirty="0" smtClean="0">
+              <a:solidFill>
+                <a:schemeClr val="tx1"/>
+              </a:solidFill>
+              <a:latin typeface="+mn-lt"/>
+              <a:ea typeface="+mn-ea"/>
+              <a:cs typeface="+mn-cs"/>
+            </a:endParaRPr>
+          </a:p>
+          <a:p>
+            <a:r>
+              <a:rPr lang="fr-FR" sz="1200" u="sng" kern="1200" dirty="0" smtClean="0">
+                <a:solidFill>
+                  <a:schemeClr val="tx1"/>
+                </a:solidFill>
+                <a:latin typeface="+mn-lt"/>
+                <a:ea typeface="+mn-ea"/>
+                <a:cs typeface="+mn-cs"/>
+              </a:rPr>
+              <a:t>Instance CPU</a:t>
+            </a:r>
+            <a:r>
+              <a:rPr lang="fr-FR" sz="1200" u="sng" kern="1200" baseline="0" dirty="0" smtClean="0">
+                <a:solidFill>
+                  <a:schemeClr val="tx1"/>
+                </a:solidFill>
+                <a:latin typeface="+mn-lt"/>
+                <a:ea typeface="+mn-ea"/>
+                <a:cs typeface="+mn-cs"/>
+              </a:rPr>
+              <a:t> </a:t>
+            </a:r>
+            <a:r>
+              <a:rPr lang="fr-FR" sz="1200" kern="1200" baseline="0" dirty="0" smtClean="0">
+                <a:solidFill>
+                  <a:schemeClr val="tx1"/>
+                </a:solidFill>
+                <a:latin typeface="+mn-lt"/>
+                <a:ea typeface="+mn-ea"/>
+                <a:cs typeface="+mn-cs"/>
+              </a:rPr>
+              <a:t>: </a:t>
+            </a:r>
+            <a:r>
+              <a:rPr lang="fr-FR" sz="1200" kern="1200" dirty="0" smtClean="0">
+                <a:solidFill>
+                  <a:schemeClr val="tx1"/>
+                </a:solidFill>
+                <a:latin typeface="+mn-lt"/>
+                <a:ea typeface="+mn-ea"/>
+                <a:cs typeface="+mn-cs"/>
+              </a:rPr>
+              <a:t>Les instances de cette famille possèdent proportionnellement plus de ressources CPU que de mémoire (RAM) et sont très adaptées aux applications nécessitant des calculs intensifs.</a:t>
+            </a:r>
+          </a:p>
+          <a:p>
+            <a:endParaRPr lang="fr-FR" sz="1200" kern="1200" dirty="0" smtClean="0">
+              <a:solidFill>
+                <a:schemeClr val="tx1"/>
+              </a:solidFill>
+              <a:latin typeface="+mn-lt"/>
+              <a:ea typeface="+mn-ea"/>
+              <a:cs typeface="+mn-cs"/>
+            </a:endParaRPr>
+          </a:p>
+          <a:p>
+            <a:r>
+              <a:rPr lang="fr-FR" sz="1200" u="sng" kern="1200" dirty="0" err="1" smtClean="0">
+                <a:solidFill>
+                  <a:schemeClr val="tx1"/>
+                </a:solidFill>
+                <a:latin typeface="+mn-lt"/>
+                <a:ea typeface="+mn-ea"/>
+                <a:cs typeface="+mn-cs"/>
+              </a:rPr>
+              <a:t>Iinstance</a:t>
+            </a:r>
+            <a:r>
+              <a:rPr lang="fr-FR" sz="1200" u="sng" kern="1200" baseline="0" dirty="0" smtClean="0">
+                <a:solidFill>
+                  <a:schemeClr val="tx1"/>
+                </a:solidFill>
+                <a:latin typeface="+mn-lt"/>
+                <a:ea typeface="+mn-ea"/>
+                <a:cs typeface="+mn-cs"/>
+              </a:rPr>
+              <a:t> cluster </a:t>
+            </a:r>
+            <a:r>
+              <a:rPr lang="fr-FR" sz="1200" u="sng" kern="1200" baseline="0" dirty="0" err="1" smtClean="0">
+                <a:solidFill>
+                  <a:schemeClr val="tx1"/>
+                </a:solidFill>
+                <a:latin typeface="+mn-lt"/>
+                <a:ea typeface="+mn-ea"/>
+                <a:cs typeface="+mn-cs"/>
+              </a:rPr>
+              <a:t>compute</a:t>
+            </a:r>
+            <a:r>
+              <a:rPr lang="fr-FR" sz="1200" u="sng" kern="1200" baseline="0" dirty="0" smtClean="0">
+                <a:solidFill>
+                  <a:schemeClr val="tx1"/>
+                </a:solidFill>
+                <a:latin typeface="+mn-lt"/>
+                <a:ea typeface="+mn-ea"/>
+                <a:cs typeface="+mn-cs"/>
+              </a:rPr>
+              <a:t> </a:t>
+            </a:r>
+            <a:r>
+              <a:rPr lang="fr-FR" sz="1200" kern="1200" baseline="0" dirty="0" smtClean="0">
+                <a:solidFill>
+                  <a:schemeClr val="tx1"/>
+                </a:solidFill>
+                <a:latin typeface="+mn-lt"/>
+                <a:ea typeface="+mn-ea"/>
+                <a:cs typeface="+mn-cs"/>
+              </a:rPr>
+              <a:t>: </a:t>
+            </a:r>
+            <a:r>
+              <a:rPr lang="fr-FR" sz="1200" kern="1200" dirty="0" smtClean="0">
+                <a:solidFill>
+                  <a:schemeClr val="tx1"/>
+                </a:solidFill>
+                <a:latin typeface="+mn-lt"/>
+                <a:ea typeface="+mn-ea"/>
+                <a:cs typeface="+mn-cs"/>
+              </a:rPr>
+              <a:t>Les instances cette famille fournissent proportionnellement plus de ressources CPU avec une performance réseau améliorée et sont adaptées aux applications Calculs Haute Performance (HPC) et aux autres applications nécessitant un lien réseau.</a:t>
+            </a:r>
+            <a:endParaRPr lang="fr-FR" sz="4800" u="sng" dirty="0" smtClean="0"/>
           </a:p>
         </p:txBody>
       </p:sp>
@@ -2664,7 +3692,8 @@
           <a:p>
             <a:fld id="{7CFB7986-A455-FF4B-8986-0F422CDEA853}" type="slidenum">
               <a:rPr lang="fr-FR" smtClean="0"/>
-              <a:t>12</a:t>
+              <a:pPr/>
+              <a:t>11</a:t>
             </a:fld>
             <a:endParaRPr lang="fr-FR"/>
           </a:p>
@@ -2673,7 +3702,7 @@
     </p:spTree>
     <p:extLst>
       <p:ext uri="{BB962C8B-B14F-4D97-AF65-F5344CB8AC3E}">
-        <p14:creationId xmlns:p14="http://schemas.microsoft.com/office/powerpoint/2010/main" val="2736999507"/>
+        <p14:creationId xmlns="" xmlns:p14="http://schemas.microsoft.com/office/powerpoint/2010/main" val="2736999507"/>
       </p:ext>
     </p:extLst>
   </p:cSld>
@@ -2869,7 +3898,8 @@
           <a:p>
             <a:fld id="{70BA1CFD-BFF0-48BC-9BA5-4974D7A6AB15}" type="datetimeFigureOut">
               <a:rPr lang="en-US" smtClean="0"/>
-              <a:t>06/12/12</a:t>
+              <a:pPr/>
+              <a:t>12/6/2012</a:t>
             </a:fld>
             <a:endParaRPr lang="en-US"/>
           </a:p>
@@ -2911,7 +3941,8 @@
           <a:p>
             <a:fld id="{D12AA694-00EB-4F4B-AABB-6F50FB178914}" type="slidenum">
               <a:rPr lang="en-US" smtClean="0"/>
-              <a:t>‹#›</a:t>
+              <a:pPr/>
+              <a:t>‹N°›</a:t>
             </a:fld>
             <a:endParaRPr lang="en-US"/>
           </a:p>
@@ -2926,7 +3957,7 @@
           <p:nvPr/>
         </p:nvPicPr>
         <p:blipFill>
-          <a:blip r:embed="rId2"/>
+          <a:blip r:embed="rId2" cstate="print"/>
           <a:stretch>
             <a:fillRect/>
           </a:stretch>
@@ -3226,7 +4257,8 @@
           <a:p>
             <a:fld id="{70BA1CFD-BFF0-48BC-9BA5-4974D7A6AB15}" type="datetimeFigureOut">
               <a:rPr lang="en-US" smtClean="0"/>
-              <a:t>06/12/12</a:t>
+              <a:pPr/>
+              <a:t>12/6/2012</a:t>
             </a:fld>
             <a:endParaRPr lang="en-US"/>
           </a:p>
@@ -3268,7 +4300,8 @@
           <a:p>
             <a:fld id="{D12AA694-00EB-4F4B-AABB-6F50FB178914}" type="slidenum">
               <a:rPr lang="en-US" smtClean="0"/>
-              <a:t>‹#›</a:t>
+              <a:pPr/>
+              <a:t>‹N°›</a:t>
             </a:fld>
             <a:endParaRPr lang="en-US"/>
           </a:p>
@@ -3395,7 +4428,8 @@
           <a:p>
             <a:fld id="{70BA1CFD-BFF0-48BC-9BA5-4974D7A6AB15}" type="datetimeFigureOut">
               <a:rPr lang="en-US" smtClean="0"/>
-              <a:t>06/12/12</a:t>
+              <a:pPr/>
+              <a:t>12/6/2012</a:t>
             </a:fld>
             <a:endParaRPr lang="en-US"/>
           </a:p>
@@ -3437,7 +4471,8 @@
           <a:p>
             <a:fld id="{D12AA694-00EB-4F4B-AABB-6F50FB178914}" type="slidenum">
               <a:rPr lang="en-US" smtClean="0"/>
-              <a:t>‹#›</a:t>
+              <a:pPr/>
+              <a:t>‹N°›</a:t>
             </a:fld>
             <a:endParaRPr lang="en-US"/>
           </a:p>
@@ -3574,7 +4609,8 @@
           <a:p>
             <a:fld id="{70BA1CFD-BFF0-48BC-9BA5-4974D7A6AB15}" type="datetimeFigureOut">
               <a:rPr lang="en-US" smtClean="0"/>
-              <a:t>06/12/12</a:t>
+              <a:pPr/>
+              <a:t>12/6/2012</a:t>
             </a:fld>
             <a:endParaRPr lang="en-US"/>
           </a:p>
@@ -3616,7 +4652,8 @@
           <a:p>
             <a:fld id="{D12AA694-00EB-4F4B-AABB-6F50FB178914}" type="slidenum">
               <a:rPr lang="en-US" smtClean="0"/>
-              <a:t>‹#›</a:t>
+              <a:pPr/>
+              <a:t>‹N°›</a:t>
             </a:fld>
             <a:endParaRPr lang="en-US"/>
           </a:p>
@@ -3743,7 +4780,8 @@
           <a:p>
             <a:fld id="{70BA1CFD-BFF0-48BC-9BA5-4974D7A6AB15}" type="datetimeFigureOut">
               <a:rPr lang="en-US" smtClean="0"/>
-              <a:t>06/12/12</a:t>
+              <a:pPr/>
+              <a:t>12/6/2012</a:t>
             </a:fld>
             <a:endParaRPr lang="en-US"/>
           </a:p>
@@ -3785,7 +4823,8 @@
           <a:p>
             <a:fld id="{D12AA694-00EB-4F4B-AABB-6F50FB178914}" type="slidenum">
               <a:rPr lang="en-US" smtClean="0"/>
-              <a:t>‹#›</a:t>
+              <a:pPr/>
+              <a:t>‹N°›</a:t>
             </a:fld>
             <a:endParaRPr lang="en-US"/>
           </a:p>
@@ -4020,7 +5059,8 @@
           <a:p>
             <a:fld id="{70BA1CFD-BFF0-48BC-9BA5-4974D7A6AB15}" type="datetimeFigureOut">
               <a:rPr lang="en-US" smtClean="0"/>
-              <a:t>06/12/12</a:t>
+              <a:pPr/>
+              <a:t>12/6/2012</a:t>
             </a:fld>
             <a:endParaRPr lang="en-US"/>
           </a:p>
@@ -4062,7 +5102,8 @@
           <a:p>
             <a:fld id="{D12AA694-00EB-4F4B-AABB-6F50FB178914}" type="slidenum">
               <a:rPr lang="en-US" smtClean="0"/>
-              <a:t>‹#›</a:t>
+              <a:pPr/>
+              <a:t>‹N°›</a:t>
             </a:fld>
             <a:endParaRPr lang="en-US"/>
           </a:p>
@@ -4312,7 +5353,8 @@
           <a:p>
             <a:fld id="{70BA1CFD-BFF0-48BC-9BA5-4974D7A6AB15}" type="datetimeFigureOut">
               <a:rPr lang="en-US" smtClean="0"/>
-              <a:t>06/12/12</a:t>
+              <a:pPr/>
+              <a:t>12/6/2012</a:t>
             </a:fld>
             <a:endParaRPr lang="en-US"/>
           </a:p>
@@ -4354,7 +5396,8 @@
           <a:p>
             <a:fld id="{D12AA694-00EB-4F4B-AABB-6F50FB178914}" type="slidenum">
               <a:rPr lang="en-US" smtClean="0"/>
-              <a:t>‹#›</a:t>
+              <a:pPr/>
+              <a:t>‹N°›</a:t>
             </a:fld>
             <a:endParaRPr lang="en-US"/>
           </a:p>
@@ -4748,7 +5791,8 @@
           <a:p>
             <a:fld id="{70BA1CFD-BFF0-48BC-9BA5-4974D7A6AB15}" type="datetimeFigureOut">
               <a:rPr lang="en-US" smtClean="0"/>
-              <a:t>06/12/12</a:t>
+              <a:pPr/>
+              <a:t>12/6/2012</a:t>
             </a:fld>
             <a:endParaRPr lang="en-US"/>
           </a:p>
@@ -4790,7 +5834,8 @@
           <a:p>
             <a:fld id="{D12AA694-00EB-4F4B-AABB-6F50FB178914}" type="slidenum">
               <a:rPr lang="en-US" smtClean="0"/>
-              <a:t>‹#›</a:t>
+              <a:pPr/>
+              <a:t>‹N°›</a:t>
             </a:fld>
             <a:endParaRPr lang="en-US"/>
           </a:p>
@@ -4861,7 +5906,8 @@
           <a:p>
             <a:fld id="{70BA1CFD-BFF0-48BC-9BA5-4974D7A6AB15}" type="datetimeFigureOut">
               <a:rPr lang="en-US" smtClean="0"/>
-              <a:t>06/12/12</a:t>
+              <a:pPr/>
+              <a:t>12/6/2012</a:t>
             </a:fld>
             <a:endParaRPr lang="en-US"/>
           </a:p>
@@ -4903,7 +5949,8 @@
           <a:p>
             <a:fld id="{D12AA694-00EB-4F4B-AABB-6F50FB178914}" type="slidenum">
               <a:rPr lang="en-US" smtClean="0"/>
-              <a:t>‹#›</a:t>
+              <a:pPr/>
+              <a:t>‹N°›</a:t>
             </a:fld>
             <a:endParaRPr lang="en-US"/>
           </a:p>
@@ -4951,7 +5998,8 @@
           <a:p>
             <a:fld id="{70BA1CFD-BFF0-48BC-9BA5-4974D7A6AB15}" type="datetimeFigureOut">
               <a:rPr lang="en-US" smtClean="0"/>
-              <a:t>06/12/12</a:t>
+              <a:pPr/>
+              <a:t>12/6/2012</a:t>
             </a:fld>
             <a:endParaRPr lang="en-US"/>
           </a:p>
@@ -4993,7 +6041,8 @@
           <a:p>
             <a:fld id="{D12AA694-00EB-4F4B-AABB-6F50FB178914}" type="slidenum">
               <a:rPr lang="en-US" smtClean="0"/>
-              <a:t>‹#›</a:t>
+              <a:pPr/>
+              <a:t>‹N°›</a:t>
             </a:fld>
             <a:endParaRPr lang="en-US"/>
           </a:p>
@@ -5288,7 +6337,8 @@
           <a:p>
             <a:fld id="{70BA1CFD-BFF0-48BC-9BA5-4974D7A6AB15}" type="datetimeFigureOut">
               <a:rPr lang="en-US" smtClean="0"/>
-              <a:t>06/12/12</a:t>
+              <a:pPr/>
+              <a:t>12/6/2012</a:t>
             </a:fld>
             <a:endParaRPr lang="en-US"/>
           </a:p>
@@ -5330,7 +6380,8 @@
           <a:p>
             <a:fld id="{D12AA694-00EB-4F4B-AABB-6F50FB178914}" type="slidenum">
               <a:rPr lang="en-US" smtClean="0"/>
-              <a:t>‹#›</a:t>
+              <a:pPr/>
+              <a:t>‹N°›</a:t>
             </a:fld>
             <a:endParaRPr lang="en-US"/>
           </a:p>
@@ -5603,7 +6654,8 @@
           <a:p>
             <a:fld id="{70BA1CFD-BFF0-48BC-9BA5-4974D7A6AB15}" type="datetimeFigureOut">
               <a:rPr lang="en-US" smtClean="0"/>
-              <a:t>06/12/12</a:t>
+              <a:pPr/>
+              <a:t>12/6/2012</a:t>
             </a:fld>
             <a:endParaRPr lang="en-US"/>
           </a:p>
@@ -5645,7 +6697,8 @@
           <a:p>
             <a:fld id="{D12AA694-00EB-4F4B-AABB-6F50FB178914}" type="slidenum">
               <a:rPr lang="en-US" smtClean="0"/>
-              <a:t>‹#›</a:t>
+              <a:pPr/>
+              <a:t>‹N°›</a:t>
             </a:fld>
             <a:endParaRPr lang="en-US"/>
           </a:p>
@@ -5690,7 +6743,7 @@
           <p:nvPr/>
         </p:nvPicPr>
         <p:blipFill>
-          <a:blip r:embed="rId14"/>
+          <a:blip r:embed="rId14" cstate="print"/>
           <a:stretch>
             <a:fillRect/>
           </a:stretch>
@@ -5849,7 +6902,8 @@
           <a:p>
             <a:fld id="{70BA1CFD-BFF0-48BC-9BA5-4974D7A6AB15}" type="datetimeFigureOut">
               <a:rPr lang="en-US" smtClean="0"/>
-              <a:t>06/12/12</a:t>
+              <a:pPr/>
+              <a:t>12/6/2012</a:t>
             </a:fld>
             <a:endParaRPr lang="en-US"/>
           </a:p>
@@ -5941,7 +6995,8 @@
           <a:p>
             <a:fld id="{D12AA694-00EB-4F4B-AABB-6F50FB178914}" type="slidenum">
               <a:rPr lang="en-US" smtClean="0"/>
-              <a:t>‹#›</a:t>
+              <a:pPr/>
+              <a:t>‹N°›</a:t>
             </a:fld>
             <a:endParaRPr lang="en-US"/>
           </a:p>
@@ -6390,7 +7445,7 @@
     </p:spTree>
     <p:extLst>
       <p:ext uri="{BB962C8B-B14F-4D97-AF65-F5344CB8AC3E}">
-        <p14:creationId xmlns:p14="http://schemas.microsoft.com/office/powerpoint/2010/main" val="3674561144"/>
+        <p14:creationId xmlns="" xmlns:p14="http://schemas.microsoft.com/office/powerpoint/2010/main" val="3674561144"/>
       </p:ext>
     </p:extLst>
   </p:cSld>
@@ -6400,7 +7455,7 @@
   <p:timing>
     <p:tnLst>
       <p:par>
-        <p:cTn xmlns:p14="http://schemas.microsoft.com/office/powerpoint/2010/main" id="1" dur="indefinite" restart="never" nodeType="tmRoot"/>
+        <p:cTn id="1" dur="indefinite" restart="never" nodeType="tmRoot"/>
       </p:par>
     </p:tnLst>
   </p:timing>
@@ -6538,7 +7593,7 @@
     </p:spTree>
     <p:extLst>
       <p:ext uri="{BB962C8B-B14F-4D97-AF65-F5344CB8AC3E}">
-        <p14:creationId xmlns:p14="http://schemas.microsoft.com/office/powerpoint/2010/main" val="2481083388"/>
+        <p14:creationId xmlns="" xmlns:p14="http://schemas.microsoft.com/office/powerpoint/2010/main" val="2481083388"/>
       </p:ext>
     </p:extLst>
   </p:cSld>
@@ -6548,7 +7603,7 @@
   <p:timing>
     <p:tnLst>
       <p:par>
-        <p:cTn xmlns:p14="http://schemas.microsoft.com/office/powerpoint/2010/main" id="1" dur="indefinite" restart="never" nodeType="tmRoot"/>
+        <p:cTn id="1" dur="indefinite" restart="never" nodeType="tmRoot"/>
       </p:par>
     </p:tnLst>
   </p:timing>
@@ -6689,7 +7744,7 @@
     </p:spTree>
     <p:extLst>
       <p:ext uri="{BB962C8B-B14F-4D97-AF65-F5344CB8AC3E}">
-        <p14:creationId xmlns:p14="http://schemas.microsoft.com/office/powerpoint/2010/main" val="1456333607"/>
+        <p14:creationId xmlns="" xmlns:p14="http://schemas.microsoft.com/office/powerpoint/2010/main" val="1456333607"/>
       </p:ext>
     </p:extLst>
   </p:cSld>
@@ -6699,7 +7754,7 @@
   <p:timing>
     <p:tnLst>
       <p:par>
-        <p:cTn xmlns:p14="http://schemas.microsoft.com/office/powerpoint/2010/main" id="1" dur="indefinite" restart="never" nodeType="tmRoot"/>
+        <p:cTn id="1" dur="indefinite" restart="never" nodeType="tmRoot"/>
       </p:par>
     </p:tnLst>
   </p:timing>
@@ -6809,7 +7864,7 @@
     </p:spTree>
     <p:extLst>
       <p:ext uri="{BB962C8B-B14F-4D97-AF65-F5344CB8AC3E}">
-        <p14:creationId xmlns:p14="http://schemas.microsoft.com/office/powerpoint/2010/main" val="54432857"/>
+        <p14:creationId xmlns="" xmlns:p14="http://schemas.microsoft.com/office/powerpoint/2010/main" val="54432857"/>
       </p:ext>
     </p:extLst>
   </p:cSld>
@@ -6819,7 +7874,7 @@
   <p:timing>
     <p:tnLst>
       <p:par>
-        <p:cTn xmlns:p14="http://schemas.microsoft.com/office/powerpoint/2010/main" id="1" dur="indefinite" restart="never" nodeType="tmRoot"/>
+        <p:cTn id="1" dur="indefinite" restart="never" nodeType="tmRoot"/>
       </p:par>
     </p:tnLst>
   </p:timing>
@@ -6921,7 +7976,7 @@
     </p:spTree>
     <p:extLst>
       <p:ext uri="{BB962C8B-B14F-4D97-AF65-F5344CB8AC3E}">
-        <p14:creationId xmlns:p14="http://schemas.microsoft.com/office/powerpoint/2010/main" val="1253703868"/>
+        <p14:creationId xmlns="" xmlns:p14="http://schemas.microsoft.com/office/powerpoint/2010/main" val="1253703868"/>
       </p:ext>
     </p:extLst>
   </p:cSld>
@@ -6931,7 +7986,7 @@
   <p:timing>
     <p:tnLst>
       <p:par>
-        <p:cTn xmlns:p14="http://schemas.microsoft.com/office/powerpoint/2010/main" id="1" dur="indefinite" restart="never" nodeType="tmRoot"/>
+        <p:cTn id="1" dur="indefinite" restart="never" nodeType="tmRoot"/>
       </p:par>
     </p:tnLst>
   </p:timing>
@@ -7066,10 +8121,10 @@
           <p:nvPr/>
         </p:nvPicPr>
         <p:blipFill>
-          <a:blip r:embed="rId2">
+          <a:blip r:embed="rId3" cstate="print">
             <a:extLst>
               <a:ext uri="{28A0092B-C50C-407E-A947-70E740481C1C}">
-                <a14:useLocalDpi xmlns:a14="http://schemas.microsoft.com/office/drawing/2010/main" val="0"/>
+                <a14:useLocalDpi xmlns="" xmlns:a14="http://schemas.microsoft.com/office/drawing/2010/main" val="0"/>
               </a:ext>
             </a:extLst>
           </a:blip>
@@ -7090,7 +8145,7 @@
     </p:spTree>
     <p:extLst>
       <p:ext uri="{BB962C8B-B14F-4D97-AF65-F5344CB8AC3E}">
-        <p14:creationId xmlns:p14="http://schemas.microsoft.com/office/powerpoint/2010/main" val="1758456724"/>
+        <p14:creationId xmlns="" xmlns:p14="http://schemas.microsoft.com/office/powerpoint/2010/main" val="1758456724"/>
       </p:ext>
     </p:extLst>
   </p:cSld>
@@ -7100,7 +8155,7 @@
   <p:timing>
     <p:tnLst>
       <p:par>
-        <p:cTn xmlns:p14="http://schemas.microsoft.com/office/powerpoint/2010/main" id="1" dur="indefinite" restart="never" nodeType="tmRoot"/>
+        <p:cTn id="1" dur="indefinite" restart="never" nodeType="tmRoot"/>
       </p:par>
     </p:tnLst>
   </p:timing>
@@ -7175,26 +8230,14 @@
             </a:r>
             <a:r>
               <a:rPr lang="fr-FR" sz="3200" dirty="0" smtClean="0"/>
-              <a:t> produits </a:t>
-            </a:r>
+              <a:t> produits Amazon pour l’hébergement</a:t>
+            </a:r>
+          </a:p>
+          <a:p>
+            <a:pPr lvl="1"/>
             <a:r>
               <a:rPr lang="fr-FR" sz="3200" dirty="0" smtClean="0"/>
-              <a:t>Amazon </a:t>
-            </a:r>
-            <a:r>
-              <a:rPr lang="fr-FR" sz="3200" dirty="0" smtClean="0"/>
-              <a:t>pour l’hébergement</a:t>
-            </a:r>
-          </a:p>
-          <a:p>
-            <a:pPr lvl="1"/>
-            <a:r>
-              <a:rPr lang="fr-FR" sz="3200" dirty="0" smtClean="0"/>
-              <a:t>Amazon Simple Storage Service (</a:t>
-            </a:r>
-            <a:r>
-              <a:rPr lang="fr-FR" sz="3200" dirty="0" smtClean="0"/>
-              <a:t>Amazon S3)</a:t>
+              <a:t>Amazon Simple Storage Service (Amazon S3)</a:t>
             </a:r>
           </a:p>
           <a:p>
@@ -7255,7 +8298,7 @@
     </p:spTree>
     <p:extLst>
       <p:ext uri="{BB962C8B-B14F-4D97-AF65-F5344CB8AC3E}">
-        <p14:creationId xmlns:p14="http://schemas.microsoft.com/office/powerpoint/2010/main" val="3382103634"/>
+        <p14:creationId xmlns="" xmlns:p14="http://schemas.microsoft.com/office/powerpoint/2010/main" val="3382103634"/>
       </p:ext>
     </p:extLst>
   </p:cSld>
@@ -7265,7 +8308,7 @@
   <p:timing>
     <p:tnLst>
       <p:par>
-        <p:cTn xmlns:p14="http://schemas.microsoft.com/office/powerpoint/2010/main" id="1" dur="indefinite" restart="never" nodeType="tmRoot"/>
+        <p:cTn id="1" dur="indefinite" restart="never" nodeType="tmRoot"/>
       </p:par>
     </p:tnLst>
   </p:timing>
@@ -7357,33 +8400,21 @@
             <a:pPr lvl="1"/>
             <a:r>
               <a:rPr lang="fr-FR" sz="3200" dirty="0" smtClean="0"/>
-              <a:t>Un service destin</a:t>
-            </a:r>
-            <a:r>
-              <a:rPr lang="fr-FR" sz="3200" dirty="0" smtClean="0"/>
-              <a:t>é à la diffusion de contenu</a:t>
+              <a:t>Un service destiné à la diffusion de contenu</a:t>
             </a:r>
           </a:p>
           <a:p>
             <a:pPr lvl="2"/>
             <a:r>
               <a:rPr lang="fr-FR" sz="3000" dirty="0" smtClean="0"/>
-              <a:t>Des </a:t>
-            </a:r>
+              <a:t>Des données multimédia</a:t>
+            </a:r>
+          </a:p>
+          <a:p>
+            <a:pPr lvl="2"/>
             <a:r>
               <a:rPr lang="fr-FR" sz="3000" dirty="0" smtClean="0"/>
-              <a:t>données multimédia</a:t>
-            </a:r>
-          </a:p>
-          <a:p>
-            <a:pPr lvl="2"/>
-            <a:r>
-              <a:rPr lang="fr-FR" sz="3000" dirty="0" smtClean="0"/>
-              <a:t>Des </a:t>
-            </a:r>
-            <a:r>
-              <a:rPr lang="fr-FR" sz="3000" dirty="0" smtClean="0"/>
-              <a:t>applications Web</a:t>
+              <a:t>Des applications Web</a:t>
             </a:r>
           </a:p>
           <a:p>
@@ -7449,7 +8480,7 @@
     </p:spTree>
     <p:extLst>
       <p:ext uri="{BB962C8B-B14F-4D97-AF65-F5344CB8AC3E}">
-        <p14:creationId xmlns:p14="http://schemas.microsoft.com/office/powerpoint/2010/main" val="3513131277"/>
+        <p14:creationId xmlns="" xmlns:p14="http://schemas.microsoft.com/office/powerpoint/2010/main" val="3513131277"/>
       </p:ext>
     </p:extLst>
   </p:cSld>
@@ -7459,7 +8490,7 @@
   <p:timing>
     <p:tnLst>
       <p:par>
-        <p:cTn xmlns:p14="http://schemas.microsoft.com/office/powerpoint/2010/main" id="1" dur="indefinite" restart="never" nodeType="tmRoot"/>
+        <p:cTn id="1" dur="indefinite" restart="never" nodeType="tmRoot"/>
       </p:par>
     </p:tnLst>
   </p:timing>
@@ -7505,11 +8536,7 @@
           <a:p>
             <a:r>
               <a:rPr lang="fr-FR" u="sng" dirty="0" smtClean="0"/>
-              <a:t>Amazon </a:t>
-            </a:r>
-            <a:r>
-              <a:rPr lang="fr-FR" u="sng" dirty="0" err="1" smtClean="0"/>
-              <a:t>CloudFront</a:t>
+              <a:t>Amazon CloudFront</a:t>
             </a:r>
             <a:r>
               <a:rPr lang="fr-FR" dirty="0" smtClean="0"/>
@@ -7518,14 +8545,6 @@
             <a:br>
               <a:rPr lang="fr-FR" dirty="0" smtClean="0"/>
             </a:br>
-            <a:r>
-              <a:rPr lang="fr-FR" dirty="0" smtClean="0"/>
-              <a:t>Fonctionnalit</a:t>
-            </a:r>
-            <a:r>
-              <a:rPr lang="fr-FR" dirty="0" smtClean="0"/>
-              <a:t>és</a:t>
-            </a:r>
             <a:endParaRPr lang="fr-FR" dirty="0"/>
           </a:p>
         </p:txBody>
@@ -7607,7 +8626,7 @@
     </p:spTree>
     <p:extLst>
       <p:ext uri="{BB962C8B-B14F-4D97-AF65-F5344CB8AC3E}">
-        <p14:creationId xmlns:p14="http://schemas.microsoft.com/office/powerpoint/2010/main" val="2862749631"/>
+        <p14:creationId xmlns="" xmlns:p14="http://schemas.microsoft.com/office/powerpoint/2010/main" val="2862749631"/>
       </p:ext>
     </p:extLst>
   </p:cSld>
@@ -7617,7 +8636,7 @@
   <p:timing>
     <p:tnLst>
       <p:par>
-        <p:cTn xmlns:p14="http://schemas.microsoft.com/office/powerpoint/2010/main" id="1" dur="indefinite" restart="never" nodeType="tmRoot"/>
+        <p:cTn id="1" dur="indefinite" restart="never" nodeType="tmRoot"/>
       </p:par>
     </p:tnLst>
   </p:timing>
@@ -7678,11 +8697,7 @@
             </a:br>
             <a:r>
               <a:rPr lang="fr-FR" dirty="0" smtClean="0"/>
-              <a:t>Sch</a:t>
-            </a:r>
-            <a:r>
-              <a:rPr lang="fr-FR" dirty="0" smtClean="0"/>
-              <a:t>éma explicatif</a:t>
+              <a:t>Schéma explicatif</a:t>
             </a:r>
             <a:endParaRPr lang="fr-FR" dirty="0"/>
           </a:p>
@@ -7701,10 +8716,10 @@
           </p:nvPr>
         </p:nvPicPr>
         <p:blipFill rotWithShape="1">
-          <a:blip r:embed="rId4">
+          <a:blip r:embed="rId4" cstate="print">
             <a:extLst>
               <a:ext uri="{28A0092B-C50C-407E-A947-70E740481C1C}">
-                <a14:useLocalDpi xmlns:a14="http://schemas.microsoft.com/office/drawing/2010/main" val="0"/>
+                <a14:useLocalDpi xmlns="" xmlns:a14="http://schemas.microsoft.com/office/drawing/2010/main" val="0"/>
               </a:ext>
             </a:extLst>
           </a:blip>
@@ -7721,7 +8736,7 @@
     </p:spTree>
     <p:extLst>
       <p:ext uri="{BB962C8B-B14F-4D97-AF65-F5344CB8AC3E}">
-        <p14:creationId xmlns:p14="http://schemas.microsoft.com/office/powerpoint/2010/main" val="4263246363"/>
+        <p14:creationId xmlns="" xmlns:p14="http://schemas.microsoft.com/office/powerpoint/2010/main" val="4263246363"/>
       </p:ext>
     </p:extLst>
   </p:cSld>
@@ -7731,7 +8746,7 @@
   <p:timing>
     <p:tnLst>
       <p:par>
-        <p:cTn xmlns:p14="http://schemas.microsoft.com/office/powerpoint/2010/main" id="1" dur="indefinite" restart="never" nodeType="tmRoot"/>
+        <p:cTn id="1" dur="indefinite" restart="never" nodeType="tmRoot"/>
       </p:par>
     </p:tnLst>
   </p:timing>
@@ -7840,11 +8855,7 @@
             <a:pPr lvl="2"/>
             <a:r>
               <a:rPr lang="fr-FR" sz="3000" dirty="0" smtClean="0"/>
-              <a:t>N’importe quelle quantité de </a:t>
-            </a:r>
-            <a:r>
-              <a:rPr lang="fr-FR" sz="3000" dirty="0" smtClean="0"/>
-              <a:t>données</a:t>
+              <a:t>N’importe quelle quantité de données</a:t>
             </a:r>
           </a:p>
           <a:p>
@@ -7900,7 +8911,7 @@
     </p:spTree>
     <p:extLst>
       <p:ext uri="{BB962C8B-B14F-4D97-AF65-F5344CB8AC3E}">
-        <p14:creationId xmlns:p14="http://schemas.microsoft.com/office/powerpoint/2010/main" val="16225772"/>
+        <p14:creationId xmlns="" xmlns:p14="http://schemas.microsoft.com/office/powerpoint/2010/main" val="16225772"/>
       </p:ext>
     </p:extLst>
   </p:cSld>
@@ -7910,7 +8921,7 @@
   <p:timing>
     <p:tnLst>
       <p:par>
-        <p:cTn xmlns:p14="http://schemas.microsoft.com/office/powerpoint/2010/main" id="1" dur="indefinite" restart="never" nodeType="tmRoot"/>
+        <p:cTn id="1" dur="indefinite" restart="never" nodeType="tmRoot"/>
       </p:par>
     </p:tnLst>
   </p:timing>
@@ -8056,7 +9067,7 @@
     </p:spTree>
     <p:extLst>
       <p:ext uri="{BB962C8B-B14F-4D97-AF65-F5344CB8AC3E}">
-        <p14:creationId xmlns:p14="http://schemas.microsoft.com/office/powerpoint/2010/main" val="3963556525"/>
+        <p14:creationId xmlns="" xmlns:p14="http://schemas.microsoft.com/office/powerpoint/2010/main" val="3963556525"/>
       </p:ext>
     </p:extLst>
   </p:cSld>
@@ -8066,7 +9077,7 @@
   <p:timing>
     <p:tnLst>
       <p:par>
-        <p:cTn xmlns:p14="http://schemas.microsoft.com/office/powerpoint/2010/main" id="1" dur="indefinite" restart="never" nodeType="tmRoot"/>
+        <p:cTn id="1" dur="indefinite" restart="never" nodeType="tmRoot"/>
       </p:par>
     </p:tnLst>
   </p:timing>
@@ -8179,11 +9190,7 @@
             <a:pPr lvl="2"/>
             <a:r>
               <a:rPr lang="fr-FR" sz="2800" b="0" dirty="0" smtClean="0"/>
-              <a:t>Démarrage </a:t>
-            </a:r>
-            <a:r>
-              <a:rPr lang="fr-FR" sz="2800" b="0" dirty="0" smtClean="0"/>
-              <a:t>facile</a:t>
+              <a:t>Démarrage facile</a:t>
             </a:r>
           </a:p>
           <a:p>
@@ -8241,7 +9248,7 @@
     </p:spTree>
     <p:extLst>
       <p:ext uri="{BB962C8B-B14F-4D97-AF65-F5344CB8AC3E}">
-        <p14:creationId xmlns:p14="http://schemas.microsoft.com/office/powerpoint/2010/main" val="1878226020"/>
+        <p14:creationId xmlns="" xmlns:p14="http://schemas.microsoft.com/office/powerpoint/2010/main" val="1878226020"/>
       </p:ext>
     </p:extLst>
   </p:cSld>
@@ -8251,7 +9258,7 @@
   <p:timing>
     <p:tnLst>
       <p:par>
-        <p:cTn xmlns:p14="http://schemas.microsoft.com/office/powerpoint/2010/main" id="1" dur="indefinite" restart="never" nodeType="tmRoot"/>
+        <p:cTn id="1" dur="indefinite" restart="never" nodeType="tmRoot"/>
       </p:par>
     </p:tnLst>
   </p:timing>
